--- a/AKS_02_Node_Pools.pptx
+++ b/AKS_02_Node_Pools.pptx
@@ -5,7 +5,7 @@
     <p:sldMasterId id="2147483648" r:id="rId1"/>
   </p:sldMasterIdLst>
   <p:notesMasterIdLst>
-    <p:notesMasterId r:id="rId43"/>
+    <p:notesMasterId r:id="rId49"/>
   </p:notesMasterIdLst>
   <p:sldIdLst>
     <p:sldId id="256" r:id="rId2"/>
@@ -26,17 +26,17 @@
     <p:sldId id="282" r:id="rId17"/>
     <p:sldId id="284" r:id="rId18"/>
     <p:sldId id="286" r:id="rId19"/>
-    <p:sldId id="348" r:id="rId20"/>
-    <p:sldId id="336" r:id="rId21"/>
-    <p:sldId id="338" r:id="rId22"/>
-    <p:sldId id="350" r:id="rId23"/>
-    <p:sldId id="351" r:id="rId24"/>
-    <p:sldId id="353" r:id="rId25"/>
-    <p:sldId id="354" r:id="rId26"/>
-    <p:sldId id="355" r:id="rId27"/>
-    <p:sldId id="356" r:id="rId28"/>
-    <p:sldId id="357" r:id="rId29"/>
-    <p:sldId id="352" r:id="rId30"/>
+    <p:sldId id="358" r:id="rId20"/>
+    <p:sldId id="348" r:id="rId21"/>
+    <p:sldId id="336" r:id="rId22"/>
+    <p:sldId id="338" r:id="rId23"/>
+    <p:sldId id="350" r:id="rId24"/>
+    <p:sldId id="351" r:id="rId25"/>
+    <p:sldId id="353" r:id="rId26"/>
+    <p:sldId id="354" r:id="rId27"/>
+    <p:sldId id="355" r:id="rId28"/>
+    <p:sldId id="356" r:id="rId29"/>
+    <p:sldId id="357" r:id="rId30"/>
     <p:sldId id="349" r:id="rId31"/>
     <p:sldId id="341" r:id="rId32"/>
     <p:sldId id="342" r:id="rId33"/>
@@ -46,9 +46,15 @@
     <p:sldId id="346" r:id="rId37"/>
     <p:sldId id="285" r:id="rId38"/>
     <p:sldId id="339" r:id="rId39"/>
-    <p:sldId id="340" r:id="rId40"/>
-    <p:sldId id="334" r:id="rId41"/>
-    <p:sldId id="335" r:id="rId42"/>
+    <p:sldId id="362" r:id="rId40"/>
+    <p:sldId id="364" r:id="rId41"/>
+    <p:sldId id="363" r:id="rId42"/>
+    <p:sldId id="359" r:id="rId43"/>
+    <p:sldId id="366" r:id="rId44"/>
+    <p:sldId id="367" r:id="rId45"/>
+    <p:sldId id="368" r:id="rId46"/>
+    <p:sldId id="334" r:id="rId47"/>
+    <p:sldId id="335" r:id="rId48"/>
   </p:sldIdLst>
   <p:sldSz cx="12192000" cy="6858000"/>
   <p:notesSz cx="6858000" cy="9144000"/>
@@ -158,7 +164,7 @@
 <file path=ppt/revisionInfo.xml><?xml version="1.0" encoding="utf-8"?>
 <p1510:revInfo xmlns:a="http://schemas.openxmlformats.org/drawingml/2006/main" xmlns:r="http://schemas.openxmlformats.org/officeDocument/2006/relationships" xmlns:p1510="http://schemas.microsoft.com/office/powerpoint/2015/10/main">
   <p1510:revLst>
-    <p1510:client id="{F3BF948F-92FA-4CCB-82AF-65088C23CD36}" v="32" dt="2026-01-22T14:05:29.842"/>
+    <p1510:client id="{F3BF948F-92FA-4CCB-82AF-65088C23CD36}" v="45" dt="2026-01-30T11:43:26.650"/>
   </p1510:revLst>
 </p1510:revInfo>
 </file>
@@ -168,7 +174,7 @@
   <pc:docChgLst>
     <pc:chgData name="faik bilgen" userId="9fcb1696e65a161f" providerId="LiveId" clId="{0C3A4C9E-717D-4ADE-97E0-B0AD580B3355}"/>
     <pc:docChg chg="undo custSel addSld delSld modSld sldOrd">
-      <pc:chgData name="faik bilgen" userId="9fcb1696e65a161f" providerId="LiveId" clId="{0C3A4C9E-717D-4ADE-97E0-B0AD580B3355}" dt="2026-01-22T14:48:02.165" v="982" actId="20577"/>
+      <pc:chgData name="faik bilgen" userId="9fcb1696e65a161f" providerId="LiveId" clId="{0C3A4C9E-717D-4ADE-97E0-B0AD580B3355}" dt="2026-01-30T16:55:11.553" v="1341" actId="47"/>
       <pc:docMkLst>
         <pc:docMk/>
       </pc:docMkLst>
@@ -194,13 +200,6 @@
             <ac:spMk id="3" creationId="{2CE31F24-3615-FB64-D8CE-FFA08B237245}"/>
           </ac:spMkLst>
         </pc:spChg>
-      </pc:sldChg>
-      <pc:sldChg chg="addSp delSp modSp add del mod">
-        <pc:chgData name="faik bilgen" userId="9fcb1696e65a161f" providerId="LiveId" clId="{0C3A4C9E-717D-4ADE-97E0-B0AD580B3355}" dt="2026-01-21T08:31:09.515" v="365" actId="47"/>
-        <pc:sldMkLst>
-          <pc:docMk/>
-          <pc:sldMk cId="3611786026" sldId="283"/>
-        </pc:sldMkLst>
       </pc:sldChg>
       <pc:sldChg chg="addSp delSp modSp add mod ord">
         <pc:chgData name="faik bilgen" userId="9fcb1696e65a161f" providerId="LiveId" clId="{0C3A4C9E-717D-4ADE-97E0-B0AD580B3355}" dt="2026-01-21T08:29:26.378" v="362"/>
@@ -284,29 +283,6 @@
           </ac:spMkLst>
         </pc:spChg>
       </pc:sldChg>
-      <pc:sldChg chg="delSp modSp new del mod modNotesTx">
-        <pc:chgData name="faik bilgen" userId="9fcb1696e65a161f" providerId="LiveId" clId="{0C3A4C9E-717D-4ADE-97E0-B0AD580B3355}" dt="2026-01-22T07:39:34.994" v="743" actId="47"/>
-        <pc:sldMkLst>
-          <pc:docMk/>
-          <pc:sldMk cId="714618002" sldId="337"/>
-        </pc:sldMkLst>
-        <pc:spChg chg="mod">
-          <ac:chgData name="faik bilgen" userId="9fcb1696e65a161f" providerId="LiveId" clId="{0C3A4C9E-717D-4ADE-97E0-B0AD580B3355}" dt="2026-01-21T08:20:10.078" v="280" actId="20577"/>
-          <ac:spMkLst>
-            <pc:docMk/>
-            <pc:sldMk cId="714618002" sldId="337"/>
-            <ac:spMk id="2" creationId="{4C3884BB-F8DE-647B-9B27-734601A4AABD}"/>
-          </ac:spMkLst>
-        </pc:spChg>
-        <pc:spChg chg="del">
-          <ac:chgData name="faik bilgen" userId="9fcb1696e65a161f" providerId="LiveId" clId="{0C3A4C9E-717D-4ADE-97E0-B0AD580B3355}" dt="2026-01-22T06:59:32.590" v="732" actId="478"/>
-          <ac:spMkLst>
-            <pc:docMk/>
-            <pc:sldMk cId="714618002" sldId="337"/>
-            <ac:spMk id="3" creationId="{169A67F0-B5A6-14C3-9256-EDD6C441DAB2}"/>
-          </ac:spMkLst>
-        </pc:spChg>
-      </pc:sldChg>
       <pc:sldChg chg="addSp modSp add mod setBg">
         <pc:chgData name="faik bilgen" userId="9fcb1696e65a161f" providerId="LiveId" clId="{0C3A4C9E-717D-4ADE-97E0-B0AD580B3355}" dt="2026-01-22T07:48:14.956" v="769" actId="20577"/>
         <pc:sldMkLst>
@@ -346,35 +322,59 @@
           </ac:spMkLst>
         </pc:spChg>
       </pc:sldChg>
-      <pc:sldChg chg="modSp add mod">
-        <pc:chgData name="faik bilgen" userId="9fcb1696e65a161f" providerId="LiveId" clId="{0C3A4C9E-717D-4ADE-97E0-B0AD580B3355}" dt="2026-01-21T08:20:52.657" v="337" actId="20577"/>
+      <pc:sldChg chg="addSp delSp modSp add mod setBg">
+        <pc:chgData name="faik bilgen" userId="9fcb1696e65a161f" providerId="LiveId" clId="{0C3A4C9E-717D-4ADE-97E0-B0AD580B3355}" dt="2026-01-28T08:29:49.267" v="1148" actId="26606"/>
         <pc:sldMkLst>
           <pc:docMk/>
           <pc:sldMk cId="881933350" sldId="339"/>
         </pc:sldMkLst>
         <pc:spChg chg="mod">
-          <ac:chgData name="faik bilgen" userId="9fcb1696e65a161f" providerId="LiveId" clId="{0C3A4C9E-717D-4ADE-97E0-B0AD580B3355}" dt="2026-01-21T08:20:52.657" v="337" actId="20577"/>
+          <ac:chgData name="faik bilgen" userId="9fcb1696e65a161f" providerId="LiveId" clId="{0C3A4C9E-717D-4ADE-97E0-B0AD580B3355}" dt="2026-01-28T08:29:49.267" v="1148" actId="26606"/>
           <ac:spMkLst>
             <pc:docMk/>
             <pc:sldMk cId="881933350" sldId="339"/>
             <ac:spMk id="2" creationId="{527DCD90-A352-C369-1B92-53D8752F9C1C}"/>
           </ac:spMkLst>
         </pc:spChg>
+        <pc:spChg chg="add mod">
+          <ac:chgData name="faik bilgen" userId="9fcb1696e65a161f" providerId="LiveId" clId="{0C3A4C9E-717D-4ADE-97E0-B0AD580B3355}" dt="2026-01-28T08:29:49.267" v="1148" actId="26606"/>
+          <ac:spMkLst>
+            <pc:docMk/>
+            <pc:sldMk cId="881933350" sldId="339"/>
+            <ac:spMk id="5" creationId="{AB058609-DBAF-D9FB-6414-216836245A91}"/>
+          </ac:spMkLst>
+        </pc:spChg>
+        <pc:spChg chg="add">
+          <ac:chgData name="faik bilgen" userId="9fcb1696e65a161f" providerId="LiveId" clId="{0C3A4C9E-717D-4ADE-97E0-B0AD580B3355}" dt="2026-01-28T08:29:49.267" v="1148" actId="26606"/>
+          <ac:spMkLst>
+            <pc:docMk/>
+            <pc:sldMk cId="881933350" sldId="339"/>
+            <ac:spMk id="10" creationId="{743AA782-23D1-4521-8CAD-47662984AA08}"/>
+          </ac:spMkLst>
+        </pc:spChg>
+        <pc:spChg chg="add">
+          <ac:chgData name="faik bilgen" userId="9fcb1696e65a161f" providerId="LiveId" clId="{0C3A4C9E-717D-4ADE-97E0-B0AD580B3355}" dt="2026-01-28T08:29:49.267" v="1148" actId="26606"/>
+          <ac:spMkLst>
+            <pc:docMk/>
+            <pc:sldMk cId="881933350" sldId="339"/>
+            <ac:spMk id="12" creationId="{650D18FE-0824-4A46-B22C-A86B52E5780A}"/>
+          </ac:spMkLst>
+        </pc:spChg>
+        <pc:picChg chg="add mod ord">
+          <ac:chgData name="faik bilgen" userId="9fcb1696e65a161f" providerId="LiveId" clId="{0C3A4C9E-717D-4ADE-97E0-B0AD580B3355}" dt="2026-01-28T08:29:49.267" v="1148" actId="26606"/>
+          <ac:picMkLst>
+            <pc:docMk/>
+            <pc:sldMk cId="881933350" sldId="339"/>
+            <ac:picMk id="3" creationId="{0FA5623C-8D10-1FE5-3C11-1F95E0FF78C1}"/>
+          </ac:picMkLst>
+        </pc:picChg>
       </pc:sldChg>
-      <pc:sldChg chg="modSp add mod">
-        <pc:chgData name="faik bilgen" userId="9fcb1696e65a161f" providerId="LiveId" clId="{0C3A4C9E-717D-4ADE-97E0-B0AD580B3355}" dt="2026-01-21T08:21:22.657" v="360" actId="20577"/>
+      <pc:sldChg chg="modSp add del mod">
+        <pc:chgData name="faik bilgen" userId="9fcb1696e65a161f" providerId="LiveId" clId="{0C3A4C9E-717D-4ADE-97E0-B0AD580B3355}" dt="2026-01-30T16:55:11.553" v="1341" actId="47"/>
         <pc:sldMkLst>
           <pc:docMk/>
           <pc:sldMk cId="1742032335" sldId="340"/>
         </pc:sldMkLst>
-        <pc:spChg chg="mod">
-          <ac:chgData name="faik bilgen" userId="9fcb1696e65a161f" providerId="LiveId" clId="{0C3A4C9E-717D-4ADE-97E0-B0AD580B3355}" dt="2026-01-21T08:21:22.657" v="360" actId="20577"/>
-          <ac:spMkLst>
-            <pc:docMk/>
-            <pc:sldMk cId="1742032335" sldId="340"/>
-            <ac:spMk id="2" creationId="{7E6DD2E1-0289-8369-19D8-40826DBB4AC0}"/>
-          </ac:spMkLst>
-        </pc:spChg>
       </pc:sldChg>
       <pc:sldChg chg="addSp delSp modSp add mod">
         <pc:chgData name="faik bilgen" userId="9fcb1696e65a161f" providerId="LiveId" clId="{0C3A4C9E-717D-4ADE-97E0-B0AD580B3355}" dt="2026-01-21T09:35:36.793" v="477" actId="1582"/>
@@ -382,22 +382,6 @@
           <pc:docMk/>
           <pc:sldMk cId="924432169" sldId="341"/>
         </pc:sldMkLst>
-        <pc:spChg chg="del">
-          <ac:chgData name="faik bilgen" userId="9fcb1696e65a161f" providerId="LiveId" clId="{0C3A4C9E-717D-4ADE-97E0-B0AD580B3355}" dt="2026-01-21T09:25:46.353" v="400" actId="478"/>
-          <ac:spMkLst>
-            <pc:docMk/>
-            <pc:sldMk cId="924432169" sldId="341"/>
-            <ac:spMk id="3" creationId="{4966E575-95E2-CBE5-78E0-446965D38F04}"/>
-          </ac:spMkLst>
-        </pc:spChg>
-        <pc:spChg chg="add del mod">
-          <ac:chgData name="faik bilgen" userId="9fcb1696e65a161f" providerId="LiveId" clId="{0C3A4C9E-717D-4ADE-97E0-B0AD580B3355}" dt="2026-01-21T09:25:57.467" v="401" actId="478"/>
-          <ac:spMkLst>
-            <pc:docMk/>
-            <pc:sldMk cId="924432169" sldId="341"/>
-            <ac:spMk id="5" creationId="{21E307FC-2FC9-6A36-1705-F13D6D7B05C1}"/>
-          </ac:spMkLst>
-        </pc:spChg>
         <pc:spChg chg="add mod">
           <ac:chgData name="faik bilgen" userId="9fcb1696e65a161f" providerId="LiveId" clId="{0C3A4C9E-717D-4ADE-97E0-B0AD580B3355}" dt="2026-01-21T09:35:21.363" v="476" actId="20577"/>
           <ac:spMkLst>
@@ -514,22 +498,6 @@
           <pc:docMk/>
           <pc:sldMk cId="3759393054" sldId="345"/>
         </pc:sldMkLst>
-        <pc:spChg chg="del">
-          <ac:chgData name="faik bilgen" userId="9fcb1696e65a161f" providerId="LiveId" clId="{0C3A4C9E-717D-4ADE-97E0-B0AD580B3355}" dt="2026-01-21T10:15:43.731" v="564" actId="478"/>
-          <ac:spMkLst>
-            <pc:docMk/>
-            <pc:sldMk cId="3759393054" sldId="345"/>
-            <ac:spMk id="3" creationId="{49124808-09E3-604D-C9B3-48C2F634A6BD}"/>
-          </ac:spMkLst>
-        </pc:spChg>
-        <pc:spChg chg="add del mod">
-          <ac:chgData name="faik bilgen" userId="9fcb1696e65a161f" providerId="LiveId" clId="{0C3A4C9E-717D-4ADE-97E0-B0AD580B3355}" dt="2026-01-21T10:15:48.082" v="565" actId="478"/>
-          <ac:spMkLst>
-            <pc:docMk/>
-            <pc:sldMk cId="3759393054" sldId="345"/>
-            <ac:spMk id="5" creationId="{981916C3-532D-AD8F-AB12-187819C5A115}"/>
-          </ac:spMkLst>
-        </pc:spChg>
         <pc:graphicFrameChg chg="add mod modGraphic">
           <ac:chgData name="faik bilgen" userId="9fcb1696e65a161f" providerId="LiveId" clId="{0C3A4C9E-717D-4ADE-97E0-B0AD580B3355}" dt="2026-01-21T10:20:38.881" v="607" actId="14734"/>
           <ac:graphicFrameMkLst>
@@ -559,37 +527,6 @@
             <pc:docMk/>
             <pc:sldMk cId="1683472100" sldId="346"/>
             <ac:spMk id="3" creationId="{6D1FFBE7-6414-13BD-7998-ECB9DC0406DF}"/>
-          </ac:spMkLst>
-        </pc:spChg>
-      </pc:sldChg>
-      <pc:sldChg chg="addSp delSp modSp add del mod ord">
-        <pc:chgData name="faik bilgen" userId="9fcb1696e65a161f" providerId="LiveId" clId="{0C3A4C9E-717D-4ADE-97E0-B0AD580B3355}" dt="2026-01-21T18:39:17.230" v="731" actId="47"/>
-        <pc:sldMkLst>
-          <pc:docMk/>
-          <pc:sldMk cId="3205854411" sldId="347"/>
-        </pc:sldMkLst>
-        <pc:spChg chg="mod">
-          <ac:chgData name="faik bilgen" userId="9fcb1696e65a161f" providerId="LiveId" clId="{0C3A4C9E-717D-4ADE-97E0-B0AD580B3355}" dt="2026-01-21T18:15:48.818" v="701" actId="20577"/>
-          <ac:spMkLst>
-            <pc:docMk/>
-            <pc:sldMk cId="3205854411" sldId="347"/>
-            <ac:spMk id="2" creationId="{D6D20C31-3FBA-098A-CE5D-D7BE8789D96C}"/>
-          </ac:spMkLst>
-        </pc:spChg>
-        <pc:spChg chg="add mod">
-          <ac:chgData name="faik bilgen" userId="9fcb1696e65a161f" providerId="LiveId" clId="{0C3A4C9E-717D-4ADE-97E0-B0AD580B3355}" dt="2026-01-21T18:15:52.655" v="702" actId="478"/>
-          <ac:spMkLst>
-            <pc:docMk/>
-            <pc:sldMk cId="3205854411" sldId="347"/>
-            <ac:spMk id="4" creationId="{E79B85E2-0243-2972-64FD-A031288D2697}"/>
-          </ac:spMkLst>
-        </pc:spChg>
-        <pc:spChg chg="del">
-          <ac:chgData name="faik bilgen" userId="9fcb1696e65a161f" providerId="LiveId" clId="{0C3A4C9E-717D-4ADE-97E0-B0AD580B3355}" dt="2026-01-21T18:15:52.655" v="702" actId="478"/>
-          <ac:spMkLst>
-            <pc:docMk/>
-            <pc:sldMk cId="3205854411" sldId="347"/>
-            <ac:spMk id="6" creationId="{88626BC3-2AA0-937D-9F4D-EB432CD9F4F6}"/>
           </ac:spMkLst>
         </pc:spChg>
       </pc:sldChg>
@@ -661,8 +598,8 @@
           </ac:spMkLst>
         </pc:spChg>
       </pc:sldChg>
-      <pc:sldChg chg="new">
-        <pc:chgData name="faik bilgen" userId="9fcb1696e65a161f" providerId="LiveId" clId="{0C3A4C9E-717D-4ADE-97E0-B0AD580B3355}" dt="2026-01-22T07:55:01.898" v="788" actId="680"/>
+      <pc:sldChg chg="new del">
+        <pc:chgData name="faik bilgen" userId="9fcb1696e65a161f" providerId="LiveId" clId="{0C3A4C9E-717D-4ADE-97E0-B0AD580B3355}" dt="2026-01-29T06:24:41.064" v="1231" actId="47"/>
         <pc:sldMkLst>
           <pc:docMk/>
           <pc:sldMk cId="867718174" sldId="352"/>
@@ -743,30 +680,6 @@
             <ac:spMk id="2" creationId="{55CB01FC-78D5-9A35-3F86-C96E1D8B840F}"/>
           </ac:spMkLst>
         </pc:spChg>
-        <pc:spChg chg="del">
-          <ac:chgData name="faik bilgen" userId="9fcb1696e65a161f" providerId="LiveId" clId="{0C3A4C9E-717D-4ADE-97E0-B0AD580B3355}" dt="2026-01-22T14:02:45.157" v="911" actId="478"/>
-          <ac:spMkLst>
-            <pc:docMk/>
-            <pc:sldMk cId="1653473167" sldId="356"/>
-            <ac:spMk id="3" creationId="{C801431B-8C88-4004-B4E6-8DF3B7CAD522}"/>
-          </ac:spMkLst>
-        </pc:spChg>
-        <pc:spChg chg="add del mod">
-          <ac:chgData name="faik bilgen" userId="9fcb1696e65a161f" providerId="LiveId" clId="{0C3A4C9E-717D-4ADE-97E0-B0AD580B3355}" dt="2026-01-22T14:02:47.987" v="912" actId="478"/>
-          <ac:spMkLst>
-            <pc:docMk/>
-            <pc:sldMk cId="1653473167" sldId="356"/>
-            <ac:spMk id="5" creationId="{2D1ACD60-2BD1-C677-7F1B-26AC25BFFEBE}"/>
-          </ac:spMkLst>
-        </pc:spChg>
-        <pc:spChg chg="add del mod">
-          <ac:chgData name="faik bilgen" userId="9fcb1696e65a161f" providerId="LiveId" clId="{0C3A4C9E-717D-4ADE-97E0-B0AD580B3355}" dt="2026-01-22T14:03:11.725" v="918" actId="478"/>
-          <ac:spMkLst>
-            <pc:docMk/>
-            <pc:sldMk cId="1653473167" sldId="356"/>
-            <ac:spMk id="6" creationId="{5267B6E6-4985-5CDE-7D26-6A1587F0B40D}"/>
-          </ac:spMkLst>
-        </pc:spChg>
         <pc:spChg chg="add mod">
           <ac:chgData name="faik bilgen" userId="9fcb1696e65a161f" providerId="LiveId" clId="{0C3A4C9E-717D-4ADE-97E0-B0AD580B3355}" dt="2026-01-22T14:06:33.173" v="956" actId="207"/>
           <ac:spMkLst>
@@ -800,8 +713,8 @@
           </ac:spMkLst>
         </pc:spChg>
       </pc:sldChg>
-      <pc:sldChg chg="modSp add mod ord">
-        <pc:chgData name="faik bilgen" userId="9fcb1696e65a161f" providerId="LiveId" clId="{0C3A4C9E-717D-4ADE-97E0-B0AD580B3355}" dt="2026-01-22T14:48:02.165" v="982" actId="20577"/>
+      <pc:sldChg chg="modSp add mod ord modNotesTx">
+        <pc:chgData name="faik bilgen" userId="9fcb1696e65a161f" providerId="LiveId" clId="{0C3A4C9E-717D-4ADE-97E0-B0AD580B3355}" dt="2026-01-28T08:13:06.258" v="1053" actId="20577"/>
         <pc:sldMkLst>
           <pc:docMk/>
           <pc:sldMk cId="2861536219" sldId="357"/>
@@ -812,6 +725,252 @@
             <pc:docMk/>
             <pc:sldMk cId="2861536219" sldId="357"/>
             <ac:spMk id="3" creationId="{FB12C2C2-2737-0022-764D-89997709AB99}"/>
+          </ac:spMkLst>
+        </pc:spChg>
+      </pc:sldChg>
+      <pc:sldChg chg="addSp delSp modSp add mod ord">
+        <pc:chgData name="faik bilgen" userId="9fcb1696e65a161f" providerId="LiveId" clId="{0C3A4C9E-717D-4ADE-97E0-B0AD580B3355}" dt="2026-01-27T08:57:38.066" v="1006" actId="478"/>
+        <pc:sldMkLst>
+          <pc:docMk/>
+          <pc:sldMk cId="1674300692" sldId="358"/>
+        </pc:sldMkLst>
+        <pc:spChg chg="mod">
+          <ac:chgData name="faik bilgen" userId="9fcb1696e65a161f" providerId="LiveId" clId="{0C3A4C9E-717D-4ADE-97E0-B0AD580B3355}" dt="2026-01-27T08:57:27.256" v="1004" actId="20577"/>
+          <ac:spMkLst>
+            <pc:docMk/>
+            <pc:sldMk cId="1674300692" sldId="358"/>
+            <ac:spMk id="2" creationId="{337A1D9E-332C-8F4A-EE3A-5EFC15FECDF6}"/>
+          </ac:spMkLst>
+        </pc:spChg>
+      </pc:sldChg>
+      <pc:sldChg chg="add">
+        <pc:chgData name="faik bilgen" userId="9fcb1696e65a161f" providerId="LiveId" clId="{0C3A4C9E-717D-4ADE-97E0-B0AD580B3355}" dt="2026-01-27T08:58:07.893" v="1007" actId="2890"/>
+        <pc:sldMkLst>
+          <pc:docMk/>
+          <pc:sldMk cId="2717813401" sldId="359"/>
+        </pc:sldMkLst>
+      </pc:sldChg>
+      <pc:sldChg chg="addSp delSp modSp add del mod ord">
+        <pc:chgData name="faik bilgen" userId="9fcb1696e65a161f" providerId="LiveId" clId="{0C3A4C9E-717D-4ADE-97E0-B0AD580B3355}" dt="2026-01-29T06:25:14.179" v="1232" actId="47"/>
+        <pc:sldMkLst>
+          <pc:docMk/>
+          <pc:sldMk cId="2090229863" sldId="361"/>
+        </pc:sldMkLst>
+      </pc:sldChg>
+      <pc:sldChg chg="add">
+        <pc:chgData name="faik bilgen" userId="9fcb1696e65a161f" providerId="LiveId" clId="{0C3A4C9E-717D-4ADE-97E0-B0AD580B3355}" dt="2026-01-28T15:23:03.514" v="1174" actId="2890"/>
+        <pc:sldMkLst>
+          <pc:docMk/>
+          <pc:sldMk cId="559805642" sldId="362"/>
+        </pc:sldMkLst>
+      </pc:sldChg>
+      <pc:sldChg chg="modSp add mod ord modNotesTx">
+        <pc:chgData name="faik bilgen" userId="9fcb1696e65a161f" providerId="LiveId" clId="{0C3A4C9E-717D-4ADE-97E0-B0AD580B3355}" dt="2026-01-28T15:28:38.321" v="1224" actId="20577"/>
+        <pc:sldMkLst>
+          <pc:docMk/>
+          <pc:sldMk cId="983669792" sldId="363"/>
+        </pc:sldMkLst>
+        <pc:spChg chg="mod">
+          <ac:chgData name="faik bilgen" userId="9fcb1696e65a161f" providerId="LiveId" clId="{0C3A4C9E-717D-4ADE-97E0-B0AD580B3355}" dt="2026-01-28T15:28:38.321" v="1224" actId="20577"/>
+          <ac:spMkLst>
+            <pc:docMk/>
+            <pc:sldMk cId="983669792" sldId="363"/>
+            <ac:spMk id="3" creationId="{AC4968DD-E805-CEC1-B021-01F923505C85}"/>
+          </ac:spMkLst>
+        </pc:spChg>
+      </pc:sldChg>
+      <pc:sldChg chg="addSp delSp modSp add mod">
+        <pc:chgData name="faik bilgen" userId="9fcb1696e65a161f" providerId="LiveId" clId="{0C3A4C9E-717D-4ADE-97E0-B0AD580B3355}" dt="2026-01-29T07:05:09.659" v="1301" actId="1036"/>
+        <pc:sldMkLst>
+          <pc:docMk/>
+          <pc:sldMk cId="2631397958" sldId="364"/>
+        </pc:sldMkLst>
+        <pc:spChg chg="add mod">
+          <ac:chgData name="faik bilgen" userId="9fcb1696e65a161f" providerId="LiveId" clId="{0C3A4C9E-717D-4ADE-97E0-B0AD580B3355}" dt="2026-01-29T07:05:09.659" v="1301" actId="1036"/>
+          <ac:spMkLst>
+            <pc:docMk/>
+            <pc:sldMk cId="2631397958" sldId="364"/>
+            <ac:spMk id="5" creationId="{23DE304A-03B0-1FFC-4A73-9EFD2714D02D}"/>
+          </ac:spMkLst>
+        </pc:spChg>
+        <pc:spChg chg="add mod">
+          <ac:chgData name="faik bilgen" userId="9fcb1696e65a161f" providerId="LiveId" clId="{0C3A4C9E-717D-4ADE-97E0-B0AD580B3355}" dt="2026-01-29T07:05:09.659" v="1301" actId="1036"/>
+          <ac:spMkLst>
+            <pc:docMk/>
+            <pc:sldMk cId="2631397958" sldId="364"/>
+            <ac:spMk id="7" creationId="{352003AA-6101-F8B8-4C0C-8F7DE0F26E41}"/>
+          </ac:spMkLst>
+        </pc:spChg>
+        <pc:spChg chg="add mod">
+          <ac:chgData name="faik bilgen" userId="9fcb1696e65a161f" providerId="LiveId" clId="{0C3A4C9E-717D-4ADE-97E0-B0AD580B3355}" dt="2026-01-29T07:05:09.659" v="1301" actId="1036"/>
+          <ac:spMkLst>
+            <pc:docMk/>
+            <pc:sldMk cId="2631397958" sldId="364"/>
+            <ac:spMk id="9" creationId="{12078513-1DF9-9020-7A8A-81325F42DC09}"/>
+          </ac:spMkLst>
+        </pc:spChg>
+        <pc:picChg chg="add mod">
+          <ac:chgData name="faik bilgen" userId="9fcb1696e65a161f" providerId="LiveId" clId="{0C3A4C9E-717D-4ADE-97E0-B0AD580B3355}" dt="2026-01-29T07:05:02.933" v="1292" actId="1076"/>
+          <ac:picMkLst>
+            <pc:docMk/>
+            <pc:sldMk cId="2631397958" sldId="364"/>
+            <ac:picMk id="4" creationId="{812861F1-2AE6-B890-49DA-B942F5F90C9D}"/>
+          </ac:picMkLst>
+        </pc:picChg>
+      </pc:sldChg>
+      <pc:sldChg chg="addSp delSp modSp add del mod setBg">
+        <pc:chgData name="faik bilgen" userId="9fcb1696e65a161f" providerId="LiveId" clId="{0C3A4C9E-717D-4ADE-97E0-B0AD580B3355}" dt="2026-01-30T11:36:20.003" v="1321" actId="47"/>
+        <pc:sldMkLst>
+          <pc:docMk/>
+          <pc:sldMk cId="4231713025" sldId="365"/>
+        </pc:sldMkLst>
+        <pc:spChg chg="mod">
+          <ac:chgData name="faik bilgen" userId="9fcb1696e65a161f" providerId="LiveId" clId="{0C3A4C9E-717D-4ADE-97E0-B0AD580B3355}" dt="2026-01-30T11:33:38.178" v="1311" actId="26606"/>
+          <ac:spMkLst>
+            <pc:docMk/>
+            <pc:sldMk cId="4231713025" sldId="365"/>
+            <ac:spMk id="2" creationId="{24FD355A-FE38-8612-8948-08DDA9628F12}"/>
+          </ac:spMkLst>
+        </pc:spChg>
+        <pc:spChg chg="del">
+          <ac:chgData name="faik bilgen" userId="9fcb1696e65a161f" providerId="LiveId" clId="{0C3A4C9E-717D-4ADE-97E0-B0AD580B3355}" dt="2026-01-30T11:32:25.686" v="1303" actId="478"/>
+          <ac:spMkLst>
+            <pc:docMk/>
+            <pc:sldMk cId="4231713025" sldId="365"/>
+            <ac:spMk id="3" creationId="{F254478A-D925-2AE8-6EBD-B8A1A0CCCF63}"/>
+          </ac:spMkLst>
+        </pc:spChg>
+        <pc:spChg chg="add mod">
+          <ac:chgData name="faik bilgen" userId="9fcb1696e65a161f" providerId="LiveId" clId="{0C3A4C9E-717D-4ADE-97E0-B0AD580B3355}" dt="2026-01-30T11:33:38.178" v="1311" actId="26606"/>
+          <ac:spMkLst>
+            <pc:docMk/>
+            <pc:sldMk cId="4231713025" sldId="365"/>
+            <ac:spMk id="5" creationId="{54D606F4-B5E8-F4F5-4762-2EE1F781BA65}"/>
+          </ac:spMkLst>
+        </pc:spChg>
+        <pc:spChg chg="add">
+          <ac:chgData name="faik bilgen" userId="9fcb1696e65a161f" providerId="LiveId" clId="{0C3A4C9E-717D-4ADE-97E0-B0AD580B3355}" dt="2026-01-30T11:33:38.178" v="1311" actId="26606"/>
+          <ac:spMkLst>
+            <pc:docMk/>
+            <pc:sldMk cId="4231713025" sldId="365"/>
+            <ac:spMk id="10" creationId="{CBB2B1F0-0DD6-4744-9A46-7A344FB48E40}"/>
+          </ac:spMkLst>
+        </pc:spChg>
+        <pc:spChg chg="add">
+          <ac:chgData name="faik bilgen" userId="9fcb1696e65a161f" providerId="LiveId" clId="{0C3A4C9E-717D-4ADE-97E0-B0AD580B3355}" dt="2026-01-30T11:33:38.178" v="1311" actId="26606"/>
+          <ac:spMkLst>
+            <pc:docMk/>
+            <pc:sldMk cId="4231713025" sldId="365"/>
+            <ac:spMk id="12" creationId="{52D502E5-F6B4-4D58-B4AE-FC466FF15EE8}"/>
+          </ac:spMkLst>
+        </pc:spChg>
+        <pc:spChg chg="add">
+          <ac:chgData name="faik bilgen" userId="9fcb1696e65a161f" providerId="LiveId" clId="{0C3A4C9E-717D-4ADE-97E0-B0AD580B3355}" dt="2026-01-30T11:33:38.178" v="1311" actId="26606"/>
+          <ac:spMkLst>
+            <pc:docMk/>
+            <pc:sldMk cId="4231713025" sldId="365"/>
+            <ac:spMk id="14" creationId="{9DECDBF4-02B6-4BB4-B65B-B8107AD6A9E8}"/>
+          </ac:spMkLst>
+        </pc:spChg>
+      </pc:sldChg>
+      <pc:sldChg chg="addSp delSp modSp add mod ord">
+        <pc:chgData name="faik bilgen" userId="9fcb1696e65a161f" providerId="LiveId" clId="{0C3A4C9E-717D-4ADE-97E0-B0AD580B3355}" dt="2026-01-30T11:34:39.415" v="1320" actId="1076"/>
+        <pc:sldMkLst>
+          <pc:docMk/>
+          <pc:sldMk cId="632677669" sldId="366"/>
+        </pc:sldMkLst>
+        <pc:spChg chg="mod">
+          <ac:chgData name="faik bilgen" userId="9fcb1696e65a161f" providerId="LiveId" clId="{0C3A4C9E-717D-4ADE-97E0-B0AD580B3355}" dt="2026-01-30T11:34:20.157" v="1316" actId="27636"/>
+          <ac:spMkLst>
+            <pc:docMk/>
+            <pc:sldMk cId="632677669" sldId="366"/>
+            <ac:spMk id="2" creationId="{134B5A2A-0F4D-F86E-32D8-666492FDCED3}"/>
+          </ac:spMkLst>
+        </pc:spChg>
+        <pc:spChg chg="add mod">
+          <ac:chgData name="faik bilgen" userId="9fcb1696e65a161f" providerId="LiveId" clId="{0C3A4C9E-717D-4ADE-97E0-B0AD580B3355}" dt="2026-01-30T11:34:39.415" v="1320" actId="1076"/>
+          <ac:spMkLst>
+            <pc:docMk/>
+            <pc:sldMk cId="632677669" sldId="366"/>
+            <ac:spMk id="3" creationId="{16DCB96C-D1A9-C1D4-8A81-65BC1DB01E50}"/>
+          </ac:spMkLst>
+        </pc:spChg>
+        <pc:spChg chg="del">
+          <ac:chgData name="faik bilgen" userId="9fcb1696e65a161f" providerId="LiveId" clId="{0C3A4C9E-717D-4ADE-97E0-B0AD580B3355}" dt="2026-01-30T11:34:28.827" v="1318" actId="478"/>
+          <ac:spMkLst>
+            <pc:docMk/>
+            <pc:sldMk cId="632677669" sldId="366"/>
+            <ac:spMk id="5" creationId="{74C3BB5A-4217-61D9-B283-048E59EF2098}"/>
+          </ac:spMkLst>
+        </pc:spChg>
+        <pc:spChg chg="del">
+          <ac:chgData name="faik bilgen" userId="9fcb1696e65a161f" providerId="LiveId" clId="{0C3A4C9E-717D-4ADE-97E0-B0AD580B3355}" dt="2026-01-30T11:34:28.827" v="1318" actId="478"/>
+          <ac:spMkLst>
+            <pc:docMk/>
+            <pc:sldMk cId="632677669" sldId="366"/>
+            <ac:spMk id="7" creationId="{B45EB900-7DBD-9C11-3F21-29173B2051C0}"/>
+          </ac:spMkLst>
+        </pc:spChg>
+        <pc:spChg chg="del">
+          <ac:chgData name="faik bilgen" userId="9fcb1696e65a161f" providerId="LiveId" clId="{0C3A4C9E-717D-4ADE-97E0-B0AD580B3355}" dt="2026-01-30T11:34:28.827" v="1318" actId="478"/>
+          <ac:spMkLst>
+            <pc:docMk/>
+            <pc:sldMk cId="632677669" sldId="366"/>
+            <ac:spMk id="9" creationId="{1B9C5604-C914-F228-C4CA-416F210BC31B}"/>
+          </ac:spMkLst>
+        </pc:spChg>
+        <pc:picChg chg="del">
+          <ac:chgData name="faik bilgen" userId="9fcb1696e65a161f" providerId="LiveId" clId="{0C3A4C9E-717D-4ADE-97E0-B0AD580B3355}" dt="2026-01-30T11:34:25.951" v="1317" actId="478"/>
+          <ac:picMkLst>
+            <pc:docMk/>
+            <pc:sldMk cId="632677669" sldId="366"/>
+            <ac:picMk id="4" creationId="{E471B9BE-6506-1EA2-5CFC-5C03D75C7A90}"/>
+          </ac:picMkLst>
+        </pc:picChg>
+      </pc:sldChg>
+      <pc:sldChg chg="addSp delSp modSp add mod">
+        <pc:chgData name="faik bilgen" userId="9fcb1696e65a161f" providerId="LiveId" clId="{0C3A4C9E-717D-4ADE-97E0-B0AD580B3355}" dt="2026-01-30T11:40:45.104" v="1336" actId="113"/>
+        <pc:sldMkLst>
+          <pc:docMk/>
+          <pc:sldMk cId="1375457156" sldId="367"/>
+        </pc:sldMkLst>
+        <pc:spChg chg="del">
+          <ac:chgData name="faik bilgen" userId="9fcb1696e65a161f" providerId="LiveId" clId="{0C3A4C9E-717D-4ADE-97E0-B0AD580B3355}" dt="2026-01-30T11:38:48.787" v="1323" actId="478"/>
+          <ac:spMkLst>
+            <pc:docMk/>
+            <pc:sldMk cId="1375457156" sldId="367"/>
+            <ac:spMk id="3" creationId="{ACF13286-948C-FC22-84F0-7F193630127D}"/>
+          </ac:spMkLst>
+        </pc:spChg>
+        <pc:spChg chg="add mod">
+          <ac:chgData name="faik bilgen" userId="9fcb1696e65a161f" providerId="LiveId" clId="{0C3A4C9E-717D-4ADE-97E0-B0AD580B3355}" dt="2026-01-30T11:40:45.104" v="1336" actId="113"/>
+          <ac:spMkLst>
+            <pc:docMk/>
+            <pc:sldMk cId="1375457156" sldId="367"/>
+            <ac:spMk id="6" creationId="{AB57090E-768D-B605-4E07-B04D5348A0D7}"/>
+          </ac:spMkLst>
+        </pc:spChg>
+        <pc:picChg chg="add mod">
+          <ac:chgData name="faik bilgen" userId="9fcb1696e65a161f" providerId="LiveId" clId="{0C3A4C9E-717D-4ADE-97E0-B0AD580B3355}" dt="2026-01-30T11:40:01.497" v="1333" actId="1076"/>
+          <ac:picMkLst>
+            <pc:docMk/>
+            <pc:sldMk cId="1375457156" sldId="367"/>
+            <ac:picMk id="4" creationId="{7695E234-2B88-F9F4-C89E-029BD2EAEB04}"/>
+          </ac:picMkLst>
+        </pc:picChg>
+      </pc:sldChg>
+      <pc:sldChg chg="modSp add ord">
+        <pc:chgData name="faik bilgen" userId="9fcb1696e65a161f" providerId="LiveId" clId="{0C3A4C9E-717D-4ADE-97E0-B0AD580B3355}" dt="2026-01-30T11:43:26.650" v="1340"/>
+        <pc:sldMkLst>
+          <pc:docMk/>
+          <pc:sldMk cId="3543038593" sldId="368"/>
+        </pc:sldMkLst>
+        <pc:spChg chg="mod">
+          <ac:chgData name="faik bilgen" userId="9fcb1696e65a161f" providerId="LiveId" clId="{0C3A4C9E-717D-4ADE-97E0-B0AD580B3355}" dt="2026-01-30T11:43:26.650" v="1340"/>
+          <ac:spMkLst>
+            <pc:docMk/>
+            <pc:sldMk cId="3543038593" sldId="368"/>
+            <ac:spMk id="3" creationId="{74999A81-84FF-C469-07CD-45501A0D06EB}"/>
           </ac:spMkLst>
         </pc:spChg>
       </pc:sldChg>
@@ -6822,7 +6981,7 @@
           <a:p>
             <a:fld id="{D9266B9D-508F-48CB-9113-B05E77538490}" type="datetimeFigureOut">
               <a:rPr lang="en-US" smtClean="0"/>
-              <a:t>1/22/2026</a:t>
+              <a:t>1/30/2026</a:t>
             </a:fld>
             <a:endParaRPr lang="en-US"/>
           </a:p>
@@ -7200,7 +7359,7 @@
           <a:p>
             <a:fld id="{11B40A45-BA3F-4500-B423-F972FAA6BEEA}" type="slidenum">
               <a:rPr lang="en-US" smtClean="0"/>
-              <a:t>27</a:t>
+              <a:t>28</a:t>
             </a:fld>
             <a:endParaRPr lang="en-US"/>
           </a:p>
@@ -7210,6 +7369,199 @@
     <p:extLst>
       <p:ext uri="{BB962C8B-B14F-4D97-AF65-F5344CB8AC3E}">
         <p14:creationId xmlns:p14="http://schemas.microsoft.com/office/powerpoint/2010/main" val="1060197930"/>
+      </p:ext>
+    </p:extLst>
+  </p:cSld>
+  <p:clrMapOvr>
+    <a:masterClrMapping/>
+  </p:clrMapOvr>
+</p:notes>
+</file>
+
+<file path=ppt/notesSlides/notesSlide2.xml><?xml version="1.0" encoding="utf-8"?>
+<p:notes xmlns:a="http://schemas.openxmlformats.org/drawingml/2006/main" xmlns:r="http://schemas.openxmlformats.org/officeDocument/2006/relationships" xmlns:p="http://schemas.openxmlformats.org/presentationml/2006/main">
+  <p:cSld>
+    <p:spTree>
+      <p:nvGrpSpPr>
+        <p:cNvPr id="1" name=""/>
+        <p:cNvGrpSpPr/>
+        <p:nvPr/>
+      </p:nvGrpSpPr>
+      <p:grpSpPr>
+        <a:xfrm>
+          <a:off x="0" y="0"/>
+          <a:ext cx="0" cy="0"/>
+          <a:chOff x="0" y="0"/>
+          <a:chExt cx="0" cy="0"/>
+        </a:xfrm>
+      </p:grpSpPr>
+      <p:sp>
+        <p:nvSpPr>
+          <p:cNvPr id="2" name="Slide Image Placeholder 1"/>
+          <p:cNvSpPr>
+            <a:spLocks noGrp="1" noRot="1" noChangeAspect="1"/>
+          </p:cNvSpPr>
+          <p:nvPr>
+            <p:ph type="sldImg"/>
+          </p:nvPr>
+        </p:nvSpPr>
+        <p:spPr/>
+      </p:sp>
+      <p:sp>
+        <p:nvSpPr>
+          <p:cNvPr id="3" name="Notes Placeholder 2"/>
+          <p:cNvSpPr>
+            <a:spLocks noGrp="1"/>
+          </p:cNvSpPr>
+          <p:nvPr>
+            <p:ph type="body" idx="1"/>
+          </p:nvPr>
+        </p:nvSpPr>
+        <p:spPr/>
+        <p:txBody>
+          <a:bodyPr/>
+          <a:lstStyle/>
+          <a:p>
+            <a:r>
+              <a:rPr lang="en-US" dirty="0"/>
+              <a:t>Hamster: hamster-</a:t>
+            </a:r>
+            <a:r>
+              <a:rPr lang="en-US" dirty="0" err="1"/>
+              <a:t>vpa.yaml</a:t>
+            </a:r>
+            <a:r>
+              <a:rPr lang="en-US" dirty="0"/>
+              <a:t> &amp; hamster-</a:t>
+            </a:r>
+            <a:r>
+              <a:rPr lang="en-US" dirty="0" err="1"/>
+              <a:t>deploy.yaml</a:t>
+            </a:r>
+            <a:endParaRPr lang="en-US" dirty="0"/>
+          </a:p>
+          <a:p>
+            <a:endParaRPr lang="en-US" dirty="0"/>
+          </a:p>
+        </p:txBody>
+      </p:sp>
+      <p:sp>
+        <p:nvSpPr>
+          <p:cNvPr id="4" name="Slide Number Placeholder 3"/>
+          <p:cNvSpPr>
+            <a:spLocks noGrp="1"/>
+          </p:cNvSpPr>
+          <p:nvPr>
+            <p:ph type="sldNum" sz="quarter" idx="5"/>
+          </p:nvPr>
+        </p:nvSpPr>
+        <p:spPr/>
+        <p:txBody>
+          <a:bodyPr/>
+          <a:lstStyle/>
+          <a:p>
+            <a:fld id="{11B40A45-BA3F-4500-B423-F972FAA6BEEA}" type="slidenum">
+              <a:rPr lang="en-US" smtClean="0"/>
+              <a:t>29</a:t>
+            </a:fld>
+            <a:endParaRPr lang="en-US"/>
+          </a:p>
+        </p:txBody>
+      </p:sp>
+    </p:spTree>
+    <p:extLst>
+      <p:ext uri="{BB962C8B-B14F-4D97-AF65-F5344CB8AC3E}">
+        <p14:creationId xmlns:p14="http://schemas.microsoft.com/office/powerpoint/2010/main" val="1038743195"/>
+      </p:ext>
+    </p:extLst>
+  </p:cSld>
+  <p:clrMapOvr>
+    <a:masterClrMapping/>
+  </p:clrMapOvr>
+</p:notes>
+</file>
+
+<file path=ppt/notesSlides/notesSlide3.xml><?xml version="1.0" encoding="utf-8"?>
+<p:notes xmlns:a="http://schemas.openxmlformats.org/drawingml/2006/main" xmlns:r="http://schemas.openxmlformats.org/officeDocument/2006/relationships" xmlns:p="http://schemas.openxmlformats.org/presentationml/2006/main">
+  <p:cSld>
+    <p:spTree>
+      <p:nvGrpSpPr>
+        <p:cNvPr id="1" name=""/>
+        <p:cNvGrpSpPr/>
+        <p:nvPr/>
+      </p:nvGrpSpPr>
+      <p:grpSpPr>
+        <a:xfrm>
+          <a:off x="0" y="0"/>
+          <a:ext cx="0" cy="0"/>
+          <a:chOff x="0" y="0"/>
+          <a:chExt cx="0" cy="0"/>
+        </a:xfrm>
+      </p:grpSpPr>
+      <p:sp>
+        <p:nvSpPr>
+          <p:cNvPr id="2" name="Slide Image Placeholder 1"/>
+          <p:cNvSpPr>
+            <a:spLocks noGrp="1" noRot="1" noChangeAspect="1"/>
+          </p:cNvSpPr>
+          <p:nvPr>
+            <p:ph type="sldImg"/>
+          </p:nvPr>
+        </p:nvSpPr>
+        <p:spPr/>
+      </p:sp>
+      <p:sp>
+        <p:nvSpPr>
+          <p:cNvPr id="3" name="Notes Placeholder 2"/>
+          <p:cNvSpPr>
+            <a:spLocks noGrp="1"/>
+          </p:cNvSpPr>
+          <p:nvPr>
+            <p:ph type="body" idx="1"/>
+          </p:nvPr>
+        </p:nvSpPr>
+        <p:spPr/>
+        <p:txBody>
+          <a:bodyPr/>
+          <a:lstStyle/>
+          <a:p>
+            <a:endParaRPr lang="en-US" dirty="0"/>
+          </a:p>
+          <a:p>
+            <a:r>
+              <a:rPr lang="en-US" dirty="0"/>
+              <a:t>The official demo: https://kubernetes.io/docs/tasks/run-application/horizontal-pod-autoscale-walkthrough/ </a:t>
+            </a:r>
+          </a:p>
+        </p:txBody>
+      </p:sp>
+      <p:sp>
+        <p:nvSpPr>
+          <p:cNvPr id="4" name="Slide Number Placeholder 3"/>
+          <p:cNvSpPr>
+            <a:spLocks noGrp="1"/>
+          </p:cNvSpPr>
+          <p:nvPr>
+            <p:ph type="sldNum" sz="quarter" idx="5"/>
+          </p:nvPr>
+        </p:nvSpPr>
+        <p:spPr/>
+        <p:txBody>
+          <a:bodyPr/>
+          <a:lstStyle/>
+          <a:p>
+            <a:fld id="{11B40A45-BA3F-4500-B423-F972FAA6BEEA}" type="slidenum">
+              <a:rPr lang="en-US" smtClean="0"/>
+              <a:t>41</a:t>
+            </a:fld>
+            <a:endParaRPr lang="en-US"/>
+          </a:p>
+        </p:txBody>
+      </p:sp>
+    </p:spTree>
+    <p:extLst>
+      <p:ext uri="{BB962C8B-B14F-4D97-AF65-F5344CB8AC3E}">
+        <p14:creationId xmlns:p14="http://schemas.microsoft.com/office/powerpoint/2010/main" val="1038341516"/>
       </p:ext>
     </p:extLst>
   </p:cSld>
@@ -7366,7 +7718,7 @@
           <a:p>
             <a:fld id="{B9268321-C9E7-441E-8ECB-F5B48CA38B30}" type="datetimeFigureOut">
               <a:rPr lang="en-US" smtClean="0"/>
-              <a:t>1/22/2026</a:t>
+              <a:t>1/30/2026</a:t>
             </a:fld>
             <a:endParaRPr lang="en-US"/>
           </a:p>
@@ -7564,7 +7916,7 @@
           <a:p>
             <a:fld id="{B9268321-C9E7-441E-8ECB-F5B48CA38B30}" type="datetimeFigureOut">
               <a:rPr lang="en-US" smtClean="0"/>
-              <a:t>1/22/2026</a:t>
+              <a:t>1/30/2026</a:t>
             </a:fld>
             <a:endParaRPr lang="en-US"/>
           </a:p>
@@ -7772,7 +8124,7 @@
           <a:p>
             <a:fld id="{B9268321-C9E7-441E-8ECB-F5B48CA38B30}" type="datetimeFigureOut">
               <a:rPr lang="en-US" smtClean="0"/>
-              <a:t>1/22/2026</a:t>
+              <a:t>1/30/2026</a:t>
             </a:fld>
             <a:endParaRPr lang="en-US"/>
           </a:p>
@@ -7970,7 +8322,7 @@
           <a:p>
             <a:fld id="{B9268321-C9E7-441E-8ECB-F5B48CA38B30}" type="datetimeFigureOut">
               <a:rPr lang="en-US" smtClean="0"/>
-              <a:t>1/22/2026</a:t>
+              <a:t>1/30/2026</a:t>
             </a:fld>
             <a:endParaRPr lang="en-US"/>
           </a:p>
@@ -8245,7 +8597,7 @@
           <a:p>
             <a:fld id="{B9268321-C9E7-441E-8ECB-F5B48CA38B30}" type="datetimeFigureOut">
               <a:rPr lang="en-US" smtClean="0"/>
-              <a:t>1/22/2026</a:t>
+              <a:t>1/30/2026</a:t>
             </a:fld>
             <a:endParaRPr lang="en-US"/>
           </a:p>
@@ -8510,7 +8862,7 @@
           <a:p>
             <a:fld id="{B9268321-C9E7-441E-8ECB-F5B48CA38B30}" type="datetimeFigureOut">
               <a:rPr lang="en-US" smtClean="0"/>
-              <a:t>1/22/2026</a:t>
+              <a:t>1/30/2026</a:t>
             </a:fld>
             <a:endParaRPr lang="en-US"/>
           </a:p>
@@ -8922,7 +9274,7 @@
           <a:p>
             <a:fld id="{B9268321-C9E7-441E-8ECB-F5B48CA38B30}" type="datetimeFigureOut">
               <a:rPr lang="en-US" smtClean="0"/>
-              <a:t>1/22/2026</a:t>
+              <a:t>1/30/2026</a:t>
             </a:fld>
             <a:endParaRPr lang="en-US"/>
           </a:p>
@@ -9063,7 +9415,7 @@
           <a:p>
             <a:fld id="{B9268321-C9E7-441E-8ECB-F5B48CA38B30}" type="datetimeFigureOut">
               <a:rPr lang="en-US" smtClean="0"/>
-              <a:t>1/22/2026</a:t>
+              <a:t>1/30/2026</a:t>
             </a:fld>
             <a:endParaRPr lang="en-US"/>
           </a:p>
@@ -9176,7 +9528,7 @@
           <a:p>
             <a:fld id="{B9268321-C9E7-441E-8ECB-F5B48CA38B30}" type="datetimeFigureOut">
               <a:rPr lang="en-US" smtClean="0"/>
-              <a:t>1/22/2026</a:t>
+              <a:t>1/30/2026</a:t>
             </a:fld>
             <a:endParaRPr lang="en-US"/>
           </a:p>
@@ -9487,7 +9839,7 @@
           <a:p>
             <a:fld id="{B9268321-C9E7-441E-8ECB-F5B48CA38B30}" type="datetimeFigureOut">
               <a:rPr lang="en-US" smtClean="0"/>
-              <a:t>1/22/2026</a:t>
+              <a:t>1/30/2026</a:t>
             </a:fld>
             <a:endParaRPr lang="en-US"/>
           </a:p>
@@ -9775,7 +10127,7 @@
           <a:p>
             <a:fld id="{B9268321-C9E7-441E-8ECB-F5B48CA38B30}" type="datetimeFigureOut">
               <a:rPr lang="en-US" smtClean="0"/>
-              <a:t>1/22/2026</a:t>
+              <a:t>1/30/2026</a:t>
             </a:fld>
             <a:endParaRPr lang="en-US"/>
           </a:p>
@@ -10016,7 +10368,7 @@
           <a:p>
             <a:fld id="{B9268321-C9E7-441E-8ECB-F5B48CA38B30}" type="datetimeFigureOut">
               <a:rPr lang="en-US" smtClean="0"/>
-              <a:t>1/22/2026</a:t>
+              <a:t>1/30/2026</a:t>
             </a:fld>
             <a:endParaRPr lang="en-US"/>
           </a:p>
@@ -19229,7 +19581,7 @@
         <p:cNvPr id="1" name="">
           <a:extLst>
             <a:ext uri="{FF2B5EF4-FFF2-40B4-BE49-F238E27FC236}">
-              <a16:creationId xmlns:a16="http://schemas.microsoft.com/office/drawing/2014/main" id="{E709C7F2-5C5B-4F76-8C0F-56C7A4DBF554}"/>
+              <a16:creationId xmlns:a16="http://schemas.microsoft.com/office/drawing/2014/main" id="{3B14C12F-03F0-4949-8DA9-D37D405B3FF0}"/>
             </a:ext>
           </a:extLst>
         </p:cNvPr>
@@ -19249,7 +19601,7 @@
           <p:cNvPr id="8" name="Rectangle 7">
             <a:extLst>
               <a:ext uri="{FF2B5EF4-FFF2-40B4-BE49-F238E27FC236}">
-                <a16:creationId xmlns:a16="http://schemas.microsoft.com/office/drawing/2014/main" id="{7D978695-A5D8-B900-849F-A1EC89035606}"/>
+                <a16:creationId xmlns:a16="http://schemas.microsoft.com/office/drawing/2014/main" id="{6FF08912-945A-89D8-3D6D-47B8141D670E}"/>
               </a:ext>
               <a:ext uri="{C183D7F6-B498-43B3-948B-1728B52AA6E4}">
                 <adec:decorative xmlns:adec="http://schemas.microsoft.com/office/drawing/2017/decorative" val="1"/>
@@ -19309,7 +19661,7 @@
           <p:cNvPr id="2" name="Title 1">
             <a:extLst>
               <a:ext uri="{FF2B5EF4-FFF2-40B4-BE49-F238E27FC236}">
-                <a16:creationId xmlns:a16="http://schemas.microsoft.com/office/drawing/2014/main" id="{ACD8D0D0-B039-C7D3-3B06-08AA5C47AF5C}"/>
+                <a16:creationId xmlns:a16="http://schemas.microsoft.com/office/drawing/2014/main" id="{337A1D9E-332C-8F4A-EE3A-5EFC15FECDF6}"/>
               </a:ext>
             </a:extLst>
           </p:cNvPr>
@@ -19322,71 +19674,19 @@
         </p:nvSpPr>
         <p:spPr>
           <a:xfrm>
-            <a:off x="838200" y="451381"/>
-            <a:ext cx="10512552" cy="4066540"/>
+            <a:off x="838200" y="365125"/>
+            <a:ext cx="10515600" cy="1325563"/>
           </a:xfrm>
         </p:spPr>
         <p:txBody>
-          <a:bodyPr vert="horz" lIns="91440" tIns="45720" rIns="91440" bIns="45720" rtlCol="0" anchor="b">
+          <a:bodyPr>
             <a:normAutofit/>
           </a:bodyPr>
           <a:lstStyle/>
           <a:p>
             <a:r>
-              <a:rPr lang="en-US" sz="6600" kern="1200">
-                <a:solidFill>
-                  <a:schemeClr val="tx1"/>
-                </a:solidFill>
-                <a:latin typeface="+mj-lt"/>
-                <a:ea typeface="+mj-ea"/>
-                <a:cs typeface="+mj-cs"/>
-              </a:rPr>
-              <a:t>DEMO</a:t>
-            </a:r>
-          </a:p>
-        </p:txBody>
-      </p:sp>
-      <p:sp>
-        <p:nvSpPr>
-          <p:cNvPr id="3" name="Content Placeholder 2">
-            <a:extLst>
-              <a:ext uri="{FF2B5EF4-FFF2-40B4-BE49-F238E27FC236}">
-                <a16:creationId xmlns:a16="http://schemas.microsoft.com/office/drawing/2014/main" id="{C8FCFCBD-A7E9-718F-C9AF-573C3F8ADD00}"/>
-              </a:ext>
-            </a:extLst>
-          </p:cNvPr>
-          <p:cNvSpPr>
-            <a:spLocks noGrp="1"/>
-          </p:cNvSpPr>
-          <p:nvPr>
-            <p:ph idx="1"/>
-          </p:nvPr>
-        </p:nvSpPr>
-        <p:spPr>
-          <a:xfrm>
-            <a:off x="838199" y="4983276"/>
-            <a:ext cx="10512552" cy="1126680"/>
-          </a:xfrm>
-        </p:spPr>
-        <p:txBody>
-          <a:bodyPr vert="horz" lIns="91440" tIns="45720" rIns="91440" bIns="45720" rtlCol="0">
-            <a:normAutofit/>
-          </a:bodyPr>
-          <a:lstStyle/>
-          <a:p>
-            <a:pPr marL="0" indent="0">
-              <a:buNone/>
-            </a:pPr>
-            <a:r>
-              <a:rPr lang="en-US" sz="2400" kern="1200" dirty="0">
-                <a:solidFill>
-                  <a:schemeClr val="tx1"/>
-                </a:solidFill>
-                <a:latin typeface="+mn-lt"/>
-                <a:ea typeface="+mn-ea"/>
-                <a:cs typeface="+mn-cs"/>
-              </a:rPr>
-              <a:t>Connect to a node</a:t>
+              <a:rPr lang="en-US" sz="5000" dirty="0"/>
+              <a:t>Connecting to Nodes</a:t>
             </a:r>
           </a:p>
         </p:txBody>
@@ -19396,7 +19696,7 @@
           <p:cNvPr id="10" name="sketch line">
             <a:extLst>
               <a:ext uri="{FF2B5EF4-FFF2-40B4-BE49-F238E27FC236}">
-                <a16:creationId xmlns:a16="http://schemas.microsoft.com/office/drawing/2014/main" id="{B55FFD08-5A0D-D540-A6FD-115ED62C1B9D}"/>
+                <a16:creationId xmlns:a16="http://schemas.microsoft.com/office/drawing/2014/main" id="{4FEE85C6-DC8B-6CF1-D0C1-2ED72240E0CD}"/>
               </a:ext>
               <a:ext uri="{C183D7F6-B498-43B3-948B-1728B52AA6E4}">
                 <adec:decorative xmlns:adec="http://schemas.microsoft.com/office/drawing/2017/decorative" val="1"/>
@@ -19416,50 +19716,84 @@
         </p:nvSpPr>
         <p:spPr>
           <a:xfrm>
-            <a:off x="838200" y="4718595"/>
-            <a:ext cx="5410200" cy="18288"/>
+            <a:off x="669036" y="1677373"/>
+            <a:ext cx="10853928" cy="18288"/>
           </a:xfrm>
           <a:custGeom>
             <a:avLst/>
             <a:gdLst>
-              <a:gd name="csX0" fmla="*/ 0 w 5410200"/>
+              <a:gd name="csX0" fmla="*/ 0 w 10853928"/>
               <a:gd name="csY0" fmla="*/ 0 h 18288"/>
-              <a:gd name="csX1" fmla="*/ 568071 w 5410200"/>
+              <a:gd name="csX1" fmla="*/ 461292 w 10853928"/>
               <a:gd name="csY1" fmla="*/ 0 h 18288"/>
-              <a:gd name="csX2" fmla="*/ 1298448 w 5410200"/>
+              <a:gd name="csX2" fmla="*/ 1139662 w 10853928"/>
               <a:gd name="csY2" fmla="*/ 0 h 18288"/>
-              <a:gd name="csX3" fmla="*/ 1920621 w 5410200"/>
+              <a:gd name="csX3" fmla="*/ 1926572 w 10853928"/>
               <a:gd name="csY3" fmla="*/ 0 h 18288"/>
-              <a:gd name="csX4" fmla="*/ 2488692 w 5410200"/>
+              <a:gd name="csX4" fmla="*/ 2279325 w 10853928"/>
               <a:gd name="csY4" fmla="*/ 0 h 18288"/>
-              <a:gd name="csX5" fmla="*/ 3219069 w 5410200"/>
+              <a:gd name="csX5" fmla="*/ 2632078 w 10853928"/>
               <a:gd name="csY5" fmla="*/ 0 h 18288"/>
-              <a:gd name="csX6" fmla="*/ 3895344 w 5410200"/>
+              <a:gd name="csX6" fmla="*/ 3527527 w 10853928"/>
               <a:gd name="csY6" fmla="*/ 0 h 18288"/>
-              <a:gd name="csX7" fmla="*/ 4571619 w 5410200"/>
+              <a:gd name="csX7" fmla="*/ 4205897 w 10853928"/>
               <a:gd name="csY7" fmla="*/ 0 h 18288"/>
-              <a:gd name="csX8" fmla="*/ 5410200 w 5410200"/>
+              <a:gd name="csX8" fmla="*/ 4558650 w 10853928"/>
               <a:gd name="csY8" fmla="*/ 0 h 18288"/>
-              <a:gd name="csX9" fmla="*/ 5410200 w 5410200"/>
-              <a:gd name="csY9" fmla="*/ 18288 h 18288"/>
-              <a:gd name="csX10" fmla="*/ 4842129 w 5410200"/>
-              <a:gd name="csY10" fmla="*/ 18288 h 18288"/>
-              <a:gd name="csX11" fmla="*/ 4328160 w 5410200"/>
-              <a:gd name="csY11" fmla="*/ 18288 h 18288"/>
-              <a:gd name="csX12" fmla="*/ 3597783 w 5410200"/>
-              <a:gd name="csY12" fmla="*/ 18288 h 18288"/>
-              <a:gd name="csX13" fmla="*/ 3029712 w 5410200"/>
-              <a:gd name="csY13" fmla="*/ 18288 h 18288"/>
-              <a:gd name="csX14" fmla="*/ 2299335 w 5410200"/>
-              <a:gd name="csY14" fmla="*/ 18288 h 18288"/>
-              <a:gd name="csX15" fmla="*/ 1514856 w 5410200"/>
-              <a:gd name="csY15" fmla="*/ 18288 h 18288"/>
-              <a:gd name="csX16" fmla="*/ 892683 w 5410200"/>
-              <a:gd name="csY16" fmla="*/ 18288 h 18288"/>
-              <a:gd name="csX17" fmla="*/ 0 w 5410200"/>
+              <a:gd name="csX9" fmla="*/ 5237020 w 10853928"/>
+              <a:gd name="csY9" fmla="*/ 0 h 18288"/>
+              <a:gd name="csX10" fmla="*/ 6132469 w 10853928"/>
+              <a:gd name="csY10" fmla="*/ 0 h 18288"/>
+              <a:gd name="csX11" fmla="*/ 6702301 w 10853928"/>
+              <a:gd name="csY11" fmla="*/ 0 h 18288"/>
+              <a:gd name="csX12" fmla="*/ 7272132 w 10853928"/>
+              <a:gd name="csY12" fmla="*/ 0 h 18288"/>
+              <a:gd name="csX13" fmla="*/ 7950502 w 10853928"/>
+              <a:gd name="csY13" fmla="*/ 0 h 18288"/>
+              <a:gd name="csX14" fmla="*/ 8737412 w 10853928"/>
+              <a:gd name="csY14" fmla="*/ 0 h 18288"/>
+              <a:gd name="csX15" fmla="*/ 9524322 w 10853928"/>
+              <a:gd name="csY15" fmla="*/ 0 h 18288"/>
+              <a:gd name="csX16" fmla="*/ 10853928 w 10853928"/>
+              <a:gd name="csY16" fmla="*/ 0 h 18288"/>
+              <a:gd name="csX17" fmla="*/ 10853928 w 10853928"/>
               <a:gd name="csY17" fmla="*/ 18288 h 18288"/>
-              <a:gd name="csX18" fmla="*/ 0 w 5410200"/>
-              <a:gd name="csY18" fmla="*/ 0 h 18288"/>
+              <a:gd name="csX18" fmla="*/ 10392636 w 10853928"/>
+              <a:gd name="csY18" fmla="*/ 18288 h 18288"/>
+              <a:gd name="csX19" fmla="*/ 9497187 w 10853928"/>
+              <a:gd name="csY19" fmla="*/ 18288 h 18288"/>
+              <a:gd name="csX20" fmla="*/ 8818817 w 10853928"/>
+              <a:gd name="csY20" fmla="*/ 18288 h 18288"/>
+              <a:gd name="csX21" fmla="*/ 8466064 w 10853928"/>
+              <a:gd name="csY21" fmla="*/ 18288 h 18288"/>
+              <a:gd name="csX22" fmla="*/ 7787693 w 10853928"/>
+              <a:gd name="csY22" fmla="*/ 18288 h 18288"/>
+              <a:gd name="csX23" fmla="*/ 7217862 w 10853928"/>
+              <a:gd name="csY23" fmla="*/ 18288 h 18288"/>
+              <a:gd name="csX24" fmla="*/ 6648031 w 10853928"/>
+              <a:gd name="csY24" fmla="*/ 18288 h 18288"/>
+              <a:gd name="csX25" fmla="*/ 6078200 w 10853928"/>
+              <a:gd name="csY25" fmla="*/ 18288 h 18288"/>
+              <a:gd name="csX26" fmla="*/ 5508368 w 10853928"/>
+              <a:gd name="csY26" fmla="*/ 18288 h 18288"/>
+              <a:gd name="csX27" fmla="*/ 4721459 w 10853928"/>
+              <a:gd name="csY27" fmla="*/ 18288 h 18288"/>
+              <a:gd name="csX28" fmla="*/ 4043088 w 10853928"/>
+              <a:gd name="csY28" fmla="*/ 18288 h 18288"/>
+              <a:gd name="csX29" fmla="*/ 3690336 w 10853928"/>
+              <a:gd name="csY29" fmla="*/ 18288 h 18288"/>
+              <a:gd name="csX30" fmla="*/ 3120504 w 10853928"/>
+              <a:gd name="csY30" fmla="*/ 18288 h 18288"/>
+              <a:gd name="csX31" fmla="*/ 2333595 w 10853928"/>
+              <a:gd name="csY31" fmla="*/ 18288 h 18288"/>
+              <a:gd name="csX32" fmla="*/ 1872303 w 10853928"/>
+              <a:gd name="csY32" fmla="*/ 18288 h 18288"/>
+              <a:gd name="csX33" fmla="*/ 976854 w 10853928"/>
+              <a:gd name="csY33" fmla="*/ 18288 h 18288"/>
+              <a:gd name="csX34" fmla="*/ 0 w 10853928"/>
+              <a:gd name="csY34" fmla="*/ 18288 h 18288"/>
+              <a:gd name="csX35" fmla="*/ 0 w 10853928"/>
+              <a:gd name="csY35" fmla="*/ 0 h 18288"/>
             </a:gdLst>
             <a:ahLst/>
             <a:cxnLst>
@@ -19520,197 +19854,428 @@
               <a:cxn ang="0">
                 <a:pos x="csX18" y="csY18"/>
               </a:cxn>
+              <a:cxn ang="0">
+                <a:pos x="csX19" y="csY19"/>
+              </a:cxn>
+              <a:cxn ang="0">
+                <a:pos x="csX20" y="csY20"/>
+              </a:cxn>
+              <a:cxn ang="0">
+                <a:pos x="csX21" y="csY21"/>
+              </a:cxn>
+              <a:cxn ang="0">
+                <a:pos x="csX22" y="csY22"/>
+              </a:cxn>
+              <a:cxn ang="0">
+                <a:pos x="csX23" y="csY23"/>
+              </a:cxn>
+              <a:cxn ang="0">
+                <a:pos x="csX24" y="csY24"/>
+              </a:cxn>
+              <a:cxn ang="0">
+                <a:pos x="csX25" y="csY25"/>
+              </a:cxn>
+              <a:cxn ang="0">
+                <a:pos x="csX26" y="csY26"/>
+              </a:cxn>
+              <a:cxn ang="0">
+                <a:pos x="csX27" y="csY27"/>
+              </a:cxn>
+              <a:cxn ang="0">
+                <a:pos x="csX28" y="csY28"/>
+              </a:cxn>
+              <a:cxn ang="0">
+                <a:pos x="csX29" y="csY29"/>
+              </a:cxn>
+              <a:cxn ang="0">
+                <a:pos x="csX30" y="csY30"/>
+              </a:cxn>
+              <a:cxn ang="0">
+                <a:pos x="csX31" y="csY31"/>
+              </a:cxn>
+              <a:cxn ang="0">
+                <a:pos x="csX32" y="csY32"/>
+              </a:cxn>
+              <a:cxn ang="0">
+                <a:pos x="csX33" y="csY33"/>
+              </a:cxn>
+              <a:cxn ang="0">
+                <a:pos x="csX34" y="csY34"/>
+              </a:cxn>
+              <a:cxn ang="0">
+                <a:pos x="csX35" y="csY35"/>
+              </a:cxn>
             </a:cxnLst>
             <a:rect l="l" t="t" r="r" b="b"/>
             <a:pathLst>
-              <a:path w="5410200" h="18288" fill="none" extrusionOk="0">
+              <a:path w="10853928" h="18288" fill="none" extrusionOk="0">
                 <a:moveTo>
                   <a:pt x="0" y="0"/>
                 </a:moveTo>
                 <a:cubicBezTo>
-                  <a:pt x="163050" y="-18707"/>
-                  <a:pt x="319321" y="-16364"/>
-                  <a:pt x="568071" y="0"/>
-                </a:cubicBezTo>
-                <a:cubicBezTo>
-                  <a:pt x="816821" y="16364"/>
-                  <a:pt x="1013224" y="-7268"/>
-                  <a:pt x="1298448" y="0"/>
-                </a:cubicBezTo>
-                <a:cubicBezTo>
-                  <a:pt x="1583672" y="7268"/>
-                  <a:pt x="1631711" y="-3367"/>
-                  <a:pt x="1920621" y="0"/>
-                </a:cubicBezTo>
-                <a:cubicBezTo>
-                  <a:pt x="2209531" y="3367"/>
-                  <a:pt x="2364420" y="-19184"/>
-                  <a:pt x="2488692" y="0"/>
-                </a:cubicBezTo>
-                <a:cubicBezTo>
-                  <a:pt x="2612964" y="19184"/>
-                  <a:pt x="3023298" y="-34627"/>
-                  <a:pt x="3219069" y="0"/>
-                </a:cubicBezTo>
-                <a:cubicBezTo>
-                  <a:pt x="3414840" y="34627"/>
-                  <a:pt x="3656810" y="24043"/>
-                  <a:pt x="3895344" y="0"/>
-                </a:cubicBezTo>
-                <a:cubicBezTo>
-                  <a:pt x="4133879" y="-24043"/>
-                  <a:pt x="4393984" y="-19577"/>
-                  <a:pt x="4571619" y="0"/>
-                </a:cubicBezTo>
-                <a:cubicBezTo>
-                  <a:pt x="4749255" y="19577"/>
-                  <a:pt x="5179928" y="-6281"/>
-                  <a:pt x="5410200" y="0"/>
-                </a:cubicBezTo>
-                <a:cubicBezTo>
-                  <a:pt x="5410730" y="6954"/>
-                  <a:pt x="5410934" y="12839"/>
-                  <a:pt x="5410200" y="18288"/>
-                </a:cubicBezTo>
-                <a:cubicBezTo>
-                  <a:pt x="5139060" y="6751"/>
-                  <a:pt x="5121593" y="31035"/>
-                  <a:pt x="4842129" y="18288"/>
-                </a:cubicBezTo>
-                <a:cubicBezTo>
-                  <a:pt x="4562665" y="5541"/>
-                  <a:pt x="4448273" y="9487"/>
-                  <a:pt x="4328160" y="18288"/>
-                </a:cubicBezTo>
-                <a:cubicBezTo>
-                  <a:pt x="4208047" y="27089"/>
-                  <a:pt x="3760936" y="22567"/>
-                  <a:pt x="3597783" y="18288"/>
-                </a:cubicBezTo>
-                <a:cubicBezTo>
-                  <a:pt x="3434630" y="14009"/>
-                  <a:pt x="3299718" y="33213"/>
-                  <a:pt x="3029712" y="18288"/>
-                </a:cubicBezTo>
-                <a:cubicBezTo>
-                  <a:pt x="2759706" y="3363"/>
-                  <a:pt x="2640159" y="27394"/>
-                  <a:pt x="2299335" y="18288"/>
-                </a:cubicBezTo>
-                <a:cubicBezTo>
-                  <a:pt x="1958511" y="9182"/>
-                  <a:pt x="1801186" y="28985"/>
-                  <a:pt x="1514856" y="18288"/>
-                </a:cubicBezTo>
-                <a:cubicBezTo>
-                  <a:pt x="1228526" y="7591"/>
-                  <a:pt x="1063509" y="-5305"/>
-                  <a:pt x="892683" y="18288"/>
-                </a:cubicBezTo>
-                <a:cubicBezTo>
-                  <a:pt x="721857" y="41881"/>
-                  <a:pt x="186945" y="-20897"/>
+                  <a:pt x="146993" y="-19076"/>
+                  <a:pt x="347684" y="-4790"/>
+                  <a:pt x="461292" y="0"/>
+                </a:cubicBezTo>
+                <a:cubicBezTo>
+                  <a:pt x="574900" y="4790"/>
+                  <a:pt x="808367" y="19821"/>
+                  <a:pt x="1139662" y="0"/>
+                </a:cubicBezTo>
+                <a:cubicBezTo>
+                  <a:pt x="1470957" y="-19821"/>
+                  <a:pt x="1627405" y="5721"/>
+                  <a:pt x="1926572" y="0"/>
+                </a:cubicBezTo>
+                <a:cubicBezTo>
+                  <a:pt x="2225739" y="-5721"/>
+                  <a:pt x="2137730" y="-3235"/>
+                  <a:pt x="2279325" y="0"/>
+                </a:cubicBezTo>
+                <a:cubicBezTo>
+                  <a:pt x="2420920" y="3235"/>
+                  <a:pt x="2456518" y="9685"/>
+                  <a:pt x="2632078" y="0"/>
+                </a:cubicBezTo>
+                <a:cubicBezTo>
+                  <a:pt x="2807638" y="-9685"/>
+                  <a:pt x="3211516" y="-43007"/>
+                  <a:pt x="3527527" y="0"/>
+                </a:cubicBezTo>
+                <a:cubicBezTo>
+                  <a:pt x="3843538" y="43007"/>
+                  <a:pt x="4058833" y="22042"/>
+                  <a:pt x="4205897" y="0"/>
+                </a:cubicBezTo>
+                <a:cubicBezTo>
+                  <a:pt x="4352961" y="-22042"/>
+                  <a:pt x="4474805" y="-11846"/>
+                  <a:pt x="4558650" y="0"/>
+                </a:cubicBezTo>
+                <a:cubicBezTo>
+                  <a:pt x="4642495" y="11846"/>
+                  <a:pt x="5041928" y="-6069"/>
+                  <a:pt x="5237020" y="0"/>
+                </a:cubicBezTo>
+                <a:cubicBezTo>
+                  <a:pt x="5432112" y="6069"/>
+                  <a:pt x="5943266" y="-17479"/>
+                  <a:pt x="6132469" y="0"/>
+                </a:cubicBezTo>
+                <a:cubicBezTo>
+                  <a:pt x="6321672" y="17479"/>
+                  <a:pt x="6483872" y="26234"/>
+                  <a:pt x="6702301" y="0"/>
+                </a:cubicBezTo>
+                <a:cubicBezTo>
+                  <a:pt x="6920730" y="-26234"/>
+                  <a:pt x="6991194" y="-15156"/>
+                  <a:pt x="7272132" y="0"/>
+                </a:cubicBezTo>
+                <a:cubicBezTo>
+                  <a:pt x="7553070" y="15156"/>
+                  <a:pt x="7684444" y="-32961"/>
+                  <a:pt x="7950502" y="0"/>
+                </a:cubicBezTo>
+                <a:cubicBezTo>
+                  <a:pt x="8216560" y="32961"/>
+                  <a:pt x="8493290" y="-10491"/>
+                  <a:pt x="8737412" y="0"/>
+                </a:cubicBezTo>
+                <a:cubicBezTo>
+                  <a:pt x="8981534" y="10491"/>
+                  <a:pt x="9191586" y="-13899"/>
+                  <a:pt x="9524322" y="0"/>
+                </a:cubicBezTo>
+                <a:cubicBezTo>
+                  <a:pt x="9857058" y="13899"/>
+                  <a:pt x="10297509" y="7485"/>
+                  <a:pt x="10853928" y="0"/>
+                </a:cubicBezTo>
+                <a:cubicBezTo>
+                  <a:pt x="10854574" y="4451"/>
+                  <a:pt x="10854418" y="9226"/>
+                  <a:pt x="10853928" y="18288"/>
+                </a:cubicBezTo>
+                <a:cubicBezTo>
+                  <a:pt x="10691638" y="28522"/>
+                  <a:pt x="10574319" y="29578"/>
+                  <a:pt x="10392636" y="18288"/>
+                </a:cubicBezTo>
+                <a:cubicBezTo>
+                  <a:pt x="10210953" y="6998"/>
+                  <a:pt x="9836277" y="-16742"/>
+                  <a:pt x="9497187" y="18288"/>
+                </a:cubicBezTo>
+                <a:cubicBezTo>
+                  <a:pt x="9158097" y="53318"/>
+                  <a:pt x="9119479" y="30714"/>
+                  <a:pt x="8818817" y="18288"/>
+                </a:cubicBezTo>
+                <a:cubicBezTo>
+                  <a:pt x="8518155" y="5863"/>
+                  <a:pt x="8640037" y="6483"/>
+                  <a:pt x="8466064" y="18288"/>
+                </a:cubicBezTo>
+                <a:cubicBezTo>
+                  <a:pt x="8292091" y="30093"/>
+                  <a:pt x="7997656" y="18914"/>
+                  <a:pt x="7787693" y="18288"/>
+                </a:cubicBezTo>
+                <a:cubicBezTo>
+                  <a:pt x="7577730" y="17662"/>
+                  <a:pt x="7412468" y="21416"/>
+                  <a:pt x="7217862" y="18288"/>
+                </a:cubicBezTo>
+                <a:cubicBezTo>
+                  <a:pt x="7023256" y="15160"/>
+                  <a:pt x="6898018" y="14824"/>
+                  <a:pt x="6648031" y="18288"/>
+                </a:cubicBezTo>
+                <a:cubicBezTo>
+                  <a:pt x="6398044" y="21752"/>
+                  <a:pt x="6254402" y="38625"/>
+                  <a:pt x="6078200" y="18288"/>
+                </a:cubicBezTo>
+                <a:cubicBezTo>
+                  <a:pt x="5901998" y="-2049"/>
+                  <a:pt x="5622886" y="3213"/>
+                  <a:pt x="5508368" y="18288"/>
+                </a:cubicBezTo>
+                <a:cubicBezTo>
+                  <a:pt x="5393850" y="33363"/>
+                  <a:pt x="5036260" y="26830"/>
+                  <a:pt x="4721459" y="18288"/>
+                </a:cubicBezTo>
+                <a:cubicBezTo>
+                  <a:pt x="4406658" y="9746"/>
+                  <a:pt x="4239221" y="41551"/>
+                  <a:pt x="4043088" y="18288"/>
+                </a:cubicBezTo>
+                <a:cubicBezTo>
+                  <a:pt x="3846955" y="-4975"/>
+                  <a:pt x="3818802" y="34658"/>
+                  <a:pt x="3690336" y="18288"/>
+                </a:cubicBezTo>
+                <a:cubicBezTo>
+                  <a:pt x="3561870" y="1918"/>
+                  <a:pt x="3265491" y="42194"/>
+                  <a:pt x="3120504" y="18288"/>
+                </a:cubicBezTo>
+                <a:cubicBezTo>
+                  <a:pt x="2975517" y="-5618"/>
+                  <a:pt x="2720254" y="36673"/>
+                  <a:pt x="2333595" y="18288"/>
+                </a:cubicBezTo>
+                <a:cubicBezTo>
+                  <a:pt x="1946936" y="-97"/>
+                  <a:pt x="2097241" y="5776"/>
+                  <a:pt x="1872303" y="18288"/>
+                </a:cubicBezTo>
+                <a:cubicBezTo>
+                  <a:pt x="1647365" y="30800"/>
+                  <a:pt x="1282708" y="45380"/>
+                  <a:pt x="976854" y="18288"/>
+                </a:cubicBezTo>
+                <a:cubicBezTo>
+                  <a:pt x="671000" y="-8804"/>
+                  <a:pt x="408401" y="-12775"/>
                   <a:pt x="0" y="18288"/>
                 </a:cubicBezTo>
                 <a:cubicBezTo>
-                  <a:pt x="-570" y="9279"/>
-                  <a:pt x="132" y="5100"/>
+                  <a:pt x="-213" y="9468"/>
+                  <a:pt x="187" y="4459"/>
                   <a:pt x="0" y="0"/>
                 </a:cubicBezTo>
                 <a:close/>
               </a:path>
-              <a:path w="5410200" h="18288" stroke="0" extrusionOk="0">
+              <a:path w="10853928" h="18288" stroke="0" extrusionOk="0">
                 <a:moveTo>
                   <a:pt x="0" y="0"/>
                 </a:moveTo>
                 <a:cubicBezTo>
-                  <a:pt x="285096" y="-4925"/>
-                  <a:pt x="376456" y="22268"/>
-                  <a:pt x="622173" y="0"/>
-                </a:cubicBezTo>
-                <a:cubicBezTo>
-                  <a:pt x="867890" y="-22268"/>
-                  <a:pt x="1031392" y="7228"/>
-                  <a:pt x="1136142" y="0"/>
-                </a:cubicBezTo>
-                <a:cubicBezTo>
-                  <a:pt x="1240892" y="-7228"/>
-                  <a:pt x="1561853" y="9877"/>
-                  <a:pt x="1920621" y="0"/>
-                </a:cubicBezTo>
-                <a:cubicBezTo>
-                  <a:pt x="2279389" y="-9877"/>
-                  <a:pt x="2367255" y="19546"/>
-                  <a:pt x="2542794" y="0"/>
-                </a:cubicBezTo>
-                <a:cubicBezTo>
-                  <a:pt x="2718333" y="-19546"/>
-                  <a:pt x="2866732" y="-22226"/>
-                  <a:pt x="3164967" y="0"/>
-                </a:cubicBezTo>
-                <a:cubicBezTo>
-                  <a:pt x="3463202" y="22226"/>
-                  <a:pt x="3568055" y="-2765"/>
-                  <a:pt x="3949446" y="0"/>
-                </a:cubicBezTo>
-                <a:cubicBezTo>
-                  <a:pt x="4330837" y="2765"/>
-                  <a:pt x="4287895" y="10557"/>
-                  <a:pt x="4517517" y="0"/>
-                </a:cubicBezTo>
-                <a:cubicBezTo>
-                  <a:pt x="4747139" y="-10557"/>
-                  <a:pt x="5149588" y="8716"/>
-                  <a:pt x="5410200" y="0"/>
-                </a:cubicBezTo>
-                <a:cubicBezTo>
-                  <a:pt x="5409517" y="5414"/>
-                  <a:pt x="5409480" y="12510"/>
-                  <a:pt x="5410200" y="18288"/>
-                </a:cubicBezTo>
-                <a:cubicBezTo>
-                  <a:pt x="5163327" y="41494"/>
-                  <a:pt x="5008749" y="10693"/>
-                  <a:pt x="4842129" y="18288"/>
-                </a:cubicBezTo>
-                <a:cubicBezTo>
-                  <a:pt x="4675509" y="25883"/>
-                  <a:pt x="4433401" y="-615"/>
-                  <a:pt x="4165854" y="18288"/>
-                </a:cubicBezTo>
-                <a:cubicBezTo>
-                  <a:pt x="3898308" y="37191"/>
-                  <a:pt x="3809032" y="-8710"/>
-                  <a:pt x="3543681" y="18288"/>
-                </a:cubicBezTo>
-                <a:cubicBezTo>
-                  <a:pt x="3278330" y="45286"/>
-                  <a:pt x="3073876" y="-15917"/>
-                  <a:pt x="2759202" y="18288"/>
-                </a:cubicBezTo>
-                <a:cubicBezTo>
-                  <a:pt x="2444528" y="52493"/>
-                  <a:pt x="2204144" y="3372"/>
-                  <a:pt x="1974723" y="18288"/>
-                </a:cubicBezTo>
-                <a:cubicBezTo>
-                  <a:pt x="1745302" y="33204"/>
-                  <a:pt x="1602335" y="31490"/>
-                  <a:pt x="1406652" y="18288"/>
-                </a:cubicBezTo>
-                <a:cubicBezTo>
-                  <a:pt x="1210969" y="5086"/>
-                  <a:pt x="923948" y="3161"/>
-                  <a:pt x="730377" y="18288"/>
-                </a:cubicBezTo>
-                <a:cubicBezTo>
-                  <a:pt x="536806" y="33415"/>
-                  <a:pt x="336496" y="-141"/>
+                  <a:pt x="267322" y="15284"/>
+                  <a:pt x="415388" y="-21048"/>
+                  <a:pt x="569831" y="0"/>
+                </a:cubicBezTo>
+                <a:cubicBezTo>
+                  <a:pt x="724274" y="21048"/>
+                  <a:pt x="769333" y="-2353"/>
+                  <a:pt x="922584" y="0"/>
+                </a:cubicBezTo>
+                <a:cubicBezTo>
+                  <a:pt x="1075835" y="2353"/>
+                  <a:pt x="1399490" y="-145"/>
+                  <a:pt x="1818033" y="0"/>
+                </a:cubicBezTo>
+                <a:cubicBezTo>
+                  <a:pt x="2236576" y="145"/>
+                  <a:pt x="2145330" y="5482"/>
+                  <a:pt x="2387864" y="0"/>
+                </a:cubicBezTo>
+                <a:cubicBezTo>
+                  <a:pt x="2630398" y="-5482"/>
+                  <a:pt x="2793207" y="18487"/>
+                  <a:pt x="2957695" y="0"/>
+                </a:cubicBezTo>
+                <a:cubicBezTo>
+                  <a:pt x="3122183" y="-18487"/>
+                  <a:pt x="3579141" y="19003"/>
+                  <a:pt x="3853144" y="0"/>
+                </a:cubicBezTo>
+                <a:cubicBezTo>
+                  <a:pt x="4127147" y="-19003"/>
+                  <a:pt x="4209857" y="12211"/>
+                  <a:pt x="4314436" y="0"/>
+                </a:cubicBezTo>
+                <a:cubicBezTo>
+                  <a:pt x="4419015" y="-12211"/>
+                  <a:pt x="4762459" y="-17220"/>
+                  <a:pt x="5209885" y="0"/>
+                </a:cubicBezTo>
+                <a:cubicBezTo>
+                  <a:pt x="5657311" y="17220"/>
+                  <a:pt x="5692663" y="-3290"/>
+                  <a:pt x="6105335" y="0"/>
+                </a:cubicBezTo>
+                <a:cubicBezTo>
+                  <a:pt x="6518007" y="3290"/>
+                  <a:pt x="6455516" y="-5124"/>
+                  <a:pt x="6783705" y="0"/>
+                </a:cubicBezTo>
+                <a:cubicBezTo>
+                  <a:pt x="7111894" y="5124"/>
+                  <a:pt x="7441941" y="-17829"/>
+                  <a:pt x="7679154" y="0"/>
+                </a:cubicBezTo>
+                <a:cubicBezTo>
+                  <a:pt x="7916367" y="17829"/>
+                  <a:pt x="8102967" y="-24363"/>
+                  <a:pt x="8248985" y="0"/>
+                </a:cubicBezTo>
+                <a:cubicBezTo>
+                  <a:pt x="8395003" y="24363"/>
+                  <a:pt x="8552393" y="25505"/>
+                  <a:pt x="8818817" y="0"/>
+                </a:cubicBezTo>
+                <a:cubicBezTo>
+                  <a:pt x="9085241" y="-25505"/>
+                  <a:pt x="9411308" y="38000"/>
+                  <a:pt x="9605726" y="0"/>
+                </a:cubicBezTo>
+                <a:cubicBezTo>
+                  <a:pt x="9800144" y="-38000"/>
+                  <a:pt x="10006468" y="-25741"/>
+                  <a:pt x="10175558" y="0"/>
+                </a:cubicBezTo>
+                <a:cubicBezTo>
+                  <a:pt x="10344648" y="25741"/>
+                  <a:pt x="10696282" y="695"/>
+                  <a:pt x="10853928" y="0"/>
+                </a:cubicBezTo>
+                <a:cubicBezTo>
+                  <a:pt x="10853521" y="8690"/>
+                  <a:pt x="10853774" y="14141"/>
+                  <a:pt x="10853928" y="18288"/>
+                </a:cubicBezTo>
+                <a:cubicBezTo>
+                  <a:pt x="10608124" y="24255"/>
+                  <a:pt x="10343415" y="22307"/>
+                  <a:pt x="10067018" y="18288"/>
+                </a:cubicBezTo>
+                <a:cubicBezTo>
+                  <a:pt x="9790621" y="14270"/>
+                  <a:pt x="9843266" y="3564"/>
+                  <a:pt x="9714266" y="18288"/>
+                </a:cubicBezTo>
+                <a:cubicBezTo>
+                  <a:pt x="9585266" y="33012"/>
+                  <a:pt x="9379484" y="1875"/>
+                  <a:pt x="9252974" y="18288"/>
+                </a:cubicBezTo>
+                <a:cubicBezTo>
+                  <a:pt x="9126464" y="34701"/>
+                  <a:pt x="8580678" y="-4904"/>
+                  <a:pt x="8357525" y="18288"/>
+                </a:cubicBezTo>
+                <a:cubicBezTo>
+                  <a:pt x="8134372" y="41480"/>
+                  <a:pt x="7903199" y="26458"/>
+                  <a:pt x="7679154" y="18288"/>
+                </a:cubicBezTo>
+                <a:cubicBezTo>
+                  <a:pt x="7455109" y="10118"/>
+                  <a:pt x="7435944" y="27109"/>
+                  <a:pt x="7217862" y="18288"/>
+                </a:cubicBezTo>
+                <a:cubicBezTo>
+                  <a:pt x="6999780" y="9467"/>
+                  <a:pt x="6680409" y="18985"/>
+                  <a:pt x="6539492" y="18288"/>
+                </a:cubicBezTo>
+                <a:cubicBezTo>
+                  <a:pt x="6398575" y="17592"/>
+                  <a:pt x="6312077" y="33018"/>
+                  <a:pt x="6186739" y="18288"/>
+                </a:cubicBezTo>
+                <a:cubicBezTo>
+                  <a:pt x="6061401" y="3558"/>
+                  <a:pt x="5947033" y="12075"/>
+                  <a:pt x="5833986" y="18288"/>
+                </a:cubicBezTo>
+                <a:cubicBezTo>
+                  <a:pt x="5720939" y="24501"/>
+                  <a:pt x="5482226" y="8586"/>
+                  <a:pt x="5155616" y="18288"/>
+                </a:cubicBezTo>
+                <a:cubicBezTo>
+                  <a:pt x="4829006" y="27991"/>
+                  <a:pt x="4841274" y="29316"/>
+                  <a:pt x="4694324" y="18288"/>
+                </a:cubicBezTo>
+                <a:cubicBezTo>
+                  <a:pt x="4547374" y="7260"/>
+                  <a:pt x="4077675" y="7013"/>
+                  <a:pt x="3907414" y="18288"/>
+                </a:cubicBezTo>
+                <a:cubicBezTo>
+                  <a:pt x="3737153" y="29564"/>
+                  <a:pt x="3538393" y="21630"/>
+                  <a:pt x="3446122" y="18288"/>
+                </a:cubicBezTo>
+                <a:cubicBezTo>
+                  <a:pt x="3353851" y="14946"/>
+                  <a:pt x="2990320" y="-8091"/>
+                  <a:pt x="2659212" y="18288"/>
+                </a:cubicBezTo>
+                <a:cubicBezTo>
+                  <a:pt x="2328104" y="44667"/>
+                  <a:pt x="2427653" y="9607"/>
+                  <a:pt x="2306460" y="18288"/>
+                </a:cubicBezTo>
+                <a:cubicBezTo>
+                  <a:pt x="2185267" y="26969"/>
+                  <a:pt x="1719763" y="3717"/>
+                  <a:pt x="1519550" y="18288"/>
+                </a:cubicBezTo>
+                <a:cubicBezTo>
+                  <a:pt x="1319337" y="32860"/>
+                  <a:pt x="1167371" y="17040"/>
+                  <a:pt x="1058258" y="18288"/>
+                </a:cubicBezTo>
+                <a:cubicBezTo>
+                  <a:pt x="949145" y="19536"/>
+                  <a:pt x="780234" y="31447"/>
+                  <a:pt x="705505" y="18288"/>
+                </a:cubicBezTo>
+                <a:cubicBezTo>
+                  <a:pt x="630776" y="5129"/>
+                  <a:pt x="215796" y="30056"/>
                   <a:pt x="0" y="18288"/>
                 </a:cubicBezTo>
                 <a:cubicBezTo>
-                  <a:pt x="-306" y="11061"/>
-                  <a:pt x="-655" y="7751"/>
+                  <a:pt x="-53" y="11301"/>
+                  <a:pt x="-649" y="7756"/>
                   <a:pt x="0" y="0"/>
                 </a:cubicBezTo>
                 <a:close/>
@@ -19767,7 +20332,7 @@
     </p:spTree>
     <p:extLst>
       <p:ext uri="{BB962C8B-B14F-4D97-AF65-F5344CB8AC3E}">
-        <p14:creationId xmlns:p14="http://schemas.microsoft.com/office/powerpoint/2010/main" val="1846933840"/>
+        <p14:creationId xmlns:p14="http://schemas.microsoft.com/office/powerpoint/2010/main" val="1674300692"/>
       </p:ext>
     </p:extLst>
   </p:cSld>
@@ -20417,6 +20982,570 @@
         <p:cNvPr id="1" name="">
           <a:extLst>
             <a:ext uri="{FF2B5EF4-FFF2-40B4-BE49-F238E27FC236}">
+              <a16:creationId xmlns:a16="http://schemas.microsoft.com/office/drawing/2014/main" id="{E709C7F2-5C5B-4F76-8C0F-56C7A4DBF554}"/>
+            </a:ext>
+          </a:extLst>
+        </p:cNvPr>
+        <p:cNvGrpSpPr/>
+        <p:nvPr/>
+      </p:nvGrpSpPr>
+      <p:grpSpPr>
+        <a:xfrm>
+          <a:off x="0" y="0"/>
+          <a:ext cx="0" cy="0"/>
+          <a:chOff x="0" y="0"/>
+          <a:chExt cx="0" cy="0"/>
+        </a:xfrm>
+      </p:grpSpPr>
+      <p:sp useBgFill="1">
+        <p:nvSpPr>
+          <p:cNvPr id="8" name="Rectangle 7">
+            <a:extLst>
+              <a:ext uri="{FF2B5EF4-FFF2-40B4-BE49-F238E27FC236}">
+                <a16:creationId xmlns:a16="http://schemas.microsoft.com/office/drawing/2014/main" id="{7D978695-A5D8-B900-849F-A1EC89035606}"/>
+              </a:ext>
+              <a:ext uri="{C183D7F6-B498-43B3-948B-1728B52AA6E4}">
+                <adec:decorative xmlns:adec="http://schemas.microsoft.com/office/drawing/2017/decorative" val="1"/>
+              </a:ext>
+            </a:extLst>
+          </p:cNvPr>
+          <p:cNvSpPr>
+            <a:spLocks noGrp="1" noRot="1" noChangeAspect="1" noMove="1" noResize="1" noEditPoints="1" noAdjustHandles="1" noChangeArrowheads="1" noChangeShapeType="1" noTextEdit="1"/>
+          </p:cNvSpPr>
+          <p:nvPr>
+            <p:extLst>
+              <p:ext uri="{386F3935-93C4-4BCD-93E2-E3B085C9AB24}">
+                <p16:designElem xmlns:p16="http://schemas.microsoft.com/office/powerpoint/2015/main" val="1"/>
+              </p:ext>
+            </p:extLst>
+          </p:nvPr>
+        </p:nvSpPr>
+        <p:spPr>
+          <a:xfrm>
+            <a:off x="0" y="0"/>
+            <a:ext cx="12188952" cy="6858000"/>
+          </a:xfrm>
+          <a:prstGeom prst="rect">
+            <a:avLst/>
+          </a:prstGeom>
+          <a:ln>
+            <a:noFill/>
+          </a:ln>
+        </p:spPr>
+        <p:style>
+          <a:lnRef idx="2">
+            <a:schemeClr val="accent1">
+              <a:shade val="50000"/>
+            </a:schemeClr>
+          </a:lnRef>
+          <a:fillRef idx="1">
+            <a:schemeClr val="accent1"/>
+          </a:fillRef>
+          <a:effectRef idx="0">
+            <a:schemeClr val="accent1"/>
+          </a:effectRef>
+          <a:fontRef idx="minor">
+            <a:schemeClr val="lt1"/>
+          </a:fontRef>
+        </p:style>
+        <p:txBody>
+          <a:bodyPr rtlCol="0" anchor="ctr"/>
+          <a:lstStyle/>
+          <a:p>
+            <a:pPr algn="ctr"/>
+            <a:endParaRPr lang="en-US"/>
+          </a:p>
+        </p:txBody>
+      </p:sp>
+      <p:sp>
+        <p:nvSpPr>
+          <p:cNvPr id="2" name="Title 1">
+            <a:extLst>
+              <a:ext uri="{FF2B5EF4-FFF2-40B4-BE49-F238E27FC236}">
+                <a16:creationId xmlns:a16="http://schemas.microsoft.com/office/drawing/2014/main" id="{ACD8D0D0-B039-C7D3-3B06-08AA5C47AF5C}"/>
+              </a:ext>
+            </a:extLst>
+          </p:cNvPr>
+          <p:cNvSpPr>
+            <a:spLocks noGrp="1"/>
+          </p:cNvSpPr>
+          <p:nvPr>
+            <p:ph type="title"/>
+          </p:nvPr>
+        </p:nvSpPr>
+        <p:spPr>
+          <a:xfrm>
+            <a:off x="838200" y="451381"/>
+            <a:ext cx="10512552" cy="4066540"/>
+          </a:xfrm>
+        </p:spPr>
+        <p:txBody>
+          <a:bodyPr vert="horz" lIns="91440" tIns="45720" rIns="91440" bIns="45720" rtlCol="0" anchor="b">
+            <a:normAutofit/>
+          </a:bodyPr>
+          <a:lstStyle/>
+          <a:p>
+            <a:r>
+              <a:rPr lang="en-US" sz="6600" kern="1200">
+                <a:solidFill>
+                  <a:schemeClr val="tx1"/>
+                </a:solidFill>
+                <a:latin typeface="+mj-lt"/>
+                <a:ea typeface="+mj-ea"/>
+                <a:cs typeface="+mj-cs"/>
+              </a:rPr>
+              <a:t>DEMO</a:t>
+            </a:r>
+          </a:p>
+        </p:txBody>
+      </p:sp>
+      <p:sp>
+        <p:nvSpPr>
+          <p:cNvPr id="3" name="Content Placeholder 2">
+            <a:extLst>
+              <a:ext uri="{FF2B5EF4-FFF2-40B4-BE49-F238E27FC236}">
+                <a16:creationId xmlns:a16="http://schemas.microsoft.com/office/drawing/2014/main" id="{C8FCFCBD-A7E9-718F-C9AF-573C3F8ADD00}"/>
+              </a:ext>
+            </a:extLst>
+          </p:cNvPr>
+          <p:cNvSpPr>
+            <a:spLocks noGrp="1"/>
+          </p:cNvSpPr>
+          <p:nvPr>
+            <p:ph idx="1"/>
+          </p:nvPr>
+        </p:nvSpPr>
+        <p:spPr>
+          <a:xfrm>
+            <a:off x="838199" y="4983276"/>
+            <a:ext cx="10512552" cy="1126680"/>
+          </a:xfrm>
+        </p:spPr>
+        <p:txBody>
+          <a:bodyPr vert="horz" lIns="91440" tIns="45720" rIns="91440" bIns="45720" rtlCol="0">
+            <a:normAutofit/>
+          </a:bodyPr>
+          <a:lstStyle/>
+          <a:p>
+            <a:pPr marL="0" indent="0">
+              <a:buNone/>
+            </a:pPr>
+            <a:r>
+              <a:rPr lang="en-US" sz="2400" kern="1200" dirty="0">
+                <a:solidFill>
+                  <a:schemeClr val="tx1"/>
+                </a:solidFill>
+                <a:latin typeface="+mn-lt"/>
+                <a:ea typeface="+mn-ea"/>
+                <a:cs typeface="+mn-cs"/>
+              </a:rPr>
+              <a:t>Connect to a node</a:t>
+            </a:r>
+          </a:p>
+        </p:txBody>
+      </p:sp>
+      <p:sp>
+        <p:nvSpPr>
+          <p:cNvPr id="10" name="sketch line">
+            <a:extLst>
+              <a:ext uri="{FF2B5EF4-FFF2-40B4-BE49-F238E27FC236}">
+                <a16:creationId xmlns:a16="http://schemas.microsoft.com/office/drawing/2014/main" id="{B55FFD08-5A0D-D540-A6FD-115ED62C1B9D}"/>
+              </a:ext>
+              <a:ext uri="{C183D7F6-B498-43B3-948B-1728B52AA6E4}">
+                <adec:decorative xmlns:adec="http://schemas.microsoft.com/office/drawing/2017/decorative" val="1"/>
+              </a:ext>
+            </a:extLst>
+          </p:cNvPr>
+          <p:cNvSpPr>
+            <a:spLocks noGrp="1" noRot="1" noChangeAspect="1" noMove="1" noResize="1" noEditPoints="1" noAdjustHandles="1" noChangeArrowheads="1" noChangeShapeType="1" noTextEdit="1"/>
+          </p:cNvSpPr>
+          <p:nvPr>
+            <p:extLst>
+              <p:ext uri="{386F3935-93C4-4BCD-93E2-E3B085C9AB24}">
+                <p16:designElem xmlns:p16="http://schemas.microsoft.com/office/powerpoint/2015/main" val="1"/>
+              </p:ext>
+            </p:extLst>
+          </p:nvPr>
+        </p:nvSpPr>
+        <p:spPr>
+          <a:xfrm>
+            <a:off x="838200" y="4718595"/>
+            <a:ext cx="5410200" cy="18288"/>
+          </a:xfrm>
+          <a:custGeom>
+            <a:avLst/>
+            <a:gdLst>
+              <a:gd name="csX0" fmla="*/ 0 w 5410200"/>
+              <a:gd name="csY0" fmla="*/ 0 h 18288"/>
+              <a:gd name="csX1" fmla="*/ 568071 w 5410200"/>
+              <a:gd name="csY1" fmla="*/ 0 h 18288"/>
+              <a:gd name="csX2" fmla="*/ 1298448 w 5410200"/>
+              <a:gd name="csY2" fmla="*/ 0 h 18288"/>
+              <a:gd name="csX3" fmla="*/ 1920621 w 5410200"/>
+              <a:gd name="csY3" fmla="*/ 0 h 18288"/>
+              <a:gd name="csX4" fmla="*/ 2488692 w 5410200"/>
+              <a:gd name="csY4" fmla="*/ 0 h 18288"/>
+              <a:gd name="csX5" fmla="*/ 3219069 w 5410200"/>
+              <a:gd name="csY5" fmla="*/ 0 h 18288"/>
+              <a:gd name="csX6" fmla="*/ 3895344 w 5410200"/>
+              <a:gd name="csY6" fmla="*/ 0 h 18288"/>
+              <a:gd name="csX7" fmla="*/ 4571619 w 5410200"/>
+              <a:gd name="csY7" fmla="*/ 0 h 18288"/>
+              <a:gd name="csX8" fmla="*/ 5410200 w 5410200"/>
+              <a:gd name="csY8" fmla="*/ 0 h 18288"/>
+              <a:gd name="csX9" fmla="*/ 5410200 w 5410200"/>
+              <a:gd name="csY9" fmla="*/ 18288 h 18288"/>
+              <a:gd name="csX10" fmla="*/ 4842129 w 5410200"/>
+              <a:gd name="csY10" fmla="*/ 18288 h 18288"/>
+              <a:gd name="csX11" fmla="*/ 4328160 w 5410200"/>
+              <a:gd name="csY11" fmla="*/ 18288 h 18288"/>
+              <a:gd name="csX12" fmla="*/ 3597783 w 5410200"/>
+              <a:gd name="csY12" fmla="*/ 18288 h 18288"/>
+              <a:gd name="csX13" fmla="*/ 3029712 w 5410200"/>
+              <a:gd name="csY13" fmla="*/ 18288 h 18288"/>
+              <a:gd name="csX14" fmla="*/ 2299335 w 5410200"/>
+              <a:gd name="csY14" fmla="*/ 18288 h 18288"/>
+              <a:gd name="csX15" fmla="*/ 1514856 w 5410200"/>
+              <a:gd name="csY15" fmla="*/ 18288 h 18288"/>
+              <a:gd name="csX16" fmla="*/ 892683 w 5410200"/>
+              <a:gd name="csY16" fmla="*/ 18288 h 18288"/>
+              <a:gd name="csX17" fmla="*/ 0 w 5410200"/>
+              <a:gd name="csY17" fmla="*/ 18288 h 18288"/>
+              <a:gd name="csX18" fmla="*/ 0 w 5410200"/>
+              <a:gd name="csY18" fmla="*/ 0 h 18288"/>
+            </a:gdLst>
+            <a:ahLst/>
+            <a:cxnLst>
+              <a:cxn ang="0">
+                <a:pos x="csX0" y="csY0"/>
+              </a:cxn>
+              <a:cxn ang="0">
+                <a:pos x="csX1" y="csY1"/>
+              </a:cxn>
+              <a:cxn ang="0">
+                <a:pos x="csX2" y="csY2"/>
+              </a:cxn>
+              <a:cxn ang="0">
+                <a:pos x="csX3" y="csY3"/>
+              </a:cxn>
+              <a:cxn ang="0">
+                <a:pos x="csX4" y="csY4"/>
+              </a:cxn>
+              <a:cxn ang="0">
+                <a:pos x="csX5" y="csY5"/>
+              </a:cxn>
+              <a:cxn ang="0">
+                <a:pos x="csX6" y="csY6"/>
+              </a:cxn>
+              <a:cxn ang="0">
+                <a:pos x="csX7" y="csY7"/>
+              </a:cxn>
+              <a:cxn ang="0">
+                <a:pos x="csX8" y="csY8"/>
+              </a:cxn>
+              <a:cxn ang="0">
+                <a:pos x="csX9" y="csY9"/>
+              </a:cxn>
+              <a:cxn ang="0">
+                <a:pos x="csX10" y="csY10"/>
+              </a:cxn>
+              <a:cxn ang="0">
+                <a:pos x="csX11" y="csY11"/>
+              </a:cxn>
+              <a:cxn ang="0">
+                <a:pos x="csX12" y="csY12"/>
+              </a:cxn>
+              <a:cxn ang="0">
+                <a:pos x="csX13" y="csY13"/>
+              </a:cxn>
+              <a:cxn ang="0">
+                <a:pos x="csX14" y="csY14"/>
+              </a:cxn>
+              <a:cxn ang="0">
+                <a:pos x="csX15" y="csY15"/>
+              </a:cxn>
+              <a:cxn ang="0">
+                <a:pos x="csX16" y="csY16"/>
+              </a:cxn>
+              <a:cxn ang="0">
+                <a:pos x="csX17" y="csY17"/>
+              </a:cxn>
+              <a:cxn ang="0">
+                <a:pos x="csX18" y="csY18"/>
+              </a:cxn>
+            </a:cxnLst>
+            <a:rect l="l" t="t" r="r" b="b"/>
+            <a:pathLst>
+              <a:path w="5410200" h="18288" fill="none" extrusionOk="0">
+                <a:moveTo>
+                  <a:pt x="0" y="0"/>
+                </a:moveTo>
+                <a:cubicBezTo>
+                  <a:pt x="163050" y="-18707"/>
+                  <a:pt x="319321" y="-16364"/>
+                  <a:pt x="568071" y="0"/>
+                </a:cubicBezTo>
+                <a:cubicBezTo>
+                  <a:pt x="816821" y="16364"/>
+                  <a:pt x="1013224" y="-7268"/>
+                  <a:pt x="1298448" y="0"/>
+                </a:cubicBezTo>
+                <a:cubicBezTo>
+                  <a:pt x="1583672" y="7268"/>
+                  <a:pt x="1631711" y="-3367"/>
+                  <a:pt x="1920621" y="0"/>
+                </a:cubicBezTo>
+                <a:cubicBezTo>
+                  <a:pt x="2209531" y="3367"/>
+                  <a:pt x="2364420" y="-19184"/>
+                  <a:pt x="2488692" y="0"/>
+                </a:cubicBezTo>
+                <a:cubicBezTo>
+                  <a:pt x="2612964" y="19184"/>
+                  <a:pt x="3023298" y="-34627"/>
+                  <a:pt x="3219069" y="0"/>
+                </a:cubicBezTo>
+                <a:cubicBezTo>
+                  <a:pt x="3414840" y="34627"/>
+                  <a:pt x="3656810" y="24043"/>
+                  <a:pt x="3895344" y="0"/>
+                </a:cubicBezTo>
+                <a:cubicBezTo>
+                  <a:pt x="4133879" y="-24043"/>
+                  <a:pt x="4393984" y="-19577"/>
+                  <a:pt x="4571619" y="0"/>
+                </a:cubicBezTo>
+                <a:cubicBezTo>
+                  <a:pt x="4749255" y="19577"/>
+                  <a:pt x="5179928" y="-6281"/>
+                  <a:pt x="5410200" y="0"/>
+                </a:cubicBezTo>
+                <a:cubicBezTo>
+                  <a:pt x="5410730" y="6954"/>
+                  <a:pt x="5410934" y="12839"/>
+                  <a:pt x="5410200" y="18288"/>
+                </a:cubicBezTo>
+                <a:cubicBezTo>
+                  <a:pt x="5139060" y="6751"/>
+                  <a:pt x="5121593" y="31035"/>
+                  <a:pt x="4842129" y="18288"/>
+                </a:cubicBezTo>
+                <a:cubicBezTo>
+                  <a:pt x="4562665" y="5541"/>
+                  <a:pt x="4448273" y="9487"/>
+                  <a:pt x="4328160" y="18288"/>
+                </a:cubicBezTo>
+                <a:cubicBezTo>
+                  <a:pt x="4208047" y="27089"/>
+                  <a:pt x="3760936" y="22567"/>
+                  <a:pt x="3597783" y="18288"/>
+                </a:cubicBezTo>
+                <a:cubicBezTo>
+                  <a:pt x="3434630" y="14009"/>
+                  <a:pt x="3299718" y="33213"/>
+                  <a:pt x="3029712" y="18288"/>
+                </a:cubicBezTo>
+                <a:cubicBezTo>
+                  <a:pt x="2759706" y="3363"/>
+                  <a:pt x="2640159" y="27394"/>
+                  <a:pt x="2299335" y="18288"/>
+                </a:cubicBezTo>
+                <a:cubicBezTo>
+                  <a:pt x="1958511" y="9182"/>
+                  <a:pt x="1801186" y="28985"/>
+                  <a:pt x="1514856" y="18288"/>
+                </a:cubicBezTo>
+                <a:cubicBezTo>
+                  <a:pt x="1228526" y="7591"/>
+                  <a:pt x="1063509" y="-5305"/>
+                  <a:pt x="892683" y="18288"/>
+                </a:cubicBezTo>
+                <a:cubicBezTo>
+                  <a:pt x="721857" y="41881"/>
+                  <a:pt x="186945" y="-20897"/>
+                  <a:pt x="0" y="18288"/>
+                </a:cubicBezTo>
+                <a:cubicBezTo>
+                  <a:pt x="-570" y="9279"/>
+                  <a:pt x="132" y="5100"/>
+                  <a:pt x="0" y="0"/>
+                </a:cubicBezTo>
+                <a:close/>
+              </a:path>
+              <a:path w="5410200" h="18288" stroke="0" extrusionOk="0">
+                <a:moveTo>
+                  <a:pt x="0" y="0"/>
+                </a:moveTo>
+                <a:cubicBezTo>
+                  <a:pt x="285096" y="-4925"/>
+                  <a:pt x="376456" y="22268"/>
+                  <a:pt x="622173" y="0"/>
+                </a:cubicBezTo>
+                <a:cubicBezTo>
+                  <a:pt x="867890" y="-22268"/>
+                  <a:pt x="1031392" y="7228"/>
+                  <a:pt x="1136142" y="0"/>
+                </a:cubicBezTo>
+                <a:cubicBezTo>
+                  <a:pt x="1240892" y="-7228"/>
+                  <a:pt x="1561853" y="9877"/>
+                  <a:pt x="1920621" y="0"/>
+                </a:cubicBezTo>
+                <a:cubicBezTo>
+                  <a:pt x="2279389" y="-9877"/>
+                  <a:pt x="2367255" y="19546"/>
+                  <a:pt x="2542794" y="0"/>
+                </a:cubicBezTo>
+                <a:cubicBezTo>
+                  <a:pt x="2718333" y="-19546"/>
+                  <a:pt x="2866732" y="-22226"/>
+                  <a:pt x="3164967" y="0"/>
+                </a:cubicBezTo>
+                <a:cubicBezTo>
+                  <a:pt x="3463202" y="22226"/>
+                  <a:pt x="3568055" y="-2765"/>
+                  <a:pt x="3949446" y="0"/>
+                </a:cubicBezTo>
+                <a:cubicBezTo>
+                  <a:pt x="4330837" y="2765"/>
+                  <a:pt x="4287895" y="10557"/>
+                  <a:pt x="4517517" y="0"/>
+                </a:cubicBezTo>
+                <a:cubicBezTo>
+                  <a:pt x="4747139" y="-10557"/>
+                  <a:pt x="5149588" y="8716"/>
+                  <a:pt x="5410200" y="0"/>
+                </a:cubicBezTo>
+                <a:cubicBezTo>
+                  <a:pt x="5409517" y="5414"/>
+                  <a:pt x="5409480" y="12510"/>
+                  <a:pt x="5410200" y="18288"/>
+                </a:cubicBezTo>
+                <a:cubicBezTo>
+                  <a:pt x="5163327" y="41494"/>
+                  <a:pt x="5008749" y="10693"/>
+                  <a:pt x="4842129" y="18288"/>
+                </a:cubicBezTo>
+                <a:cubicBezTo>
+                  <a:pt x="4675509" y="25883"/>
+                  <a:pt x="4433401" y="-615"/>
+                  <a:pt x="4165854" y="18288"/>
+                </a:cubicBezTo>
+                <a:cubicBezTo>
+                  <a:pt x="3898308" y="37191"/>
+                  <a:pt x="3809032" y="-8710"/>
+                  <a:pt x="3543681" y="18288"/>
+                </a:cubicBezTo>
+                <a:cubicBezTo>
+                  <a:pt x="3278330" y="45286"/>
+                  <a:pt x="3073876" y="-15917"/>
+                  <a:pt x="2759202" y="18288"/>
+                </a:cubicBezTo>
+                <a:cubicBezTo>
+                  <a:pt x="2444528" y="52493"/>
+                  <a:pt x="2204144" y="3372"/>
+                  <a:pt x="1974723" y="18288"/>
+                </a:cubicBezTo>
+                <a:cubicBezTo>
+                  <a:pt x="1745302" y="33204"/>
+                  <a:pt x="1602335" y="31490"/>
+                  <a:pt x="1406652" y="18288"/>
+                </a:cubicBezTo>
+                <a:cubicBezTo>
+                  <a:pt x="1210969" y="5086"/>
+                  <a:pt x="923948" y="3161"/>
+                  <a:pt x="730377" y="18288"/>
+                </a:cubicBezTo>
+                <a:cubicBezTo>
+                  <a:pt x="536806" y="33415"/>
+                  <a:pt x="336496" y="-141"/>
+                  <a:pt x="0" y="18288"/>
+                </a:cubicBezTo>
+                <a:cubicBezTo>
+                  <a:pt x="-306" y="11061"/>
+                  <a:pt x="-655" y="7751"/>
+                  <a:pt x="0" y="0"/>
+                </a:cubicBezTo>
+                <a:close/>
+              </a:path>
+            </a:pathLst>
+          </a:custGeom>
+          <a:solidFill>
+            <a:schemeClr val="accent2"/>
+          </a:solidFill>
+          <a:ln w="41275" cap="rnd">
+            <a:solidFill>
+              <a:schemeClr val="accent2"/>
+            </a:solidFill>
+            <a:round/>
+            <a:extLst>
+              <a:ext uri="{C807C97D-BFC1-408E-A445-0C87EB9F89A2}">
+                <ask:lineSketchStyleProps xmlns:ask="http://schemas.microsoft.com/office/drawing/2018/sketchyshapes" sd="1219033472">
+                  <a:prstGeom prst="rect">
+                    <a:avLst/>
+                  </a:prstGeom>
+                  <ask:type>
+                    <ask:lineSketchFreehand/>
+                  </ask:type>
+                </ask:lineSketchStyleProps>
+              </a:ext>
+            </a:extLst>
+          </a:ln>
+        </p:spPr>
+        <p:style>
+          <a:lnRef idx="2">
+            <a:schemeClr val="accent1">
+              <a:shade val="50000"/>
+            </a:schemeClr>
+          </a:lnRef>
+          <a:fillRef idx="1">
+            <a:schemeClr val="accent1"/>
+          </a:fillRef>
+          <a:effectRef idx="0">
+            <a:schemeClr val="accent1"/>
+          </a:effectRef>
+          <a:fontRef idx="minor">
+            <a:schemeClr val="lt1"/>
+          </a:fontRef>
+        </p:style>
+        <p:txBody>
+          <a:bodyPr rtlCol="0" anchor="ctr"/>
+          <a:lstStyle/>
+          <a:p>
+            <a:pPr algn="ctr"/>
+            <a:endParaRPr lang="en-US"/>
+          </a:p>
+        </p:txBody>
+      </p:sp>
+    </p:spTree>
+    <p:extLst>
+      <p:ext uri="{BB962C8B-B14F-4D97-AF65-F5344CB8AC3E}">
+        <p14:creationId xmlns:p14="http://schemas.microsoft.com/office/powerpoint/2010/main" val="1846933840"/>
+      </p:ext>
+    </p:extLst>
+  </p:cSld>
+  <p:clrMapOvr>
+    <a:masterClrMapping/>
+  </p:clrMapOvr>
+</p:sld>
+</file>
+
+<file path=ppt/slides/slide21.xml><?xml version="1.0" encoding="utf-8"?>
+<p:sld xmlns:a="http://schemas.openxmlformats.org/drawingml/2006/main" xmlns:r="http://schemas.openxmlformats.org/officeDocument/2006/relationships" xmlns:p="http://schemas.openxmlformats.org/presentationml/2006/main">
+  <p:cSld>
+    <p:bg>
+      <p:bgPr>
+        <a:solidFill>
+          <a:schemeClr val="bg1"/>
+        </a:solidFill>
+        <a:effectLst/>
+      </p:bgPr>
+    </p:bg>
+    <p:spTree>
+      <p:nvGrpSpPr>
+        <p:cNvPr id="1" name="">
+          <a:extLst>
+            <a:ext uri="{FF2B5EF4-FFF2-40B4-BE49-F238E27FC236}">
               <a16:creationId xmlns:a16="http://schemas.microsoft.com/office/drawing/2014/main" id="{764E0DF1-BF92-6D38-22E2-D13D24C4A0FC}"/>
             </a:ext>
           </a:extLst>
@@ -21039,7 +22168,7 @@
 </p:sld>
 </file>
 
-<file path=ppt/slides/slide21.xml><?xml version="1.0" encoding="utf-8"?>
+<file path=ppt/slides/slide22.xml><?xml version="1.0" encoding="utf-8"?>
 <p:sld xmlns:a="http://schemas.openxmlformats.org/drawingml/2006/main" xmlns:r="http://schemas.openxmlformats.org/officeDocument/2006/relationships" xmlns:p="http://schemas.openxmlformats.org/presentationml/2006/main">
   <p:cSld>
     <p:bg>
@@ -21949,7 +23078,7 @@
 </p:sld>
 </file>
 
-<file path=ppt/slides/slide22.xml><?xml version="1.0" encoding="utf-8"?>
+<file path=ppt/slides/slide23.xml><?xml version="1.0" encoding="utf-8"?>
 <p:sld xmlns:a="http://schemas.openxmlformats.org/drawingml/2006/main" xmlns:r="http://schemas.openxmlformats.org/officeDocument/2006/relationships" xmlns:p="http://schemas.openxmlformats.org/presentationml/2006/main">
   <p:cSld>
     <p:bg>
@@ -22843,7 +23972,7 @@
 </p:sld>
 </file>
 
-<file path=ppt/slides/slide23.xml><?xml version="1.0" encoding="utf-8"?>
+<file path=ppt/slides/slide24.xml><?xml version="1.0" encoding="utf-8"?>
 <p:sld xmlns:a="http://schemas.openxmlformats.org/drawingml/2006/main" xmlns:r="http://schemas.openxmlformats.org/officeDocument/2006/relationships" xmlns:p="http://schemas.openxmlformats.org/presentationml/2006/main">
   <p:cSld>
     <p:bg>
@@ -23697,7 +24826,7 @@
 </p:sld>
 </file>
 
-<file path=ppt/slides/slide24.xml><?xml version="1.0" encoding="utf-8"?>
+<file path=ppt/slides/slide25.xml><?xml version="1.0" encoding="utf-8"?>
 <p:sld xmlns:a="http://schemas.openxmlformats.org/drawingml/2006/main" xmlns:r="http://schemas.openxmlformats.org/officeDocument/2006/relationships" xmlns:p="http://schemas.openxmlformats.org/presentationml/2006/main">
   <p:cSld>
     <p:bg>
@@ -24595,7 +25724,7 @@
 </p:sld>
 </file>
 
-<file path=ppt/slides/slide25.xml><?xml version="1.0" encoding="utf-8"?>
+<file path=ppt/slides/slide26.xml><?xml version="1.0" encoding="utf-8"?>
 <p:sld xmlns:a="http://schemas.openxmlformats.org/drawingml/2006/main" xmlns:r="http://schemas.openxmlformats.org/officeDocument/2006/relationships" xmlns:p="http://schemas.openxmlformats.org/presentationml/2006/main">
   <p:cSld>
     <p:bg>
@@ -25449,7 +26578,7 @@
 </p:sld>
 </file>
 
-<file path=ppt/slides/slide26.xml><?xml version="1.0" encoding="utf-8"?>
+<file path=ppt/slides/slide27.xml><?xml version="1.0" encoding="utf-8"?>
 <p:sld xmlns:a="http://schemas.openxmlformats.org/drawingml/2006/main" xmlns:r="http://schemas.openxmlformats.org/officeDocument/2006/relationships" xmlns:p="http://schemas.openxmlformats.org/presentationml/2006/main">
   <p:cSld>
     <p:bg>
@@ -26331,7 +27460,7 @@
 </p:sld>
 </file>
 
-<file path=ppt/slides/slide27.xml><?xml version="1.0" encoding="utf-8"?>
+<file path=ppt/slides/slide28.xml><?xml version="1.0" encoding="utf-8"?>
 <p:sld xmlns:a="http://schemas.openxmlformats.org/drawingml/2006/main" xmlns:r="http://schemas.openxmlformats.org/officeDocument/2006/relationships" xmlns:p="http://schemas.openxmlformats.org/presentationml/2006/main">
   <p:cSld>
     <p:bg>
@@ -27312,7 +28441,7 @@
 </p:sld>
 </file>
 
-<file path=ppt/slides/slide28.xml><?xml version="1.0" encoding="utf-8"?>
+<file path=ppt/slides/slide29.xml><?xml version="1.0" encoding="utf-8"?>
 <p:sld xmlns:a="http://schemas.openxmlformats.org/drawingml/2006/main" xmlns:r="http://schemas.openxmlformats.org/officeDocument/2006/relationships" xmlns:p="http://schemas.openxmlformats.org/presentationml/2006/main">
   <p:cSld>
     <p:bg>
@@ -27886,86 +29015,6 @@
     <p:extLst>
       <p:ext uri="{BB962C8B-B14F-4D97-AF65-F5344CB8AC3E}">
         <p14:creationId xmlns:p14="http://schemas.microsoft.com/office/powerpoint/2010/main" val="2861536219"/>
-      </p:ext>
-    </p:extLst>
-  </p:cSld>
-  <p:clrMapOvr>
-    <a:masterClrMapping/>
-  </p:clrMapOvr>
-</p:sld>
-</file>
-
-<file path=ppt/slides/slide29.xml><?xml version="1.0" encoding="utf-8"?>
-<p:sld xmlns:a="http://schemas.openxmlformats.org/drawingml/2006/main" xmlns:r="http://schemas.openxmlformats.org/officeDocument/2006/relationships" xmlns:p="http://schemas.openxmlformats.org/presentationml/2006/main">
-  <p:cSld>
-    <p:spTree>
-      <p:nvGrpSpPr>
-        <p:cNvPr id="1" name=""/>
-        <p:cNvGrpSpPr/>
-        <p:nvPr/>
-      </p:nvGrpSpPr>
-      <p:grpSpPr>
-        <a:xfrm>
-          <a:off x="0" y="0"/>
-          <a:ext cx="0" cy="0"/>
-          <a:chOff x="0" y="0"/>
-          <a:chExt cx="0" cy="0"/>
-        </a:xfrm>
-      </p:grpSpPr>
-      <p:sp>
-        <p:nvSpPr>
-          <p:cNvPr id="2" name="Title 1">
-            <a:extLst>
-              <a:ext uri="{FF2B5EF4-FFF2-40B4-BE49-F238E27FC236}">
-                <a16:creationId xmlns:a16="http://schemas.microsoft.com/office/drawing/2014/main" id="{9BC39761-5A89-5775-B4D3-51A9755576F3}"/>
-              </a:ext>
-            </a:extLst>
-          </p:cNvPr>
-          <p:cNvSpPr>
-            <a:spLocks noGrp="1"/>
-          </p:cNvSpPr>
-          <p:nvPr>
-            <p:ph type="title"/>
-          </p:nvPr>
-        </p:nvSpPr>
-        <p:spPr/>
-        <p:txBody>
-          <a:bodyPr/>
-          <a:lstStyle/>
-          <a:p>
-            <a:endParaRPr lang="en-US"/>
-          </a:p>
-        </p:txBody>
-      </p:sp>
-      <p:sp>
-        <p:nvSpPr>
-          <p:cNvPr id="3" name="Content Placeholder 2">
-            <a:extLst>
-              <a:ext uri="{FF2B5EF4-FFF2-40B4-BE49-F238E27FC236}">
-                <a16:creationId xmlns:a16="http://schemas.microsoft.com/office/drawing/2014/main" id="{D7E34088-733B-2CBB-AE83-DDC9D29E619F}"/>
-              </a:ext>
-            </a:extLst>
-          </p:cNvPr>
-          <p:cNvSpPr>
-            <a:spLocks noGrp="1"/>
-          </p:cNvSpPr>
-          <p:nvPr>
-            <p:ph idx="1"/>
-          </p:nvPr>
-        </p:nvSpPr>
-        <p:spPr/>
-        <p:txBody>
-          <a:bodyPr/>
-          <a:lstStyle/>
-          <a:p>
-            <a:endParaRPr lang="en-US"/>
-          </a:p>
-        </p:txBody>
-      </p:sp>
-    </p:spTree>
-    <p:extLst>
-      <p:ext uri="{BB962C8B-B14F-4D97-AF65-F5344CB8AC3E}">
-        <p14:creationId xmlns:p14="http://schemas.microsoft.com/office/powerpoint/2010/main" val="867718174"/>
       </p:ext>
     </p:extLst>
   </p:cSld>
@@ -39189,6 +40238,14 @@
 <file path=ppt/slides/slide38.xml><?xml version="1.0" encoding="utf-8"?>
 <p:sld xmlns:a="http://schemas.openxmlformats.org/drawingml/2006/main" xmlns:r="http://schemas.openxmlformats.org/officeDocument/2006/relationships" xmlns:p="http://schemas.openxmlformats.org/presentationml/2006/main">
   <p:cSld>
+    <p:bg>
+      <p:bgPr>
+        <a:solidFill>
+          <a:schemeClr val="bg1"/>
+        </a:solidFill>
+        <a:effectLst/>
+      </p:bgPr>
+    </p:bg>
     <p:spTree>
       <p:nvGrpSpPr>
         <p:cNvPr id="1" name="">
@@ -39209,6 +40266,66 @@
           <a:chExt cx="0" cy="0"/>
         </a:xfrm>
       </p:grpSpPr>
+      <p:sp useBgFill="1">
+        <p:nvSpPr>
+          <p:cNvPr id="10" name="Rectangle 9">
+            <a:extLst>
+              <a:ext uri="{FF2B5EF4-FFF2-40B4-BE49-F238E27FC236}">
+                <a16:creationId xmlns:a16="http://schemas.microsoft.com/office/drawing/2014/main" id="{743AA782-23D1-4521-8CAD-47662984AA08}"/>
+              </a:ext>
+              <a:ext uri="{C183D7F6-B498-43B3-948B-1728B52AA6E4}">
+                <adec:decorative xmlns:adec="http://schemas.microsoft.com/office/drawing/2017/decorative" val="1"/>
+              </a:ext>
+            </a:extLst>
+          </p:cNvPr>
+          <p:cNvSpPr>
+            <a:spLocks noGrp="1" noRot="1" noChangeAspect="1" noMove="1" noResize="1" noEditPoints="1" noAdjustHandles="1" noChangeArrowheads="1" noChangeShapeType="1" noTextEdit="1"/>
+          </p:cNvSpPr>
+          <p:nvPr>
+            <p:extLst>
+              <p:ext uri="{386F3935-93C4-4BCD-93E2-E3B085C9AB24}">
+                <p16:designElem xmlns:p16="http://schemas.microsoft.com/office/powerpoint/2015/main" val="1"/>
+              </p:ext>
+            </p:extLst>
+          </p:nvPr>
+        </p:nvSpPr>
+        <p:spPr>
+          <a:xfrm>
+            <a:off x="0" y="0"/>
+            <a:ext cx="12192000" cy="6858000"/>
+          </a:xfrm>
+          <a:prstGeom prst="rect">
+            <a:avLst/>
+          </a:prstGeom>
+          <a:ln>
+            <a:noFill/>
+          </a:ln>
+        </p:spPr>
+        <p:style>
+          <a:lnRef idx="2">
+            <a:schemeClr val="accent1">
+              <a:shade val="50000"/>
+            </a:schemeClr>
+          </a:lnRef>
+          <a:fillRef idx="1">
+            <a:schemeClr val="accent1"/>
+          </a:fillRef>
+          <a:effectRef idx="0">
+            <a:schemeClr val="accent1"/>
+          </a:effectRef>
+          <a:fontRef idx="minor">
+            <a:schemeClr val="lt1"/>
+          </a:fontRef>
+        </p:style>
+        <p:txBody>
+          <a:bodyPr rtlCol="0" anchor="ctr"/>
+          <a:lstStyle/>
+          <a:p>
+            <a:pPr algn="ctr"/>
+            <a:endParaRPr lang="en-US"/>
+          </a:p>
+        </p:txBody>
+      </p:sp>
       <p:sp>
         <p:nvSpPr>
           <p:cNvPr id="2" name="Title 1">
@@ -39225,43 +40342,430 @@
             <p:ph type="title"/>
           </p:nvPr>
         </p:nvSpPr>
-        <p:spPr/>
+        <p:spPr>
+          <a:xfrm>
+            <a:off x="630936" y="640080"/>
+            <a:ext cx="4818888" cy="1481328"/>
+          </a:xfrm>
+        </p:spPr>
         <p:txBody>
-          <a:bodyPr/>
+          <a:bodyPr vert="horz" lIns="91440" tIns="45720" rIns="91440" bIns="45720" rtlCol="0" anchor="b">
+            <a:normAutofit/>
+          </a:bodyPr>
           <a:lstStyle/>
           <a:p>
             <a:r>
-              <a:rPr lang="en-US" dirty="0"/>
-              <a:t>Kubernetes Event Driven Scaler (KEDA)</a:t>
+              <a:rPr lang="en-US" sz="5000" kern="1200">
+                <a:solidFill>
+                  <a:schemeClr val="tx1"/>
+                </a:solidFill>
+                <a:latin typeface="+mj-lt"/>
+                <a:ea typeface="+mj-ea"/>
+                <a:cs typeface="+mj-cs"/>
+              </a:rPr>
+              <a:t>Horizontal Pod Autoscaling (HPA)</a:t>
             </a:r>
           </a:p>
         </p:txBody>
       </p:sp>
       <p:sp>
         <p:nvSpPr>
-          <p:cNvPr id="3" name="Content Placeholder 2">
+          <p:cNvPr id="12" name="sketch line">
             <a:extLst>
               <a:ext uri="{FF2B5EF4-FFF2-40B4-BE49-F238E27FC236}">
-                <a16:creationId xmlns:a16="http://schemas.microsoft.com/office/drawing/2014/main" id="{40B0A9B0-B6CE-B551-7EAA-0FD51C5B52CF}"/>
+                <a16:creationId xmlns:a16="http://schemas.microsoft.com/office/drawing/2014/main" id="{650D18FE-0824-4A46-B22C-A86B52E5780A}"/>
+              </a:ext>
+              <a:ext uri="{C183D7F6-B498-43B3-948B-1728B52AA6E4}">
+                <adec:decorative xmlns:adec="http://schemas.microsoft.com/office/drawing/2017/decorative" val="1"/>
               </a:ext>
             </a:extLst>
           </p:cNvPr>
           <p:cNvSpPr>
-            <a:spLocks noGrp="1"/>
+            <a:spLocks noGrp="1" noRot="1" noChangeAspect="1" noMove="1" noResize="1" noEditPoints="1" noAdjustHandles="1" noChangeArrowheads="1" noChangeShapeType="1" noTextEdit="1"/>
           </p:cNvSpPr>
           <p:nvPr>
-            <p:ph idx="1"/>
+            <p:extLst>
+              <p:ext uri="{386F3935-93C4-4BCD-93E2-E3B085C9AB24}">
+                <p16:designElem xmlns:p16="http://schemas.microsoft.com/office/powerpoint/2015/main" val="1"/>
+              </p:ext>
+            </p:extLst>
           </p:nvPr>
         </p:nvSpPr>
-        <p:spPr/>
+        <p:spPr>
+          <a:xfrm>
+            <a:off x="643278" y="2372868"/>
+            <a:ext cx="3255095" cy="18288"/>
+          </a:xfrm>
+          <a:custGeom>
+            <a:avLst/>
+            <a:gdLst>
+              <a:gd name="csX0" fmla="*/ 0 w 3255095"/>
+              <a:gd name="csY0" fmla="*/ 0 h 18288"/>
+              <a:gd name="csX1" fmla="*/ 618468 w 3255095"/>
+              <a:gd name="csY1" fmla="*/ 0 h 18288"/>
+              <a:gd name="csX2" fmla="*/ 1269487 w 3255095"/>
+              <a:gd name="csY2" fmla="*/ 0 h 18288"/>
+              <a:gd name="csX3" fmla="*/ 1953057 w 3255095"/>
+              <a:gd name="csY3" fmla="*/ 0 h 18288"/>
+              <a:gd name="csX4" fmla="*/ 2636627 w 3255095"/>
+              <a:gd name="csY4" fmla="*/ 0 h 18288"/>
+              <a:gd name="csX5" fmla="*/ 3255095 w 3255095"/>
+              <a:gd name="csY5" fmla="*/ 0 h 18288"/>
+              <a:gd name="csX6" fmla="*/ 3255095 w 3255095"/>
+              <a:gd name="csY6" fmla="*/ 18288 h 18288"/>
+              <a:gd name="csX7" fmla="*/ 2538974 w 3255095"/>
+              <a:gd name="csY7" fmla="*/ 18288 h 18288"/>
+              <a:gd name="csX8" fmla="*/ 1822853 w 3255095"/>
+              <a:gd name="csY8" fmla="*/ 18288 h 18288"/>
+              <a:gd name="csX9" fmla="*/ 1171834 w 3255095"/>
+              <a:gd name="csY9" fmla="*/ 18288 h 18288"/>
+              <a:gd name="csX10" fmla="*/ 0 w 3255095"/>
+              <a:gd name="csY10" fmla="*/ 18288 h 18288"/>
+              <a:gd name="csX11" fmla="*/ 0 w 3255095"/>
+              <a:gd name="csY11" fmla="*/ 0 h 18288"/>
+            </a:gdLst>
+            <a:ahLst/>
+            <a:cxnLst>
+              <a:cxn ang="0">
+                <a:pos x="csX0" y="csY0"/>
+              </a:cxn>
+              <a:cxn ang="0">
+                <a:pos x="csX1" y="csY1"/>
+              </a:cxn>
+              <a:cxn ang="0">
+                <a:pos x="csX2" y="csY2"/>
+              </a:cxn>
+              <a:cxn ang="0">
+                <a:pos x="csX3" y="csY3"/>
+              </a:cxn>
+              <a:cxn ang="0">
+                <a:pos x="csX4" y="csY4"/>
+              </a:cxn>
+              <a:cxn ang="0">
+                <a:pos x="csX5" y="csY5"/>
+              </a:cxn>
+              <a:cxn ang="0">
+                <a:pos x="csX6" y="csY6"/>
+              </a:cxn>
+              <a:cxn ang="0">
+                <a:pos x="csX7" y="csY7"/>
+              </a:cxn>
+              <a:cxn ang="0">
+                <a:pos x="csX8" y="csY8"/>
+              </a:cxn>
+              <a:cxn ang="0">
+                <a:pos x="csX9" y="csY9"/>
+              </a:cxn>
+              <a:cxn ang="0">
+                <a:pos x="csX10" y="csY10"/>
+              </a:cxn>
+              <a:cxn ang="0">
+                <a:pos x="csX11" y="csY11"/>
+              </a:cxn>
+            </a:cxnLst>
+            <a:rect l="l" t="t" r="r" b="b"/>
+            <a:pathLst>
+              <a:path w="3255095" h="18288" fill="none" extrusionOk="0">
+                <a:moveTo>
+                  <a:pt x="0" y="0"/>
+                </a:moveTo>
+                <a:cubicBezTo>
+                  <a:pt x="240201" y="-22123"/>
+                  <a:pt x="462021" y="-19623"/>
+                  <a:pt x="618468" y="0"/>
+                </a:cubicBezTo>
+                <a:cubicBezTo>
+                  <a:pt x="774915" y="19623"/>
+                  <a:pt x="974734" y="2035"/>
+                  <a:pt x="1269487" y="0"/>
+                </a:cubicBezTo>
+                <a:cubicBezTo>
+                  <a:pt x="1564240" y="-2035"/>
+                  <a:pt x="1733579" y="10639"/>
+                  <a:pt x="1953057" y="0"/>
+                </a:cubicBezTo>
+                <a:cubicBezTo>
+                  <a:pt x="2172535" y="-10639"/>
+                  <a:pt x="2453962" y="14018"/>
+                  <a:pt x="2636627" y="0"/>
+                </a:cubicBezTo>
+                <a:cubicBezTo>
+                  <a:pt x="2819292" y="-14018"/>
+                  <a:pt x="3121375" y="5399"/>
+                  <a:pt x="3255095" y="0"/>
+                </a:cubicBezTo>
+                <a:cubicBezTo>
+                  <a:pt x="3254386" y="8157"/>
+                  <a:pt x="3254682" y="12125"/>
+                  <a:pt x="3255095" y="18288"/>
+                </a:cubicBezTo>
+                <a:cubicBezTo>
+                  <a:pt x="3088545" y="23203"/>
+                  <a:pt x="2687475" y="7419"/>
+                  <a:pt x="2538974" y="18288"/>
+                </a:cubicBezTo>
+                <a:cubicBezTo>
+                  <a:pt x="2390473" y="29157"/>
+                  <a:pt x="2137381" y="-8959"/>
+                  <a:pt x="1822853" y="18288"/>
+                </a:cubicBezTo>
+                <a:cubicBezTo>
+                  <a:pt x="1508325" y="45535"/>
+                  <a:pt x="1466437" y="20385"/>
+                  <a:pt x="1171834" y="18288"/>
+                </a:cubicBezTo>
+                <a:cubicBezTo>
+                  <a:pt x="877231" y="16191"/>
+                  <a:pt x="561097" y="37643"/>
+                  <a:pt x="0" y="18288"/>
+                </a:cubicBezTo>
+                <a:cubicBezTo>
+                  <a:pt x="-46" y="12483"/>
+                  <a:pt x="-203" y="6491"/>
+                  <a:pt x="0" y="0"/>
+                </a:cubicBezTo>
+                <a:close/>
+              </a:path>
+              <a:path w="3255095" h="18288" stroke="0" extrusionOk="0">
+                <a:moveTo>
+                  <a:pt x="0" y="0"/>
+                </a:moveTo>
+                <a:cubicBezTo>
+                  <a:pt x="291965" y="19429"/>
+                  <a:pt x="363155" y="8568"/>
+                  <a:pt x="618468" y="0"/>
+                </a:cubicBezTo>
+                <a:cubicBezTo>
+                  <a:pt x="873781" y="-8568"/>
+                  <a:pt x="904459" y="-19505"/>
+                  <a:pt x="1171834" y="0"/>
+                </a:cubicBezTo>
+                <a:cubicBezTo>
+                  <a:pt x="1439209" y="19505"/>
+                  <a:pt x="1744369" y="9790"/>
+                  <a:pt x="1887955" y="0"/>
+                </a:cubicBezTo>
+                <a:cubicBezTo>
+                  <a:pt x="2031541" y="-9790"/>
+                  <a:pt x="2346378" y="21240"/>
+                  <a:pt x="2506423" y="0"/>
+                </a:cubicBezTo>
+                <a:cubicBezTo>
+                  <a:pt x="2666468" y="-21240"/>
+                  <a:pt x="2990257" y="30414"/>
+                  <a:pt x="3255095" y="0"/>
+                </a:cubicBezTo>
+                <a:cubicBezTo>
+                  <a:pt x="3254831" y="4493"/>
+                  <a:pt x="3255479" y="9472"/>
+                  <a:pt x="3255095" y="18288"/>
+                </a:cubicBezTo>
+                <a:cubicBezTo>
+                  <a:pt x="3120743" y="16690"/>
+                  <a:pt x="2759628" y="42462"/>
+                  <a:pt x="2604076" y="18288"/>
+                </a:cubicBezTo>
+                <a:cubicBezTo>
+                  <a:pt x="2448524" y="-5886"/>
+                  <a:pt x="2184336" y="19599"/>
+                  <a:pt x="1887955" y="18288"/>
+                </a:cubicBezTo>
+                <a:cubicBezTo>
+                  <a:pt x="1591574" y="16977"/>
+                  <a:pt x="1548845" y="6870"/>
+                  <a:pt x="1334589" y="18288"/>
+                </a:cubicBezTo>
+                <a:cubicBezTo>
+                  <a:pt x="1120333" y="29706"/>
+                  <a:pt x="996014" y="9662"/>
+                  <a:pt x="683570" y="18288"/>
+                </a:cubicBezTo>
+                <a:cubicBezTo>
+                  <a:pt x="371126" y="26914"/>
+                  <a:pt x="198687" y="16167"/>
+                  <a:pt x="0" y="18288"/>
+                </a:cubicBezTo>
+                <a:cubicBezTo>
+                  <a:pt x="843" y="9577"/>
+                  <a:pt x="371" y="6900"/>
+                  <a:pt x="0" y="0"/>
+                </a:cubicBezTo>
+                <a:close/>
+              </a:path>
+            </a:pathLst>
+          </a:custGeom>
+          <a:solidFill>
+            <a:schemeClr val="accent2"/>
+          </a:solidFill>
+          <a:ln w="38100" cap="rnd">
+            <a:solidFill>
+              <a:schemeClr val="accent2"/>
+            </a:solidFill>
+            <a:round/>
+            <a:extLst>
+              <a:ext uri="{C807C97D-BFC1-408E-A445-0C87EB9F89A2}">
+                <ask:lineSketchStyleProps xmlns:ask="http://schemas.microsoft.com/office/drawing/2018/sketchyshapes" sd="1219033472">
+                  <a:prstGeom prst="rect">
+                    <a:avLst/>
+                  </a:prstGeom>
+                  <ask:type>
+                    <ask:lineSketchFreehand/>
+                  </ask:type>
+                </ask:lineSketchStyleProps>
+              </a:ext>
+            </a:extLst>
+          </a:ln>
+        </p:spPr>
+        <p:style>
+          <a:lnRef idx="2">
+            <a:schemeClr val="accent1">
+              <a:shade val="50000"/>
+            </a:schemeClr>
+          </a:lnRef>
+          <a:fillRef idx="1">
+            <a:schemeClr val="accent1"/>
+          </a:fillRef>
+          <a:effectRef idx="0">
+            <a:schemeClr val="accent1"/>
+          </a:effectRef>
+          <a:fontRef idx="minor">
+            <a:schemeClr val="lt1"/>
+          </a:fontRef>
+        </p:style>
         <p:txBody>
-          <a:bodyPr/>
+          <a:bodyPr rtlCol="0" anchor="ctr"/>
           <a:lstStyle/>
           <a:p>
+            <a:pPr algn="ctr"/>
             <a:endParaRPr lang="en-US"/>
           </a:p>
         </p:txBody>
       </p:sp>
+      <p:sp>
+        <p:nvSpPr>
+          <p:cNvPr id="5" name="TextBox 4">
+            <a:extLst>
+              <a:ext uri="{FF2B5EF4-FFF2-40B4-BE49-F238E27FC236}">
+                <a16:creationId xmlns:a16="http://schemas.microsoft.com/office/drawing/2014/main" id="{AB058609-DBAF-D9FB-6414-216836245A91}"/>
+              </a:ext>
+            </a:extLst>
+          </p:cNvPr>
+          <p:cNvSpPr txBox="1"/>
+          <p:nvPr/>
+        </p:nvSpPr>
+        <p:spPr>
+          <a:xfrm>
+            <a:off x="630936" y="2660904"/>
+            <a:ext cx="4818888" cy="3547872"/>
+          </a:xfrm>
+          <a:prstGeom prst="rect">
+            <a:avLst/>
+          </a:prstGeom>
+        </p:spPr>
+        <p:txBody>
+          <a:bodyPr vert="horz" lIns="91440" tIns="45720" rIns="91440" bIns="45720" rtlCol="0" anchor="t">
+            <a:normAutofit/>
+          </a:bodyPr>
+          <a:lstStyle/>
+          <a:p>
+            <a:pPr marL="285750" indent="-228600">
+              <a:lnSpc>
+                <a:spcPct val="90000"/>
+              </a:lnSpc>
+              <a:spcAft>
+                <a:spcPts val="600"/>
+              </a:spcAft>
+              <a:buFont typeface="Arial" panose="020B0604020202020204" pitchFamily="34" charset="0"/>
+              <a:buChar char="•"/>
+            </a:pPr>
+            <a:r>
+              <a:rPr lang="en-US" sz="2000" dirty="0"/>
+              <a:t>Kubernetes uses the horizontal pod </a:t>
+            </a:r>
+            <a:r>
+              <a:rPr lang="en-US" sz="2000"/>
+              <a:t>autoscaler</a:t>
+            </a:r>
+            <a:r>
+              <a:rPr lang="en-US" sz="2000" dirty="0"/>
+              <a:t> (HPA) to monitor the resource demand and automatically scale the number of pods. </a:t>
+            </a:r>
+            <a:endParaRPr lang="en-US" sz="2000"/>
+          </a:p>
+          <a:p>
+            <a:pPr marL="285750" indent="-228600">
+              <a:lnSpc>
+                <a:spcPct val="90000"/>
+              </a:lnSpc>
+              <a:spcAft>
+                <a:spcPts val="600"/>
+              </a:spcAft>
+              <a:buFont typeface="Arial" panose="020B0604020202020204" pitchFamily="34" charset="0"/>
+              <a:buChar char="•"/>
+            </a:pPr>
+            <a:r>
+              <a:rPr lang="en-US" sz="2000" dirty="0"/>
+              <a:t>The HPA checks the Metrics API every 15 seconds for any required changes in replica count, while the Metrics API retrieves data from the </a:t>
+            </a:r>
+            <a:r>
+              <a:rPr lang="en-US" sz="2000"/>
+              <a:t>Kubelet</a:t>
+            </a:r>
+            <a:r>
+              <a:rPr lang="en-US" sz="2000" dirty="0"/>
+              <a:t> every 60 seconds. </a:t>
+            </a:r>
+            <a:endParaRPr lang="en-US" sz="2000"/>
+          </a:p>
+          <a:p>
+            <a:pPr marL="285750" indent="-228600">
+              <a:lnSpc>
+                <a:spcPct val="90000"/>
+              </a:lnSpc>
+              <a:spcAft>
+                <a:spcPts val="600"/>
+              </a:spcAft>
+              <a:buFont typeface="Arial" panose="020B0604020202020204" pitchFamily="34" charset="0"/>
+              <a:buChar char="•"/>
+            </a:pPr>
+            <a:r>
+              <a:rPr lang="en-US" sz="2000" dirty="0"/>
+              <a:t>Hence, HPA is updated every 60 seconds. </a:t>
+            </a:r>
+            <a:endParaRPr lang="en-US" sz="2000"/>
+          </a:p>
+        </p:txBody>
+      </p:sp>
+      <p:pic>
+        <p:nvPicPr>
+          <p:cNvPr id="3" name="Picture 2" descr="Kubernetes horizontal pod autoscaling">
+            <a:extLst>
+              <a:ext uri="{FF2B5EF4-FFF2-40B4-BE49-F238E27FC236}">
+                <a16:creationId xmlns:a16="http://schemas.microsoft.com/office/drawing/2014/main" id="{0FA5623C-8D10-1FE5-3C11-1F95E0FF78C1}"/>
+              </a:ext>
+            </a:extLst>
+          </p:cNvPr>
+          <p:cNvPicPr>
+            <a:picLocks noChangeAspect="1"/>
+          </p:cNvPicPr>
+          <p:nvPr/>
+        </p:nvPicPr>
+        <p:blipFill>
+          <a:blip r:embed="rId2"/>
+          <a:stretch>
+            <a:fillRect/>
+          </a:stretch>
+        </p:blipFill>
+        <p:spPr>
+          <a:xfrm>
+            <a:off x="6099048" y="2298673"/>
+            <a:ext cx="5458968" cy="2260654"/>
+          </a:xfrm>
+          <a:prstGeom prst="rect">
+            <a:avLst/>
+          </a:prstGeom>
+        </p:spPr>
+      </p:pic>
     </p:spTree>
     <p:extLst>
       <p:ext uri="{BB962C8B-B14F-4D97-AF65-F5344CB8AC3E}">
@@ -39278,12 +40782,20 @@
 <file path=ppt/slides/slide39.xml><?xml version="1.0" encoding="utf-8"?>
 <p:sld xmlns:a="http://schemas.openxmlformats.org/drawingml/2006/main" xmlns:r="http://schemas.openxmlformats.org/officeDocument/2006/relationships" xmlns:p="http://schemas.openxmlformats.org/presentationml/2006/main">
   <p:cSld>
+    <p:bg>
+      <p:bgPr>
+        <a:solidFill>
+          <a:schemeClr val="bg1"/>
+        </a:solidFill>
+        <a:effectLst/>
+      </p:bgPr>
+    </p:bg>
     <p:spTree>
       <p:nvGrpSpPr>
         <p:cNvPr id="1" name="">
           <a:extLst>
             <a:ext uri="{FF2B5EF4-FFF2-40B4-BE49-F238E27FC236}">
-              <a16:creationId xmlns:a16="http://schemas.microsoft.com/office/drawing/2014/main" id="{BD5B18BF-4C12-80CF-4164-69C7160F8EBE}"/>
+              <a16:creationId xmlns:a16="http://schemas.microsoft.com/office/drawing/2014/main" id="{43F9CFB7-C246-102F-2366-91DA23C1F8DC}"/>
             </a:ext>
           </a:extLst>
         </p:cNvPr>
@@ -39298,12 +40810,72 @@
           <a:chExt cx="0" cy="0"/>
         </a:xfrm>
       </p:grpSpPr>
+      <p:sp useBgFill="1">
+        <p:nvSpPr>
+          <p:cNvPr id="8" name="Rectangle 7">
+            <a:extLst>
+              <a:ext uri="{FF2B5EF4-FFF2-40B4-BE49-F238E27FC236}">
+                <a16:creationId xmlns:a16="http://schemas.microsoft.com/office/drawing/2014/main" id="{A1692D1D-1128-A370-1105-72F246597F8A}"/>
+              </a:ext>
+              <a:ext uri="{C183D7F6-B498-43B3-948B-1728B52AA6E4}">
+                <adec:decorative xmlns:adec="http://schemas.microsoft.com/office/drawing/2017/decorative" val="1"/>
+              </a:ext>
+            </a:extLst>
+          </p:cNvPr>
+          <p:cNvSpPr>
+            <a:spLocks noGrp="1" noRot="1" noChangeAspect="1" noMove="1" noResize="1" noEditPoints="1" noAdjustHandles="1" noChangeArrowheads="1" noChangeShapeType="1" noTextEdit="1"/>
+          </p:cNvSpPr>
+          <p:nvPr>
+            <p:extLst>
+              <p:ext uri="{386F3935-93C4-4BCD-93E2-E3B085C9AB24}">
+                <p16:designElem xmlns:p16="http://schemas.microsoft.com/office/powerpoint/2015/main" val="1"/>
+              </p:ext>
+            </p:extLst>
+          </p:nvPr>
+        </p:nvSpPr>
+        <p:spPr>
+          <a:xfrm>
+            <a:off x="0" y="0"/>
+            <a:ext cx="12188952" cy="6858000"/>
+          </a:xfrm>
+          <a:prstGeom prst="rect">
+            <a:avLst/>
+          </a:prstGeom>
+          <a:ln>
+            <a:noFill/>
+          </a:ln>
+        </p:spPr>
+        <p:style>
+          <a:lnRef idx="2">
+            <a:schemeClr val="accent1">
+              <a:shade val="50000"/>
+            </a:schemeClr>
+          </a:lnRef>
+          <a:fillRef idx="1">
+            <a:schemeClr val="accent1"/>
+          </a:fillRef>
+          <a:effectRef idx="0">
+            <a:schemeClr val="accent1"/>
+          </a:effectRef>
+          <a:fontRef idx="minor">
+            <a:schemeClr val="lt1"/>
+          </a:fontRef>
+        </p:style>
+        <p:txBody>
+          <a:bodyPr rtlCol="0" anchor="ctr"/>
+          <a:lstStyle/>
+          <a:p>
+            <a:pPr algn="ctr"/>
+            <a:endParaRPr lang="en-US"/>
+          </a:p>
+        </p:txBody>
+      </p:sp>
       <p:sp>
         <p:nvSpPr>
           <p:cNvPr id="2" name="Title 1">
             <a:extLst>
               <a:ext uri="{FF2B5EF4-FFF2-40B4-BE49-F238E27FC236}">
-                <a16:creationId xmlns:a16="http://schemas.microsoft.com/office/drawing/2014/main" id="{7E6DD2E1-0289-8369-19D8-40826DBB4AC0}"/>
+                <a16:creationId xmlns:a16="http://schemas.microsoft.com/office/drawing/2014/main" id="{78FFD0BE-429A-B564-3852-CA75D6A07257}"/>
               </a:ext>
             </a:extLst>
           </p:cNvPr>
@@ -39314,47 +40886,1077 @@
             <p:ph type="title"/>
           </p:nvPr>
         </p:nvSpPr>
-        <p:spPr/>
+        <p:spPr>
+          <a:xfrm>
+            <a:off x="838200" y="365125"/>
+            <a:ext cx="10515600" cy="1325563"/>
+          </a:xfrm>
+        </p:spPr>
         <p:txBody>
-          <a:bodyPr/>
+          <a:bodyPr>
+            <a:normAutofit/>
+          </a:bodyPr>
           <a:lstStyle/>
           <a:p>
-            <a:r>
-              <a:rPr lang="en-US" dirty="0"/>
-              <a:t>Node Auto-provisioning</a:t>
+            <a:pPr algn="ctr"/>
+            <a:r>
+              <a:rPr lang="en-US" sz="5400" dirty="0"/>
+              <a:t>Horizontal Pod Autoscaling (HPA)</a:t>
             </a:r>
           </a:p>
         </p:txBody>
       </p:sp>
       <p:sp>
         <p:nvSpPr>
-          <p:cNvPr id="3" name="Content Placeholder 2">
+          <p:cNvPr id="10" name="sketch line">
             <a:extLst>
               <a:ext uri="{FF2B5EF4-FFF2-40B4-BE49-F238E27FC236}">
-                <a16:creationId xmlns:a16="http://schemas.microsoft.com/office/drawing/2014/main" id="{CB14CDE2-4732-F26B-3452-97AFDE787985}"/>
+                <a16:creationId xmlns:a16="http://schemas.microsoft.com/office/drawing/2014/main" id="{45D34EB2-3B0A-A90E-B4AE-23C98DC3B640}"/>
+              </a:ext>
+              <a:ext uri="{C183D7F6-B498-43B3-948B-1728B52AA6E4}">
+                <adec:decorative xmlns:adec="http://schemas.microsoft.com/office/drawing/2017/decorative" val="1"/>
               </a:ext>
             </a:extLst>
           </p:cNvPr>
           <p:cNvSpPr>
-            <a:spLocks noGrp="1"/>
+            <a:spLocks noGrp="1" noRot="1" noChangeAspect="1" noMove="1" noResize="1" noEditPoints="1" noAdjustHandles="1" noChangeArrowheads="1" noChangeShapeType="1" noTextEdit="1"/>
           </p:cNvSpPr>
           <p:nvPr>
-            <p:ph idx="1"/>
+            <p:extLst>
+              <p:ext uri="{386F3935-93C4-4BCD-93E2-E3B085C9AB24}">
+                <p16:designElem xmlns:p16="http://schemas.microsoft.com/office/powerpoint/2015/main" val="1"/>
+              </p:ext>
+            </p:extLst>
           </p:nvPr>
         </p:nvSpPr>
-        <p:spPr/>
+        <p:spPr>
+          <a:xfrm>
+            <a:off x="669036" y="1677373"/>
+            <a:ext cx="10853928" cy="18288"/>
+          </a:xfrm>
+          <a:custGeom>
+            <a:avLst/>
+            <a:gdLst>
+              <a:gd name="csX0" fmla="*/ 0 w 10853928"/>
+              <a:gd name="csY0" fmla="*/ 0 h 18288"/>
+              <a:gd name="csX1" fmla="*/ 461292 w 10853928"/>
+              <a:gd name="csY1" fmla="*/ 0 h 18288"/>
+              <a:gd name="csX2" fmla="*/ 1139662 w 10853928"/>
+              <a:gd name="csY2" fmla="*/ 0 h 18288"/>
+              <a:gd name="csX3" fmla="*/ 1926572 w 10853928"/>
+              <a:gd name="csY3" fmla="*/ 0 h 18288"/>
+              <a:gd name="csX4" fmla="*/ 2279325 w 10853928"/>
+              <a:gd name="csY4" fmla="*/ 0 h 18288"/>
+              <a:gd name="csX5" fmla="*/ 2632078 w 10853928"/>
+              <a:gd name="csY5" fmla="*/ 0 h 18288"/>
+              <a:gd name="csX6" fmla="*/ 3527527 w 10853928"/>
+              <a:gd name="csY6" fmla="*/ 0 h 18288"/>
+              <a:gd name="csX7" fmla="*/ 4205897 w 10853928"/>
+              <a:gd name="csY7" fmla="*/ 0 h 18288"/>
+              <a:gd name="csX8" fmla="*/ 4558650 w 10853928"/>
+              <a:gd name="csY8" fmla="*/ 0 h 18288"/>
+              <a:gd name="csX9" fmla="*/ 5237020 w 10853928"/>
+              <a:gd name="csY9" fmla="*/ 0 h 18288"/>
+              <a:gd name="csX10" fmla="*/ 6132469 w 10853928"/>
+              <a:gd name="csY10" fmla="*/ 0 h 18288"/>
+              <a:gd name="csX11" fmla="*/ 6702301 w 10853928"/>
+              <a:gd name="csY11" fmla="*/ 0 h 18288"/>
+              <a:gd name="csX12" fmla="*/ 7272132 w 10853928"/>
+              <a:gd name="csY12" fmla="*/ 0 h 18288"/>
+              <a:gd name="csX13" fmla="*/ 7950502 w 10853928"/>
+              <a:gd name="csY13" fmla="*/ 0 h 18288"/>
+              <a:gd name="csX14" fmla="*/ 8737412 w 10853928"/>
+              <a:gd name="csY14" fmla="*/ 0 h 18288"/>
+              <a:gd name="csX15" fmla="*/ 9524322 w 10853928"/>
+              <a:gd name="csY15" fmla="*/ 0 h 18288"/>
+              <a:gd name="csX16" fmla="*/ 10853928 w 10853928"/>
+              <a:gd name="csY16" fmla="*/ 0 h 18288"/>
+              <a:gd name="csX17" fmla="*/ 10853928 w 10853928"/>
+              <a:gd name="csY17" fmla="*/ 18288 h 18288"/>
+              <a:gd name="csX18" fmla="*/ 10392636 w 10853928"/>
+              <a:gd name="csY18" fmla="*/ 18288 h 18288"/>
+              <a:gd name="csX19" fmla="*/ 9497187 w 10853928"/>
+              <a:gd name="csY19" fmla="*/ 18288 h 18288"/>
+              <a:gd name="csX20" fmla="*/ 8818817 w 10853928"/>
+              <a:gd name="csY20" fmla="*/ 18288 h 18288"/>
+              <a:gd name="csX21" fmla="*/ 8466064 w 10853928"/>
+              <a:gd name="csY21" fmla="*/ 18288 h 18288"/>
+              <a:gd name="csX22" fmla="*/ 7787693 w 10853928"/>
+              <a:gd name="csY22" fmla="*/ 18288 h 18288"/>
+              <a:gd name="csX23" fmla="*/ 7217862 w 10853928"/>
+              <a:gd name="csY23" fmla="*/ 18288 h 18288"/>
+              <a:gd name="csX24" fmla="*/ 6648031 w 10853928"/>
+              <a:gd name="csY24" fmla="*/ 18288 h 18288"/>
+              <a:gd name="csX25" fmla="*/ 6078200 w 10853928"/>
+              <a:gd name="csY25" fmla="*/ 18288 h 18288"/>
+              <a:gd name="csX26" fmla="*/ 5508368 w 10853928"/>
+              <a:gd name="csY26" fmla="*/ 18288 h 18288"/>
+              <a:gd name="csX27" fmla="*/ 4721459 w 10853928"/>
+              <a:gd name="csY27" fmla="*/ 18288 h 18288"/>
+              <a:gd name="csX28" fmla="*/ 4043088 w 10853928"/>
+              <a:gd name="csY28" fmla="*/ 18288 h 18288"/>
+              <a:gd name="csX29" fmla="*/ 3690336 w 10853928"/>
+              <a:gd name="csY29" fmla="*/ 18288 h 18288"/>
+              <a:gd name="csX30" fmla="*/ 3120504 w 10853928"/>
+              <a:gd name="csY30" fmla="*/ 18288 h 18288"/>
+              <a:gd name="csX31" fmla="*/ 2333595 w 10853928"/>
+              <a:gd name="csY31" fmla="*/ 18288 h 18288"/>
+              <a:gd name="csX32" fmla="*/ 1872303 w 10853928"/>
+              <a:gd name="csY32" fmla="*/ 18288 h 18288"/>
+              <a:gd name="csX33" fmla="*/ 976854 w 10853928"/>
+              <a:gd name="csY33" fmla="*/ 18288 h 18288"/>
+              <a:gd name="csX34" fmla="*/ 0 w 10853928"/>
+              <a:gd name="csY34" fmla="*/ 18288 h 18288"/>
+              <a:gd name="csX35" fmla="*/ 0 w 10853928"/>
+              <a:gd name="csY35" fmla="*/ 0 h 18288"/>
+            </a:gdLst>
+            <a:ahLst/>
+            <a:cxnLst>
+              <a:cxn ang="0">
+                <a:pos x="csX0" y="csY0"/>
+              </a:cxn>
+              <a:cxn ang="0">
+                <a:pos x="csX1" y="csY1"/>
+              </a:cxn>
+              <a:cxn ang="0">
+                <a:pos x="csX2" y="csY2"/>
+              </a:cxn>
+              <a:cxn ang="0">
+                <a:pos x="csX3" y="csY3"/>
+              </a:cxn>
+              <a:cxn ang="0">
+                <a:pos x="csX4" y="csY4"/>
+              </a:cxn>
+              <a:cxn ang="0">
+                <a:pos x="csX5" y="csY5"/>
+              </a:cxn>
+              <a:cxn ang="0">
+                <a:pos x="csX6" y="csY6"/>
+              </a:cxn>
+              <a:cxn ang="0">
+                <a:pos x="csX7" y="csY7"/>
+              </a:cxn>
+              <a:cxn ang="0">
+                <a:pos x="csX8" y="csY8"/>
+              </a:cxn>
+              <a:cxn ang="0">
+                <a:pos x="csX9" y="csY9"/>
+              </a:cxn>
+              <a:cxn ang="0">
+                <a:pos x="csX10" y="csY10"/>
+              </a:cxn>
+              <a:cxn ang="0">
+                <a:pos x="csX11" y="csY11"/>
+              </a:cxn>
+              <a:cxn ang="0">
+                <a:pos x="csX12" y="csY12"/>
+              </a:cxn>
+              <a:cxn ang="0">
+                <a:pos x="csX13" y="csY13"/>
+              </a:cxn>
+              <a:cxn ang="0">
+                <a:pos x="csX14" y="csY14"/>
+              </a:cxn>
+              <a:cxn ang="0">
+                <a:pos x="csX15" y="csY15"/>
+              </a:cxn>
+              <a:cxn ang="0">
+                <a:pos x="csX16" y="csY16"/>
+              </a:cxn>
+              <a:cxn ang="0">
+                <a:pos x="csX17" y="csY17"/>
+              </a:cxn>
+              <a:cxn ang="0">
+                <a:pos x="csX18" y="csY18"/>
+              </a:cxn>
+              <a:cxn ang="0">
+                <a:pos x="csX19" y="csY19"/>
+              </a:cxn>
+              <a:cxn ang="0">
+                <a:pos x="csX20" y="csY20"/>
+              </a:cxn>
+              <a:cxn ang="0">
+                <a:pos x="csX21" y="csY21"/>
+              </a:cxn>
+              <a:cxn ang="0">
+                <a:pos x="csX22" y="csY22"/>
+              </a:cxn>
+              <a:cxn ang="0">
+                <a:pos x="csX23" y="csY23"/>
+              </a:cxn>
+              <a:cxn ang="0">
+                <a:pos x="csX24" y="csY24"/>
+              </a:cxn>
+              <a:cxn ang="0">
+                <a:pos x="csX25" y="csY25"/>
+              </a:cxn>
+              <a:cxn ang="0">
+                <a:pos x="csX26" y="csY26"/>
+              </a:cxn>
+              <a:cxn ang="0">
+                <a:pos x="csX27" y="csY27"/>
+              </a:cxn>
+              <a:cxn ang="0">
+                <a:pos x="csX28" y="csY28"/>
+              </a:cxn>
+              <a:cxn ang="0">
+                <a:pos x="csX29" y="csY29"/>
+              </a:cxn>
+              <a:cxn ang="0">
+                <a:pos x="csX30" y="csY30"/>
+              </a:cxn>
+              <a:cxn ang="0">
+                <a:pos x="csX31" y="csY31"/>
+              </a:cxn>
+              <a:cxn ang="0">
+                <a:pos x="csX32" y="csY32"/>
+              </a:cxn>
+              <a:cxn ang="0">
+                <a:pos x="csX33" y="csY33"/>
+              </a:cxn>
+              <a:cxn ang="0">
+                <a:pos x="csX34" y="csY34"/>
+              </a:cxn>
+              <a:cxn ang="0">
+                <a:pos x="csX35" y="csY35"/>
+              </a:cxn>
+            </a:cxnLst>
+            <a:rect l="l" t="t" r="r" b="b"/>
+            <a:pathLst>
+              <a:path w="10853928" h="18288" fill="none" extrusionOk="0">
+                <a:moveTo>
+                  <a:pt x="0" y="0"/>
+                </a:moveTo>
+                <a:cubicBezTo>
+                  <a:pt x="146993" y="-19076"/>
+                  <a:pt x="347684" y="-4790"/>
+                  <a:pt x="461292" y="0"/>
+                </a:cubicBezTo>
+                <a:cubicBezTo>
+                  <a:pt x="574900" y="4790"/>
+                  <a:pt x="808367" y="19821"/>
+                  <a:pt x="1139662" y="0"/>
+                </a:cubicBezTo>
+                <a:cubicBezTo>
+                  <a:pt x="1470957" y="-19821"/>
+                  <a:pt x="1627405" y="5721"/>
+                  <a:pt x="1926572" y="0"/>
+                </a:cubicBezTo>
+                <a:cubicBezTo>
+                  <a:pt x="2225739" y="-5721"/>
+                  <a:pt x="2137730" y="-3235"/>
+                  <a:pt x="2279325" y="0"/>
+                </a:cubicBezTo>
+                <a:cubicBezTo>
+                  <a:pt x="2420920" y="3235"/>
+                  <a:pt x="2456518" y="9685"/>
+                  <a:pt x="2632078" y="0"/>
+                </a:cubicBezTo>
+                <a:cubicBezTo>
+                  <a:pt x="2807638" y="-9685"/>
+                  <a:pt x="3211516" y="-43007"/>
+                  <a:pt x="3527527" y="0"/>
+                </a:cubicBezTo>
+                <a:cubicBezTo>
+                  <a:pt x="3843538" y="43007"/>
+                  <a:pt x="4058833" y="22042"/>
+                  <a:pt x="4205897" y="0"/>
+                </a:cubicBezTo>
+                <a:cubicBezTo>
+                  <a:pt x="4352961" y="-22042"/>
+                  <a:pt x="4474805" y="-11846"/>
+                  <a:pt x="4558650" y="0"/>
+                </a:cubicBezTo>
+                <a:cubicBezTo>
+                  <a:pt x="4642495" y="11846"/>
+                  <a:pt x="5041928" y="-6069"/>
+                  <a:pt x="5237020" y="0"/>
+                </a:cubicBezTo>
+                <a:cubicBezTo>
+                  <a:pt x="5432112" y="6069"/>
+                  <a:pt x="5943266" y="-17479"/>
+                  <a:pt x="6132469" y="0"/>
+                </a:cubicBezTo>
+                <a:cubicBezTo>
+                  <a:pt x="6321672" y="17479"/>
+                  <a:pt x="6483872" y="26234"/>
+                  <a:pt x="6702301" y="0"/>
+                </a:cubicBezTo>
+                <a:cubicBezTo>
+                  <a:pt x="6920730" y="-26234"/>
+                  <a:pt x="6991194" y="-15156"/>
+                  <a:pt x="7272132" y="0"/>
+                </a:cubicBezTo>
+                <a:cubicBezTo>
+                  <a:pt x="7553070" y="15156"/>
+                  <a:pt x="7684444" y="-32961"/>
+                  <a:pt x="7950502" y="0"/>
+                </a:cubicBezTo>
+                <a:cubicBezTo>
+                  <a:pt x="8216560" y="32961"/>
+                  <a:pt x="8493290" y="-10491"/>
+                  <a:pt x="8737412" y="0"/>
+                </a:cubicBezTo>
+                <a:cubicBezTo>
+                  <a:pt x="8981534" y="10491"/>
+                  <a:pt x="9191586" y="-13899"/>
+                  <a:pt x="9524322" y="0"/>
+                </a:cubicBezTo>
+                <a:cubicBezTo>
+                  <a:pt x="9857058" y="13899"/>
+                  <a:pt x="10297509" y="7485"/>
+                  <a:pt x="10853928" y="0"/>
+                </a:cubicBezTo>
+                <a:cubicBezTo>
+                  <a:pt x="10854574" y="4451"/>
+                  <a:pt x="10854418" y="9226"/>
+                  <a:pt x="10853928" y="18288"/>
+                </a:cubicBezTo>
+                <a:cubicBezTo>
+                  <a:pt x="10691638" y="28522"/>
+                  <a:pt x="10574319" y="29578"/>
+                  <a:pt x="10392636" y="18288"/>
+                </a:cubicBezTo>
+                <a:cubicBezTo>
+                  <a:pt x="10210953" y="6998"/>
+                  <a:pt x="9836277" y="-16742"/>
+                  <a:pt x="9497187" y="18288"/>
+                </a:cubicBezTo>
+                <a:cubicBezTo>
+                  <a:pt x="9158097" y="53318"/>
+                  <a:pt x="9119479" y="30714"/>
+                  <a:pt x="8818817" y="18288"/>
+                </a:cubicBezTo>
+                <a:cubicBezTo>
+                  <a:pt x="8518155" y="5863"/>
+                  <a:pt x="8640037" y="6483"/>
+                  <a:pt x="8466064" y="18288"/>
+                </a:cubicBezTo>
+                <a:cubicBezTo>
+                  <a:pt x="8292091" y="30093"/>
+                  <a:pt x="7997656" y="18914"/>
+                  <a:pt x="7787693" y="18288"/>
+                </a:cubicBezTo>
+                <a:cubicBezTo>
+                  <a:pt x="7577730" y="17662"/>
+                  <a:pt x="7412468" y="21416"/>
+                  <a:pt x="7217862" y="18288"/>
+                </a:cubicBezTo>
+                <a:cubicBezTo>
+                  <a:pt x="7023256" y="15160"/>
+                  <a:pt x="6898018" y="14824"/>
+                  <a:pt x="6648031" y="18288"/>
+                </a:cubicBezTo>
+                <a:cubicBezTo>
+                  <a:pt x="6398044" y="21752"/>
+                  <a:pt x="6254402" y="38625"/>
+                  <a:pt x="6078200" y="18288"/>
+                </a:cubicBezTo>
+                <a:cubicBezTo>
+                  <a:pt x="5901998" y="-2049"/>
+                  <a:pt x="5622886" y="3213"/>
+                  <a:pt x="5508368" y="18288"/>
+                </a:cubicBezTo>
+                <a:cubicBezTo>
+                  <a:pt x="5393850" y="33363"/>
+                  <a:pt x="5036260" y="26830"/>
+                  <a:pt x="4721459" y="18288"/>
+                </a:cubicBezTo>
+                <a:cubicBezTo>
+                  <a:pt x="4406658" y="9746"/>
+                  <a:pt x="4239221" y="41551"/>
+                  <a:pt x="4043088" y="18288"/>
+                </a:cubicBezTo>
+                <a:cubicBezTo>
+                  <a:pt x="3846955" y="-4975"/>
+                  <a:pt x="3818802" y="34658"/>
+                  <a:pt x="3690336" y="18288"/>
+                </a:cubicBezTo>
+                <a:cubicBezTo>
+                  <a:pt x="3561870" y="1918"/>
+                  <a:pt x="3265491" y="42194"/>
+                  <a:pt x="3120504" y="18288"/>
+                </a:cubicBezTo>
+                <a:cubicBezTo>
+                  <a:pt x="2975517" y="-5618"/>
+                  <a:pt x="2720254" y="36673"/>
+                  <a:pt x="2333595" y="18288"/>
+                </a:cubicBezTo>
+                <a:cubicBezTo>
+                  <a:pt x="1946936" y="-97"/>
+                  <a:pt x="2097241" y="5776"/>
+                  <a:pt x="1872303" y="18288"/>
+                </a:cubicBezTo>
+                <a:cubicBezTo>
+                  <a:pt x="1647365" y="30800"/>
+                  <a:pt x="1282708" y="45380"/>
+                  <a:pt x="976854" y="18288"/>
+                </a:cubicBezTo>
+                <a:cubicBezTo>
+                  <a:pt x="671000" y="-8804"/>
+                  <a:pt x="408401" y="-12775"/>
+                  <a:pt x="0" y="18288"/>
+                </a:cubicBezTo>
+                <a:cubicBezTo>
+                  <a:pt x="-213" y="9468"/>
+                  <a:pt x="187" y="4459"/>
+                  <a:pt x="0" y="0"/>
+                </a:cubicBezTo>
+                <a:close/>
+              </a:path>
+              <a:path w="10853928" h="18288" stroke="0" extrusionOk="0">
+                <a:moveTo>
+                  <a:pt x="0" y="0"/>
+                </a:moveTo>
+                <a:cubicBezTo>
+                  <a:pt x="267322" y="15284"/>
+                  <a:pt x="415388" y="-21048"/>
+                  <a:pt x="569831" y="0"/>
+                </a:cubicBezTo>
+                <a:cubicBezTo>
+                  <a:pt x="724274" y="21048"/>
+                  <a:pt x="769333" y="-2353"/>
+                  <a:pt x="922584" y="0"/>
+                </a:cubicBezTo>
+                <a:cubicBezTo>
+                  <a:pt x="1075835" y="2353"/>
+                  <a:pt x="1399490" y="-145"/>
+                  <a:pt x="1818033" y="0"/>
+                </a:cubicBezTo>
+                <a:cubicBezTo>
+                  <a:pt x="2236576" y="145"/>
+                  <a:pt x="2145330" y="5482"/>
+                  <a:pt x="2387864" y="0"/>
+                </a:cubicBezTo>
+                <a:cubicBezTo>
+                  <a:pt x="2630398" y="-5482"/>
+                  <a:pt x="2793207" y="18487"/>
+                  <a:pt x="2957695" y="0"/>
+                </a:cubicBezTo>
+                <a:cubicBezTo>
+                  <a:pt x="3122183" y="-18487"/>
+                  <a:pt x="3579141" y="19003"/>
+                  <a:pt x="3853144" y="0"/>
+                </a:cubicBezTo>
+                <a:cubicBezTo>
+                  <a:pt x="4127147" y="-19003"/>
+                  <a:pt x="4209857" y="12211"/>
+                  <a:pt x="4314436" y="0"/>
+                </a:cubicBezTo>
+                <a:cubicBezTo>
+                  <a:pt x="4419015" y="-12211"/>
+                  <a:pt x="4762459" y="-17220"/>
+                  <a:pt x="5209885" y="0"/>
+                </a:cubicBezTo>
+                <a:cubicBezTo>
+                  <a:pt x="5657311" y="17220"/>
+                  <a:pt x="5692663" y="-3290"/>
+                  <a:pt x="6105335" y="0"/>
+                </a:cubicBezTo>
+                <a:cubicBezTo>
+                  <a:pt x="6518007" y="3290"/>
+                  <a:pt x="6455516" y="-5124"/>
+                  <a:pt x="6783705" y="0"/>
+                </a:cubicBezTo>
+                <a:cubicBezTo>
+                  <a:pt x="7111894" y="5124"/>
+                  <a:pt x="7441941" y="-17829"/>
+                  <a:pt x="7679154" y="0"/>
+                </a:cubicBezTo>
+                <a:cubicBezTo>
+                  <a:pt x="7916367" y="17829"/>
+                  <a:pt x="8102967" y="-24363"/>
+                  <a:pt x="8248985" y="0"/>
+                </a:cubicBezTo>
+                <a:cubicBezTo>
+                  <a:pt x="8395003" y="24363"/>
+                  <a:pt x="8552393" y="25505"/>
+                  <a:pt x="8818817" y="0"/>
+                </a:cubicBezTo>
+                <a:cubicBezTo>
+                  <a:pt x="9085241" y="-25505"/>
+                  <a:pt x="9411308" y="38000"/>
+                  <a:pt x="9605726" y="0"/>
+                </a:cubicBezTo>
+                <a:cubicBezTo>
+                  <a:pt x="9800144" y="-38000"/>
+                  <a:pt x="10006468" y="-25741"/>
+                  <a:pt x="10175558" y="0"/>
+                </a:cubicBezTo>
+                <a:cubicBezTo>
+                  <a:pt x="10344648" y="25741"/>
+                  <a:pt x="10696282" y="695"/>
+                  <a:pt x="10853928" y="0"/>
+                </a:cubicBezTo>
+                <a:cubicBezTo>
+                  <a:pt x="10853521" y="8690"/>
+                  <a:pt x="10853774" y="14141"/>
+                  <a:pt x="10853928" y="18288"/>
+                </a:cubicBezTo>
+                <a:cubicBezTo>
+                  <a:pt x="10608124" y="24255"/>
+                  <a:pt x="10343415" y="22307"/>
+                  <a:pt x="10067018" y="18288"/>
+                </a:cubicBezTo>
+                <a:cubicBezTo>
+                  <a:pt x="9790621" y="14270"/>
+                  <a:pt x="9843266" y="3564"/>
+                  <a:pt x="9714266" y="18288"/>
+                </a:cubicBezTo>
+                <a:cubicBezTo>
+                  <a:pt x="9585266" y="33012"/>
+                  <a:pt x="9379484" y="1875"/>
+                  <a:pt x="9252974" y="18288"/>
+                </a:cubicBezTo>
+                <a:cubicBezTo>
+                  <a:pt x="9126464" y="34701"/>
+                  <a:pt x="8580678" y="-4904"/>
+                  <a:pt x="8357525" y="18288"/>
+                </a:cubicBezTo>
+                <a:cubicBezTo>
+                  <a:pt x="8134372" y="41480"/>
+                  <a:pt x="7903199" y="26458"/>
+                  <a:pt x="7679154" y="18288"/>
+                </a:cubicBezTo>
+                <a:cubicBezTo>
+                  <a:pt x="7455109" y="10118"/>
+                  <a:pt x="7435944" y="27109"/>
+                  <a:pt x="7217862" y="18288"/>
+                </a:cubicBezTo>
+                <a:cubicBezTo>
+                  <a:pt x="6999780" y="9467"/>
+                  <a:pt x="6680409" y="18985"/>
+                  <a:pt x="6539492" y="18288"/>
+                </a:cubicBezTo>
+                <a:cubicBezTo>
+                  <a:pt x="6398575" y="17592"/>
+                  <a:pt x="6312077" y="33018"/>
+                  <a:pt x="6186739" y="18288"/>
+                </a:cubicBezTo>
+                <a:cubicBezTo>
+                  <a:pt x="6061401" y="3558"/>
+                  <a:pt x="5947033" y="12075"/>
+                  <a:pt x="5833986" y="18288"/>
+                </a:cubicBezTo>
+                <a:cubicBezTo>
+                  <a:pt x="5720939" y="24501"/>
+                  <a:pt x="5482226" y="8586"/>
+                  <a:pt x="5155616" y="18288"/>
+                </a:cubicBezTo>
+                <a:cubicBezTo>
+                  <a:pt x="4829006" y="27991"/>
+                  <a:pt x="4841274" y="29316"/>
+                  <a:pt x="4694324" y="18288"/>
+                </a:cubicBezTo>
+                <a:cubicBezTo>
+                  <a:pt x="4547374" y="7260"/>
+                  <a:pt x="4077675" y="7013"/>
+                  <a:pt x="3907414" y="18288"/>
+                </a:cubicBezTo>
+                <a:cubicBezTo>
+                  <a:pt x="3737153" y="29564"/>
+                  <a:pt x="3538393" y="21630"/>
+                  <a:pt x="3446122" y="18288"/>
+                </a:cubicBezTo>
+                <a:cubicBezTo>
+                  <a:pt x="3353851" y="14946"/>
+                  <a:pt x="2990320" y="-8091"/>
+                  <a:pt x="2659212" y="18288"/>
+                </a:cubicBezTo>
+                <a:cubicBezTo>
+                  <a:pt x="2328104" y="44667"/>
+                  <a:pt x="2427653" y="9607"/>
+                  <a:pt x="2306460" y="18288"/>
+                </a:cubicBezTo>
+                <a:cubicBezTo>
+                  <a:pt x="2185267" y="26969"/>
+                  <a:pt x="1719763" y="3717"/>
+                  <a:pt x="1519550" y="18288"/>
+                </a:cubicBezTo>
+                <a:cubicBezTo>
+                  <a:pt x="1319337" y="32860"/>
+                  <a:pt x="1167371" y="17040"/>
+                  <a:pt x="1058258" y="18288"/>
+                </a:cubicBezTo>
+                <a:cubicBezTo>
+                  <a:pt x="949145" y="19536"/>
+                  <a:pt x="780234" y="31447"/>
+                  <a:pt x="705505" y="18288"/>
+                </a:cubicBezTo>
+                <a:cubicBezTo>
+                  <a:pt x="630776" y="5129"/>
+                  <a:pt x="215796" y="30056"/>
+                  <a:pt x="0" y="18288"/>
+                </a:cubicBezTo>
+                <a:cubicBezTo>
+                  <a:pt x="-53" y="11301"/>
+                  <a:pt x="-649" y="7756"/>
+                  <a:pt x="0" y="0"/>
+                </a:cubicBezTo>
+                <a:close/>
+              </a:path>
+            </a:pathLst>
+          </a:custGeom>
+          <a:solidFill>
+            <a:schemeClr val="accent2"/>
+          </a:solidFill>
+          <a:ln w="41275" cap="rnd">
+            <a:solidFill>
+              <a:schemeClr val="accent2"/>
+            </a:solidFill>
+            <a:round/>
+            <a:extLst>
+              <a:ext uri="{C807C97D-BFC1-408E-A445-0C87EB9F89A2}">
+                <ask:lineSketchStyleProps xmlns:ask="http://schemas.microsoft.com/office/drawing/2018/sketchyshapes" sd="1219033472">
+                  <a:prstGeom prst="rect">
+                    <a:avLst/>
+                  </a:prstGeom>
+                  <ask:type>
+                    <ask:lineSketchFreehand/>
+                  </ask:type>
+                </ask:lineSketchStyleProps>
+              </a:ext>
+            </a:extLst>
+          </a:ln>
+        </p:spPr>
+        <p:style>
+          <a:lnRef idx="2">
+            <a:schemeClr val="accent1">
+              <a:shade val="50000"/>
+            </a:schemeClr>
+          </a:lnRef>
+          <a:fillRef idx="1">
+            <a:schemeClr val="accent1"/>
+          </a:fillRef>
+          <a:effectRef idx="0">
+            <a:schemeClr val="accent1"/>
+          </a:effectRef>
+          <a:fontRef idx="minor">
+            <a:schemeClr val="lt1"/>
+          </a:fontRef>
+        </p:style>
         <p:txBody>
-          <a:bodyPr/>
+          <a:bodyPr rtlCol="0" anchor="ctr"/>
           <a:lstStyle/>
           <a:p>
+            <a:pPr algn="ctr"/>
             <a:endParaRPr lang="en-US"/>
+          </a:p>
+        </p:txBody>
+      </p:sp>
+      <p:sp>
+        <p:nvSpPr>
+          <p:cNvPr id="7" name="TextBox 6">
+            <a:extLst>
+              <a:ext uri="{FF2B5EF4-FFF2-40B4-BE49-F238E27FC236}">
+                <a16:creationId xmlns:a16="http://schemas.microsoft.com/office/drawing/2014/main" id="{5A6AFF4F-7481-6213-0A9B-452D512A5022}"/>
+              </a:ext>
+            </a:extLst>
+          </p:cNvPr>
+          <p:cNvSpPr txBox="1"/>
+          <p:nvPr/>
+        </p:nvSpPr>
+        <p:spPr>
+          <a:xfrm>
+            <a:off x="6145091" y="3368061"/>
+            <a:ext cx="5637334" cy="1477328"/>
+          </a:xfrm>
+          <a:prstGeom prst="rect">
+            <a:avLst/>
+          </a:prstGeom>
+          <a:noFill/>
+          <a:ln w="3175">
+            <a:solidFill>
+              <a:schemeClr val="tx1"/>
+            </a:solidFill>
+          </a:ln>
+        </p:spPr>
+        <p:txBody>
+          <a:bodyPr wrap="square">
+            <a:spAutoFit/>
+          </a:bodyPr>
+          <a:lstStyle/>
+          <a:p>
+            <a:pPr marL="285750" indent="-285750">
+              <a:buFont typeface="Arial" panose="020B0604020202020204" pitchFamily="34" charset="0"/>
+              <a:buChar char="•"/>
+            </a:pPr>
+            <a:r>
+              <a:rPr lang="en-US" dirty="0"/>
+              <a:t>When you configure the HPA for a given deployment, you define the </a:t>
+            </a:r>
+            <a:r>
+              <a:rPr lang="en-US" dirty="0">
+                <a:highlight>
+                  <a:srgbClr val="00FF00"/>
+                </a:highlight>
+              </a:rPr>
+              <a:t>minimum</a:t>
+            </a:r>
+            <a:r>
+              <a:rPr lang="en-US" dirty="0"/>
+              <a:t> and </a:t>
+            </a:r>
+            <a:r>
+              <a:rPr lang="en-US" dirty="0">
+                <a:highlight>
+                  <a:srgbClr val="FF0000"/>
+                </a:highlight>
+              </a:rPr>
+              <a:t>maximum</a:t>
+            </a:r>
+            <a:r>
+              <a:rPr lang="en-US" dirty="0"/>
+              <a:t> number of replicas that can run. </a:t>
+            </a:r>
+          </a:p>
+          <a:p>
+            <a:pPr marL="285750" indent="-285750">
+              <a:buFont typeface="Arial" panose="020B0604020202020204" pitchFamily="34" charset="0"/>
+              <a:buChar char="•"/>
+            </a:pPr>
+            <a:r>
+              <a:rPr lang="en-US" dirty="0"/>
+              <a:t>You also define the </a:t>
+            </a:r>
+            <a:r>
+              <a:rPr lang="en-US" dirty="0">
+                <a:highlight>
+                  <a:srgbClr val="0000FF"/>
+                </a:highlight>
+              </a:rPr>
+              <a:t>metric </a:t>
+            </a:r>
+            <a:r>
+              <a:rPr lang="en-US" dirty="0"/>
+              <a:t>to monitor and base scaling decisions on, such as </a:t>
+            </a:r>
+            <a:r>
+              <a:rPr lang="en-US" dirty="0">
+                <a:highlight>
+                  <a:srgbClr val="FFFF00"/>
+                </a:highlight>
+              </a:rPr>
+              <a:t>CPU</a:t>
+            </a:r>
+            <a:r>
+              <a:rPr lang="en-US" dirty="0"/>
+              <a:t> usage.</a:t>
+            </a:r>
+          </a:p>
+        </p:txBody>
+      </p:sp>
+      <p:sp>
+        <p:nvSpPr>
+          <p:cNvPr id="9" name="TextBox 8">
+            <a:extLst>
+              <a:ext uri="{FF2B5EF4-FFF2-40B4-BE49-F238E27FC236}">
+                <a16:creationId xmlns:a16="http://schemas.microsoft.com/office/drawing/2014/main" id="{D3A9D09E-9F08-CA63-7216-A2EFC12130FA}"/>
+              </a:ext>
+            </a:extLst>
+          </p:cNvPr>
+          <p:cNvSpPr txBox="1"/>
+          <p:nvPr/>
+        </p:nvSpPr>
+        <p:spPr>
+          <a:xfrm>
+            <a:off x="669036" y="2357438"/>
+            <a:ext cx="5181600" cy="3970318"/>
+          </a:xfrm>
+          <a:prstGeom prst="rect">
+            <a:avLst/>
+          </a:prstGeom>
+          <a:noFill/>
+          <a:ln w="3175">
+            <a:solidFill>
+              <a:schemeClr val="tx1"/>
+            </a:solidFill>
+          </a:ln>
+        </p:spPr>
+        <p:txBody>
+          <a:bodyPr wrap="square">
+            <a:spAutoFit/>
+          </a:bodyPr>
+          <a:lstStyle/>
+          <a:p>
+            <a:r>
+              <a:rPr lang="en-US" sz="1400" dirty="0" err="1">
+                <a:latin typeface="Consolas" panose="020B0609020204030204" pitchFamily="49" charset="0"/>
+              </a:rPr>
+              <a:t>apiVersion</a:t>
+            </a:r>
+            <a:r>
+              <a:rPr lang="en-US" sz="1400" dirty="0">
+                <a:latin typeface="Consolas" panose="020B0609020204030204" pitchFamily="49" charset="0"/>
+              </a:rPr>
+              <a:t>: autoscaling/v2</a:t>
+            </a:r>
+          </a:p>
+          <a:p>
+            <a:r>
+              <a:rPr lang="en-US" sz="1400" dirty="0">
+                <a:latin typeface="Consolas" panose="020B0609020204030204" pitchFamily="49" charset="0"/>
+              </a:rPr>
+              <a:t>kind: </a:t>
+            </a:r>
+            <a:r>
+              <a:rPr lang="en-US" sz="1400" dirty="0" err="1">
+                <a:latin typeface="Consolas" panose="020B0609020204030204" pitchFamily="49" charset="0"/>
+              </a:rPr>
+              <a:t>HorizontalPodAutoscaler</a:t>
+            </a:r>
+            <a:endParaRPr lang="en-US" sz="1400" dirty="0">
+              <a:latin typeface="Consolas" panose="020B0609020204030204" pitchFamily="49" charset="0"/>
+            </a:endParaRPr>
+          </a:p>
+          <a:p>
+            <a:r>
+              <a:rPr lang="en-US" sz="1400" dirty="0">
+                <a:latin typeface="Consolas" panose="020B0609020204030204" pitchFamily="49" charset="0"/>
+              </a:rPr>
+              <a:t>metadata:</a:t>
+            </a:r>
+          </a:p>
+          <a:p>
+            <a:r>
+              <a:rPr lang="en-US" sz="1400" dirty="0">
+                <a:latin typeface="Consolas" panose="020B0609020204030204" pitchFamily="49" charset="0"/>
+              </a:rPr>
+              <a:t>  name: &lt;HPA-NAME&gt;</a:t>
+            </a:r>
+          </a:p>
+          <a:p>
+            <a:r>
+              <a:rPr lang="en-US" sz="1400" dirty="0">
+                <a:latin typeface="Consolas" panose="020B0609020204030204" pitchFamily="49" charset="0"/>
+              </a:rPr>
+              <a:t>spec:</a:t>
+            </a:r>
+          </a:p>
+          <a:p>
+            <a:r>
+              <a:rPr lang="en-US" sz="1400" dirty="0">
+                <a:latin typeface="Consolas" panose="020B0609020204030204" pitchFamily="49" charset="0"/>
+              </a:rPr>
+              <a:t>  </a:t>
+            </a:r>
+            <a:r>
+              <a:rPr lang="en-US" sz="1400" dirty="0" err="1">
+                <a:highlight>
+                  <a:srgbClr val="FF0000"/>
+                </a:highlight>
+                <a:latin typeface="Consolas" panose="020B0609020204030204" pitchFamily="49" charset="0"/>
+              </a:rPr>
+              <a:t>maxReplicas</a:t>
+            </a:r>
+            <a:r>
+              <a:rPr lang="en-US" sz="1400" dirty="0">
+                <a:highlight>
+                  <a:srgbClr val="FF0000"/>
+                </a:highlight>
+                <a:latin typeface="Consolas" panose="020B0609020204030204" pitchFamily="49" charset="0"/>
+              </a:rPr>
+              <a:t>: 10 </a:t>
+            </a:r>
+            <a:r>
+              <a:rPr lang="en-US" sz="1400" dirty="0">
+                <a:latin typeface="Consolas" panose="020B0609020204030204" pitchFamily="49" charset="0"/>
+              </a:rPr>
+              <a:t># define max replica count</a:t>
+            </a:r>
+          </a:p>
+          <a:p>
+            <a:r>
+              <a:rPr lang="en-US" sz="1400" dirty="0">
+                <a:latin typeface="Consolas" panose="020B0609020204030204" pitchFamily="49" charset="0"/>
+              </a:rPr>
+              <a:t>  </a:t>
+            </a:r>
+            <a:r>
+              <a:rPr lang="en-US" sz="1400" dirty="0" err="1">
+                <a:highlight>
+                  <a:srgbClr val="00FF00"/>
+                </a:highlight>
+                <a:latin typeface="Consolas" panose="020B0609020204030204" pitchFamily="49" charset="0"/>
+              </a:rPr>
+              <a:t>minReplicas</a:t>
+            </a:r>
+            <a:r>
+              <a:rPr lang="en-US" sz="1400" dirty="0">
+                <a:highlight>
+                  <a:srgbClr val="00FF00"/>
+                </a:highlight>
+                <a:latin typeface="Consolas" panose="020B0609020204030204" pitchFamily="49" charset="0"/>
+              </a:rPr>
+              <a:t>: 3</a:t>
+            </a:r>
+            <a:r>
+              <a:rPr lang="en-US" sz="1400" dirty="0">
+                <a:latin typeface="Consolas" panose="020B0609020204030204" pitchFamily="49" charset="0"/>
+              </a:rPr>
+              <a:t>  # define min replica count</a:t>
+            </a:r>
+          </a:p>
+          <a:p>
+            <a:r>
+              <a:rPr lang="en-US" sz="1400" dirty="0">
+                <a:latin typeface="Consolas" panose="020B0609020204030204" pitchFamily="49" charset="0"/>
+              </a:rPr>
+              <a:t>  </a:t>
+            </a:r>
+            <a:r>
+              <a:rPr lang="en-US" sz="1400" dirty="0" err="1">
+                <a:latin typeface="Consolas" panose="020B0609020204030204" pitchFamily="49" charset="0"/>
+              </a:rPr>
+              <a:t>scaleTargetRef</a:t>
+            </a:r>
+            <a:r>
+              <a:rPr lang="en-US" sz="1400" dirty="0">
+                <a:latin typeface="Consolas" panose="020B0609020204030204" pitchFamily="49" charset="0"/>
+              </a:rPr>
+              <a:t>:</a:t>
+            </a:r>
+          </a:p>
+          <a:p>
+            <a:r>
+              <a:rPr lang="en-US" sz="1400" dirty="0">
+                <a:latin typeface="Consolas" panose="020B0609020204030204" pitchFamily="49" charset="0"/>
+              </a:rPr>
+              <a:t>    </a:t>
+            </a:r>
+            <a:r>
+              <a:rPr lang="en-US" sz="1400" dirty="0" err="1">
+                <a:latin typeface="Consolas" panose="020B0609020204030204" pitchFamily="49" charset="0"/>
+              </a:rPr>
+              <a:t>apiVersion</a:t>
+            </a:r>
+            <a:r>
+              <a:rPr lang="en-US" sz="1400" dirty="0">
+                <a:latin typeface="Consolas" panose="020B0609020204030204" pitchFamily="49" charset="0"/>
+              </a:rPr>
+              <a:t>: apps/v1</a:t>
+            </a:r>
+          </a:p>
+          <a:p>
+            <a:r>
+              <a:rPr lang="en-US" sz="1400" dirty="0">
+                <a:latin typeface="Consolas" panose="020B0609020204030204" pitchFamily="49" charset="0"/>
+              </a:rPr>
+              <a:t>    kind: Deployment</a:t>
+            </a:r>
+          </a:p>
+          <a:p>
+            <a:r>
+              <a:rPr lang="en-US" sz="1400" dirty="0">
+                <a:latin typeface="Consolas" panose="020B0609020204030204" pitchFamily="49" charset="0"/>
+              </a:rPr>
+              <a:t>    name: &lt;DEPLOYMENT-NAME&gt;</a:t>
+            </a:r>
+          </a:p>
+          <a:p>
+            <a:r>
+              <a:rPr lang="en-US" sz="1400" dirty="0">
+                <a:latin typeface="Consolas" panose="020B0609020204030204" pitchFamily="49" charset="0"/>
+              </a:rPr>
+              <a:t>  </a:t>
+            </a:r>
+            <a:r>
+              <a:rPr lang="en-US" sz="1400" dirty="0">
+                <a:highlight>
+                  <a:srgbClr val="0000FF"/>
+                </a:highlight>
+                <a:latin typeface="Consolas" panose="020B0609020204030204" pitchFamily="49" charset="0"/>
+              </a:rPr>
+              <a:t>metrics</a:t>
+            </a:r>
+            <a:r>
+              <a:rPr lang="en-US" sz="1400" dirty="0">
+                <a:latin typeface="Consolas" panose="020B0609020204030204" pitchFamily="49" charset="0"/>
+              </a:rPr>
+              <a:t>:</a:t>
+            </a:r>
+          </a:p>
+          <a:p>
+            <a:r>
+              <a:rPr lang="en-US" sz="1400" dirty="0">
+                <a:latin typeface="Consolas" panose="020B0609020204030204" pitchFamily="49" charset="0"/>
+              </a:rPr>
+              <a:t>  - type: Resource</a:t>
+            </a:r>
+          </a:p>
+          <a:p>
+            <a:r>
+              <a:rPr lang="en-US" sz="1400" dirty="0">
+                <a:latin typeface="Consolas" panose="020B0609020204030204" pitchFamily="49" charset="0"/>
+              </a:rPr>
+              <a:t>    resource:</a:t>
+            </a:r>
+          </a:p>
+          <a:p>
+            <a:r>
+              <a:rPr lang="en-US" sz="1400" dirty="0">
+                <a:latin typeface="Consolas" panose="020B0609020204030204" pitchFamily="49" charset="0"/>
+              </a:rPr>
+              <a:t>      name: </a:t>
+            </a:r>
+            <a:r>
+              <a:rPr lang="en-US" sz="1400" dirty="0" err="1">
+                <a:highlight>
+                  <a:srgbClr val="FFFF00"/>
+                </a:highlight>
+                <a:latin typeface="Consolas" panose="020B0609020204030204" pitchFamily="49" charset="0"/>
+              </a:rPr>
+              <a:t>cpu</a:t>
+            </a:r>
+            <a:endParaRPr lang="en-US" sz="1400" dirty="0">
+              <a:highlight>
+                <a:srgbClr val="FFFF00"/>
+              </a:highlight>
+              <a:latin typeface="Consolas" panose="020B0609020204030204" pitchFamily="49" charset="0"/>
+            </a:endParaRPr>
+          </a:p>
+          <a:p>
+            <a:r>
+              <a:rPr lang="en-US" sz="1400" dirty="0">
+                <a:latin typeface="Consolas" panose="020B0609020204030204" pitchFamily="49" charset="0"/>
+              </a:rPr>
+              <a:t>      target:</a:t>
+            </a:r>
+          </a:p>
+          <a:p>
+            <a:r>
+              <a:rPr lang="en-US" sz="1400" dirty="0">
+                <a:latin typeface="Consolas" panose="020B0609020204030204" pitchFamily="49" charset="0"/>
+              </a:rPr>
+              <a:t>        type: Utilization</a:t>
+            </a:r>
+          </a:p>
+          <a:p>
+            <a:r>
+              <a:rPr lang="en-US" sz="1400" dirty="0">
+                <a:latin typeface="Consolas" panose="020B0609020204030204" pitchFamily="49" charset="0"/>
+              </a:rPr>
+              <a:t>        </a:t>
+            </a:r>
+            <a:r>
+              <a:rPr lang="en-US" sz="1400" dirty="0" err="1">
+                <a:latin typeface="Consolas" panose="020B0609020204030204" pitchFamily="49" charset="0"/>
+              </a:rPr>
+              <a:t>averageUtilization</a:t>
+            </a:r>
+            <a:r>
+              <a:rPr lang="en-US" sz="1400" dirty="0">
+                <a:latin typeface="Consolas" panose="020B0609020204030204" pitchFamily="49" charset="0"/>
+              </a:rPr>
+              <a:t>: 50</a:t>
+            </a:r>
           </a:p>
         </p:txBody>
       </p:sp>
     </p:spTree>
     <p:extLst>
       <p:ext uri="{BB962C8B-B14F-4D97-AF65-F5344CB8AC3E}">
-        <p14:creationId xmlns:p14="http://schemas.microsoft.com/office/powerpoint/2010/main" val="1742032335"/>
+        <p14:creationId xmlns:p14="http://schemas.microsoft.com/office/powerpoint/2010/main" val="559805642"/>
       </p:ext>
     </p:extLst>
   </p:cSld>
@@ -40142,6 +42744,4816 @@
 </file>
 
 <file path=ppt/slides/slide40.xml><?xml version="1.0" encoding="utf-8"?>
+<p:sld xmlns:a="http://schemas.openxmlformats.org/drawingml/2006/main" xmlns:r="http://schemas.openxmlformats.org/officeDocument/2006/relationships" xmlns:p="http://schemas.openxmlformats.org/presentationml/2006/main">
+  <p:cSld>
+    <p:bg>
+      <p:bgPr>
+        <a:solidFill>
+          <a:schemeClr val="bg1"/>
+        </a:solidFill>
+        <a:effectLst/>
+      </p:bgPr>
+    </p:bg>
+    <p:spTree>
+      <p:nvGrpSpPr>
+        <p:cNvPr id="1" name="">
+          <a:extLst>
+            <a:ext uri="{FF2B5EF4-FFF2-40B4-BE49-F238E27FC236}">
+              <a16:creationId xmlns:a16="http://schemas.microsoft.com/office/drawing/2014/main" id="{7514E1C9-9FA1-DA88-8DFF-42F58FCF5651}"/>
+            </a:ext>
+          </a:extLst>
+        </p:cNvPr>
+        <p:cNvGrpSpPr/>
+        <p:nvPr/>
+      </p:nvGrpSpPr>
+      <p:grpSpPr>
+        <a:xfrm>
+          <a:off x="0" y="0"/>
+          <a:ext cx="0" cy="0"/>
+          <a:chOff x="0" y="0"/>
+          <a:chExt cx="0" cy="0"/>
+        </a:xfrm>
+      </p:grpSpPr>
+      <p:sp useBgFill="1">
+        <p:nvSpPr>
+          <p:cNvPr id="8" name="Rectangle 7">
+            <a:extLst>
+              <a:ext uri="{FF2B5EF4-FFF2-40B4-BE49-F238E27FC236}">
+                <a16:creationId xmlns:a16="http://schemas.microsoft.com/office/drawing/2014/main" id="{DF20F5C3-8541-279F-E378-5CB7DB61A5C9}"/>
+              </a:ext>
+              <a:ext uri="{C183D7F6-B498-43B3-948B-1728B52AA6E4}">
+                <adec:decorative xmlns:adec="http://schemas.microsoft.com/office/drawing/2017/decorative" val="1"/>
+              </a:ext>
+            </a:extLst>
+          </p:cNvPr>
+          <p:cNvSpPr>
+            <a:spLocks noGrp="1" noRot="1" noChangeAspect="1" noMove="1" noResize="1" noEditPoints="1" noAdjustHandles="1" noChangeArrowheads="1" noChangeShapeType="1" noTextEdit="1"/>
+          </p:cNvSpPr>
+          <p:nvPr>
+            <p:extLst>
+              <p:ext uri="{386F3935-93C4-4BCD-93E2-E3B085C9AB24}">
+                <p16:designElem xmlns:p16="http://schemas.microsoft.com/office/powerpoint/2015/main" val="1"/>
+              </p:ext>
+            </p:extLst>
+          </p:nvPr>
+        </p:nvSpPr>
+        <p:spPr>
+          <a:xfrm>
+            <a:off x="0" y="0"/>
+            <a:ext cx="12188952" cy="6858000"/>
+          </a:xfrm>
+          <a:prstGeom prst="rect">
+            <a:avLst/>
+          </a:prstGeom>
+          <a:ln>
+            <a:noFill/>
+          </a:ln>
+        </p:spPr>
+        <p:style>
+          <a:lnRef idx="2">
+            <a:schemeClr val="accent1">
+              <a:shade val="50000"/>
+            </a:schemeClr>
+          </a:lnRef>
+          <a:fillRef idx="1">
+            <a:schemeClr val="accent1"/>
+          </a:fillRef>
+          <a:effectRef idx="0">
+            <a:schemeClr val="accent1"/>
+          </a:effectRef>
+          <a:fontRef idx="minor">
+            <a:schemeClr val="lt1"/>
+          </a:fontRef>
+        </p:style>
+        <p:txBody>
+          <a:bodyPr rtlCol="0" anchor="ctr"/>
+          <a:lstStyle/>
+          <a:p>
+            <a:pPr algn="ctr"/>
+            <a:endParaRPr lang="en-US"/>
+          </a:p>
+        </p:txBody>
+      </p:sp>
+      <p:sp>
+        <p:nvSpPr>
+          <p:cNvPr id="2" name="Title 1">
+            <a:extLst>
+              <a:ext uri="{FF2B5EF4-FFF2-40B4-BE49-F238E27FC236}">
+                <a16:creationId xmlns:a16="http://schemas.microsoft.com/office/drawing/2014/main" id="{5EC03542-9DF2-DAC1-FE95-FEC9ACFC48F2}"/>
+              </a:ext>
+            </a:extLst>
+          </p:cNvPr>
+          <p:cNvSpPr>
+            <a:spLocks noGrp="1"/>
+          </p:cNvSpPr>
+          <p:nvPr>
+            <p:ph type="title"/>
+          </p:nvPr>
+        </p:nvSpPr>
+        <p:spPr>
+          <a:xfrm>
+            <a:off x="838200" y="365125"/>
+            <a:ext cx="10515600" cy="1325563"/>
+          </a:xfrm>
+        </p:spPr>
+        <p:txBody>
+          <a:bodyPr>
+            <a:normAutofit/>
+          </a:bodyPr>
+          <a:lstStyle/>
+          <a:p>
+            <a:pPr algn="ctr"/>
+            <a:r>
+              <a:rPr lang="en-US" sz="5400" dirty="0"/>
+              <a:t>Horizontal Pod Autoscaling (HPA)</a:t>
+            </a:r>
+          </a:p>
+        </p:txBody>
+      </p:sp>
+      <p:sp>
+        <p:nvSpPr>
+          <p:cNvPr id="10" name="sketch line">
+            <a:extLst>
+              <a:ext uri="{FF2B5EF4-FFF2-40B4-BE49-F238E27FC236}">
+                <a16:creationId xmlns:a16="http://schemas.microsoft.com/office/drawing/2014/main" id="{F72249AB-607B-8918-0192-AB26018418E4}"/>
+              </a:ext>
+              <a:ext uri="{C183D7F6-B498-43B3-948B-1728B52AA6E4}">
+                <adec:decorative xmlns:adec="http://schemas.microsoft.com/office/drawing/2017/decorative" val="1"/>
+              </a:ext>
+            </a:extLst>
+          </p:cNvPr>
+          <p:cNvSpPr>
+            <a:spLocks noGrp="1" noRot="1" noChangeAspect="1" noMove="1" noResize="1" noEditPoints="1" noAdjustHandles="1" noChangeArrowheads="1" noChangeShapeType="1" noTextEdit="1"/>
+          </p:cNvSpPr>
+          <p:nvPr>
+            <p:extLst>
+              <p:ext uri="{386F3935-93C4-4BCD-93E2-E3B085C9AB24}">
+                <p16:designElem xmlns:p16="http://schemas.microsoft.com/office/powerpoint/2015/main" val="1"/>
+              </p:ext>
+            </p:extLst>
+          </p:nvPr>
+        </p:nvSpPr>
+        <p:spPr>
+          <a:xfrm>
+            <a:off x="669036" y="1677373"/>
+            <a:ext cx="10853928" cy="18288"/>
+          </a:xfrm>
+          <a:custGeom>
+            <a:avLst/>
+            <a:gdLst>
+              <a:gd name="csX0" fmla="*/ 0 w 10853928"/>
+              <a:gd name="csY0" fmla="*/ 0 h 18288"/>
+              <a:gd name="csX1" fmla="*/ 461292 w 10853928"/>
+              <a:gd name="csY1" fmla="*/ 0 h 18288"/>
+              <a:gd name="csX2" fmla="*/ 1139662 w 10853928"/>
+              <a:gd name="csY2" fmla="*/ 0 h 18288"/>
+              <a:gd name="csX3" fmla="*/ 1926572 w 10853928"/>
+              <a:gd name="csY3" fmla="*/ 0 h 18288"/>
+              <a:gd name="csX4" fmla="*/ 2279325 w 10853928"/>
+              <a:gd name="csY4" fmla="*/ 0 h 18288"/>
+              <a:gd name="csX5" fmla="*/ 2632078 w 10853928"/>
+              <a:gd name="csY5" fmla="*/ 0 h 18288"/>
+              <a:gd name="csX6" fmla="*/ 3527527 w 10853928"/>
+              <a:gd name="csY6" fmla="*/ 0 h 18288"/>
+              <a:gd name="csX7" fmla="*/ 4205897 w 10853928"/>
+              <a:gd name="csY7" fmla="*/ 0 h 18288"/>
+              <a:gd name="csX8" fmla="*/ 4558650 w 10853928"/>
+              <a:gd name="csY8" fmla="*/ 0 h 18288"/>
+              <a:gd name="csX9" fmla="*/ 5237020 w 10853928"/>
+              <a:gd name="csY9" fmla="*/ 0 h 18288"/>
+              <a:gd name="csX10" fmla="*/ 6132469 w 10853928"/>
+              <a:gd name="csY10" fmla="*/ 0 h 18288"/>
+              <a:gd name="csX11" fmla="*/ 6702301 w 10853928"/>
+              <a:gd name="csY11" fmla="*/ 0 h 18288"/>
+              <a:gd name="csX12" fmla="*/ 7272132 w 10853928"/>
+              <a:gd name="csY12" fmla="*/ 0 h 18288"/>
+              <a:gd name="csX13" fmla="*/ 7950502 w 10853928"/>
+              <a:gd name="csY13" fmla="*/ 0 h 18288"/>
+              <a:gd name="csX14" fmla="*/ 8737412 w 10853928"/>
+              <a:gd name="csY14" fmla="*/ 0 h 18288"/>
+              <a:gd name="csX15" fmla="*/ 9524322 w 10853928"/>
+              <a:gd name="csY15" fmla="*/ 0 h 18288"/>
+              <a:gd name="csX16" fmla="*/ 10853928 w 10853928"/>
+              <a:gd name="csY16" fmla="*/ 0 h 18288"/>
+              <a:gd name="csX17" fmla="*/ 10853928 w 10853928"/>
+              <a:gd name="csY17" fmla="*/ 18288 h 18288"/>
+              <a:gd name="csX18" fmla="*/ 10392636 w 10853928"/>
+              <a:gd name="csY18" fmla="*/ 18288 h 18288"/>
+              <a:gd name="csX19" fmla="*/ 9497187 w 10853928"/>
+              <a:gd name="csY19" fmla="*/ 18288 h 18288"/>
+              <a:gd name="csX20" fmla="*/ 8818817 w 10853928"/>
+              <a:gd name="csY20" fmla="*/ 18288 h 18288"/>
+              <a:gd name="csX21" fmla="*/ 8466064 w 10853928"/>
+              <a:gd name="csY21" fmla="*/ 18288 h 18288"/>
+              <a:gd name="csX22" fmla="*/ 7787693 w 10853928"/>
+              <a:gd name="csY22" fmla="*/ 18288 h 18288"/>
+              <a:gd name="csX23" fmla="*/ 7217862 w 10853928"/>
+              <a:gd name="csY23" fmla="*/ 18288 h 18288"/>
+              <a:gd name="csX24" fmla="*/ 6648031 w 10853928"/>
+              <a:gd name="csY24" fmla="*/ 18288 h 18288"/>
+              <a:gd name="csX25" fmla="*/ 6078200 w 10853928"/>
+              <a:gd name="csY25" fmla="*/ 18288 h 18288"/>
+              <a:gd name="csX26" fmla="*/ 5508368 w 10853928"/>
+              <a:gd name="csY26" fmla="*/ 18288 h 18288"/>
+              <a:gd name="csX27" fmla="*/ 4721459 w 10853928"/>
+              <a:gd name="csY27" fmla="*/ 18288 h 18288"/>
+              <a:gd name="csX28" fmla="*/ 4043088 w 10853928"/>
+              <a:gd name="csY28" fmla="*/ 18288 h 18288"/>
+              <a:gd name="csX29" fmla="*/ 3690336 w 10853928"/>
+              <a:gd name="csY29" fmla="*/ 18288 h 18288"/>
+              <a:gd name="csX30" fmla="*/ 3120504 w 10853928"/>
+              <a:gd name="csY30" fmla="*/ 18288 h 18288"/>
+              <a:gd name="csX31" fmla="*/ 2333595 w 10853928"/>
+              <a:gd name="csY31" fmla="*/ 18288 h 18288"/>
+              <a:gd name="csX32" fmla="*/ 1872303 w 10853928"/>
+              <a:gd name="csY32" fmla="*/ 18288 h 18288"/>
+              <a:gd name="csX33" fmla="*/ 976854 w 10853928"/>
+              <a:gd name="csY33" fmla="*/ 18288 h 18288"/>
+              <a:gd name="csX34" fmla="*/ 0 w 10853928"/>
+              <a:gd name="csY34" fmla="*/ 18288 h 18288"/>
+              <a:gd name="csX35" fmla="*/ 0 w 10853928"/>
+              <a:gd name="csY35" fmla="*/ 0 h 18288"/>
+            </a:gdLst>
+            <a:ahLst/>
+            <a:cxnLst>
+              <a:cxn ang="0">
+                <a:pos x="csX0" y="csY0"/>
+              </a:cxn>
+              <a:cxn ang="0">
+                <a:pos x="csX1" y="csY1"/>
+              </a:cxn>
+              <a:cxn ang="0">
+                <a:pos x="csX2" y="csY2"/>
+              </a:cxn>
+              <a:cxn ang="0">
+                <a:pos x="csX3" y="csY3"/>
+              </a:cxn>
+              <a:cxn ang="0">
+                <a:pos x="csX4" y="csY4"/>
+              </a:cxn>
+              <a:cxn ang="0">
+                <a:pos x="csX5" y="csY5"/>
+              </a:cxn>
+              <a:cxn ang="0">
+                <a:pos x="csX6" y="csY6"/>
+              </a:cxn>
+              <a:cxn ang="0">
+                <a:pos x="csX7" y="csY7"/>
+              </a:cxn>
+              <a:cxn ang="0">
+                <a:pos x="csX8" y="csY8"/>
+              </a:cxn>
+              <a:cxn ang="0">
+                <a:pos x="csX9" y="csY9"/>
+              </a:cxn>
+              <a:cxn ang="0">
+                <a:pos x="csX10" y="csY10"/>
+              </a:cxn>
+              <a:cxn ang="0">
+                <a:pos x="csX11" y="csY11"/>
+              </a:cxn>
+              <a:cxn ang="0">
+                <a:pos x="csX12" y="csY12"/>
+              </a:cxn>
+              <a:cxn ang="0">
+                <a:pos x="csX13" y="csY13"/>
+              </a:cxn>
+              <a:cxn ang="0">
+                <a:pos x="csX14" y="csY14"/>
+              </a:cxn>
+              <a:cxn ang="0">
+                <a:pos x="csX15" y="csY15"/>
+              </a:cxn>
+              <a:cxn ang="0">
+                <a:pos x="csX16" y="csY16"/>
+              </a:cxn>
+              <a:cxn ang="0">
+                <a:pos x="csX17" y="csY17"/>
+              </a:cxn>
+              <a:cxn ang="0">
+                <a:pos x="csX18" y="csY18"/>
+              </a:cxn>
+              <a:cxn ang="0">
+                <a:pos x="csX19" y="csY19"/>
+              </a:cxn>
+              <a:cxn ang="0">
+                <a:pos x="csX20" y="csY20"/>
+              </a:cxn>
+              <a:cxn ang="0">
+                <a:pos x="csX21" y="csY21"/>
+              </a:cxn>
+              <a:cxn ang="0">
+                <a:pos x="csX22" y="csY22"/>
+              </a:cxn>
+              <a:cxn ang="0">
+                <a:pos x="csX23" y="csY23"/>
+              </a:cxn>
+              <a:cxn ang="0">
+                <a:pos x="csX24" y="csY24"/>
+              </a:cxn>
+              <a:cxn ang="0">
+                <a:pos x="csX25" y="csY25"/>
+              </a:cxn>
+              <a:cxn ang="0">
+                <a:pos x="csX26" y="csY26"/>
+              </a:cxn>
+              <a:cxn ang="0">
+                <a:pos x="csX27" y="csY27"/>
+              </a:cxn>
+              <a:cxn ang="0">
+                <a:pos x="csX28" y="csY28"/>
+              </a:cxn>
+              <a:cxn ang="0">
+                <a:pos x="csX29" y="csY29"/>
+              </a:cxn>
+              <a:cxn ang="0">
+                <a:pos x="csX30" y="csY30"/>
+              </a:cxn>
+              <a:cxn ang="0">
+                <a:pos x="csX31" y="csY31"/>
+              </a:cxn>
+              <a:cxn ang="0">
+                <a:pos x="csX32" y="csY32"/>
+              </a:cxn>
+              <a:cxn ang="0">
+                <a:pos x="csX33" y="csY33"/>
+              </a:cxn>
+              <a:cxn ang="0">
+                <a:pos x="csX34" y="csY34"/>
+              </a:cxn>
+              <a:cxn ang="0">
+                <a:pos x="csX35" y="csY35"/>
+              </a:cxn>
+            </a:cxnLst>
+            <a:rect l="l" t="t" r="r" b="b"/>
+            <a:pathLst>
+              <a:path w="10853928" h="18288" fill="none" extrusionOk="0">
+                <a:moveTo>
+                  <a:pt x="0" y="0"/>
+                </a:moveTo>
+                <a:cubicBezTo>
+                  <a:pt x="146993" y="-19076"/>
+                  <a:pt x="347684" y="-4790"/>
+                  <a:pt x="461292" y="0"/>
+                </a:cubicBezTo>
+                <a:cubicBezTo>
+                  <a:pt x="574900" y="4790"/>
+                  <a:pt x="808367" y="19821"/>
+                  <a:pt x="1139662" y="0"/>
+                </a:cubicBezTo>
+                <a:cubicBezTo>
+                  <a:pt x="1470957" y="-19821"/>
+                  <a:pt x="1627405" y="5721"/>
+                  <a:pt x="1926572" y="0"/>
+                </a:cubicBezTo>
+                <a:cubicBezTo>
+                  <a:pt x="2225739" y="-5721"/>
+                  <a:pt x="2137730" y="-3235"/>
+                  <a:pt x="2279325" y="0"/>
+                </a:cubicBezTo>
+                <a:cubicBezTo>
+                  <a:pt x="2420920" y="3235"/>
+                  <a:pt x="2456518" y="9685"/>
+                  <a:pt x="2632078" y="0"/>
+                </a:cubicBezTo>
+                <a:cubicBezTo>
+                  <a:pt x="2807638" y="-9685"/>
+                  <a:pt x="3211516" y="-43007"/>
+                  <a:pt x="3527527" y="0"/>
+                </a:cubicBezTo>
+                <a:cubicBezTo>
+                  <a:pt x="3843538" y="43007"/>
+                  <a:pt x="4058833" y="22042"/>
+                  <a:pt x="4205897" y="0"/>
+                </a:cubicBezTo>
+                <a:cubicBezTo>
+                  <a:pt x="4352961" y="-22042"/>
+                  <a:pt x="4474805" y="-11846"/>
+                  <a:pt x="4558650" y="0"/>
+                </a:cubicBezTo>
+                <a:cubicBezTo>
+                  <a:pt x="4642495" y="11846"/>
+                  <a:pt x="5041928" y="-6069"/>
+                  <a:pt x="5237020" y="0"/>
+                </a:cubicBezTo>
+                <a:cubicBezTo>
+                  <a:pt x="5432112" y="6069"/>
+                  <a:pt x="5943266" y="-17479"/>
+                  <a:pt x="6132469" y="0"/>
+                </a:cubicBezTo>
+                <a:cubicBezTo>
+                  <a:pt x="6321672" y="17479"/>
+                  <a:pt x="6483872" y="26234"/>
+                  <a:pt x="6702301" y="0"/>
+                </a:cubicBezTo>
+                <a:cubicBezTo>
+                  <a:pt x="6920730" y="-26234"/>
+                  <a:pt x="6991194" y="-15156"/>
+                  <a:pt x="7272132" y="0"/>
+                </a:cubicBezTo>
+                <a:cubicBezTo>
+                  <a:pt x="7553070" y="15156"/>
+                  <a:pt x="7684444" y="-32961"/>
+                  <a:pt x="7950502" y="0"/>
+                </a:cubicBezTo>
+                <a:cubicBezTo>
+                  <a:pt x="8216560" y="32961"/>
+                  <a:pt x="8493290" y="-10491"/>
+                  <a:pt x="8737412" y="0"/>
+                </a:cubicBezTo>
+                <a:cubicBezTo>
+                  <a:pt x="8981534" y="10491"/>
+                  <a:pt x="9191586" y="-13899"/>
+                  <a:pt x="9524322" y="0"/>
+                </a:cubicBezTo>
+                <a:cubicBezTo>
+                  <a:pt x="9857058" y="13899"/>
+                  <a:pt x="10297509" y="7485"/>
+                  <a:pt x="10853928" y="0"/>
+                </a:cubicBezTo>
+                <a:cubicBezTo>
+                  <a:pt x="10854574" y="4451"/>
+                  <a:pt x="10854418" y="9226"/>
+                  <a:pt x="10853928" y="18288"/>
+                </a:cubicBezTo>
+                <a:cubicBezTo>
+                  <a:pt x="10691638" y="28522"/>
+                  <a:pt x="10574319" y="29578"/>
+                  <a:pt x="10392636" y="18288"/>
+                </a:cubicBezTo>
+                <a:cubicBezTo>
+                  <a:pt x="10210953" y="6998"/>
+                  <a:pt x="9836277" y="-16742"/>
+                  <a:pt x="9497187" y="18288"/>
+                </a:cubicBezTo>
+                <a:cubicBezTo>
+                  <a:pt x="9158097" y="53318"/>
+                  <a:pt x="9119479" y="30714"/>
+                  <a:pt x="8818817" y="18288"/>
+                </a:cubicBezTo>
+                <a:cubicBezTo>
+                  <a:pt x="8518155" y="5863"/>
+                  <a:pt x="8640037" y="6483"/>
+                  <a:pt x="8466064" y="18288"/>
+                </a:cubicBezTo>
+                <a:cubicBezTo>
+                  <a:pt x="8292091" y="30093"/>
+                  <a:pt x="7997656" y="18914"/>
+                  <a:pt x="7787693" y="18288"/>
+                </a:cubicBezTo>
+                <a:cubicBezTo>
+                  <a:pt x="7577730" y="17662"/>
+                  <a:pt x="7412468" y="21416"/>
+                  <a:pt x="7217862" y="18288"/>
+                </a:cubicBezTo>
+                <a:cubicBezTo>
+                  <a:pt x="7023256" y="15160"/>
+                  <a:pt x="6898018" y="14824"/>
+                  <a:pt x="6648031" y="18288"/>
+                </a:cubicBezTo>
+                <a:cubicBezTo>
+                  <a:pt x="6398044" y="21752"/>
+                  <a:pt x="6254402" y="38625"/>
+                  <a:pt x="6078200" y="18288"/>
+                </a:cubicBezTo>
+                <a:cubicBezTo>
+                  <a:pt x="5901998" y="-2049"/>
+                  <a:pt x="5622886" y="3213"/>
+                  <a:pt x="5508368" y="18288"/>
+                </a:cubicBezTo>
+                <a:cubicBezTo>
+                  <a:pt x="5393850" y="33363"/>
+                  <a:pt x="5036260" y="26830"/>
+                  <a:pt x="4721459" y="18288"/>
+                </a:cubicBezTo>
+                <a:cubicBezTo>
+                  <a:pt x="4406658" y="9746"/>
+                  <a:pt x="4239221" y="41551"/>
+                  <a:pt x="4043088" y="18288"/>
+                </a:cubicBezTo>
+                <a:cubicBezTo>
+                  <a:pt x="3846955" y="-4975"/>
+                  <a:pt x="3818802" y="34658"/>
+                  <a:pt x="3690336" y="18288"/>
+                </a:cubicBezTo>
+                <a:cubicBezTo>
+                  <a:pt x="3561870" y="1918"/>
+                  <a:pt x="3265491" y="42194"/>
+                  <a:pt x="3120504" y="18288"/>
+                </a:cubicBezTo>
+                <a:cubicBezTo>
+                  <a:pt x="2975517" y="-5618"/>
+                  <a:pt x="2720254" y="36673"/>
+                  <a:pt x="2333595" y="18288"/>
+                </a:cubicBezTo>
+                <a:cubicBezTo>
+                  <a:pt x="1946936" y="-97"/>
+                  <a:pt x="2097241" y="5776"/>
+                  <a:pt x="1872303" y="18288"/>
+                </a:cubicBezTo>
+                <a:cubicBezTo>
+                  <a:pt x="1647365" y="30800"/>
+                  <a:pt x="1282708" y="45380"/>
+                  <a:pt x="976854" y="18288"/>
+                </a:cubicBezTo>
+                <a:cubicBezTo>
+                  <a:pt x="671000" y="-8804"/>
+                  <a:pt x="408401" y="-12775"/>
+                  <a:pt x="0" y="18288"/>
+                </a:cubicBezTo>
+                <a:cubicBezTo>
+                  <a:pt x="-213" y="9468"/>
+                  <a:pt x="187" y="4459"/>
+                  <a:pt x="0" y="0"/>
+                </a:cubicBezTo>
+                <a:close/>
+              </a:path>
+              <a:path w="10853928" h="18288" stroke="0" extrusionOk="0">
+                <a:moveTo>
+                  <a:pt x="0" y="0"/>
+                </a:moveTo>
+                <a:cubicBezTo>
+                  <a:pt x="267322" y="15284"/>
+                  <a:pt x="415388" y="-21048"/>
+                  <a:pt x="569831" y="0"/>
+                </a:cubicBezTo>
+                <a:cubicBezTo>
+                  <a:pt x="724274" y="21048"/>
+                  <a:pt x="769333" y="-2353"/>
+                  <a:pt x="922584" y="0"/>
+                </a:cubicBezTo>
+                <a:cubicBezTo>
+                  <a:pt x="1075835" y="2353"/>
+                  <a:pt x="1399490" y="-145"/>
+                  <a:pt x="1818033" y="0"/>
+                </a:cubicBezTo>
+                <a:cubicBezTo>
+                  <a:pt x="2236576" y="145"/>
+                  <a:pt x="2145330" y="5482"/>
+                  <a:pt x="2387864" y="0"/>
+                </a:cubicBezTo>
+                <a:cubicBezTo>
+                  <a:pt x="2630398" y="-5482"/>
+                  <a:pt x="2793207" y="18487"/>
+                  <a:pt x="2957695" y="0"/>
+                </a:cubicBezTo>
+                <a:cubicBezTo>
+                  <a:pt x="3122183" y="-18487"/>
+                  <a:pt x="3579141" y="19003"/>
+                  <a:pt x="3853144" y="0"/>
+                </a:cubicBezTo>
+                <a:cubicBezTo>
+                  <a:pt x="4127147" y="-19003"/>
+                  <a:pt x="4209857" y="12211"/>
+                  <a:pt x="4314436" y="0"/>
+                </a:cubicBezTo>
+                <a:cubicBezTo>
+                  <a:pt x="4419015" y="-12211"/>
+                  <a:pt x="4762459" y="-17220"/>
+                  <a:pt x="5209885" y="0"/>
+                </a:cubicBezTo>
+                <a:cubicBezTo>
+                  <a:pt x="5657311" y="17220"/>
+                  <a:pt x="5692663" y="-3290"/>
+                  <a:pt x="6105335" y="0"/>
+                </a:cubicBezTo>
+                <a:cubicBezTo>
+                  <a:pt x="6518007" y="3290"/>
+                  <a:pt x="6455516" y="-5124"/>
+                  <a:pt x="6783705" y="0"/>
+                </a:cubicBezTo>
+                <a:cubicBezTo>
+                  <a:pt x="7111894" y="5124"/>
+                  <a:pt x="7441941" y="-17829"/>
+                  <a:pt x="7679154" y="0"/>
+                </a:cubicBezTo>
+                <a:cubicBezTo>
+                  <a:pt x="7916367" y="17829"/>
+                  <a:pt x="8102967" y="-24363"/>
+                  <a:pt x="8248985" y="0"/>
+                </a:cubicBezTo>
+                <a:cubicBezTo>
+                  <a:pt x="8395003" y="24363"/>
+                  <a:pt x="8552393" y="25505"/>
+                  <a:pt x="8818817" y="0"/>
+                </a:cubicBezTo>
+                <a:cubicBezTo>
+                  <a:pt x="9085241" y="-25505"/>
+                  <a:pt x="9411308" y="38000"/>
+                  <a:pt x="9605726" y="0"/>
+                </a:cubicBezTo>
+                <a:cubicBezTo>
+                  <a:pt x="9800144" y="-38000"/>
+                  <a:pt x="10006468" y="-25741"/>
+                  <a:pt x="10175558" y="0"/>
+                </a:cubicBezTo>
+                <a:cubicBezTo>
+                  <a:pt x="10344648" y="25741"/>
+                  <a:pt x="10696282" y="695"/>
+                  <a:pt x="10853928" y="0"/>
+                </a:cubicBezTo>
+                <a:cubicBezTo>
+                  <a:pt x="10853521" y="8690"/>
+                  <a:pt x="10853774" y="14141"/>
+                  <a:pt x="10853928" y="18288"/>
+                </a:cubicBezTo>
+                <a:cubicBezTo>
+                  <a:pt x="10608124" y="24255"/>
+                  <a:pt x="10343415" y="22307"/>
+                  <a:pt x="10067018" y="18288"/>
+                </a:cubicBezTo>
+                <a:cubicBezTo>
+                  <a:pt x="9790621" y="14270"/>
+                  <a:pt x="9843266" y="3564"/>
+                  <a:pt x="9714266" y="18288"/>
+                </a:cubicBezTo>
+                <a:cubicBezTo>
+                  <a:pt x="9585266" y="33012"/>
+                  <a:pt x="9379484" y="1875"/>
+                  <a:pt x="9252974" y="18288"/>
+                </a:cubicBezTo>
+                <a:cubicBezTo>
+                  <a:pt x="9126464" y="34701"/>
+                  <a:pt x="8580678" y="-4904"/>
+                  <a:pt x="8357525" y="18288"/>
+                </a:cubicBezTo>
+                <a:cubicBezTo>
+                  <a:pt x="8134372" y="41480"/>
+                  <a:pt x="7903199" y="26458"/>
+                  <a:pt x="7679154" y="18288"/>
+                </a:cubicBezTo>
+                <a:cubicBezTo>
+                  <a:pt x="7455109" y="10118"/>
+                  <a:pt x="7435944" y="27109"/>
+                  <a:pt x="7217862" y="18288"/>
+                </a:cubicBezTo>
+                <a:cubicBezTo>
+                  <a:pt x="6999780" y="9467"/>
+                  <a:pt x="6680409" y="18985"/>
+                  <a:pt x="6539492" y="18288"/>
+                </a:cubicBezTo>
+                <a:cubicBezTo>
+                  <a:pt x="6398575" y="17592"/>
+                  <a:pt x="6312077" y="33018"/>
+                  <a:pt x="6186739" y="18288"/>
+                </a:cubicBezTo>
+                <a:cubicBezTo>
+                  <a:pt x="6061401" y="3558"/>
+                  <a:pt x="5947033" y="12075"/>
+                  <a:pt x="5833986" y="18288"/>
+                </a:cubicBezTo>
+                <a:cubicBezTo>
+                  <a:pt x="5720939" y="24501"/>
+                  <a:pt x="5482226" y="8586"/>
+                  <a:pt x="5155616" y="18288"/>
+                </a:cubicBezTo>
+                <a:cubicBezTo>
+                  <a:pt x="4829006" y="27991"/>
+                  <a:pt x="4841274" y="29316"/>
+                  <a:pt x="4694324" y="18288"/>
+                </a:cubicBezTo>
+                <a:cubicBezTo>
+                  <a:pt x="4547374" y="7260"/>
+                  <a:pt x="4077675" y="7013"/>
+                  <a:pt x="3907414" y="18288"/>
+                </a:cubicBezTo>
+                <a:cubicBezTo>
+                  <a:pt x="3737153" y="29564"/>
+                  <a:pt x="3538393" y="21630"/>
+                  <a:pt x="3446122" y="18288"/>
+                </a:cubicBezTo>
+                <a:cubicBezTo>
+                  <a:pt x="3353851" y="14946"/>
+                  <a:pt x="2990320" y="-8091"/>
+                  <a:pt x="2659212" y="18288"/>
+                </a:cubicBezTo>
+                <a:cubicBezTo>
+                  <a:pt x="2328104" y="44667"/>
+                  <a:pt x="2427653" y="9607"/>
+                  <a:pt x="2306460" y="18288"/>
+                </a:cubicBezTo>
+                <a:cubicBezTo>
+                  <a:pt x="2185267" y="26969"/>
+                  <a:pt x="1719763" y="3717"/>
+                  <a:pt x="1519550" y="18288"/>
+                </a:cubicBezTo>
+                <a:cubicBezTo>
+                  <a:pt x="1319337" y="32860"/>
+                  <a:pt x="1167371" y="17040"/>
+                  <a:pt x="1058258" y="18288"/>
+                </a:cubicBezTo>
+                <a:cubicBezTo>
+                  <a:pt x="949145" y="19536"/>
+                  <a:pt x="780234" y="31447"/>
+                  <a:pt x="705505" y="18288"/>
+                </a:cubicBezTo>
+                <a:cubicBezTo>
+                  <a:pt x="630776" y="5129"/>
+                  <a:pt x="215796" y="30056"/>
+                  <a:pt x="0" y="18288"/>
+                </a:cubicBezTo>
+                <a:cubicBezTo>
+                  <a:pt x="-53" y="11301"/>
+                  <a:pt x="-649" y="7756"/>
+                  <a:pt x="0" y="0"/>
+                </a:cubicBezTo>
+                <a:close/>
+              </a:path>
+            </a:pathLst>
+          </a:custGeom>
+          <a:solidFill>
+            <a:schemeClr val="accent2"/>
+          </a:solidFill>
+          <a:ln w="41275" cap="rnd">
+            <a:solidFill>
+              <a:schemeClr val="accent2"/>
+            </a:solidFill>
+            <a:round/>
+            <a:extLst>
+              <a:ext uri="{C807C97D-BFC1-408E-A445-0C87EB9F89A2}">
+                <ask:lineSketchStyleProps xmlns:ask="http://schemas.microsoft.com/office/drawing/2018/sketchyshapes" sd="1219033472">
+                  <a:prstGeom prst="rect">
+                    <a:avLst/>
+                  </a:prstGeom>
+                  <ask:type>
+                    <ask:lineSketchFreehand/>
+                  </ask:type>
+                </ask:lineSketchStyleProps>
+              </a:ext>
+            </a:extLst>
+          </a:ln>
+        </p:spPr>
+        <p:style>
+          <a:lnRef idx="2">
+            <a:schemeClr val="accent1">
+              <a:shade val="50000"/>
+            </a:schemeClr>
+          </a:lnRef>
+          <a:fillRef idx="1">
+            <a:schemeClr val="accent1"/>
+          </a:fillRef>
+          <a:effectRef idx="0">
+            <a:schemeClr val="accent1"/>
+          </a:effectRef>
+          <a:fontRef idx="minor">
+            <a:schemeClr val="lt1"/>
+          </a:fontRef>
+        </p:style>
+        <p:txBody>
+          <a:bodyPr rtlCol="0" anchor="ctr"/>
+          <a:lstStyle/>
+          <a:p>
+            <a:pPr algn="ctr"/>
+            <a:endParaRPr lang="en-US"/>
+          </a:p>
+        </p:txBody>
+      </p:sp>
+      <p:pic>
+        <p:nvPicPr>
+          <p:cNvPr id="4" name="Picture 3">
+            <a:extLst>
+              <a:ext uri="{FF2B5EF4-FFF2-40B4-BE49-F238E27FC236}">
+                <a16:creationId xmlns:a16="http://schemas.microsoft.com/office/drawing/2014/main" id="{812861F1-2AE6-B890-49DA-B942F5F90C9D}"/>
+              </a:ext>
+            </a:extLst>
+          </p:cNvPr>
+          <p:cNvPicPr>
+            <a:picLocks noChangeAspect="1"/>
+          </p:cNvPicPr>
+          <p:nvPr/>
+        </p:nvPicPr>
+        <p:blipFill>
+          <a:blip r:embed="rId2"/>
+          <a:stretch>
+            <a:fillRect/>
+          </a:stretch>
+        </p:blipFill>
+        <p:spPr>
+          <a:xfrm>
+            <a:off x="2734448" y="2015706"/>
+            <a:ext cx="6720055" cy="2266476"/>
+          </a:xfrm>
+          <a:prstGeom prst="rect">
+            <a:avLst/>
+          </a:prstGeom>
+          <a:ln w="3175">
+            <a:solidFill>
+              <a:schemeClr val="tx1"/>
+            </a:solidFill>
+          </a:ln>
+        </p:spPr>
+      </p:pic>
+      <p:sp>
+        <p:nvSpPr>
+          <p:cNvPr id="5" name="TextBox 4">
+            <a:extLst>
+              <a:ext uri="{FF2B5EF4-FFF2-40B4-BE49-F238E27FC236}">
+                <a16:creationId xmlns:a16="http://schemas.microsoft.com/office/drawing/2014/main" id="{23DE304A-03B0-1FFC-4A73-9EFD2714D02D}"/>
+              </a:ext>
+            </a:extLst>
+          </p:cNvPr>
+          <p:cNvSpPr txBox="1"/>
+          <p:nvPr/>
+        </p:nvSpPr>
+        <p:spPr>
+          <a:xfrm>
+            <a:off x="5272763" y="5463386"/>
+            <a:ext cx="6720054" cy="369332"/>
+          </a:xfrm>
+          <a:prstGeom prst="rect">
+            <a:avLst/>
+          </a:prstGeom>
+          <a:noFill/>
+          <a:ln w="3175">
+            <a:solidFill>
+              <a:schemeClr val="tx1"/>
+            </a:solidFill>
+          </a:ln>
+        </p:spPr>
+        <p:txBody>
+          <a:bodyPr wrap="square">
+            <a:spAutoFit/>
+          </a:bodyPr>
+          <a:lstStyle/>
+          <a:p>
+            <a:r>
+              <a:rPr lang="en-US" dirty="0"/>
+              <a:t>HPA calculates utilization as a percentage of the requested value</a:t>
+            </a:r>
+          </a:p>
+        </p:txBody>
+      </p:sp>
+      <p:sp>
+        <p:nvSpPr>
+          <p:cNvPr id="7" name="TextBox 6">
+            <a:extLst>
+              <a:ext uri="{FF2B5EF4-FFF2-40B4-BE49-F238E27FC236}">
+                <a16:creationId xmlns:a16="http://schemas.microsoft.com/office/drawing/2014/main" id="{352003AA-6101-F8B8-4C0C-8F7DE0F26E41}"/>
+              </a:ext>
+            </a:extLst>
+          </p:cNvPr>
+          <p:cNvSpPr txBox="1"/>
+          <p:nvPr/>
+        </p:nvSpPr>
+        <p:spPr>
+          <a:xfrm>
+            <a:off x="669036" y="4548777"/>
+            <a:ext cx="3265655" cy="2027222"/>
+          </a:xfrm>
+          <a:prstGeom prst="rect">
+            <a:avLst/>
+          </a:prstGeom>
+          <a:noFill/>
+          <a:ln w="3175">
+            <a:solidFill>
+              <a:schemeClr val="tx1"/>
+            </a:solidFill>
+          </a:ln>
+        </p:spPr>
+        <p:txBody>
+          <a:bodyPr wrap="square">
+            <a:spAutoFit/>
+          </a:bodyPr>
+          <a:lstStyle/>
+          <a:p>
+            <a:pPr>
+              <a:lnSpc>
+                <a:spcPts val="1500"/>
+              </a:lnSpc>
+              <a:buNone/>
+            </a:pPr>
+            <a:r>
+              <a:rPr lang="en-US" sz="1600" b="0" dirty="0">
+                <a:solidFill>
+                  <a:srgbClr val="D4D4D4"/>
+                </a:solidFill>
+                <a:effectLst/>
+                <a:latin typeface="Consolas" panose="020B0609020204030204" pitchFamily="49" charset="0"/>
+              </a:rPr>
+              <a:t>  </a:t>
+            </a:r>
+            <a:r>
+              <a:rPr lang="en-US" sz="1600" b="0" dirty="0">
+                <a:solidFill>
+                  <a:srgbClr val="569CD6"/>
+                </a:solidFill>
+                <a:effectLst/>
+                <a:latin typeface="Consolas" panose="020B0609020204030204" pitchFamily="49" charset="0"/>
+              </a:rPr>
+              <a:t>containers</a:t>
+            </a:r>
+            <a:r>
+              <a:rPr lang="en-US" sz="1600" b="0" dirty="0">
+                <a:solidFill>
+                  <a:srgbClr val="D4D4D4"/>
+                </a:solidFill>
+                <a:effectLst/>
+                <a:latin typeface="Consolas" panose="020B0609020204030204" pitchFamily="49" charset="0"/>
+              </a:rPr>
+              <a:t>:</a:t>
+            </a:r>
+          </a:p>
+          <a:p>
+            <a:pPr>
+              <a:lnSpc>
+                <a:spcPts val="1500"/>
+              </a:lnSpc>
+              <a:buNone/>
+            </a:pPr>
+            <a:r>
+              <a:rPr lang="en-US" sz="1600" b="0" dirty="0">
+                <a:solidFill>
+                  <a:srgbClr val="D4D4D4"/>
+                </a:solidFill>
+                <a:effectLst/>
+                <a:latin typeface="Consolas" panose="020B0609020204030204" pitchFamily="49" charset="0"/>
+              </a:rPr>
+              <a:t>  - </a:t>
+            </a:r>
+            <a:r>
+              <a:rPr lang="en-US" sz="1600" b="0" dirty="0">
+                <a:solidFill>
+                  <a:srgbClr val="569CD6"/>
+                </a:solidFill>
+                <a:effectLst/>
+                <a:latin typeface="Consolas" panose="020B0609020204030204" pitchFamily="49" charset="0"/>
+              </a:rPr>
+              <a:t>name</a:t>
+            </a:r>
+            <a:r>
+              <a:rPr lang="en-US" sz="1600" b="0" dirty="0">
+                <a:solidFill>
+                  <a:srgbClr val="D4D4D4"/>
+                </a:solidFill>
+                <a:effectLst/>
+                <a:latin typeface="Consolas" panose="020B0609020204030204" pitchFamily="49" charset="0"/>
+              </a:rPr>
+              <a:t>: </a:t>
+            </a:r>
+            <a:r>
+              <a:rPr lang="en-US" sz="1600" b="0" dirty="0">
+                <a:solidFill>
+                  <a:srgbClr val="CE9178"/>
+                </a:solidFill>
+                <a:effectLst/>
+                <a:latin typeface="Consolas" panose="020B0609020204030204" pitchFamily="49" charset="0"/>
+              </a:rPr>
+              <a:t>store-front</a:t>
+            </a:r>
+            <a:endParaRPr lang="en-US" sz="1600" b="0" dirty="0">
+              <a:solidFill>
+                <a:srgbClr val="D4D4D4"/>
+              </a:solidFill>
+              <a:effectLst/>
+              <a:latin typeface="Consolas" panose="020B0609020204030204" pitchFamily="49" charset="0"/>
+            </a:endParaRPr>
+          </a:p>
+          <a:p>
+            <a:pPr>
+              <a:lnSpc>
+                <a:spcPts val="1500"/>
+              </a:lnSpc>
+              <a:buNone/>
+            </a:pPr>
+            <a:r>
+              <a:rPr lang="en-US" sz="1600" b="0" dirty="0">
+                <a:solidFill>
+                  <a:srgbClr val="D4D4D4"/>
+                </a:solidFill>
+                <a:effectLst/>
+                <a:latin typeface="Consolas" panose="020B0609020204030204" pitchFamily="49" charset="0"/>
+              </a:rPr>
+              <a:t>    </a:t>
+            </a:r>
+            <a:r>
+              <a:rPr lang="en-US" sz="1600" b="0" dirty="0">
+                <a:solidFill>
+                  <a:srgbClr val="569CD6"/>
+                </a:solidFill>
+                <a:effectLst/>
+                <a:latin typeface="Consolas" panose="020B0609020204030204" pitchFamily="49" charset="0"/>
+              </a:rPr>
+              <a:t>resources</a:t>
+            </a:r>
+            <a:r>
+              <a:rPr lang="en-US" sz="1600" b="0" dirty="0">
+                <a:solidFill>
+                  <a:srgbClr val="D4D4D4"/>
+                </a:solidFill>
+                <a:effectLst/>
+                <a:latin typeface="Consolas" panose="020B0609020204030204" pitchFamily="49" charset="0"/>
+              </a:rPr>
+              <a:t>:</a:t>
+            </a:r>
+          </a:p>
+          <a:p>
+            <a:pPr>
+              <a:lnSpc>
+                <a:spcPts val="1500"/>
+              </a:lnSpc>
+              <a:buNone/>
+            </a:pPr>
+            <a:r>
+              <a:rPr lang="en-US" sz="1600" dirty="0">
+                <a:solidFill>
+                  <a:srgbClr val="D4D4D4"/>
+                </a:solidFill>
+                <a:latin typeface="Consolas" panose="020B0609020204030204" pitchFamily="49" charset="0"/>
+              </a:rPr>
+              <a:t>    </a:t>
+            </a:r>
+            <a:r>
+              <a:rPr lang="en-US" sz="1600" dirty="0">
+                <a:solidFill>
+                  <a:srgbClr val="6A9955"/>
+                </a:solidFill>
+                <a:latin typeface="Consolas" panose="020B0609020204030204" pitchFamily="49" charset="0"/>
+              </a:rPr>
+              <a:t># Required for HPA</a:t>
+            </a:r>
+            <a:endParaRPr lang="en-US" sz="1600" b="0" dirty="0">
+              <a:solidFill>
+                <a:srgbClr val="D4D4D4"/>
+              </a:solidFill>
+              <a:effectLst/>
+              <a:latin typeface="Consolas" panose="020B0609020204030204" pitchFamily="49" charset="0"/>
+            </a:endParaRPr>
+          </a:p>
+          <a:p>
+            <a:pPr>
+              <a:lnSpc>
+                <a:spcPts val="1500"/>
+              </a:lnSpc>
+              <a:buNone/>
+            </a:pPr>
+            <a:r>
+              <a:rPr lang="en-US" sz="1600" b="0" dirty="0">
+                <a:solidFill>
+                  <a:srgbClr val="D4D4D4"/>
+                </a:solidFill>
+                <a:effectLst/>
+                <a:latin typeface="Consolas" panose="020B0609020204030204" pitchFamily="49" charset="0"/>
+              </a:rPr>
+              <a:t>      </a:t>
+            </a:r>
+            <a:r>
+              <a:rPr lang="en-US" sz="1600" b="0" dirty="0">
+                <a:solidFill>
+                  <a:srgbClr val="569CD6"/>
+                </a:solidFill>
+                <a:effectLst/>
+                <a:latin typeface="Consolas" panose="020B0609020204030204" pitchFamily="49" charset="0"/>
+              </a:rPr>
+              <a:t>requests</a:t>
+            </a:r>
+            <a:r>
+              <a:rPr lang="en-US" sz="1600" b="0" dirty="0">
+                <a:solidFill>
+                  <a:srgbClr val="D4D4D4"/>
+                </a:solidFill>
+                <a:effectLst/>
+                <a:latin typeface="Consolas" panose="020B0609020204030204" pitchFamily="49" charset="0"/>
+              </a:rPr>
+              <a:t>:</a:t>
+            </a:r>
+          </a:p>
+          <a:p>
+            <a:pPr>
+              <a:lnSpc>
+                <a:spcPts val="1500"/>
+              </a:lnSpc>
+              <a:buNone/>
+            </a:pPr>
+            <a:r>
+              <a:rPr lang="en-US" sz="1600" b="0" dirty="0">
+                <a:solidFill>
+                  <a:srgbClr val="D4D4D4"/>
+                </a:solidFill>
+                <a:effectLst/>
+                <a:latin typeface="Consolas" panose="020B0609020204030204" pitchFamily="49" charset="0"/>
+              </a:rPr>
+              <a:t>        </a:t>
+            </a:r>
+            <a:r>
+              <a:rPr lang="en-US" sz="1600" b="0" dirty="0" err="1">
+                <a:solidFill>
+                  <a:srgbClr val="569CD6"/>
+                </a:solidFill>
+                <a:effectLst/>
+                <a:latin typeface="Consolas" panose="020B0609020204030204" pitchFamily="49" charset="0"/>
+              </a:rPr>
+              <a:t>cpu</a:t>
+            </a:r>
+            <a:r>
+              <a:rPr lang="en-US" sz="1600" b="0" dirty="0">
+                <a:solidFill>
+                  <a:srgbClr val="D4D4D4"/>
+                </a:solidFill>
+                <a:effectLst/>
+                <a:latin typeface="Consolas" panose="020B0609020204030204" pitchFamily="49" charset="0"/>
+              </a:rPr>
+              <a:t>: </a:t>
+            </a:r>
+            <a:r>
+              <a:rPr lang="en-US" sz="1600" b="0" dirty="0">
+                <a:solidFill>
+                  <a:srgbClr val="CE9178"/>
+                </a:solidFill>
+                <a:effectLst/>
+                <a:latin typeface="Consolas" panose="020B0609020204030204" pitchFamily="49" charset="0"/>
+              </a:rPr>
+              <a:t>"100m"</a:t>
+            </a:r>
+            <a:r>
+              <a:rPr lang="en-US" sz="1600" b="0" dirty="0">
+                <a:solidFill>
+                  <a:srgbClr val="D4D4D4"/>
+                </a:solidFill>
+                <a:effectLst/>
+                <a:latin typeface="Consolas" panose="020B0609020204030204" pitchFamily="49" charset="0"/>
+              </a:rPr>
+              <a:t>    </a:t>
+            </a:r>
+          </a:p>
+          <a:p>
+            <a:pPr>
+              <a:lnSpc>
+                <a:spcPts val="1500"/>
+              </a:lnSpc>
+              <a:buNone/>
+            </a:pPr>
+            <a:r>
+              <a:rPr lang="en-US" sz="1600" b="0" dirty="0">
+                <a:solidFill>
+                  <a:srgbClr val="D4D4D4"/>
+                </a:solidFill>
+                <a:effectLst/>
+                <a:latin typeface="Consolas" panose="020B0609020204030204" pitchFamily="49" charset="0"/>
+              </a:rPr>
+              <a:t>        </a:t>
+            </a:r>
+            <a:r>
+              <a:rPr lang="en-US" sz="1600" b="0" dirty="0">
+                <a:solidFill>
+                  <a:srgbClr val="569CD6"/>
+                </a:solidFill>
+                <a:effectLst/>
+                <a:latin typeface="Consolas" panose="020B0609020204030204" pitchFamily="49" charset="0"/>
+              </a:rPr>
+              <a:t>memory</a:t>
+            </a:r>
+            <a:r>
+              <a:rPr lang="en-US" sz="1600" b="0" dirty="0">
+                <a:solidFill>
+                  <a:srgbClr val="D4D4D4"/>
+                </a:solidFill>
+                <a:effectLst/>
+                <a:latin typeface="Consolas" panose="020B0609020204030204" pitchFamily="49" charset="0"/>
+              </a:rPr>
+              <a:t>: </a:t>
+            </a:r>
+            <a:r>
+              <a:rPr lang="en-US" sz="1600" b="0" dirty="0">
+                <a:solidFill>
+                  <a:srgbClr val="CE9178"/>
+                </a:solidFill>
+                <a:effectLst/>
+                <a:latin typeface="Consolas" panose="020B0609020204030204" pitchFamily="49" charset="0"/>
+              </a:rPr>
+              <a:t>"128Mi"</a:t>
+            </a:r>
+            <a:endParaRPr lang="en-US" sz="1600" b="0" dirty="0">
+              <a:solidFill>
+                <a:srgbClr val="D4D4D4"/>
+              </a:solidFill>
+              <a:effectLst/>
+              <a:latin typeface="Consolas" panose="020B0609020204030204" pitchFamily="49" charset="0"/>
+            </a:endParaRPr>
+          </a:p>
+          <a:p>
+            <a:pPr>
+              <a:lnSpc>
+                <a:spcPts val="1500"/>
+              </a:lnSpc>
+              <a:buNone/>
+            </a:pPr>
+            <a:r>
+              <a:rPr lang="en-US" sz="1600" b="0" dirty="0">
+                <a:solidFill>
+                  <a:srgbClr val="D4D4D4"/>
+                </a:solidFill>
+                <a:effectLst/>
+                <a:latin typeface="Consolas" panose="020B0609020204030204" pitchFamily="49" charset="0"/>
+              </a:rPr>
+              <a:t>      </a:t>
+            </a:r>
+            <a:r>
+              <a:rPr lang="en-US" sz="1600" b="0" dirty="0">
+                <a:solidFill>
+                  <a:srgbClr val="569CD6"/>
+                </a:solidFill>
+                <a:effectLst/>
+                <a:latin typeface="Consolas" panose="020B0609020204030204" pitchFamily="49" charset="0"/>
+              </a:rPr>
+              <a:t>limits</a:t>
+            </a:r>
+            <a:r>
+              <a:rPr lang="en-US" sz="1600" b="0" dirty="0">
+                <a:solidFill>
+                  <a:srgbClr val="D4D4D4"/>
+                </a:solidFill>
+                <a:effectLst/>
+                <a:latin typeface="Consolas" panose="020B0609020204030204" pitchFamily="49" charset="0"/>
+              </a:rPr>
+              <a:t>:</a:t>
+            </a:r>
+          </a:p>
+          <a:p>
+            <a:pPr>
+              <a:lnSpc>
+                <a:spcPts val="1500"/>
+              </a:lnSpc>
+              <a:buNone/>
+            </a:pPr>
+            <a:r>
+              <a:rPr lang="en-US" sz="1600" b="0" dirty="0">
+                <a:solidFill>
+                  <a:srgbClr val="D4D4D4"/>
+                </a:solidFill>
+                <a:effectLst/>
+                <a:latin typeface="Consolas" panose="020B0609020204030204" pitchFamily="49" charset="0"/>
+              </a:rPr>
+              <a:t>        </a:t>
+            </a:r>
+            <a:r>
+              <a:rPr lang="en-US" sz="1600" b="0" dirty="0" err="1">
+                <a:solidFill>
+                  <a:srgbClr val="569CD6"/>
+                </a:solidFill>
+                <a:effectLst/>
+                <a:latin typeface="Consolas" panose="020B0609020204030204" pitchFamily="49" charset="0"/>
+              </a:rPr>
+              <a:t>cpu</a:t>
+            </a:r>
+            <a:r>
+              <a:rPr lang="en-US" sz="1600" b="0" dirty="0">
+                <a:solidFill>
+                  <a:srgbClr val="D4D4D4"/>
+                </a:solidFill>
+                <a:effectLst/>
+                <a:latin typeface="Consolas" panose="020B0609020204030204" pitchFamily="49" charset="0"/>
+              </a:rPr>
+              <a:t>: </a:t>
+            </a:r>
+            <a:r>
+              <a:rPr lang="en-US" sz="1600" b="0" dirty="0">
+                <a:solidFill>
+                  <a:srgbClr val="CE9178"/>
+                </a:solidFill>
+                <a:effectLst/>
+                <a:latin typeface="Consolas" panose="020B0609020204030204" pitchFamily="49" charset="0"/>
+              </a:rPr>
+              <a:t>"500m"</a:t>
+            </a:r>
+            <a:endParaRPr lang="en-US" sz="1600" b="0" dirty="0">
+              <a:solidFill>
+                <a:srgbClr val="D4D4D4"/>
+              </a:solidFill>
+              <a:effectLst/>
+              <a:latin typeface="Consolas" panose="020B0609020204030204" pitchFamily="49" charset="0"/>
+            </a:endParaRPr>
+          </a:p>
+          <a:p>
+            <a:pPr>
+              <a:lnSpc>
+                <a:spcPts val="1500"/>
+              </a:lnSpc>
+              <a:buNone/>
+            </a:pPr>
+            <a:r>
+              <a:rPr lang="en-US" sz="1600" b="0" dirty="0">
+                <a:solidFill>
+                  <a:srgbClr val="D4D4D4"/>
+                </a:solidFill>
+                <a:effectLst/>
+                <a:latin typeface="Consolas" panose="020B0609020204030204" pitchFamily="49" charset="0"/>
+              </a:rPr>
+              <a:t>        </a:t>
+            </a:r>
+            <a:r>
+              <a:rPr lang="en-US" sz="1600" b="0" dirty="0">
+                <a:solidFill>
+                  <a:srgbClr val="569CD6"/>
+                </a:solidFill>
+                <a:effectLst/>
+                <a:latin typeface="Consolas" panose="020B0609020204030204" pitchFamily="49" charset="0"/>
+              </a:rPr>
+              <a:t>memory</a:t>
+            </a:r>
+            <a:r>
+              <a:rPr lang="en-US" sz="1600" b="0" dirty="0">
+                <a:solidFill>
+                  <a:srgbClr val="D4D4D4"/>
+                </a:solidFill>
+                <a:effectLst/>
+                <a:latin typeface="Consolas" panose="020B0609020204030204" pitchFamily="49" charset="0"/>
+              </a:rPr>
+              <a:t>: </a:t>
+            </a:r>
+            <a:r>
+              <a:rPr lang="en-US" sz="1600" b="0" dirty="0">
+                <a:solidFill>
+                  <a:srgbClr val="CE9178"/>
+                </a:solidFill>
+                <a:effectLst/>
+                <a:latin typeface="Consolas" panose="020B0609020204030204" pitchFamily="49" charset="0"/>
+              </a:rPr>
+              <a:t>"256Mi"</a:t>
+            </a:r>
+            <a:endParaRPr lang="en-US" sz="1600" b="0" dirty="0">
+              <a:solidFill>
+                <a:srgbClr val="D4D4D4"/>
+              </a:solidFill>
+              <a:effectLst/>
+              <a:latin typeface="Consolas" panose="020B0609020204030204" pitchFamily="49" charset="0"/>
+            </a:endParaRPr>
+          </a:p>
+        </p:txBody>
+      </p:sp>
+      <p:sp>
+        <p:nvSpPr>
+          <p:cNvPr id="9" name="Arrow: Left 8">
+            <a:extLst>
+              <a:ext uri="{FF2B5EF4-FFF2-40B4-BE49-F238E27FC236}">
+                <a16:creationId xmlns:a16="http://schemas.microsoft.com/office/drawing/2014/main" id="{12078513-1DF9-9020-7A8A-81325F42DC09}"/>
+              </a:ext>
+            </a:extLst>
+          </p:cNvPr>
+          <p:cNvSpPr/>
+          <p:nvPr/>
+        </p:nvSpPr>
+        <p:spPr>
+          <a:xfrm>
+            <a:off x="4192709" y="5463386"/>
+            <a:ext cx="822036" cy="369332"/>
+          </a:xfrm>
+          <a:prstGeom prst="leftArrow">
+            <a:avLst/>
+          </a:prstGeom>
+          <a:solidFill>
+            <a:srgbClr val="EE0000"/>
+          </a:solidFill>
+          <a:ln>
+            <a:solidFill>
+              <a:srgbClr val="EE0000"/>
+            </a:solidFill>
+          </a:ln>
+        </p:spPr>
+        <p:style>
+          <a:lnRef idx="2">
+            <a:schemeClr val="accent1">
+              <a:shade val="15000"/>
+            </a:schemeClr>
+          </a:lnRef>
+          <a:fillRef idx="1">
+            <a:schemeClr val="accent1"/>
+          </a:fillRef>
+          <a:effectRef idx="0">
+            <a:schemeClr val="accent1"/>
+          </a:effectRef>
+          <a:fontRef idx="minor">
+            <a:schemeClr val="lt1"/>
+          </a:fontRef>
+        </p:style>
+        <p:txBody>
+          <a:bodyPr rtlCol="0" anchor="ctr"/>
+          <a:lstStyle/>
+          <a:p>
+            <a:pPr algn="ctr"/>
+            <a:endParaRPr lang="en-US">
+              <a:ln>
+                <a:solidFill>
+                  <a:srgbClr val="EE0000"/>
+                </a:solidFill>
+              </a:ln>
+              <a:solidFill>
+                <a:srgbClr val="EE0000"/>
+              </a:solidFill>
+            </a:endParaRPr>
+          </a:p>
+        </p:txBody>
+      </p:sp>
+    </p:spTree>
+    <p:extLst>
+      <p:ext uri="{BB962C8B-B14F-4D97-AF65-F5344CB8AC3E}">
+        <p14:creationId xmlns:p14="http://schemas.microsoft.com/office/powerpoint/2010/main" val="2631397958"/>
+      </p:ext>
+    </p:extLst>
+  </p:cSld>
+  <p:clrMapOvr>
+    <a:masterClrMapping/>
+  </p:clrMapOvr>
+</p:sld>
+</file>
+
+<file path=ppt/slides/slide41.xml><?xml version="1.0" encoding="utf-8"?>
+<p:sld xmlns:a="http://schemas.openxmlformats.org/drawingml/2006/main" xmlns:r="http://schemas.openxmlformats.org/officeDocument/2006/relationships" xmlns:p="http://schemas.openxmlformats.org/presentationml/2006/main">
+  <p:cSld>
+    <p:bg>
+      <p:bgPr>
+        <a:solidFill>
+          <a:schemeClr val="bg1"/>
+        </a:solidFill>
+        <a:effectLst/>
+      </p:bgPr>
+    </p:bg>
+    <p:spTree>
+      <p:nvGrpSpPr>
+        <p:cNvPr id="1" name="">
+          <a:extLst>
+            <a:ext uri="{FF2B5EF4-FFF2-40B4-BE49-F238E27FC236}">
+              <a16:creationId xmlns:a16="http://schemas.microsoft.com/office/drawing/2014/main" id="{013EE39B-1A44-6D5C-C677-5F875E830D4E}"/>
+            </a:ext>
+          </a:extLst>
+        </p:cNvPr>
+        <p:cNvGrpSpPr/>
+        <p:nvPr/>
+      </p:nvGrpSpPr>
+      <p:grpSpPr>
+        <a:xfrm>
+          <a:off x="0" y="0"/>
+          <a:ext cx="0" cy="0"/>
+          <a:chOff x="0" y="0"/>
+          <a:chExt cx="0" cy="0"/>
+        </a:xfrm>
+      </p:grpSpPr>
+      <p:sp useBgFill="1">
+        <p:nvSpPr>
+          <p:cNvPr id="8" name="Rectangle 7">
+            <a:extLst>
+              <a:ext uri="{FF2B5EF4-FFF2-40B4-BE49-F238E27FC236}">
+                <a16:creationId xmlns:a16="http://schemas.microsoft.com/office/drawing/2014/main" id="{AAFDAE66-1691-0B78-F1F5-AC68E10FE692}"/>
+              </a:ext>
+              <a:ext uri="{C183D7F6-B498-43B3-948B-1728B52AA6E4}">
+                <adec:decorative xmlns:adec="http://schemas.microsoft.com/office/drawing/2017/decorative" val="1"/>
+              </a:ext>
+            </a:extLst>
+          </p:cNvPr>
+          <p:cNvSpPr>
+            <a:spLocks noGrp="1" noRot="1" noChangeAspect="1" noMove="1" noResize="1" noEditPoints="1" noAdjustHandles="1" noChangeArrowheads="1" noChangeShapeType="1" noTextEdit="1"/>
+          </p:cNvSpPr>
+          <p:nvPr>
+            <p:extLst>
+              <p:ext uri="{386F3935-93C4-4BCD-93E2-E3B085C9AB24}">
+                <p16:designElem xmlns:p16="http://schemas.microsoft.com/office/powerpoint/2015/main" val="1"/>
+              </p:ext>
+            </p:extLst>
+          </p:nvPr>
+        </p:nvSpPr>
+        <p:spPr>
+          <a:xfrm>
+            <a:off x="0" y="0"/>
+            <a:ext cx="12188952" cy="6858000"/>
+          </a:xfrm>
+          <a:prstGeom prst="rect">
+            <a:avLst/>
+          </a:prstGeom>
+          <a:ln>
+            <a:noFill/>
+          </a:ln>
+        </p:spPr>
+        <p:style>
+          <a:lnRef idx="2">
+            <a:schemeClr val="accent1">
+              <a:shade val="50000"/>
+            </a:schemeClr>
+          </a:lnRef>
+          <a:fillRef idx="1">
+            <a:schemeClr val="accent1"/>
+          </a:fillRef>
+          <a:effectRef idx="0">
+            <a:schemeClr val="accent1"/>
+          </a:effectRef>
+          <a:fontRef idx="minor">
+            <a:schemeClr val="lt1"/>
+          </a:fontRef>
+        </p:style>
+        <p:txBody>
+          <a:bodyPr rtlCol="0" anchor="ctr"/>
+          <a:lstStyle/>
+          <a:p>
+            <a:pPr algn="ctr"/>
+            <a:endParaRPr lang="en-US"/>
+          </a:p>
+        </p:txBody>
+      </p:sp>
+      <p:sp>
+        <p:nvSpPr>
+          <p:cNvPr id="2" name="Title 1">
+            <a:extLst>
+              <a:ext uri="{FF2B5EF4-FFF2-40B4-BE49-F238E27FC236}">
+                <a16:creationId xmlns:a16="http://schemas.microsoft.com/office/drawing/2014/main" id="{85967DEB-B554-C646-51B4-9A39C629338F}"/>
+              </a:ext>
+            </a:extLst>
+          </p:cNvPr>
+          <p:cNvSpPr>
+            <a:spLocks noGrp="1"/>
+          </p:cNvSpPr>
+          <p:nvPr>
+            <p:ph type="title"/>
+          </p:nvPr>
+        </p:nvSpPr>
+        <p:spPr>
+          <a:xfrm>
+            <a:off x="838200" y="451381"/>
+            <a:ext cx="10512552" cy="4066540"/>
+          </a:xfrm>
+        </p:spPr>
+        <p:txBody>
+          <a:bodyPr vert="horz" lIns="91440" tIns="45720" rIns="91440" bIns="45720" rtlCol="0" anchor="b">
+            <a:normAutofit/>
+          </a:bodyPr>
+          <a:lstStyle/>
+          <a:p>
+            <a:r>
+              <a:rPr lang="en-US" sz="6600" kern="1200">
+                <a:solidFill>
+                  <a:schemeClr val="tx1"/>
+                </a:solidFill>
+                <a:latin typeface="+mj-lt"/>
+                <a:ea typeface="+mj-ea"/>
+                <a:cs typeface="+mj-cs"/>
+              </a:rPr>
+              <a:t>DEMO</a:t>
+            </a:r>
+          </a:p>
+        </p:txBody>
+      </p:sp>
+      <p:sp>
+        <p:nvSpPr>
+          <p:cNvPr id="3" name="Content Placeholder 2">
+            <a:extLst>
+              <a:ext uri="{FF2B5EF4-FFF2-40B4-BE49-F238E27FC236}">
+                <a16:creationId xmlns:a16="http://schemas.microsoft.com/office/drawing/2014/main" id="{AC4968DD-E805-CEC1-B021-01F923505C85}"/>
+              </a:ext>
+            </a:extLst>
+          </p:cNvPr>
+          <p:cNvSpPr>
+            <a:spLocks noGrp="1"/>
+          </p:cNvSpPr>
+          <p:nvPr>
+            <p:ph idx="1"/>
+          </p:nvPr>
+        </p:nvSpPr>
+        <p:spPr>
+          <a:xfrm>
+            <a:off x="838199" y="4983276"/>
+            <a:ext cx="10512552" cy="1126680"/>
+          </a:xfrm>
+        </p:spPr>
+        <p:txBody>
+          <a:bodyPr vert="horz" lIns="91440" tIns="45720" rIns="91440" bIns="45720" rtlCol="0">
+            <a:normAutofit/>
+          </a:bodyPr>
+          <a:lstStyle/>
+          <a:p>
+            <a:pPr marL="0" indent="0">
+              <a:buNone/>
+            </a:pPr>
+            <a:r>
+              <a:rPr lang="en-US" sz="2400" kern="1200" dirty="0">
+                <a:solidFill>
+                  <a:schemeClr val="tx1"/>
+                </a:solidFill>
+                <a:latin typeface="+mn-lt"/>
+                <a:ea typeface="+mn-ea"/>
+                <a:cs typeface="+mn-cs"/>
+              </a:rPr>
+              <a:t>Horizontal Pod </a:t>
+            </a:r>
+            <a:r>
+              <a:rPr lang="en-US" sz="2400" kern="1200" dirty="0" err="1">
+                <a:solidFill>
+                  <a:schemeClr val="tx1"/>
+                </a:solidFill>
+                <a:latin typeface="+mn-lt"/>
+                <a:ea typeface="+mn-ea"/>
+                <a:cs typeface="+mn-cs"/>
+              </a:rPr>
+              <a:t>Autoscaler</a:t>
+            </a:r>
+            <a:endParaRPr lang="en-US" sz="2400" kern="1200" dirty="0">
+              <a:solidFill>
+                <a:schemeClr val="tx1"/>
+              </a:solidFill>
+              <a:latin typeface="+mn-lt"/>
+              <a:ea typeface="+mn-ea"/>
+              <a:cs typeface="+mn-cs"/>
+            </a:endParaRPr>
+          </a:p>
+        </p:txBody>
+      </p:sp>
+      <p:sp>
+        <p:nvSpPr>
+          <p:cNvPr id="10" name="sketch line">
+            <a:extLst>
+              <a:ext uri="{FF2B5EF4-FFF2-40B4-BE49-F238E27FC236}">
+                <a16:creationId xmlns:a16="http://schemas.microsoft.com/office/drawing/2014/main" id="{ECCD6686-7082-4BAF-9C3A-4D4817E24BA6}"/>
+              </a:ext>
+              <a:ext uri="{C183D7F6-B498-43B3-948B-1728B52AA6E4}">
+                <adec:decorative xmlns:adec="http://schemas.microsoft.com/office/drawing/2017/decorative" val="1"/>
+              </a:ext>
+            </a:extLst>
+          </p:cNvPr>
+          <p:cNvSpPr>
+            <a:spLocks noGrp="1" noRot="1" noChangeAspect="1" noMove="1" noResize="1" noEditPoints="1" noAdjustHandles="1" noChangeArrowheads="1" noChangeShapeType="1" noTextEdit="1"/>
+          </p:cNvSpPr>
+          <p:nvPr>
+            <p:extLst>
+              <p:ext uri="{386F3935-93C4-4BCD-93E2-E3B085C9AB24}">
+                <p16:designElem xmlns:p16="http://schemas.microsoft.com/office/powerpoint/2015/main" val="1"/>
+              </p:ext>
+            </p:extLst>
+          </p:nvPr>
+        </p:nvSpPr>
+        <p:spPr>
+          <a:xfrm>
+            <a:off x="838200" y="4718595"/>
+            <a:ext cx="5410200" cy="18288"/>
+          </a:xfrm>
+          <a:custGeom>
+            <a:avLst/>
+            <a:gdLst>
+              <a:gd name="csX0" fmla="*/ 0 w 5410200"/>
+              <a:gd name="csY0" fmla="*/ 0 h 18288"/>
+              <a:gd name="csX1" fmla="*/ 568071 w 5410200"/>
+              <a:gd name="csY1" fmla="*/ 0 h 18288"/>
+              <a:gd name="csX2" fmla="*/ 1298448 w 5410200"/>
+              <a:gd name="csY2" fmla="*/ 0 h 18288"/>
+              <a:gd name="csX3" fmla="*/ 1920621 w 5410200"/>
+              <a:gd name="csY3" fmla="*/ 0 h 18288"/>
+              <a:gd name="csX4" fmla="*/ 2488692 w 5410200"/>
+              <a:gd name="csY4" fmla="*/ 0 h 18288"/>
+              <a:gd name="csX5" fmla="*/ 3219069 w 5410200"/>
+              <a:gd name="csY5" fmla="*/ 0 h 18288"/>
+              <a:gd name="csX6" fmla="*/ 3895344 w 5410200"/>
+              <a:gd name="csY6" fmla="*/ 0 h 18288"/>
+              <a:gd name="csX7" fmla="*/ 4571619 w 5410200"/>
+              <a:gd name="csY7" fmla="*/ 0 h 18288"/>
+              <a:gd name="csX8" fmla="*/ 5410200 w 5410200"/>
+              <a:gd name="csY8" fmla="*/ 0 h 18288"/>
+              <a:gd name="csX9" fmla="*/ 5410200 w 5410200"/>
+              <a:gd name="csY9" fmla="*/ 18288 h 18288"/>
+              <a:gd name="csX10" fmla="*/ 4842129 w 5410200"/>
+              <a:gd name="csY10" fmla="*/ 18288 h 18288"/>
+              <a:gd name="csX11" fmla="*/ 4328160 w 5410200"/>
+              <a:gd name="csY11" fmla="*/ 18288 h 18288"/>
+              <a:gd name="csX12" fmla="*/ 3597783 w 5410200"/>
+              <a:gd name="csY12" fmla="*/ 18288 h 18288"/>
+              <a:gd name="csX13" fmla="*/ 3029712 w 5410200"/>
+              <a:gd name="csY13" fmla="*/ 18288 h 18288"/>
+              <a:gd name="csX14" fmla="*/ 2299335 w 5410200"/>
+              <a:gd name="csY14" fmla="*/ 18288 h 18288"/>
+              <a:gd name="csX15" fmla="*/ 1514856 w 5410200"/>
+              <a:gd name="csY15" fmla="*/ 18288 h 18288"/>
+              <a:gd name="csX16" fmla="*/ 892683 w 5410200"/>
+              <a:gd name="csY16" fmla="*/ 18288 h 18288"/>
+              <a:gd name="csX17" fmla="*/ 0 w 5410200"/>
+              <a:gd name="csY17" fmla="*/ 18288 h 18288"/>
+              <a:gd name="csX18" fmla="*/ 0 w 5410200"/>
+              <a:gd name="csY18" fmla="*/ 0 h 18288"/>
+            </a:gdLst>
+            <a:ahLst/>
+            <a:cxnLst>
+              <a:cxn ang="0">
+                <a:pos x="csX0" y="csY0"/>
+              </a:cxn>
+              <a:cxn ang="0">
+                <a:pos x="csX1" y="csY1"/>
+              </a:cxn>
+              <a:cxn ang="0">
+                <a:pos x="csX2" y="csY2"/>
+              </a:cxn>
+              <a:cxn ang="0">
+                <a:pos x="csX3" y="csY3"/>
+              </a:cxn>
+              <a:cxn ang="0">
+                <a:pos x="csX4" y="csY4"/>
+              </a:cxn>
+              <a:cxn ang="0">
+                <a:pos x="csX5" y="csY5"/>
+              </a:cxn>
+              <a:cxn ang="0">
+                <a:pos x="csX6" y="csY6"/>
+              </a:cxn>
+              <a:cxn ang="0">
+                <a:pos x="csX7" y="csY7"/>
+              </a:cxn>
+              <a:cxn ang="0">
+                <a:pos x="csX8" y="csY8"/>
+              </a:cxn>
+              <a:cxn ang="0">
+                <a:pos x="csX9" y="csY9"/>
+              </a:cxn>
+              <a:cxn ang="0">
+                <a:pos x="csX10" y="csY10"/>
+              </a:cxn>
+              <a:cxn ang="0">
+                <a:pos x="csX11" y="csY11"/>
+              </a:cxn>
+              <a:cxn ang="0">
+                <a:pos x="csX12" y="csY12"/>
+              </a:cxn>
+              <a:cxn ang="0">
+                <a:pos x="csX13" y="csY13"/>
+              </a:cxn>
+              <a:cxn ang="0">
+                <a:pos x="csX14" y="csY14"/>
+              </a:cxn>
+              <a:cxn ang="0">
+                <a:pos x="csX15" y="csY15"/>
+              </a:cxn>
+              <a:cxn ang="0">
+                <a:pos x="csX16" y="csY16"/>
+              </a:cxn>
+              <a:cxn ang="0">
+                <a:pos x="csX17" y="csY17"/>
+              </a:cxn>
+              <a:cxn ang="0">
+                <a:pos x="csX18" y="csY18"/>
+              </a:cxn>
+            </a:cxnLst>
+            <a:rect l="l" t="t" r="r" b="b"/>
+            <a:pathLst>
+              <a:path w="5410200" h="18288" fill="none" extrusionOk="0">
+                <a:moveTo>
+                  <a:pt x="0" y="0"/>
+                </a:moveTo>
+                <a:cubicBezTo>
+                  <a:pt x="163050" y="-18707"/>
+                  <a:pt x="319321" y="-16364"/>
+                  <a:pt x="568071" y="0"/>
+                </a:cubicBezTo>
+                <a:cubicBezTo>
+                  <a:pt x="816821" y="16364"/>
+                  <a:pt x="1013224" y="-7268"/>
+                  <a:pt x="1298448" y="0"/>
+                </a:cubicBezTo>
+                <a:cubicBezTo>
+                  <a:pt x="1583672" y="7268"/>
+                  <a:pt x="1631711" y="-3367"/>
+                  <a:pt x="1920621" y="0"/>
+                </a:cubicBezTo>
+                <a:cubicBezTo>
+                  <a:pt x="2209531" y="3367"/>
+                  <a:pt x="2364420" y="-19184"/>
+                  <a:pt x="2488692" y="0"/>
+                </a:cubicBezTo>
+                <a:cubicBezTo>
+                  <a:pt x="2612964" y="19184"/>
+                  <a:pt x="3023298" y="-34627"/>
+                  <a:pt x="3219069" y="0"/>
+                </a:cubicBezTo>
+                <a:cubicBezTo>
+                  <a:pt x="3414840" y="34627"/>
+                  <a:pt x="3656810" y="24043"/>
+                  <a:pt x="3895344" y="0"/>
+                </a:cubicBezTo>
+                <a:cubicBezTo>
+                  <a:pt x="4133879" y="-24043"/>
+                  <a:pt x="4393984" y="-19577"/>
+                  <a:pt x="4571619" y="0"/>
+                </a:cubicBezTo>
+                <a:cubicBezTo>
+                  <a:pt x="4749255" y="19577"/>
+                  <a:pt x="5179928" y="-6281"/>
+                  <a:pt x="5410200" y="0"/>
+                </a:cubicBezTo>
+                <a:cubicBezTo>
+                  <a:pt x="5410730" y="6954"/>
+                  <a:pt x="5410934" y="12839"/>
+                  <a:pt x="5410200" y="18288"/>
+                </a:cubicBezTo>
+                <a:cubicBezTo>
+                  <a:pt x="5139060" y="6751"/>
+                  <a:pt x="5121593" y="31035"/>
+                  <a:pt x="4842129" y="18288"/>
+                </a:cubicBezTo>
+                <a:cubicBezTo>
+                  <a:pt x="4562665" y="5541"/>
+                  <a:pt x="4448273" y="9487"/>
+                  <a:pt x="4328160" y="18288"/>
+                </a:cubicBezTo>
+                <a:cubicBezTo>
+                  <a:pt x="4208047" y="27089"/>
+                  <a:pt x="3760936" y="22567"/>
+                  <a:pt x="3597783" y="18288"/>
+                </a:cubicBezTo>
+                <a:cubicBezTo>
+                  <a:pt x="3434630" y="14009"/>
+                  <a:pt x="3299718" y="33213"/>
+                  <a:pt x="3029712" y="18288"/>
+                </a:cubicBezTo>
+                <a:cubicBezTo>
+                  <a:pt x="2759706" y="3363"/>
+                  <a:pt x="2640159" y="27394"/>
+                  <a:pt x="2299335" y="18288"/>
+                </a:cubicBezTo>
+                <a:cubicBezTo>
+                  <a:pt x="1958511" y="9182"/>
+                  <a:pt x="1801186" y="28985"/>
+                  <a:pt x="1514856" y="18288"/>
+                </a:cubicBezTo>
+                <a:cubicBezTo>
+                  <a:pt x="1228526" y="7591"/>
+                  <a:pt x="1063509" y="-5305"/>
+                  <a:pt x="892683" y="18288"/>
+                </a:cubicBezTo>
+                <a:cubicBezTo>
+                  <a:pt x="721857" y="41881"/>
+                  <a:pt x="186945" y="-20897"/>
+                  <a:pt x="0" y="18288"/>
+                </a:cubicBezTo>
+                <a:cubicBezTo>
+                  <a:pt x="-570" y="9279"/>
+                  <a:pt x="132" y="5100"/>
+                  <a:pt x="0" y="0"/>
+                </a:cubicBezTo>
+                <a:close/>
+              </a:path>
+              <a:path w="5410200" h="18288" stroke="0" extrusionOk="0">
+                <a:moveTo>
+                  <a:pt x="0" y="0"/>
+                </a:moveTo>
+                <a:cubicBezTo>
+                  <a:pt x="285096" y="-4925"/>
+                  <a:pt x="376456" y="22268"/>
+                  <a:pt x="622173" y="0"/>
+                </a:cubicBezTo>
+                <a:cubicBezTo>
+                  <a:pt x="867890" y="-22268"/>
+                  <a:pt x="1031392" y="7228"/>
+                  <a:pt x="1136142" y="0"/>
+                </a:cubicBezTo>
+                <a:cubicBezTo>
+                  <a:pt x="1240892" y="-7228"/>
+                  <a:pt x="1561853" y="9877"/>
+                  <a:pt x="1920621" y="0"/>
+                </a:cubicBezTo>
+                <a:cubicBezTo>
+                  <a:pt x="2279389" y="-9877"/>
+                  <a:pt x="2367255" y="19546"/>
+                  <a:pt x="2542794" y="0"/>
+                </a:cubicBezTo>
+                <a:cubicBezTo>
+                  <a:pt x="2718333" y="-19546"/>
+                  <a:pt x="2866732" y="-22226"/>
+                  <a:pt x="3164967" y="0"/>
+                </a:cubicBezTo>
+                <a:cubicBezTo>
+                  <a:pt x="3463202" y="22226"/>
+                  <a:pt x="3568055" y="-2765"/>
+                  <a:pt x="3949446" y="0"/>
+                </a:cubicBezTo>
+                <a:cubicBezTo>
+                  <a:pt x="4330837" y="2765"/>
+                  <a:pt x="4287895" y="10557"/>
+                  <a:pt x="4517517" y="0"/>
+                </a:cubicBezTo>
+                <a:cubicBezTo>
+                  <a:pt x="4747139" y="-10557"/>
+                  <a:pt x="5149588" y="8716"/>
+                  <a:pt x="5410200" y="0"/>
+                </a:cubicBezTo>
+                <a:cubicBezTo>
+                  <a:pt x="5409517" y="5414"/>
+                  <a:pt x="5409480" y="12510"/>
+                  <a:pt x="5410200" y="18288"/>
+                </a:cubicBezTo>
+                <a:cubicBezTo>
+                  <a:pt x="5163327" y="41494"/>
+                  <a:pt x="5008749" y="10693"/>
+                  <a:pt x="4842129" y="18288"/>
+                </a:cubicBezTo>
+                <a:cubicBezTo>
+                  <a:pt x="4675509" y="25883"/>
+                  <a:pt x="4433401" y="-615"/>
+                  <a:pt x="4165854" y="18288"/>
+                </a:cubicBezTo>
+                <a:cubicBezTo>
+                  <a:pt x="3898308" y="37191"/>
+                  <a:pt x="3809032" y="-8710"/>
+                  <a:pt x="3543681" y="18288"/>
+                </a:cubicBezTo>
+                <a:cubicBezTo>
+                  <a:pt x="3278330" y="45286"/>
+                  <a:pt x="3073876" y="-15917"/>
+                  <a:pt x="2759202" y="18288"/>
+                </a:cubicBezTo>
+                <a:cubicBezTo>
+                  <a:pt x="2444528" y="52493"/>
+                  <a:pt x="2204144" y="3372"/>
+                  <a:pt x="1974723" y="18288"/>
+                </a:cubicBezTo>
+                <a:cubicBezTo>
+                  <a:pt x="1745302" y="33204"/>
+                  <a:pt x="1602335" y="31490"/>
+                  <a:pt x="1406652" y="18288"/>
+                </a:cubicBezTo>
+                <a:cubicBezTo>
+                  <a:pt x="1210969" y="5086"/>
+                  <a:pt x="923948" y="3161"/>
+                  <a:pt x="730377" y="18288"/>
+                </a:cubicBezTo>
+                <a:cubicBezTo>
+                  <a:pt x="536806" y="33415"/>
+                  <a:pt x="336496" y="-141"/>
+                  <a:pt x="0" y="18288"/>
+                </a:cubicBezTo>
+                <a:cubicBezTo>
+                  <a:pt x="-306" y="11061"/>
+                  <a:pt x="-655" y="7751"/>
+                  <a:pt x="0" y="0"/>
+                </a:cubicBezTo>
+                <a:close/>
+              </a:path>
+            </a:pathLst>
+          </a:custGeom>
+          <a:solidFill>
+            <a:schemeClr val="accent2"/>
+          </a:solidFill>
+          <a:ln w="41275" cap="rnd">
+            <a:solidFill>
+              <a:schemeClr val="accent2"/>
+            </a:solidFill>
+            <a:round/>
+            <a:extLst>
+              <a:ext uri="{C807C97D-BFC1-408E-A445-0C87EB9F89A2}">
+                <ask:lineSketchStyleProps xmlns:ask="http://schemas.microsoft.com/office/drawing/2018/sketchyshapes" sd="1219033472">
+                  <a:prstGeom prst="rect">
+                    <a:avLst/>
+                  </a:prstGeom>
+                  <ask:type>
+                    <ask:lineSketchFreehand/>
+                  </ask:type>
+                </ask:lineSketchStyleProps>
+              </a:ext>
+            </a:extLst>
+          </a:ln>
+        </p:spPr>
+        <p:style>
+          <a:lnRef idx="2">
+            <a:schemeClr val="accent1">
+              <a:shade val="50000"/>
+            </a:schemeClr>
+          </a:lnRef>
+          <a:fillRef idx="1">
+            <a:schemeClr val="accent1"/>
+          </a:fillRef>
+          <a:effectRef idx="0">
+            <a:schemeClr val="accent1"/>
+          </a:effectRef>
+          <a:fontRef idx="minor">
+            <a:schemeClr val="lt1"/>
+          </a:fontRef>
+        </p:style>
+        <p:txBody>
+          <a:bodyPr rtlCol="0" anchor="ctr"/>
+          <a:lstStyle/>
+          <a:p>
+            <a:pPr algn="ctr"/>
+            <a:endParaRPr lang="en-US"/>
+          </a:p>
+        </p:txBody>
+      </p:sp>
+    </p:spTree>
+    <p:extLst>
+      <p:ext uri="{BB962C8B-B14F-4D97-AF65-F5344CB8AC3E}">
+        <p14:creationId xmlns:p14="http://schemas.microsoft.com/office/powerpoint/2010/main" val="983669792"/>
+      </p:ext>
+    </p:extLst>
+  </p:cSld>
+  <p:clrMapOvr>
+    <a:masterClrMapping/>
+  </p:clrMapOvr>
+</p:sld>
+</file>
+
+<file path=ppt/slides/slide42.xml><?xml version="1.0" encoding="utf-8"?>
+<p:sld xmlns:a="http://schemas.openxmlformats.org/drawingml/2006/main" xmlns:r="http://schemas.openxmlformats.org/officeDocument/2006/relationships" xmlns:p="http://schemas.openxmlformats.org/presentationml/2006/main">
+  <p:cSld>
+    <p:spTree>
+      <p:nvGrpSpPr>
+        <p:cNvPr id="1" name="">
+          <a:extLst>
+            <a:ext uri="{FF2B5EF4-FFF2-40B4-BE49-F238E27FC236}">
+              <a16:creationId xmlns:a16="http://schemas.microsoft.com/office/drawing/2014/main" id="{0DB7FDDE-FBA2-5B70-DF4B-170F16A61D65}"/>
+            </a:ext>
+          </a:extLst>
+        </p:cNvPr>
+        <p:cNvGrpSpPr/>
+        <p:nvPr/>
+      </p:nvGrpSpPr>
+      <p:grpSpPr>
+        <a:xfrm>
+          <a:off x="0" y="0"/>
+          <a:ext cx="0" cy="0"/>
+          <a:chOff x="0" y="0"/>
+          <a:chExt cx="0" cy="0"/>
+        </a:xfrm>
+      </p:grpSpPr>
+      <p:sp>
+        <p:nvSpPr>
+          <p:cNvPr id="2" name="Title 1">
+            <a:extLst>
+              <a:ext uri="{FF2B5EF4-FFF2-40B4-BE49-F238E27FC236}">
+                <a16:creationId xmlns:a16="http://schemas.microsoft.com/office/drawing/2014/main" id="{3BBD7A51-7449-4378-63B8-2E2FFD5BCC5C}"/>
+              </a:ext>
+            </a:extLst>
+          </p:cNvPr>
+          <p:cNvSpPr>
+            <a:spLocks noGrp="1"/>
+          </p:cNvSpPr>
+          <p:nvPr>
+            <p:ph type="title"/>
+          </p:nvPr>
+        </p:nvSpPr>
+        <p:spPr/>
+        <p:txBody>
+          <a:bodyPr/>
+          <a:lstStyle/>
+          <a:p>
+            <a:r>
+              <a:rPr lang="en-US" dirty="0"/>
+              <a:t>Kubernetes Event Driven Scaler (KEDA)</a:t>
+            </a:r>
+          </a:p>
+        </p:txBody>
+      </p:sp>
+      <p:sp>
+        <p:nvSpPr>
+          <p:cNvPr id="3" name="Content Placeholder 2">
+            <a:extLst>
+              <a:ext uri="{FF2B5EF4-FFF2-40B4-BE49-F238E27FC236}">
+                <a16:creationId xmlns:a16="http://schemas.microsoft.com/office/drawing/2014/main" id="{5B40854B-9B4F-99AB-F1B8-FDDADB17B865}"/>
+              </a:ext>
+            </a:extLst>
+          </p:cNvPr>
+          <p:cNvSpPr>
+            <a:spLocks noGrp="1"/>
+          </p:cNvSpPr>
+          <p:nvPr>
+            <p:ph idx="1"/>
+          </p:nvPr>
+        </p:nvSpPr>
+        <p:spPr/>
+        <p:txBody>
+          <a:bodyPr/>
+          <a:lstStyle/>
+          <a:p>
+            <a:endParaRPr lang="en-US"/>
+          </a:p>
+        </p:txBody>
+      </p:sp>
+    </p:spTree>
+    <p:extLst>
+      <p:ext uri="{BB962C8B-B14F-4D97-AF65-F5344CB8AC3E}">
+        <p14:creationId xmlns:p14="http://schemas.microsoft.com/office/powerpoint/2010/main" val="2717813401"/>
+      </p:ext>
+    </p:extLst>
+  </p:cSld>
+  <p:clrMapOvr>
+    <a:masterClrMapping/>
+  </p:clrMapOvr>
+</p:sld>
+</file>
+
+<file path=ppt/slides/slide43.xml><?xml version="1.0" encoding="utf-8"?>
+<p:sld xmlns:a="http://schemas.openxmlformats.org/drawingml/2006/main" xmlns:r="http://schemas.openxmlformats.org/officeDocument/2006/relationships" xmlns:p="http://schemas.openxmlformats.org/presentationml/2006/main">
+  <p:cSld>
+    <p:bg>
+      <p:bgPr>
+        <a:solidFill>
+          <a:schemeClr val="bg1"/>
+        </a:solidFill>
+        <a:effectLst/>
+      </p:bgPr>
+    </p:bg>
+    <p:spTree>
+      <p:nvGrpSpPr>
+        <p:cNvPr id="1" name="">
+          <a:extLst>
+            <a:ext uri="{FF2B5EF4-FFF2-40B4-BE49-F238E27FC236}">
+              <a16:creationId xmlns:a16="http://schemas.microsoft.com/office/drawing/2014/main" id="{FE2192F6-6CF9-D5A8-D555-3E20B8D8D119}"/>
+            </a:ext>
+          </a:extLst>
+        </p:cNvPr>
+        <p:cNvGrpSpPr/>
+        <p:nvPr/>
+      </p:nvGrpSpPr>
+      <p:grpSpPr>
+        <a:xfrm>
+          <a:off x="0" y="0"/>
+          <a:ext cx="0" cy="0"/>
+          <a:chOff x="0" y="0"/>
+          <a:chExt cx="0" cy="0"/>
+        </a:xfrm>
+      </p:grpSpPr>
+      <p:sp useBgFill="1">
+        <p:nvSpPr>
+          <p:cNvPr id="8" name="Rectangle 7">
+            <a:extLst>
+              <a:ext uri="{FF2B5EF4-FFF2-40B4-BE49-F238E27FC236}">
+                <a16:creationId xmlns:a16="http://schemas.microsoft.com/office/drawing/2014/main" id="{03652B6D-BEA7-B091-E268-5DE50558F6C0}"/>
+              </a:ext>
+              <a:ext uri="{C183D7F6-B498-43B3-948B-1728B52AA6E4}">
+                <adec:decorative xmlns:adec="http://schemas.microsoft.com/office/drawing/2017/decorative" val="1"/>
+              </a:ext>
+            </a:extLst>
+          </p:cNvPr>
+          <p:cNvSpPr>
+            <a:spLocks noGrp="1" noRot="1" noChangeAspect="1" noMove="1" noResize="1" noEditPoints="1" noAdjustHandles="1" noChangeArrowheads="1" noChangeShapeType="1" noTextEdit="1"/>
+          </p:cNvSpPr>
+          <p:nvPr>
+            <p:extLst>
+              <p:ext uri="{386F3935-93C4-4BCD-93E2-E3B085C9AB24}">
+                <p16:designElem xmlns:p16="http://schemas.microsoft.com/office/powerpoint/2015/main" val="1"/>
+              </p:ext>
+            </p:extLst>
+          </p:nvPr>
+        </p:nvSpPr>
+        <p:spPr>
+          <a:xfrm>
+            <a:off x="0" y="0"/>
+            <a:ext cx="12188952" cy="6858000"/>
+          </a:xfrm>
+          <a:prstGeom prst="rect">
+            <a:avLst/>
+          </a:prstGeom>
+          <a:ln>
+            <a:noFill/>
+          </a:ln>
+        </p:spPr>
+        <p:style>
+          <a:lnRef idx="2">
+            <a:schemeClr val="accent1">
+              <a:shade val="50000"/>
+            </a:schemeClr>
+          </a:lnRef>
+          <a:fillRef idx="1">
+            <a:schemeClr val="accent1"/>
+          </a:fillRef>
+          <a:effectRef idx="0">
+            <a:schemeClr val="accent1"/>
+          </a:effectRef>
+          <a:fontRef idx="minor">
+            <a:schemeClr val="lt1"/>
+          </a:fontRef>
+        </p:style>
+        <p:txBody>
+          <a:bodyPr rtlCol="0" anchor="ctr"/>
+          <a:lstStyle/>
+          <a:p>
+            <a:pPr algn="ctr"/>
+            <a:endParaRPr lang="en-US"/>
+          </a:p>
+        </p:txBody>
+      </p:sp>
+      <p:sp>
+        <p:nvSpPr>
+          <p:cNvPr id="2" name="Title 1">
+            <a:extLst>
+              <a:ext uri="{FF2B5EF4-FFF2-40B4-BE49-F238E27FC236}">
+                <a16:creationId xmlns:a16="http://schemas.microsoft.com/office/drawing/2014/main" id="{134B5A2A-0F4D-F86E-32D8-666492FDCED3}"/>
+              </a:ext>
+            </a:extLst>
+          </p:cNvPr>
+          <p:cNvSpPr>
+            <a:spLocks noGrp="1"/>
+          </p:cNvSpPr>
+          <p:nvPr>
+            <p:ph type="title"/>
+          </p:nvPr>
+        </p:nvSpPr>
+        <p:spPr>
+          <a:xfrm>
+            <a:off x="838200" y="365125"/>
+            <a:ext cx="10515600" cy="1325563"/>
+          </a:xfrm>
+        </p:spPr>
+        <p:txBody>
+          <a:bodyPr>
+            <a:normAutofit fontScale="90000"/>
+          </a:bodyPr>
+          <a:lstStyle/>
+          <a:p>
+            <a:pPr algn="ctr"/>
+            <a:r>
+              <a:rPr lang="en-US" sz="5400" dirty="0"/>
+              <a:t>Kubernetes Event Driven Scaler (KEDA)</a:t>
+            </a:r>
+          </a:p>
+        </p:txBody>
+      </p:sp>
+      <p:sp>
+        <p:nvSpPr>
+          <p:cNvPr id="10" name="sketch line">
+            <a:extLst>
+              <a:ext uri="{FF2B5EF4-FFF2-40B4-BE49-F238E27FC236}">
+                <a16:creationId xmlns:a16="http://schemas.microsoft.com/office/drawing/2014/main" id="{89CE7366-9A01-DD8B-86EF-EE17491DEE99}"/>
+              </a:ext>
+              <a:ext uri="{C183D7F6-B498-43B3-948B-1728B52AA6E4}">
+                <adec:decorative xmlns:adec="http://schemas.microsoft.com/office/drawing/2017/decorative" val="1"/>
+              </a:ext>
+            </a:extLst>
+          </p:cNvPr>
+          <p:cNvSpPr>
+            <a:spLocks noGrp="1" noRot="1" noChangeAspect="1" noMove="1" noResize="1" noEditPoints="1" noAdjustHandles="1" noChangeArrowheads="1" noChangeShapeType="1" noTextEdit="1"/>
+          </p:cNvSpPr>
+          <p:nvPr>
+            <p:extLst>
+              <p:ext uri="{386F3935-93C4-4BCD-93E2-E3B085C9AB24}">
+                <p16:designElem xmlns:p16="http://schemas.microsoft.com/office/powerpoint/2015/main" val="1"/>
+              </p:ext>
+            </p:extLst>
+          </p:nvPr>
+        </p:nvSpPr>
+        <p:spPr>
+          <a:xfrm>
+            <a:off x="669036" y="1677373"/>
+            <a:ext cx="10853928" cy="18288"/>
+          </a:xfrm>
+          <a:custGeom>
+            <a:avLst/>
+            <a:gdLst>
+              <a:gd name="csX0" fmla="*/ 0 w 10853928"/>
+              <a:gd name="csY0" fmla="*/ 0 h 18288"/>
+              <a:gd name="csX1" fmla="*/ 461292 w 10853928"/>
+              <a:gd name="csY1" fmla="*/ 0 h 18288"/>
+              <a:gd name="csX2" fmla="*/ 1139662 w 10853928"/>
+              <a:gd name="csY2" fmla="*/ 0 h 18288"/>
+              <a:gd name="csX3" fmla="*/ 1926572 w 10853928"/>
+              <a:gd name="csY3" fmla="*/ 0 h 18288"/>
+              <a:gd name="csX4" fmla="*/ 2279325 w 10853928"/>
+              <a:gd name="csY4" fmla="*/ 0 h 18288"/>
+              <a:gd name="csX5" fmla="*/ 2632078 w 10853928"/>
+              <a:gd name="csY5" fmla="*/ 0 h 18288"/>
+              <a:gd name="csX6" fmla="*/ 3527527 w 10853928"/>
+              <a:gd name="csY6" fmla="*/ 0 h 18288"/>
+              <a:gd name="csX7" fmla="*/ 4205897 w 10853928"/>
+              <a:gd name="csY7" fmla="*/ 0 h 18288"/>
+              <a:gd name="csX8" fmla="*/ 4558650 w 10853928"/>
+              <a:gd name="csY8" fmla="*/ 0 h 18288"/>
+              <a:gd name="csX9" fmla="*/ 5237020 w 10853928"/>
+              <a:gd name="csY9" fmla="*/ 0 h 18288"/>
+              <a:gd name="csX10" fmla="*/ 6132469 w 10853928"/>
+              <a:gd name="csY10" fmla="*/ 0 h 18288"/>
+              <a:gd name="csX11" fmla="*/ 6702301 w 10853928"/>
+              <a:gd name="csY11" fmla="*/ 0 h 18288"/>
+              <a:gd name="csX12" fmla="*/ 7272132 w 10853928"/>
+              <a:gd name="csY12" fmla="*/ 0 h 18288"/>
+              <a:gd name="csX13" fmla="*/ 7950502 w 10853928"/>
+              <a:gd name="csY13" fmla="*/ 0 h 18288"/>
+              <a:gd name="csX14" fmla="*/ 8737412 w 10853928"/>
+              <a:gd name="csY14" fmla="*/ 0 h 18288"/>
+              <a:gd name="csX15" fmla="*/ 9524322 w 10853928"/>
+              <a:gd name="csY15" fmla="*/ 0 h 18288"/>
+              <a:gd name="csX16" fmla="*/ 10853928 w 10853928"/>
+              <a:gd name="csY16" fmla="*/ 0 h 18288"/>
+              <a:gd name="csX17" fmla="*/ 10853928 w 10853928"/>
+              <a:gd name="csY17" fmla="*/ 18288 h 18288"/>
+              <a:gd name="csX18" fmla="*/ 10392636 w 10853928"/>
+              <a:gd name="csY18" fmla="*/ 18288 h 18288"/>
+              <a:gd name="csX19" fmla="*/ 9497187 w 10853928"/>
+              <a:gd name="csY19" fmla="*/ 18288 h 18288"/>
+              <a:gd name="csX20" fmla="*/ 8818817 w 10853928"/>
+              <a:gd name="csY20" fmla="*/ 18288 h 18288"/>
+              <a:gd name="csX21" fmla="*/ 8466064 w 10853928"/>
+              <a:gd name="csY21" fmla="*/ 18288 h 18288"/>
+              <a:gd name="csX22" fmla="*/ 7787693 w 10853928"/>
+              <a:gd name="csY22" fmla="*/ 18288 h 18288"/>
+              <a:gd name="csX23" fmla="*/ 7217862 w 10853928"/>
+              <a:gd name="csY23" fmla="*/ 18288 h 18288"/>
+              <a:gd name="csX24" fmla="*/ 6648031 w 10853928"/>
+              <a:gd name="csY24" fmla="*/ 18288 h 18288"/>
+              <a:gd name="csX25" fmla="*/ 6078200 w 10853928"/>
+              <a:gd name="csY25" fmla="*/ 18288 h 18288"/>
+              <a:gd name="csX26" fmla="*/ 5508368 w 10853928"/>
+              <a:gd name="csY26" fmla="*/ 18288 h 18288"/>
+              <a:gd name="csX27" fmla="*/ 4721459 w 10853928"/>
+              <a:gd name="csY27" fmla="*/ 18288 h 18288"/>
+              <a:gd name="csX28" fmla="*/ 4043088 w 10853928"/>
+              <a:gd name="csY28" fmla="*/ 18288 h 18288"/>
+              <a:gd name="csX29" fmla="*/ 3690336 w 10853928"/>
+              <a:gd name="csY29" fmla="*/ 18288 h 18288"/>
+              <a:gd name="csX30" fmla="*/ 3120504 w 10853928"/>
+              <a:gd name="csY30" fmla="*/ 18288 h 18288"/>
+              <a:gd name="csX31" fmla="*/ 2333595 w 10853928"/>
+              <a:gd name="csY31" fmla="*/ 18288 h 18288"/>
+              <a:gd name="csX32" fmla="*/ 1872303 w 10853928"/>
+              <a:gd name="csY32" fmla="*/ 18288 h 18288"/>
+              <a:gd name="csX33" fmla="*/ 976854 w 10853928"/>
+              <a:gd name="csY33" fmla="*/ 18288 h 18288"/>
+              <a:gd name="csX34" fmla="*/ 0 w 10853928"/>
+              <a:gd name="csY34" fmla="*/ 18288 h 18288"/>
+              <a:gd name="csX35" fmla="*/ 0 w 10853928"/>
+              <a:gd name="csY35" fmla="*/ 0 h 18288"/>
+            </a:gdLst>
+            <a:ahLst/>
+            <a:cxnLst>
+              <a:cxn ang="0">
+                <a:pos x="csX0" y="csY0"/>
+              </a:cxn>
+              <a:cxn ang="0">
+                <a:pos x="csX1" y="csY1"/>
+              </a:cxn>
+              <a:cxn ang="0">
+                <a:pos x="csX2" y="csY2"/>
+              </a:cxn>
+              <a:cxn ang="0">
+                <a:pos x="csX3" y="csY3"/>
+              </a:cxn>
+              <a:cxn ang="0">
+                <a:pos x="csX4" y="csY4"/>
+              </a:cxn>
+              <a:cxn ang="0">
+                <a:pos x="csX5" y="csY5"/>
+              </a:cxn>
+              <a:cxn ang="0">
+                <a:pos x="csX6" y="csY6"/>
+              </a:cxn>
+              <a:cxn ang="0">
+                <a:pos x="csX7" y="csY7"/>
+              </a:cxn>
+              <a:cxn ang="0">
+                <a:pos x="csX8" y="csY8"/>
+              </a:cxn>
+              <a:cxn ang="0">
+                <a:pos x="csX9" y="csY9"/>
+              </a:cxn>
+              <a:cxn ang="0">
+                <a:pos x="csX10" y="csY10"/>
+              </a:cxn>
+              <a:cxn ang="0">
+                <a:pos x="csX11" y="csY11"/>
+              </a:cxn>
+              <a:cxn ang="0">
+                <a:pos x="csX12" y="csY12"/>
+              </a:cxn>
+              <a:cxn ang="0">
+                <a:pos x="csX13" y="csY13"/>
+              </a:cxn>
+              <a:cxn ang="0">
+                <a:pos x="csX14" y="csY14"/>
+              </a:cxn>
+              <a:cxn ang="0">
+                <a:pos x="csX15" y="csY15"/>
+              </a:cxn>
+              <a:cxn ang="0">
+                <a:pos x="csX16" y="csY16"/>
+              </a:cxn>
+              <a:cxn ang="0">
+                <a:pos x="csX17" y="csY17"/>
+              </a:cxn>
+              <a:cxn ang="0">
+                <a:pos x="csX18" y="csY18"/>
+              </a:cxn>
+              <a:cxn ang="0">
+                <a:pos x="csX19" y="csY19"/>
+              </a:cxn>
+              <a:cxn ang="0">
+                <a:pos x="csX20" y="csY20"/>
+              </a:cxn>
+              <a:cxn ang="0">
+                <a:pos x="csX21" y="csY21"/>
+              </a:cxn>
+              <a:cxn ang="0">
+                <a:pos x="csX22" y="csY22"/>
+              </a:cxn>
+              <a:cxn ang="0">
+                <a:pos x="csX23" y="csY23"/>
+              </a:cxn>
+              <a:cxn ang="0">
+                <a:pos x="csX24" y="csY24"/>
+              </a:cxn>
+              <a:cxn ang="0">
+                <a:pos x="csX25" y="csY25"/>
+              </a:cxn>
+              <a:cxn ang="0">
+                <a:pos x="csX26" y="csY26"/>
+              </a:cxn>
+              <a:cxn ang="0">
+                <a:pos x="csX27" y="csY27"/>
+              </a:cxn>
+              <a:cxn ang="0">
+                <a:pos x="csX28" y="csY28"/>
+              </a:cxn>
+              <a:cxn ang="0">
+                <a:pos x="csX29" y="csY29"/>
+              </a:cxn>
+              <a:cxn ang="0">
+                <a:pos x="csX30" y="csY30"/>
+              </a:cxn>
+              <a:cxn ang="0">
+                <a:pos x="csX31" y="csY31"/>
+              </a:cxn>
+              <a:cxn ang="0">
+                <a:pos x="csX32" y="csY32"/>
+              </a:cxn>
+              <a:cxn ang="0">
+                <a:pos x="csX33" y="csY33"/>
+              </a:cxn>
+              <a:cxn ang="0">
+                <a:pos x="csX34" y="csY34"/>
+              </a:cxn>
+              <a:cxn ang="0">
+                <a:pos x="csX35" y="csY35"/>
+              </a:cxn>
+            </a:cxnLst>
+            <a:rect l="l" t="t" r="r" b="b"/>
+            <a:pathLst>
+              <a:path w="10853928" h="18288" fill="none" extrusionOk="0">
+                <a:moveTo>
+                  <a:pt x="0" y="0"/>
+                </a:moveTo>
+                <a:cubicBezTo>
+                  <a:pt x="146993" y="-19076"/>
+                  <a:pt x="347684" y="-4790"/>
+                  <a:pt x="461292" y="0"/>
+                </a:cubicBezTo>
+                <a:cubicBezTo>
+                  <a:pt x="574900" y="4790"/>
+                  <a:pt x="808367" y="19821"/>
+                  <a:pt x="1139662" y="0"/>
+                </a:cubicBezTo>
+                <a:cubicBezTo>
+                  <a:pt x="1470957" y="-19821"/>
+                  <a:pt x="1627405" y="5721"/>
+                  <a:pt x="1926572" y="0"/>
+                </a:cubicBezTo>
+                <a:cubicBezTo>
+                  <a:pt x="2225739" y="-5721"/>
+                  <a:pt x="2137730" y="-3235"/>
+                  <a:pt x="2279325" y="0"/>
+                </a:cubicBezTo>
+                <a:cubicBezTo>
+                  <a:pt x="2420920" y="3235"/>
+                  <a:pt x="2456518" y="9685"/>
+                  <a:pt x="2632078" y="0"/>
+                </a:cubicBezTo>
+                <a:cubicBezTo>
+                  <a:pt x="2807638" y="-9685"/>
+                  <a:pt x="3211516" y="-43007"/>
+                  <a:pt x="3527527" y="0"/>
+                </a:cubicBezTo>
+                <a:cubicBezTo>
+                  <a:pt x="3843538" y="43007"/>
+                  <a:pt x="4058833" y="22042"/>
+                  <a:pt x="4205897" y="0"/>
+                </a:cubicBezTo>
+                <a:cubicBezTo>
+                  <a:pt x="4352961" y="-22042"/>
+                  <a:pt x="4474805" y="-11846"/>
+                  <a:pt x="4558650" y="0"/>
+                </a:cubicBezTo>
+                <a:cubicBezTo>
+                  <a:pt x="4642495" y="11846"/>
+                  <a:pt x="5041928" y="-6069"/>
+                  <a:pt x="5237020" y="0"/>
+                </a:cubicBezTo>
+                <a:cubicBezTo>
+                  <a:pt x="5432112" y="6069"/>
+                  <a:pt x="5943266" y="-17479"/>
+                  <a:pt x="6132469" y="0"/>
+                </a:cubicBezTo>
+                <a:cubicBezTo>
+                  <a:pt x="6321672" y="17479"/>
+                  <a:pt x="6483872" y="26234"/>
+                  <a:pt x="6702301" y="0"/>
+                </a:cubicBezTo>
+                <a:cubicBezTo>
+                  <a:pt x="6920730" y="-26234"/>
+                  <a:pt x="6991194" y="-15156"/>
+                  <a:pt x="7272132" y="0"/>
+                </a:cubicBezTo>
+                <a:cubicBezTo>
+                  <a:pt x="7553070" y="15156"/>
+                  <a:pt x="7684444" y="-32961"/>
+                  <a:pt x="7950502" y="0"/>
+                </a:cubicBezTo>
+                <a:cubicBezTo>
+                  <a:pt x="8216560" y="32961"/>
+                  <a:pt x="8493290" y="-10491"/>
+                  <a:pt x="8737412" y="0"/>
+                </a:cubicBezTo>
+                <a:cubicBezTo>
+                  <a:pt x="8981534" y="10491"/>
+                  <a:pt x="9191586" y="-13899"/>
+                  <a:pt x="9524322" y="0"/>
+                </a:cubicBezTo>
+                <a:cubicBezTo>
+                  <a:pt x="9857058" y="13899"/>
+                  <a:pt x="10297509" y="7485"/>
+                  <a:pt x="10853928" y="0"/>
+                </a:cubicBezTo>
+                <a:cubicBezTo>
+                  <a:pt x="10854574" y="4451"/>
+                  <a:pt x="10854418" y="9226"/>
+                  <a:pt x="10853928" y="18288"/>
+                </a:cubicBezTo>
+                <a:cubicBezTo>
+                  <a:pt x="10691638" y="28522"/>
+                  <a:pt x="10574319" y="29578"/>
+                  <a:pt x="10392636" y="18288"/>
+                </a:cubicBezTo>
+                <a:cubicBezTo>
+                  <a:pt x="10210953" y="6998"/>
+                  <a:pt x="9836277" y="-16742"/>
+                  <a:pt x="9497187" y="18288"/>
+                </a:cubicBezTo>
+                <a:cubicBezTo>
+                  <a:pt x="9158097" y="53318"/>
+                  <a:pt x="9119479" y="30714"/>
+                  <a:pt x="8818817" y="18288"/>
+                </a:cubicBezTo>
+                <a:cubicBezTo>
+                  <a:pt x="8518155" y="5863"/>
+                  <a:pt x="8640037" y="6483"/>
+                  <a:pt x="8466064" y="18288"/>
+                </a:cubicBezTo>
+                <a:cubicBezTo>
+                  <a:pt x="8292091" y="30093"/>
+                  <a:pt x="7997656" y="18914"/>
+                  <a:pt x="7787693" y="18288"/>
+                </a:cubicBezTo>
+                <a:cubicBezTo>
+                  <a:pt x="7577730" y="17662"/>
+                  <a:pt x="7412468" y="21416"/>
+                  <a:pt x="7217862" y="18288"/>
+                </a:cubicBezTo>
+                <a:cubicBezTo>
+                  <a:pt x="7023256" y="15160"/>
+                  <a:pt x="6898018" y="14824"/>
+                  <a:pt x="6648031" y="18288"/>
+                </a:cubicBezTo>
+                <a:cubicBezTo>
+                  <a:pt x="6398044" y="21752"/>
+                  <a:pt x="6254402" y="38625"/>
+                  <a:pt x="6078200" y="18288"/>
+                </a:cubicBezTo>
+                <a:cubicBezTo>
+                  <a:pt x="5901998" y="-2049"/>
+                  <a:pt x="5622886" y="3213"/>
+                  <a:pt x="5508368" y="18288"/>
+                </a:cubicBezTo>
+                <a:cubicBezTo>
+                  <a:pt x="5393850" y="33363"/>
+                  <a:pt x="5036260" y="26830"/>
+                  <a:pt x="4721459" y="18288"/>
+                </a:cubicBezTo>
+                <a:cubicBezTo>
+                  <a:pt x="4406658" y="9746"/>
+                  <a:pt x="4239221" y="41551"/>
+                  <a:pt x="4043088" y="18288"/>
+                </a:cubicBezTo>
+                <a:cubicBezTo>
+                  <a:pt x="3846955" y="-4975"/>
+                  <a:pt x="3818802" y="34658"/>
+                  <a:pt x="3690336" y="18288"/>
+                </a:cubicBezTo>
+                <a:cubicBezTo>
+                  <a:pt x="3561870" y="1918"/>
+                  <a:pt x="3265491" y="42194"/>
+                  <a:pt x="3120504" y="18288"/>
+                </a:cubicBezTo>
+                <a:cubicBezTo>
+                  <a:pt x="2975517" y="-5618"/>
+                  <a:pt x="2720254" y="36673"/>
+                  <a:pt x="2333595" y="18288"/>
+                </a:cubicBezTo>
+                <a:cubicBezTo>
+                  <a:pt x="1946936" y="-97"/>
+                  <a:pt x="2097241" y="5776"/>
+                  <a:pt x="1872303" y="18288"/>
+                </a:cubicBezTo>
+                <a:cubicBezTo>
+                  <a:pt x="1647365" y="30800"/>
+                  <a:pt x="1282708" y="45380"/>
+                  <a:pt x="976854" y="18288"/>
+                </a:cubicBezTo>
+                <a:cubicBezTo>
+                  <a:pt x="671000" y="-8804"/>
+                  <a:pt x="408401" y="-12775"/>
+                  <a:pt x="0" y="18288"/>
+                </a:cubicBezTo>
+                <a:cubicBezTo>
+                  <a:pt x="-213" y="9468"/>
+                  <a:pt x="187" y="4459"/>
+                  <a:pt x="0" y="0"/>
+                </a:cubicBezTo>
+                <a:close/>
+              </a:path>
+              <a:path w="10853928" h="18288" stroke="0" extrusionOk="0">
+                <a:moveTo>
+                  <a:pt x="0" y="0"/>
+                </a:moveTo>
+                <a:cubicBezTo>
+                  <a:pt x="267322" y="15284"/>
+                  <a:pt x="415388" y="-21048"/>
+                  <a:pt x="569831" y="0"/>
+                </a:cubicBezTo>
+                <a:cubicBezTo>
+                  <a:pt x="724274" y="21048"/>
+                  <a:pt x="769333" y="-2353"/>
+                  <a:pt x="922584" y="0"/>
+                </a:cubicBezTo>
+                <a:cubicBezTo>
+                  <a:pt x="1075835" y="2353"/>
+                  <a:pt x="1399490" y="-145"/>
+                  <a:pt x="1818033" y="0"/>
+                </a:cubicBezTo>
+                <a:cubicBezTo>
+                  <a:pt x="2236576" y="145"/>
+                  <a:pt x="2145330" y="5482"/>
+                  <a:pt x="2387864" y="0"/>
+                </a:cubicBezTo>
+                <a:cubicBezTo>
+                  <a:pt x="2630398" y="-5482"/>
+                  <a:pt x="2793207" y="18487"/>
+                  <a:pt x="2957695" y="0"/>
+                </a:cubicBezTo>
+                <a:cubicBezTo>
+                  <a:pt x="3122183" y="-18487"/>
+                  <a:pt x="3579141" y="19003"/>
+                  <a:pt x="3853144" y="0"/>
+                </a:cubicBezTo>
+                <a:cubicBezTo>
+                  <a:pt x="4127147" y="-19003"/>
+                  <a:pt x="4209857" y="12211"/>
+                  <a:pt x="4314436" y="0"/>
+                </a:cubicBezTo>
+                <a:cubicBezTo>
+                  <a:pt x="4419015" y="-12211"/>
+                  <a:pt x="4762459" y="-17220"/>
+                  <a:pt x="5209885" y="0"/>
+                </a:cubicBezTo>
+                <a:cubicBezTo>
+                  <a:pt x="5657311" y="17220"/>
+                  <a:pt x="5692663" y="-3290"/>
+                  <a:pt x="6105335" y="0"/>
+                </a:cubicBezTo>
+                <a:cubicBezTo>
+                  <a:pt x="6518007" y="3290"/>
+                  <a:pt x="6455516" y="-5124"/>
+                  <a:pt x="6783705" y="0"/>
+                </a:cubicBezTo>
+                <a:cubicBezTo>
+                  <a:pt x="7111894" y="5124"/>
+                  <a:pt x="7441941" y="-17829"/>
+                  <a:pt x="7679154" y="0"/>
+                </a:cubicBezTo>
+                <a:cubicBezTo>
+                  <a:pt x="7916367" y="17829"/>
+                  <a:pt x="8102967" y="-24363"/>
+                  <a:pt x="8248985" y="0"/>
+                </a:cubicBezTo>
+                <a:cubicBezTo>
+                  <a:pt x="8395003" y="24363"/>
+                  <a:pt x="8552393" y="25505"/>
+                  <a:pt x="8818817" y="0"/>
+                </a:cubicBezTo>
+                <a:cubicBezTo>
+                  <a:pt x="9085241" y="-25505"/>
+                  <a:pt x="9411308" y="38000"/>
+                  <a:pt x="9605726" y="0"/>
+                </a:cubicBezTo>
+                <a:cubicBezTo>
+                  <a:pt x="9800144" y="-38000"/>
+                  <a:pt x="10006468" y="-25741"/>
+                  <a:pt x="10175558" y="0"/>
+                </a:cubicBezTo>
+                <a:cubicBezTo>
+                  <a:pt x="10344648" y="25741"/>
+                  <a:pt x="10696282" y="695"/>
+                  <a:pt x="10853928" y="0"/>
+                </a:cubicBezTo>
+                <a:cubicBezTo>
+                  <a:pt x="10853521" y="8690"/>
+                  <a:pt x="10853774" y="14141"/>
+                  <a:pt x="10853928" y="18288"/>
+                </a:cubicBezTo>
+                <a:cubicBezTo>
+                  <a:pt x="10608124" y="24255"/>
+                  <a:pt x="10343415" y="22307"/>
+                  <a:pt x="10067018" y="18288"/>
+                </a:cubicBezTo>
+                <a:cubicBezTo>
+                  <a:pt x="9790621" y="14270"/>
+                  <a:pt x="9843266" y="3564"/>
+                  <a:pt x="9714266" y="18288"/>
+                </a:cubicBezTo>
+                <a:cubicBezTo>
+                  <a:pt x="9585266" y="33012"/>
+                  <a:pt x="9379484" y="1875"/>
+                  <a:pt x="9252974" y="18288"/>
+                </a:cubicBezTo>
+                <a:cubicBezTo>
+                  <a:pt x="9126464" y="34701"/>
+                  <a:pt x="8580678" y="-4904"/>
+                  <a:pt x="8357525" y="18288"/>
+                </a:cubicBezTo>
+                <a:cubicBezTo>
+                  <a:pt x="8134372" y="41480"/>
+                  <a:pt x="7903199" y="26458"/>
+                  <a:pt x="7679154" y="18288"/>
+                </a:cubicBezTo>
+                <a:cubicBezTo>
+                  <a:pt x="7455109" y="10118"/>
+                  <a:pt x="7435944" y="27109"/>
+                  <a:pt x="7217862" y="18288"/>
+                </a:cubicBezTo>
+                <a:cubicBezTo>
+                  <a:pt x="6999780" y="9467"/>
+                  <a:pt x="6680409" y="18985"/>
+                  <a:pt x="6539492" y="18288"/>
+                </a:cubicBezTo>
+                <a:cubicBezTo>
+                  <a:pt x="6398575" y="17592"/>
+                  <a:pt x="6312077" y="33018"/>
+                  <a:pt x="6186739" y="18288"/>
+                </a:cubicBezTo>
+                <a:cubicBezTo>
+                  <a:pt x="6061401" y="3558"/>
+                  <a:pt x="5947033" y="12075"/>
+                  <a:pt x="5833986" y="18288"/>
+                </a:cubicBezTo>
+                <a:cubicBezTo>
+                  <a:pt x="5720939" y="24501"/>
+                  <a:pt x="5482226" y="8586"/>
+                  <a:pt x="5155616" y="18288"/>
+                </a:cubicBezTo>
+                <a:cubicBezTo>
+                  <a:pt x="4829006" y="27991"/>
+                  <a:pt x="4841274" y="29316"/>
+                  <a:pt x="4694324" y="18288"/>
+                </a:cubicBezTo>
+                <a:cubicBezTo>
+                  <a:pt x="4547374" y="7260"/>
+                  <a:pt x="4077675" y="7013"/>
+                  <a:pt x="3907414" y="18288"/>
+                </a:cubicBezTo>
+                <a:cubicBezTo>
+                  <a:pt x="3737153" y="29564"/>
+                  <a:pt x="3538393" y="21630"/>
+                  <a:pt x="3446122" y="18288"/>
+                </a:cubicBezTo>
+                <a:cubicBezTo>
+                  <a:pt x="3353851" y="14946"/>
+                  <a:pt x="2990320" y="-8091"/>
+                  <a:pt x="2659212" y="18288"/>
+                </a:cubicBezTo>
+                <a:cubicBezTo>
+                  <a:pt x="2328104" y="44667"/>
+                  <a:pt x="2427653" y="9607"/>
+                  <a:pt x="2306460" y="18288"/>
+                </a:cubicBezTo>
+                <a:cubicBezTo>
+                  <a:pt x="2185267" y="26969"/>
+                  <a:pt x="1719763" y="3717"/>
+                  <a:pt x="1519550" y="18288"/>
+                </a:cubicBezTo>
+                <a:cubicBezTo>
+                  <a:pt x="1319337" y="32860"/>
+                  <a:pt x="1167371" y="17040"/>
+                  <a:pt x="1058258" y="18288"/>
+                </a:cubicBezTo>
+                <a:cubicBezTo>
+                  <a:pt x="949145" y="19536"/>
+                  <a:pt x="780234" y="31447"/>
+                  <a:pt x="705505" y="18288"/>
+                </a:cubicBezTo>
+                <a:cubicBezTo>
+                  <a:pt x="630776" y="5129"/>
+                  <a:pt x="215796" y="30056"/>
+                  <a:pt x="0" y="18288"/>
+                </a:cubicBezTo>
+                <a:cubicBezTo>
+                  <a:pt x="-53" y="11301"/>
+                  <a:pt x="-649" y="7756"/>
+                  <a:pt x="0" y="0"/>
+                </a:cubicBezTo>
+                <a:close/>
+              </a:path>
+            </a:pathLst>
+          </a:custGeom>
+          <a:solidFill>
+            <a:schemeClr val="accent2"/>
+          </a:solidFill>
+          <a:ln w="41275" cap="rnd">
+            <a:solidFill>
+              <a:schemeClr val="accent2"/>
+            </a:solidFill>
+            <a:round/>
+            <a:extLst>
+              <a:ext uri="{C807C97D-BFC1-408E-A445-0C87EB9F89A2}">
+                <ask:lineSketchStyleProps xmlns:ask="http://schemas.microsoft.com/office/drawing/2018/sketchyshapes" sd="1219033472">
+                  <a:prstGeom prst="rect">
+                    <a:avLst/>
+                  </a:prstGeom>
+                  <ask:type>
+                    <ask:lineSketchFreehand/>
+                  </ask:type>
+                </ask:lineSketchStyleProps>
+              </a:ext>
+            </a:extLst>
+          </a:ln>
+        </p:spPr>
+        <p:style>
+          <a:lnRef idx="2">
+            <a:schemeClr val="accent1">
+              <a:shade val="50000"/>
+            </a:schemeClr>
+          </a:lnRef>
+          <a:fillRef idx="1">
+            <a:schemeClr val="accent1"/>
+          </a:fillRef>
+          <a:effectRef idx="0">
+            <a:schemeClr val="accent1"/>
+          </a:effectRef>
+          <a:fontRef idx="minor">
+            <a:schemeClr val="lt1"/>
+          </a:fontRef>
+        </p:style>
+        <p:txBody>
+          <a:bodyPr rtlCol="0" anchor="ctr"/>
+          <a:lstStyle/>
+          <a:p>
+            <a:pPr algn="ctr"/>
+            <a:endParaRPr lang="en-US"/>
+          </a:p>
+        </p:txBody>
+      </p:sp>
+      <p:sp>
+        <p:nvSpPr>
+          <p:cNvPr id="3" name="TextBox 2">
+            <a:extLst>
+              <a:ext uri="{FF2B5EF4-FFF2-40B4-BE49-F238E27FC236}">
+                <a16:creationId xmlns:a16="http://schemas.microsoft.com/office/drawing/2014/main" id="{16DCB96C-D1A9-C1D4-8A81-65BC1DB01E50}"/>
+              </a:ext>
+            </a:extLst>
+          </p:cNvPr>
+          <p:cNvSpPr txBox="1"/>
+          <p:nvPr/>
+        </p:nvSpPr>
+        <p:spPr>
+          <a:xfrm>
+            <a:off x="844296" y="2501958"/>
+            <a:ext cx="10509504" cy="2905686"/>
+          </a:xfrm>
+          <a:prstGeom prst="rect">
+            <a:avLst/>
+          </a:prstGeom>
+        </p:spPr>
+        <p:txBody>
+          <a:bodyPr vert="horz" lIns="91440" tIns="45720" rIns="91440" bIns="45720" rtlCol="0">
+            <a:normAutofit/>
+          </a:bodyPr>
+          <a:lstStyle/>
+          <a:p>
+            <a:pPr marL="342900" indent="-228600">
+              <a:lnSpc>
+                <a:spcPct val="90000"/>
+              </a:lnSpc>
+              <a:spcAft>
+                <a:spcPts val="600"/>
+              </a:spcAft>
+              <a:buFont typeface="Arial" panose="020B0604020202020204" pitchFamily="34" charset="0"/>
+              <a:buChar char="•"/>
+            </a:pPr>
+            <a:r>
+              <a:rPr lang="en-US" sz="1700" dirty="0"/>
+              <a:t>Kubernetes Event-driven Autoscaling (KEDA) is a single-purpose and lightweight component that strives to make application autoscaling simple and is a Cloud Native Computing Federation (CNCF) Graduate project.</a:t>
+            </a:r>
+          </a:p>
+          <a:p>
+            <a:pPr marL="342900" indent="-228600">
+              <a:lnSpc>
+                <a:spcPct val="90000"/>
+              </a:lnSpc>
+              <a:spcAft>
+                <a:spcPts val="600"/>
+              </a:spcAft>
+              <a:buFont typeface="Arial" panose="020B0604020202020204" pitchFamily="34" charset="0"/>
+              <a:buChar char="•"/>
+            </a:pPr>
+            <a:endParaRPr lang="en-US" sz="1700" dirty="0"/>
+          </a:p>
+          <a:p>
+            <a:pPr marL="342900" indent="-228600">
+              <a:lnSpc>
+                <a:spcPct val="90000"/>
+              </a:lnSpc>
+              <a:spcAft>
+                <a:spcPts val="600"/>
+              </a:spcAft>
+              <a:buFont typeface="Arial" panose="020B0604020202020204" pitchFamily="34" charset="0"/>
+              <a:buChar char="•"/>
+            </a:pPr>
+            <a:r>
+              <a:rPr lang="en-US" sz="1700" dirty="0"/>
+              <a:t>It applies event-driven autoscaling to scale your application to meet demand in a sustainable and cost-efficient manner with scale-to-zero.</a:t>
+            </a:r>
+          </a:p>
+          <a:p>
+            <a:pPr marL="342900" indent="-228600">
+              <a:lnSpc>
+                <a:spcPct val="90000"/>
+              </a:lnSpc>
+              <a:spcAft>
+                <a:spcPts val="600"/>
+              </a:spcAft>
+              <a:buFont typeface="Arial" panose="020B0604020202020204" pitchFamily="34" charset="0"/>
+              <a:buChar char="•"/>
+            </a:pPr>
+            <a:endParaRPr lang="en-US" sz="1700" dirty="0"/>
+          </a:p>
+          <a:p>
+            <a:pPr marL="342900" indent="-228600">
+              <a:lnSpc>
+                <a:spcPct val="90000"/>
+              </a:lnSpc>
+              <a:spcAft>
+                <a:spcPts val="600"/>
+              </a:spcAft>
+              <a:buFont typeface="Arial" panose="020B0604020202020204" pitchFamily="34" charset="0"/>
+              <a:buChar char="•"/>
+            </a:pPr>
+            <a:r>
+              <a:rPr lang="en-US" sz="1700" dirty="0"/>
+              <a:t>The KEDA add-on makes it even easier by deploying a managed KEDA installation, providing you with a rich catalog of Azure KEDA scalers that you can scale your applications with on your Azure Kubernetes Services (AKS) cluster.</a:t>
+            </a:r>
+          </a:p>
+        </p:txBody>
+      </p:sp>
+    </p:spTree>
+    <p:extLst>
+      <p:ext uri="{BB962C8B-B14F-4D97-AF65-F5344CB8AC3E}">
+        <p14:creationId xmlns:p14="http://schemas.microsoft.com/office/powerpoint/2010/main" val="632677669"/>
+      </p:ext>
+    </p:extLst>
+  </p:cSld>
+  <p:clrMapOvr>
+    <a:masterClrMapping/>
+  </p:clrMapOvr>
+</p:sld>
+</file>
+
+<file path=ppt/slides/slide44.xml><?xml version="1.0" encoding="utf-8"?>
+<p:sld xmlns:a="http://schemas.openxmlformats.org/drawingml/2006/main" xmlns:r="http://schemas.openxmlformats.org/officeDocument/2006/relationships" xmlns:p="http://schemas.openxmlformats.org/presentationml/2006/main">
+  <p:cSld>
+    <p:bg>
+      <p:bgPr>
+        <a:solidFill>
+          <a:schemeClr val="bg1"/>
+        </a:solidFill>
+        <a:effectLst/>
+      </p:bgPr>
+    </p:bg>
+    <p:spTree>
+      <p:nvGrpSpPr>
+        <p:cNvPr id="1" name="">
+          <a:extLst>
+            <a:ext uri="{FF2B5EF4-FFF2-40B4-BE49-F238E27FC236}">
+              <a16:creationId xmlns:a16="http://schemas.microsoft.com/office/drawing/2014/main" id="{CCA7FF84-655B-AEE9-37DB-0B7AD2A6516E}"/>
+            </a:ext>
+          </a:extLst>
+        </p:cNvPr>
+        <p:cNvGrpSpPr/>
+        <p:nvPr/>
+      </p:nvGrpSpPr>
+      <p:grpSpPr>
+        <a:xfrm>
+          <a:off x="0" y="0"/>
+          <a:ext cx="0" cy="0"/>
+          <a:chOff x="0" y="0"/>
+          <a:chExt cx="0" cy="0"/>
+        </a:xfrm>
+      </p:grpSpPr>
+      <p:sp useBgFill="1">
+        <p:nvSpPr>
+          <p:cNvPr id="8" name="Rectangle 7">
+            <a:extLst>
+              <a:ext uri="{FF2B5EF4-FFF2-40B4-BE49-F238E27FC236}">
+                <a16:creationId xmlns:a16="http://schemas.microsoft.com/office/drawing/2014/main" id="{932C2B4F-7A47-10C0-96F9-87A43F145C09}"/>
+              </a:ext>
+              <a:ext uri="{C183D7F6-B498-43B3-948B-1728B52AA6E4}">
+                <adec:decorative xmlns:adec="http://schemas.microsoft.com/office/drawing/2017/decorative" val="1"/>
+              </a:ext>
+            </a:extLst>
+          </p:cNvPr>
+          <p:cNvSpPr>
+            <a:spLocks noGrp="1" noRot="1" noChangeAspect="1" noMove="1" noResize="1" noEditPoints="1" noAdjustHandles="1" noChangeArrowheads="1" noChangeShapeType="1" noTextEdit="1"/>
+          </p:cNvSpPr>
+          <p:nvPr>
+            <p:extLst>
+              <p:ext uri="{386F3935-93C4-4BCD-93E2-E3B085C9AB24}">
+                <p16:designElem xmlns:p16="http://schemas.microsoft.com/office/powerpoint/2015/main" val="1"/>
+              </p:ext>
+            </p:extLst>
+          </p:nvPr>
+        </p:nvSpPr>
+        <p:spPr>
+          <a:xfrm>
+            <a:off x="0" y="0"/>
+            <a:ext cx="12188952" cy="6858000"/>
+          </a:xfrm>
+          <a:prstGeom prst="rect">
+            <a:avLst/>
+          </a:prstGeom>
+          <a:ln>
+            <a:noFill/>
+          </a:ln>
+        </p:spPr>
+        <p:style>
+          <a:lnRef idx="2">
+            <a:schemeClr val="accent1">
+              <a:shade val="50000"/>
+            </a:schemeClr>
+          </a:lnRef>
+          <a:fillRef idx="1">
+            <a:schemeClr val="accent1"/>
+          </a:fillRef>
+          <a:effectRef idx="0">
+            <a:schemeClr val="accent1"/>
+          </a:effectRef>
+          <a:fontRef idx="minor">
+            <a:schemeClr val="lt1"/>
+          </a:fontRef>
+        </p:style>
+        <p:txBody>
+          <a:bodyPr rtlCol="0" anchor="ctr"/>
+          <a:lstStyle/>
+          <a:p>
+            <a:pPr algn="ctr"/>
+            <a:endParaRPr lang="en-US"/>
+          </a:p>
+        </p:txBody>
+      </p:sp>
+      <p:sp>
+        <p:nvSpPr>
+          <p:cNvPr id="2" name="Title 1">
+            <a:extLst>
+              <a:ext uri="{FF2B5EF4-FFF2-40B4-BE49-F238E27FC236}">
+                <a16:creationId xmlns:a16="http://schemas.microsoft.com/office/drawing/2014/main" id="{9A09ECEC-AE72-1EE4-937E-1E8FC7702621}"/>
+              </a:ext>
+            </a:extLst>
+          </p:cNvPr>
+          <p:cNvSpPr>
+            <a:spLocks noGrp="1"/>
+          </p:cNvSpPr>
+          <p:nvPr>
+            <p:ph type="title"/>
+          </p:nvPr>
+        </p:nvSpPr>
+        <p:spPr>
+          <a:xfrm>
+            <a:off x="838200" y="365125"/>
+            <a:ext cx="10515600" cy="1325563"/>
+          </a:xfrm>
+        </p:spPr>
+        <p:txBody>
+          <a:bodyPr>
+            <a:normAutofit fontScale="90000"/>
+          </a:bodyPr>
+          <a:lstStyle/>
+          <a:p>
+            <a:pPr algn="ctr"/>
+            <a:r>
+              <a:rPr lang="en-US" sz="5400" dirty="0"/>
+              <a:t>Kubernetes Event Driven Scaler (KEDA)</a:t>
+            </a:r>
+          </a:p>
+        </p:txBody>
+      </p:sp>
+      <p:sp>
+        <p:nvSpPr>
+          <p:cNvPr id="10" name="sketch line">
+            <a:extLst>
+              <a:ext uri="{FF2B5EF4-FFF2-40B4-BE49-F238E27FC236}">
+                <a16:creationId xmlns:a16="http://schemas.microsoft.com/office/drawing/2014/main" id="{F08F4D7E-B693-658E-12FC-1209969D17EE}"/>
+              </a:ext>
+              <a:ext uri="{C183D7F6-B498-43B3-948B-1728B52AA6E4}">
+                <adec:decorative xmlns:adec="http://schemas.microsoft.com/office/drawing/2017/decorative" val="1"/>
+              </a:ext>
+            </a:extLst>
+          </p:cNvPr>
+          <p:cNvSpPr>
+            <a:spLocks noGrp="1" noRot="1" noChangeAspect="1" noMove="1" noResize="1" noEditPoints="1" noAdjustHandles="1" noChangeArrowheads="1" noChangeShapeType="1" noTextEdit="1"/>
+          </p:cNvSpPr>
+          <p:nvPr>
+            <p:extLst>
+              <p:ext uri="{386F3935-93C4-4BCD-93E2-E3B085C9AB24}">
+                <p16:designElem xmlns:p16="http://schemas.microsoft.com/office/powerpoint/2015/main" val="1"/>
+              </p:ext>
+            </p:extLst>
+          </p:nvPr>
+        </p:nvSpPr>
+        <p:spPr>
+          <a:xfrm>
+            <a:off x="669036" y="1677373"/>
+            <a:ext cx="10853928" cy="18288"/>
+          </a:xfrm>
+          <a:custGeom>
+            <a:avLst/>
+            <a:gdLst>
+              <a:gd name="csX0" fmla="*/ 0 w 10853928"/>
+              <a:gd name="csY0" fmla="*/ 0 h 18288"/>
+              <a:gd name="csX1" fmla="*/ 461292 w 10853928"/>
+              <a:gd name="csY1" fmla="*/ 0 h 18288"/>
+              <a:gd name="csX2" fmla="*/ 1139662 w 10853928"/>
+              <a:gd name="csY2" fmla="*/ 0 h 18288"/>
+              <a:gd name="csX3" fmla="*/ 1926572 w 10853928"/>
+              <a:gd name="csY3" fmla="*/ 0 h 18288"/>
+              <a:gd name="csX4" fmla="*/ 2279325 w 10853928"/>
+              <a:gd name="csY4" fmla="*/ 0 h 18288"/>
+              <a:gd name="csX5" fmla="*/ 2632078 w 10853928"/>
+              <a:gd name="csY5" fmla="*/ 0 h 18288"/>
+              <a:gd name="csX6" fmla="*/ 3527527 w 10853928"/>
+              <a:gd name="csY6" fmla="*/ 0 h 18288"/>
+              <a:gd name="csX7" fmla="*/ 4205897 w 10853928"/>
+              <a:gd name="csY7" fmla="*/ 0 h 18288"/>
+              <a:gd name="csX8" fmla="*/ 4558650 w 10853928"/>
+              <a:gd name="csY8" fmla="*/ 0 h 18288"/>
+              <a:gd name="csX9" fmla="*/ 5237020 w 10853928"/>
+              <a:gd name="csY9" fmla="*/ 0 h 18288"/>
+              <a:gd name="csX10" fmla="*/ 6132469 w 10853928"/>
+              <a:gd name="csY10" fmla="*/ 0 h 18288"/>
+              <a:gd name="csX11" fmla="*/ 6702301 w 10853928"/>
+              <a:gd name="csY11" fmla="*/ 0 h 18288"/>
+              <a:gd name="csX12" fmla="*/ 7272132 w 10853928"/>
+              <a:gd name="csY12" fmla="*/ 0 h 18288"/>
+              <a:gd name="csX13" fmla="*/ 7950502 w 10853928"/>
+              <a:gd name="csY13" fmla="*/ 0 h 18288"/>
+              <a:gd name="csX14" fmla="*/ 8737412 w 10853928"/>
+              <a:gd name="csY14" fmla="*/ 0 h 18288"/>
+              <a:gd name="csX15" fmla="*/ 9524322 w 10853928"/>
+              <a:gd name="csY15" fmla="*/ 0 h 18288"/>
+              <a:gd name="csX16" fmla="*/ 10853928 w 10853928"/>
+              <a:gd name="csY16" fmla="*/ 0 h 18288"/>
+              <a:gd name="csX17" fmla="*/ 10853928 w 10853928"/>
+              <a:gd name="csY17" fmla="*/ 18288 h 18288"/>
+              <a:gd name="csX18" fmla="*/ 10392636 w 10853928"/>
+              <a:gd name="csY18" fmla="*/ 18288 h 18288"/>
+              <a:gd name="csX19" fmla="*/ 9497187 w 10853928"/>
+              <a:gd name="csY19" fmla="*/ 18288 h 18288"/>
+              <a:gd name="csX20" fmla="*/ 8818817 w 10853928"/>
+              <a:gd name="csY20" fmla="*/ 18288 h 18288"/>
+              <a:gd name="csX21" fmla="*/ 8466064 w 10853928"/>
+              <a:gd name="csY21" fmla="*/ 18288 h 18288"/>
+              <a:gd name="csX22" fmla="*/ 7787693 w 10853928"/>
+              <a:gd name="csY22" fmla="*/ 18288 h 18288"/>
+              <a:gd name="csX23" fmla="*/ 7217862 w 10853928"/>
+              <a:gd name="csY23" fmla="*/ 18288 h 18288"/>
+              <a:gd name="csX24" fmla="*/ 6648031 w 10853928"/>
+              <a:gd name="csY24" fmla="*/ 18288 h 18288"/>
+              <a:gd name="csX25" fmla="*/ 6078200 w 10853928"/>
+              <a:gd name="csY25" fmla="*/ 18288 h 18288"/>
+              <a:gd name="csX26" fmla="*/ 5508368 w 10853928"/>
+              <a:gd name="csY26" fmla="*/ 18288 h 18288"/>
+              <a:gd name="csX27" fmla="*/ 4721459 w 10853928"/>
+              <a:gd name="csY27" fmla="*/ 18288 h 18288"/>
+              <a:gd name="csX28" fmla="*/ 4043088 w 10853928"/>
+              <a:gd name="csY28" fmla="*/ 18288 h 18288"/>
+              <a:gd name="csX29" fmla="*/ 3690336 w 10853928"/>
+              <a:gd name="csY29" fmla="*/ 18288 h 18288"/>
+              <a:gd name="csX30" fmla="*/ 3120504 w 10853928"/>
+              <a:gd name="csY30" fmla="*/ 18288 h 18288"/>
+              <a:gd name="csX31" fmla="*/ 2333595 w 10853928"/>
+              <a:gd name="csY31" fmla="*/ 18288 h 18288"/>
+              <a:gd name="csX32" fmla="*/ 1872303 w 10853928"/>
+              <a:gd name="csY32" fmla="*/ 18288 h 18288"/>
+              <a:gd name="csX33" fmla="*/ 976854 w 10853928"/>
+              <a:gd name="csY33" fmla="*/ 18288 h 18288"/>
+              <a:gd name="csX34" fmla="*/ 0 w 10853928"/>
+              <a:gd name="csY34" fmla="*/ 18288 h 18288"/>
+              <a:gd name="csX35" fmla="*/ 0 w 10853928"/>
+              <a:gd name="csY35" fmla="*/ 0 h 18288"/>
+            </a:gdLst>
+            <a:ahLst/>
+            <a:cxnLst>
+              <a:cxn ang="0">
+                <a:pos x="csX0" y="csY0"/>
+              </a:cxn>
+              <a:cxn ang="0">
+                <a:pos x="csX1" y="csY1"/>
+              </a:cxn>
+              <a:cxn ang="0">
+                <a:pos x="csX2" y="csY2"/>
+              </a:cxn>
+              <a:cxn ang="0">
+                <a:pos x="csX3" y="csY3"/>
+              </a:cxn>
+              <a:cxn ang="0">
+                <a:pos x="csX4" y="csY4"/>
+              </a:cxn>
+              <a:cxn ang="0">
+                <a:pos x="csX5" y="csY5"/>
+              </a:cxn>
+              <a:cxn ang="0">
+                <a:pos x="csX6" y="csY6"/>
+              </a:cxn>
+              <a:cxn ang="0">
+                <a:pos x="csX7" y="csY7"/>
+              </a:cxn>
+              <a:cxn ang="0">
+                <a:pos x="csX8" y="csY8"/>
+              </a:cxn>
+              <a:cxn ang="0">
+                <a:pos x="csX9" y="csY9"/>
+              </a:cxn>
+              <a:cxn ang="0">
+                <a:pos x="csX10" y="csY10"/>
+              </a:cxn>
+              <a:cxn ang="0">
+                <a:pos x="csX11" y="csY11"/>
+              </a:cxn>
+              <a:cxn ang="0">
+                <a:pos x="csX12" y="csY12"/>
+              </a:cxn>
+              <a:cxn ang="0">
+                <a:pos x="csX13" y="csY13"/>
+              </a:cxn>
+              <a:cxn ang="0">
+                <a:pos x="csX14" y="csY14"/>
+              </a:cxn>
+              <a:cxn ang="0">
+                <a:pos x="csX15" y="csY15"/>
+              </a:cxn>
+              <a:cxn ang="0">
+                <a:pos x="csX16" y="csY16"/>
+              </a:cxn>
+              <a:cxn ang="0">
+                <a:pos x="csX17" y="csY17"/>
+              </a:cxn>
+              <a:cxn ang="0">
+                <a:pos x="csX18" y="csY18"/>
+              </a:cxn>
+              <a:cxn ang="0">
+                <a:pos x="csX19" y="csY19"/>
+              </a:cxn>
+              <a:cxn ang="0">
+                <a:pos x="csX20" y="csY20"/>
+              </a:cxn>
+              <a:cxn ang="0">
+                <a:pos x="csX21" y="csY21"/>
+              </a:cxn>
+              <a:cxn ang="0">
+                <a:pos x="csX22" y="csY22"/>
+              </a:cxn>
+              <a:cxn ang="0">
+                <a:pos x="csX23" y="csY23"/>
+              </a:cxn>
+              <a:cxn ang="0">
+                <a:pos x="csX24" y="csY24"/>
+              </a:cxn>
+              <a:cxn ang="0">
+                <a:pos x="csX25" y="csY25"/>
+              </a:cxn>
+              <a:cxn ang="0">
+                <a:pos x="csX26" y="csY26"/>
+              </a:cxn>
+              <a:cxn ang="0">
+                <a:pos x="csX27" y="csY27"/>
+              </a:cxn>
+              <a:cxn ang="0">
+                <a:pos x="csX28" y="csY28"/>
+              </a:cxn>
+              <a:cxn ang="0">
+                <a:pos x="csX29" y="csY29"/>
+              </a:cxn>
+              <a:cxn ang="0">
+                <a:pos x="csX30" y="csY30"/>
+              </a:cxn>
+              <a:cxn ang="0">
+                <a:pos x="csX31" y="csY31"/>
+              </a:cxn>
+              <a:cxn ang="0">
+                <a:pos x="csX32" y="csY32"/>
+              </a:cxn>
+              <a:cxn ang="0">
+                <a:pos x="csX33" y="csY33"/>
+              </a:cxn>
+              <a:cxn ang="0">
+                <a:pos x="csX34" y="csY34"/>
+              </a:cxn>
+              <a:cxn ang="0">
+                <a:pos x="csX35" y="csY35"/>
+              </a:cxn>
+            </a:cxnLst>
+            <a:rect l="l" t="t" r="r" b="b"/>
+            <a:pathLst>
+              <a:path w="10853928" h="18288" fill="none" extrusionOk="0">
+                <a:moveTo>
+                  <a:pt x="0" y="0"/>
+                </a:moveTo>
+                <a:cubicBezTo>
+                  <a:pt x="146993" y="-19076"/>
+                  <a:pt x="347684" y="-4790"/>
+                  <a:pt x="461292" y="0"/>
+                </a:cubicBezTo>
+                <a:cubicBezTo>
+                  <a:pt x="574900" y="4790"/>
+                  <a:pt x="808367" y="19821"/>
+                  <a:pt x="1139662" y="0"/>
+                </a:cubicBezTo>
+                <a:cubicBezTo>
+                  <a:pt x="1470957" y="-19821"/>
+                  <a:pt x="1627405" y="5721"/>
+                  <a:pt x="1926572" y="0"/>
+                </a:cubicBezTo>
+                <a:cubicBezTo>
+                  <a:pt x="2225739" y="-5721"/>
+                  <a:pt x="2137730" y="-3235"/>
+                  <a:pt x="2279325" y="0"/>
+                </a:cubicBezTo>
+                <a:cubicBezTo>
+                  <a:pt x="2420920" y="3235"/>
+                  <a:pt x="2456518" y="9685"/>
+                  <a:pt x="2632078" y="0"/>
+                </a:cubicBezTo>
+                <a:cubicBezTo>
+                  <a:pt x="2807638" y="-9685"/>
+                  <a:pt x="3211516" y="-43007"/>
+                  <a:pt x="3527527" y="0"/>
+                </a:cubicBezTo>
+                <a:cubicBezTo>
+                  <a:pt x="3843538" y="43007"/>
+                  <a:pt x="4058833" y="22042"/>
+                  <a:pt x="4205897" y="0"/>
+                </a:cubicBezTo>
+                <a:cubicBezTo>
+                  <a:pt x="4352961" y="-22042"/>
+                  <a:pt x="4474805" y="-11846"/>
+                  <a:pt x="4558650" y="0"/>
+                </a:cubicBezTo>
+                <a:cubicBezTo>
+                  <a:pt x="4642495" y="11846"/>
+                  <a:pt x="5041928" y="-6069"/>
+                  <a:pt x="5237020" y="0"/>
+                </a:cubicBezTo>
+                <a:cubicBezTo>
+                  <a:pt x="5432112" y="6069"/>
+                  <a:pt x="5943266" y="-17479"/>
+                  <a:pt x="6132469" y="0"/>
+                </a:cubicBezTo>
+                <a:cubicBezTo>
+                  <a:pt x="6321672" y="17479"/>
+                  <a:pt x="6483872" y="26234"/>
+                  <a:pt x="6702301" y="0"/>
+                </a:cubicBezTo>
+                <a:cubicBezTo>
+                  <a:pt x="6920730" y="-26234"/>
+                  <a:pt x="6991194" y="-15156"/>
+                  <a:pt x="7272132" y="0"/>
+                </a:cubicBezTo>
+                <a:cubicBezTo>
+                  <a:pt x="7553070" y="15156"/>
+                  <a:pt x="7684444" y="-32961"/>
+                  <a:pt x="7950502" y="0"/>
+                </a:cubicBezTo>
+                <a:cubicBezTo>
+                  <a:pt x="8216560" y="32961"/>
+                  <a:pt x="8493290" y="-10491"/>
+                  <a:pt x="8737412" y="0"/>
+                </a:cubicBezTo>
+                <a:cubicBezTo>
+                  <a:pt x="8981534" y="10491"/>
+                  <a:pt x="9191586" y="-13899"/>
+                  <a:pt x="9524322" y="0"/>
+                </a:cubicBezTo>
+                <a:cubicBezTo>
+                  <a:pt x="9857058" y="13899"/>
+                  <a:pt x="10297509" y="7485"/>
+                  <a:pt x="10853928" y="0"/>
+                </a:cubicBezTo>
+                <a:cubicBezTo>
+                  <a:pt x="10854574" y="4451"/>
+                  <a:pt x="10854418" y="9226"/>
+                  <a:pt x="10853928" y="18288"/>
+                </a:cubicBezTo>
+                <a:cubicBezTo>
+                  <a:pt x="10691638" y="28522"/>
+                  <a:pt x="10574319" y="29578"/>
+                  <a:pt x="10392636" y="18288"/>
+                </a:cubicBezTo>
+                <a:cubicBezTo>
+                  <a:pt x="10210953" y="6998"/>
+                  <a:pt x="9836277" y="-16742"/>
+                  <a:pt x="9497187" y="18288"/>
+                </a:cubicBezTo>
+                <a:cubicBezTo>
+                  <a:pt x="9158097" y="53318"/>
+                  <a:pt x="9119479" y="30714"/>
+                  <a:pt x="8818817" y="18288"/>
+                </a:cubicBezTo>
+                <a:cubicBezTo>
+                  <a:pt x="8518155" y="5863"/>
+                  <a:pt x="8640037" y="6483"/>
+                  <a:pt x="8466064" y="18288"/>
+                </a:cubicBezTo>
+                <a:cubicBezTo>
+                  <a:pt x="8292091" y="30093"/>
+                  <a:pt x="7997656" y="18914"/>
+                  <a:pt x="7787693" y="18288"/>
+                </a:cubicBezTo>
+                <a:cubicBezTo>
+                  <a:pt x="7577730" y="17662"/>
+                  <a:pt x="7412468" y="21416"/>
+                  <a:pt x="7217862" y="18288"/>
+                </a:cubicBezTo>
+                <a:cubicBezTo>
+                  <a:pt x="7023256" y="15160"/>
+                  <a:pt x="6898018" y="14824"/>
+                  <a:pt x="6648031" y="18288"/>
+                </a:cubicBezTo>
+                <a:cubicBezTo>
+                  <a:pt x="6398044" y="21752"/>
+                  <a:pt x="6254402" y="38625"/>
+                  <a:pt x="6078200" y="18288"/>
+                </a:cubicBezTo>
+                <a:cubicBezTo>
+                  <a:pt x="5901998" y="-2049"/>
+                  <a:pt x="5622886" y="3213"/>
+                  <a:pt x="5508368" y="18288"/>
+                </a:cubicBezTo>
+                <a:cubicBezTo>
+                  <a:pt x="5393850" y="33363"/>
+                  <a:pt x="5036260" y="26830"/>
+                  <a:pt x="4721459" y="18288"/>
+                </a:cubicBezTo>
+                <a:cubicBezTo>
+                  <a:pt x="4406658" y="9746"/>
+                  <a:pt x="4239221" y="41551"/>
+                  <a:pt x="4043088" y="18288"/>
+                </a:cubicBezTo>
+                <a:cubicBezTo>
+                  <a:pt x="3846955" y="-4975"/>
+                  <a:pt x="3818802" y="34658"/>
+                  <a:pt x="3690336" y="18288"/>
+                </a:cubicBezTo>
+                <a:cubicBezTo>
+                  <a:pt x="3561870" y="1918"/>
+                  <a:pt x="3265491" y="42194"/>
+                  <a:pt x="3120504" y="18288"/>
+                </a:cubicBezTo>
+                <a:cubicBezTo>
+                  <a:pt x="2975517" y="-5618"/>
+                  <a:pt x="2720254" y="36673"/>
+                  <a:pt x="2333595" y="18288"/>
+                </a:cubicBezTo>
+                <a:cubicBezTo>
+                  <a:pt x="1946936" y="-97"/>
+                  <a:pt x="2097241" y="5776"/>
+                  <a:pt x="1872303" y="18288"/>
+                </a:cubicBezTo>
+                <a:cubicBezTo>
+                  <a:pt x="1647365" y="30800"/>
+                  <a:pt x="1282708" y="45380"/>
+                  <a:pt x="976854" y="18288"/>
+                </a:cubicBezTo>
+                <a:cubicBezTo>
+                  <a:pt x="671000" y="-8804"/>
+                  <a:pt x="408401" y="-12775"/>
+                  <a:pt x="0" y="18288"/>
+                </a:cubicBezTo>
+                <a:cubicBezTo>
+                  <a:pt x="-213" y="9468"/>
+                  <a:pt x="187" y="4459"/>
+                  <a:pt x="0" y="0"/>
+                </a:cubicBezTo>
+                <a:close/>
+              </a:path>
+              <a:path w="10853928" h="18288" stroke="0" extrusionOk="0">
+                <a:moveTo>
+                  <a:pt x="0" y="0"/>
+                </a:moveTo>
+                <a:cubicBezTo>
+                  <a:pt x="267322" y="15284"/>
+                  <a:pt x="415388" y="-21048"/>
+                  <a:pt x="569831" y="0"/>
+                </a:cubicBezTo>
+                <a:cubicBezTo>
+                  <a:pt x="724274" y="21048"/>
+                  <a:pt x="769333" y="-2353"/>
+                  <a:pt x="922584" y="0"/>
+                </a:cubicBezTo>
+                <a:cubicBezTo>
+                  <a:pt x="1075835" y="2353"/>
+                  <a:pt x="1399490" y="-145"/>
+                  <a:pt x="1818033" y="0"/>
+                </a:cubicBezTo>
+                <a:cubicBezTo>
+                  <a:pt x="2236576" y="145"/>
+                  <a:pt x="2145330" y="5482"/>
+                  <a:pt x="2387864" y="0"/>
+                </a:cubicBezTo>
+                <a:cubicBezTo>
+                  <a:pt x="2630398" y="-5482"/>
+                  <a:pt x="2793207" y="18487"/>
+                  <a:pt x="2957695" y="0"/>
+                </a:cubicBezTo>
+                <a:cubicBezTo>
+                  <a:pt x="3122183" y="-18487"/>
+                  <a:pt x="3579141" y="19003"/>
+                  <a:pt x="3853144" y="0"/>
+                </a:cubicBezTo>
+                <a:cubicBezTo>
+                  <a:pt x="4127147" y="-19003"/>
+                  <a:pt x="4209857" y="12211"/>
+                  <a:pt x="4314436" y="0"/>
+                </a:cubicBezTo>
+                <a:cubicBezTo>
+                  <a:pt x="4419015" y="-12211"/>
+                  <a:pt x="4762459" y="-17220"/>
+                  <a:pt x="5209885" y="0"/>
+                </a:cubicBezTo>
+                <a:cubicBezTo>
+                  <a:pt x="5657311" y="17220"/>
+                  <a:pt x="5692663" y="-3290"/>
+                  <a:pt x="6105335" y="0"/>
+                </a:cubicBezTo>
+                <a:cubicBezTo>
+                  <a:pt x="6518007" y="3290"/>
+                  <a:pt x="6455516" y="-5124"/>
+                  <a:pt x="6783705" y="0"/>
+                </a:cubicBezTo>
+                <a:cubicBezTo>
+                  <a:pt x="7111894" y="5124"/>
+                  <a:pt x="7441941" y="-17829"/>
+                  <a:pt x="7679154" y="0"/>
+                </a:cubicBezTo>
+                <a:cubicBezTo>
+                  <a:pt x="7916367" y="17829"/>
+                  <a:pt x="8102967" y="-24363"/>
+                  <a:pt x="8248985" y="0"/>
+                </a:cubicBezTo>
+                <a:cubicBezTo>
+                  <a:pt x="8395003" y="24363"/>
+                  <a:pt x="8552393" y="25505"/>
+                  <a:pt x="8818817" y="0"/>
+                </a:cubicBezTo>
+                <a:cubicBezTo>
+                  <a:pt x="9085241" y="-25505"/>
+                  <a:pt x="9411308" y="38000"/>
+                  <a:pt x="9605726" y="0"/>
+                </a:cubicBezTo>
+                <a:cubicBezTo>
+                  <a:pt x="9800144" y="-38000"/>
+                  <a:pt x="10006468" y="-25741"/>
+                  <a:pt x="10175558" y="0"/>
+                </a:cubicBezTo>
+                <a:cubicBezTo>
+                  <a:pt x="10344648" y="25741"/>
+                  <a:pt x="10696282" y="695"/>
+                  <a:pt x="10853928" y="0"/>
+                </a:cubicBezTo>
+                <a:cubicBezTo>
+                  <a:pt x="10853521" y="8690"/>
+                  <a:pt x="10853774" y="14141"/>
+                  <a:pt x="10853928" y="18288"/>
+                </a:cubicBezTo>
+                <a:cubicBezTo>
+                  <a:pt x="10608124" y="24255"/>
+                  <a:pt x="10343415" y="22307"/>
+                  <a:pt x="10067018" y="18288"/>
+                </a:cubicBezTo>
+                <a:cubicBezTo>
+                  <a:pt x="9790621" y="14270"/>
+                  <a:pt x="9843266" y="3564"/>
+                  <a:pt x="9714266" y="18288"/>
+                </a:cubicBezTo>
+                <a:cubicBezTo>
+                  <a:pt x="9585266" y="33012"/>
+                  <a:pt x="9379484" y="1875"/>
+                  <a:pt x="9252974" y="18288"/>
+                </a:cubicBezTo>
+                <a:cubicBezTo>
+                  <a:pt x="9126464" y="34701"/>
+                  <a:pt x="8580678" y="-4904"/>
+                  <a:pt x="8357525" y="18288"/>
+                </a:cubicBezTo>
+                <a:cubicBezTo>
+                  <a:pt x="8134372" y="41480"/>
+                  <a:pt x="7903199" y="26458"/>
+                  <a:pt x="7679154" y="18288"/>
+                </a:cubicBezTo>
+                <a:cubicBezTo>
+                  <a:pt x="7455109" y="10118"/>
+                  <a:pt x="7435944" y="27109"/>
+                  <a:pt x="7217862" y="18288"/>
+                </a:cubicBezTo>
+                <a:cubicBezTo>
+                  <a:pt x="6999780" y="9467"/>
+                  <a:pt x="6680409" y="18985"/>
+                  <a:pt x="6539492" y="18288"/>
+                </a:cubicBezTo>
+                <a:cubicBezTo>
+                  <a:pt x="6398575" y="17592"/>
+                  <a:pt x="6312077" y="33018"/>
+                  <a:pt x="6186739" y="18288"/>
+                </a:cubicBezTo>
+                <a:cubicBezTo>
+                  <a:pt x="6061401" y="3558"/>
+                  <a:pt x="5947033" y="12075"/>
+                  <a:pt x="5833986" y="18288"/>
+                </a:cubicBezTo>
+                <a:cubicBezTo>
+                  <a:pt x="5720939" y="24501"/>
+                  <a:pt x="5482226" y="8586"/>
+                  <a:pt x="5155616" y="18288"/>
+                </a:cubicBezTo>
+                <a:cubicBezTo>
+                  <a:pt x="4829006" y="27991"/>
+                  <a:pt x="4841274" y="29316"/>
+                  <a:pt x="4694324" y="18288"/>
+                </a:cubicBezTo>
+                <a:cubicBezTo>
+                  <a:pt x="4547374" y="7260"/>
+                  <a:pt x="4077675" y="7013"/>
+                  <a:pt x="3907414" y="18288"/>
+                </a:cubicBezTo>
+                <a:cubicBezTo>
+                  <a:pt x="3737153" y="29564"/>
+                  <a:pt x="3538393" y="21630"/>
+                  <a:pt x="3446122" y="18288"/>
+                </a:cubicBezTo>
+                <a:cubicBezTo>
+                  <a:pt x="3353851" y="14946"/>
+                  <a:pt x="2990320" y="-8091"/>
+                  <a:pt x="2659212" y="18288"/>
+                </a:cubicBezTo>
+                <a:cubicBezTo>
+                  <a:pt x="2328104" y="44667"/>
+                  <a:pt x="2427653" y="9607"/>
+                  <a:pt x="2306460" y="18288"/>
+                </a:cubicBezTo>
+                <a:cubicBezTo>
+                  <a:pt x="2185267" y="26969"/>
+                  <a:pt x="1719763" y="3717"/>
+                  <a:pt x="1519550" y="18288"/>
+                </a:cubicBezTo>
+                <a:cubicBezTo>
+                  <a:pt x="1319337" y="32860"/>
+                  <a:pt x="1167371" y="17040"/>
+                  <a:pt x="1058258" y="18288"/>
+                </a:cubicBezTo>
+                <a:cubicBezTo>
+                  <a:pt x="949145" y="19536"/>
+                  <a:pt x="780234" y="31447"/>
+                  <a:pt x="705505" y="18288"/>
+                </a:cubicBezTo>
+                <a:cubicBezTo>
+                  <a:pt x="630776" y="5129"/>
+                  <a:pt x="215796" y="30056"/>
+                  <a:pt x="0" y="18288"/>
+                </a:cubicBezTo>
+                <a:cubicBezTo>
+                  <a:pt x="-53" y="11301"/>
+                  <a:pt x="-649" y="7756"/>
+                  <a:pt x="0" y="0"/>
+                </a:cubicBezTo>
+                <a:close/>
+              </a:path>
+            </a:pathLst>
+          </a:custGeom>
+          <a:solidFill>
+            <a:schemeClr val="accent2"/>
+          </a:solidFill>
+          <a:ln w="41275" cap="rnd">
+            <a:solidFill>
+              <a:schemeClr val="accent2"/>
+            </a:solidFill>
+            <a:round/>
+            <a:extLst>
+              <a:ext uri="{C807C97D-BFC1-408E-A445-0C87EB9F89A2}">
+                <ask:lineSketchStyleProps xmlns:ask="http://schemas.microsoft.com/office/drawing/2018/sketchyshapes" sd="1219033472">
+                  <a:prstGeom prst="rect">
+                    <a:avLst/>
+                  </a:prstGeom>
+                  <ask:type>
+                    <ask:lineSketchFreehand/>
+                  </ask:type>
+                </ask:lineSketchStyleProps>
+              </a:ext>
+            </a:extLst>
+          </a:ln>
+        </p:spPr>
+        <p:style>
+          <a:lnRef idx="2">
+            <a:schemeClr val="accent1">
+              <a:shade val="50000"/>
+            </a:schemeClr>
+          </a:lnRef>
+          <a:fillRef idx="1">
+            <a:schemeClr val="accent1"/>
+          </a:fillRef>
+          <a:effectRef idx="0">
+            <a:schemeClr val="accent1"/>
+          </a:effectRef>
+          <a:fontRef idx="minor">
+            <a:schemeClr val="lt1"/>
+          </a:fontRef>
+        </p:style>
+        <p:txBody>
+          <a:bodyPr rtlCol="0" anchor="ctr"/>
+          <a:lstStyle/>
+          <a:p>
+            <a:pPr algn="ctr"/>
+            <a:endParaRPr lang="en-US"/>
+          </a:p>
+        </p:txBody>
+      </p:sp>
+      <p:pic>
+        <p:nvPicPr>
+          <p:cNvPr id="4" name="Picture 3" descr="Diagram that shows the architecture of KEDA and how it extends Kubernetes.">
+            <a:extLst>
+              <a:ext uri="{FF2B5EF4-FFF2-40B4-BE49-F238E27FC236}">
+                <a16:creationId xmlns:a16="http://schemas.microsoft.com/office/drawing/2014/main" id="{7695E234-2B88-F9F4-C89E-029BD2EAEB04}"/>
+              </a:ext>
+            </a:extLst>
+          </p:cNvPr>
+          <p:cNvPicPr>
+            <a:picLocks noChangeAspect="1"/>
+          </p:cNvPicPr>
+          <p:nvPr/>
+        </p:nvPicPr>
+        <p:blipFill>
+          <a:blip r:embed="rId2"/>
+          <a:stretch>
+            <a:fillRect/>
+          </a:stretch>
+        </p:blipFill>
+        <p:spPr>
+          <a:xfrm>
+            <a:off x="128511" y="1972532"/>
+            <a:ext cx="5838979" cy="4520343"/>
+          </a:xfrm>
+          <a:prstGeom prst="rect">
+            <a:avLst/>
+          </a:prstGeom>
+        </p:spPr>
+      </p:pic>
+      <p:sp>
+        <p:nvSpPr>
+          <p:cNvPr id="6" name="TextBox 5">
+            <a:extLst>
+              <a:ext uri="{FF2B5EF4-FFF2-40B4-BE49-F238E27FC236}">
+                <a16:creationId xmlns:a16="http://schemas.microsoft.com/office/drawing/2014/main" id="{AB57090E-768D-B605-4E07-B04D5348A0D7}"/>
+              </a:ext>
+            </a:extLst>
+          </p:cNvPr>
+          <p:cNvSpPr txBox="1"/>
+          <p:nvPr/>
+        </p:nvSpPr>
+        <p:spPr>
+          <a:xfrm>
+            <a:off x="6030221" y="2515462"/>
+            <a:ext cx="6096000" cy="3139321"/>
+          </a:xfrm>
+          <a:prstGeom prst="rect">
+            <a:avLst/>
+          </a:prstGeom>
+          <a:noFill/>
+        </p:spPr>
+        <p:txBody>
+          <a:bodyPr wrap="square">
+            <a:spAutoFit/>
+          </a:bodyPr>
+          <a:lstStyle/>
+          <a:p>
+            <a:pPr marL="285750" indent="-285750">
+              <a:buFont typeface="Arial" panose="020B0604020202020204" pitchFamily="34" charset="0"/>
+              <a:buChar char="•"/>
+            </a:pPr>
+            <a:r>
+              <a:rPr lang="en-US" b="1" dirty="0"/>
+              <a:t>KEDA operator </a:t>
+            </a:r>
+            <a:r>
+              <a:rPr lang="en-US" dirty="0"/>
+              <a:t>allows end-users to scale workloads in or out from 0 to N instances with support for Kubernetes Deployments, Jobs, </a:t>
+            </a:r>
+            <a:r>
+              <a:rPr lang="en-US" dirty="0" err="1"/>
+              <a:t>StatefulSets</a:t>
+            </a:r>
+            <a:r>
+              <a:rPr lang="en-US" dirty="0"/>
+              <a:t>, or any custom resource that defines /scale </a:t>
+            </a:r>
+            <a:r>
+              <a:rPr lang="en-US" dirty="0" err="1"/>
+              <a:t>subresource</a:t>
+            </a:r>
+            <a:r>
+              <a:rPr lang="en-US" dirty="0"/>
+              <a:t>.</a:t>
+            </a:r>
+          </a:p>
+          <a:p>
+            <a:endParaRPr lang="en-US" dirty="0"/>
+          </a:p>
+          <a:p>
+            <a:pPr marL="285750" indent="-285750">
+              <a:buFont typeface="Arial" panose="020B0604020202020204" pitchFamily="34" charset="0"/>
+              <a:buChar char="•"/>
+            </a:pPr>
+            <a:r>
+              <a:rPr lang="en-US" b="1" dirty="0"/>
+              <a:t>Metrics server </a:t>
+            </a:r>
+            <a:r>
+              <a:rPr lang="en-US" dirty="0"/>
+              <a:t>exposes external metrics to Horizontal Pod </a:t>
+            </a:r>
+            <a:r>
+              <a:rPr lang="en-US" dirty="0" err="1"/>
+              <a:t>Autoscaler</a:t>
+            </a:r>
+            <a:r>
+              <a:rPr lang="en-US" dirty="0"/>
+              <a:t> (HPA) in Kubernetes for autoscaling purposes such as messages in a Kafka topic, or number of events in an Azure event hub. Due to upstream limitations, KEDA must be the only installed external metric adapter.</a:t>
+            </a:r>
+          </a:p>
+        </p:txBody>
+      </p:sp>
+    </p:spTree>
+    <p:extLst>
+      <p:ext uri="{BB962C8B-B14F-4D97-AF65-F5344CB8AC3E}">
+        <p14:creationId xmlns:p14="http://schemas.microsoft.com/office/powerpoint/2010/main" val="1375457156"/>
+      </p:ext>
+    </p:extLst>
+  </p:cSld>
+  <p:clrMapOvr>
+    <a:masterClrMapping/>
+  </p:clrMapOvr>
+</p:sld>
+</file>
+
+<file path=ppt/slides/slide45.xml><?xml version="1.0" encoding="utf-8"?>
+<p:sld xmlns:a="http://schemas.openxmlformats.org/drawingml/2006/main" xmlns:r="http://schemas.openxmlformats.org/officeDocument/2006/relationships" xmlns:p="http://schemas.openxmlformats.org/presentationml/2006/main">
+  <p:cSld>
+    <p:bg>
+      <p:bgPr>
+        <a:solidFill>
+          <a:schemeClr val="bg1"/>
+        </a:solidFill>
+        <a:effectLst/>
+      </p:bgPr>
+    </p:bg>
+    <p:spTree>
+      <p:nvGrpSpPr>
+        <p:cNvPr id="1" name="">
+          <a:extLst>
+            <a:ext uri="{FF2B5EF4-FFF2-40B4-BE49-F238E27FC236}">
+              <a16:creationId xmlns:a16="http://schemas.microsoft.com/office/drawing/2014/main" id="{DBB17113-F354-0009-B209-A84C2D49673F}"/>
+            </a:ext>
+          </a:extLst>
+        </p:cNvPr>
+        <p:cNvGrpSpPr/>
+        <p:nvPr/>
+      </p:nvGrpSpPr>
+      <p:grpSpPr>
+        <a:xfrm>
+          <a:off x="0" y="0"/>
+          <a:ext cx="0" cy="0"/>
+          <a:chOff x="0" y="0"/>
+          <a:chExt cx="0" cy="0"/>
+        </a:xfrm>
+      </p:grpSpPr>
+      <p:sp useBgFill="1">
+        <p:nvSpPr>
+          <p:cNvPr id="8" name="Rectangle 7">
+            <a:extLst>
+              <a:ext uri="{FF2B5EF4-FFF2-40B4-BE49-F238E27FC236}">
+                <a16:creationId xmlns:a16="http://schemas.microsoft.com/office/drawing/2014/main" id="{95A5F2F8-77AF-98B3-ECD8-ADB29AB85779}"/>
+              </a:ext>
+              <a:ext uri="{C183D7F6-B498-43B3-948B-1728B52AA6E4}">
+                <adec:decorative xmlns:adec="http://schemas.microsoft.com/office/drawing/2017/decorative" val="1"/>
+              </a:ext>
+            </a:extLst>
+          </p:cNvPr>
+          <p:cNvSpPr>
+            <a:spLocks noGrp="1" noRot="1" noChangeAspect="1" noMove="1" noResize="1" noEditPoints="1" noAdjustHandles="1" noChangeArrowheads="1" noChangeShapeType="1" noTextEdit="1"/>
+          </p:cNvSpPr>
+          <p:nvPr>
+            <p:extLst>
+              <p:ext uri="{386F3935-93C4-4BCD-93E2-E3B085C9AB24}">
+                <p16:designElem xmlns:p16="http://schemas.microsoft.com/office/powerpoint/2015/main" val="1"/>
+              </p:ext>
+            </p:extLst>
+          </p:nvPr>
+        </p:nvSpPr>
+        <p:spPr>
+          <a:xfrm>
+            <a:off x="0" y="0"/>
+            <a:ext cx="12188952" cy="6858000"/>
+          </a:xfrm>
+          <a:prstGeom prst="rect">
+            <a:avLst/>
+          </a:prstGeom>
+          <a:ln>
+            <a:noFill/>
+          </a:ln>
+        </p:spPr>
+        <p:style>
+          <a:lnRef idx="2">
+            <a:schemeClr val="accent1">
+              <a:shade val="50000"/>
+            </a:schemeClr>
+          </a:lnRef>
+          <a:fillRef idx="1">
+            <a:schemeClr val="accent1"/>
+          </a:fillRef>
+          <a:effectRef idx="0">
+            <a:schemeClr val="accent1"/>
+          </a:effectRef>
+          <a:fontRef idx="minor">
+            <a:schemeClr val="lt1"/>
+          </a:fontRef>
+        </p:style>
+        <p:txBody>
+          <a:bodyPr rtlCol="0" anchor="ctr"/>
+          <a:lstStyle/>
+          <a:p>
+            <a:pPr algn="ctr"/>
+            <a:endParaRPr lang="en-US"/>
+          </a:p>
+        </p:txBody>
+      </p:sp>
+      <p:sp>
+        <p:nvSpPr>
+          <p:cNvPr id="2" name="Title 1">
+            <a:extLst>
+              <a:ext uri="{FF2B5EF4-FFF2-40B4-BE49-F238E27FC236}">
+                <a16:creationId xmlns:a16="http://schemas.microsoft.com/office/drawing/2014/main" id="{CE51B315-BFEC-19A4-A098-5FD1CDC7BA59}"/>
+              </a:ext>
+            </a:extLst>
+          </p:cNvPr>
+          <p:cNvSpPr>
+            <a:spLocks noGrp="1"/>
+          </p:cNvSpPr>
+          <p:nvPr>
+            <p:ph type="title"/>
+          </p:nvPr>
+        </p:nvSpPr>
+        <p:spPr>
+          <a:xfrm>
+            <a:off x="838200" y="365125"/>
+            <a:ext cx="10515600" cy="1325563"/>
+          </a:xfrm>
+        </p:spPr>
+        <p:txBody>
+          <a:bodyPr>
+            <a:normAutofit fontScale="90000"/>
+          </a:bodyPr>
+          <a:lstStyle/>
+          <a:p>
+            <a:pPr algn="ctr"/>
+            <a:r>
+              <a:rPr lang="en-US" sz="5400" dirty="0"/>
+              <a:t>Kubernetes Event Driven Scaler (KEDA)</a:t>
+            </a:r>
+          </a:p>
+        </p:txBody>
+      </p:sp>
+      <p:sp>
+        <p:nvSpPr>
+          <p:cNvPr id="10" name="sketch line">
+            <a:extLst>
+              <a:ext uri="{FF2B5EF4-FFF2-40B4-BE49-F238E27FC236}">
+                <a16:creationId xmlns:a16="http://schemas.microsoft.com/office/drawing/2014/main" id="{BE5144B9-9EE7-3D04-717F-DA41C39A3CDB}"/>
+              </a:ext>
+              <a:ext uri="{C183D7F6-B498-43B3-948B-1728B52AA6E4}">
+                <adec:decorative xmlns:adec="http://schemas.microsoft.com/office/drawing/2017/decorative" val="1"/>
+              </a:ext>
+            </a:extLst>
+          </p:cNvPr>
+          <p:cNvSpPr>
+            <a:spLocks noGrp="1" noRot="1" noChangeAspect="1" noMove="1" noResize="1" noEditPoints="1" noAdjustHandles="1" noChangeArrowheads="1" noChangeShapeType="1" noTextEdit="1"/>
+          </p:cNvSpPr>
+          <p:nvPr>
+            <p:extLst>
+              <p:ext uri="{386F3935-93C4-4BCD-93E2-E3B085C9AB24}">
+                <p16:designElem xmlns:p16="http://schemas.microsoft.com/office/powerpoint/2015/main" val="1"/>
+              </p:ext>
+            </p:extLst>
+          </p:nvPr>
+        </p:nvSpPr>
+        <p:spPr>
+          <a:xfrm>
+            <a:off x="669036" y="1677373"/>
+            <a:ext cx="10853928" cy="18288"/>
+          </a:xfrm>
+          <a:custGeom>
+            <a:avLst/>
+            <a:gdLst>
+              <a:gd name="csX0" fmla="*/ 0 w 10853928"/>
+              <a:gd name="csY0" fmla="*/ 0 h 18288"/>
+              <a:gd name="csX1" fmla="*/ 461292 w 10853928"/>
+              <a:gd name="csY1" fmla="*/ 0 h 18288"/>
+              <a:gd name="csX2" fmla="*/ 1139662 w 10853928"/>
+              <a:gd name="csY2" fmla="*/ 0 h 18288"/>
+              <a:gd name="csX3" fmla="*/ 1926572 w 10853928"/>
+              <a:gd name="csY3" fmla="*/ 0 h 18288"/>
+              <a:gd name="csX4" fmla="*/ 2279325 w 10853928"/>
+              <a:gd name="csY4" fmla="*/ 0 h 18288"/>
+              <a:gd name="csX5" fmla="*/ 2632078 w 10853928"/>
+              <a:gd name="csY5" fmla="*/ 0 h 18288"/>
+              <a:gd name="csX6" fmla="*/ 3527527 w 10853928"/>
+              <a:gd name="csY6" fmla="*/ 0 h 18288"/>
+              <a:gd name="csX7" fmla="*/ 4205897 w 10853928"/>
+              <a:gd name="csY7" fmla="*/ 0 h 18288"/>
+              <a:gd name="csX8" fmla="*/ 4558650 w 10853928"/>
+              <a:gd name="csY8" fmla="*/ 0 h 18288"/>
+              <a:gd name="csX9" fmla="*/ 5237020 w 10853928"/>
+              <a:gd name="csY9" fmla="*/ 0 h 18288"/>
+              <a:gd name="csX10" fmla="*/ 6132469 w 10853928"/>
+              <a:gd name="csY10" fmla="*/ 0 h 18288"/>
+              <a:gd name="csX11" fmla="*/ 6702301 w 10853928"/>
+              <a:gd name="csY11" fmla="*/ 0 h 18288"/>
+              <a:gd name="csX12" fmla="*/ 7272132 w 10853928"/>
+              <a:gd name="csY12" fmla="*/ 0 h 18288"/>
+              <a:gd name="csX13" fmla="*/ 7950502 w 10853928"/>
+              <a:gd name="csY13" fmla="*/ 0 h 18288"/>
+              <a:gd name="csX14" fmla="*/ 8737412 w 10853928"/>
+              <a:gd name="csY14" fmla="*/ 0 h 18288"/>
+              <a:gd name="csX15" fmla="*/ 9524322 w 10853928"/>
+              <a:gd name="csY15" fmla="*/ 0 h 18288"/>
+              <a:gd name="csX16" fmla="*/ 10853928 w 10853928"/>
+              <a:gd name="csY16" fmla="*/ 0 h 18288"/>
+              <a:gd name="csX17" fmla="*/ 10853928 w 10853928"/>
+              <a:gd name="csY17" fmla="*/ 18288 h 18288"/>
+              <a:gd name="csX18" fmla="*/ 10392636 w 10853928"/>
+              <a:gd name="csY18" fmla="*/ 18288 h 18288"/>
+              <a:gd name="csX19" fmla="*/ 9497187 w 10853928"/>
+              <a:gd name="csY19" fmla="*/ 18288 h 18288"/>
+              <a:gd name="csX20" fmla="*/ 8818817 w 10853928"/>
+              <a:gd name="csY20" fmla="*/ 18288 h 18288"/>
+              <a:gd name="csX21" fmla="*/ 8466064 w 10853928"/>
+              <a:gd name="csY21" fmla="*/ 18288 h 18288"/>
+              <a:gd name="csX22" fmla="*/ 7787693 w 10853928"/>
+              <a:gd name="csY22" fmla="*/ 18288 h 18288"/>
+              <a:gd name="csX23" fmla="*/ 7217862 w 10853928"/>
+              <a:gd name="csY23" fmla="*/ 18288 h 18288"/>
+              <a:gd name="csX24" fmla="*/ 6648031 w 10853928"/>
+              <a:gd name="csY24" fmla="*/ 18288 h 18288"/>
+              <a:gd name="csX25" fmla="*/ 6078200 w 10853928"/>
+              <a:gd name="csY25" fmla="*/ 18288 h 18288"/>
+              <a:gd name="csX26" fmla="*/ 5508368 w 10853928"/>
+              <a:gd name="csY26" fmla="*/ 18288 h 18288"/>
+              <a:gd name="csX27" fmla="*/ 4721459 w 10853928"/>
+              <a:gd name="csY27" fmla="*/ 18288 h 18288"/>
+              <a:gd name="csX28" fmla="*/ 4043088 w 10853928"/>
+              <a:gd name="csY28" fmla="*/ 18288 h 18288"/>
+              <a:gd name="csX29" fmla="*/ 3690336 w 10853928"/>
+              <a:gd name="csY29" fmla="*/ 18288 h 18288"/>
+              <a:gd name="csX30" fmla="*/ 3120504 w 10853928"/>
+              <a:gd name="csY30" fmla="*/ 18288 h 18288"/>
+              <a:gd name="csX31" fmla="*/ 2333595 w 10853928"/>
+              <a:gd name="csY31" fmla="*/ 18288 h 18288"/>
+              <a:gd name="csX32" fmla="*/ 1872303 w 10853928"/>
+              <a:gd name="csY32" fmla="*/ 18288 h 18288"/>
+              <a:gd name="csX33" fmla="*/ 976854 w 10853928"/>
+              <a:gd name="csY33" fmla="*/ 18288 h 18288"/>
+              <a:gd name="csX34" fmla="*/ 0 w 10853928"/>
+              <a:gd name="csY34" fmla="*/ 18288 h 18288"/>
+              <a:gd name="csX35" fmla="*/ 0 w 10853928"/>
+              <a:gd name="csY35" fmla="*/ 0 h 18288"/>
+            </a:gdLst>
+            <a:ahLst/>
+            <a:cxnLst>
+              <a:cxn ang="0">
+                <a:pos x="csX0" y="csY0"/>
+              </a:cxn>
+              <a:cxn ang="0">
+                <a:pos x="csX1" y="csY1"/>
+              </a:cxn>
+              <a:cxn ang="0">
+                <a:pos x="csX2" y="csY2"/>
+              </a:cxn>
+              <a:cxn ang="0">
+                <a:pos x="csX3" y="csY3"/>
+              </a:cxn>
+              <a:cxn ang="0">
+                <a:pos x="csX4" y="csY4"/>
+              </a:cxn>
+              <a:cxn ang="0">
+                <a:pos x="csX5" y="csY5"/>
+              </a:cxn>
+              <a:cxn ang="0">
+                <a:pos x="csX6" y="csY6"/>
+              </a:cxn>
+              <a:cxn ang="0">
+                <a:pos x="csX7" y="csY7"/>
+              </a:cxn>
+              <a:cxn ang="0">
+                <a:pos x="csX8" y="csY8"/>
+              </a:cxn>
+              <a:cxn ang="0">
+                <a:pos x="csX9" y="csY9"/>
+              </a:cxn>
+              <a:cxn ang="0">
+                <a:pos x="csX10" y="csY10"/>
+              </a:cxn>
+              <a:cxn ang="0">
+                <a:pos x="csX11" y="csY11"/>
+              </a:cxn>
+              <a:cxn ang="0">
+                <a:pos x="csX12" y="csY12"/>
+              </a:cxn>
+              <a:cxn ang="0">
+                <a:pos x="csX13" y="csY13"/>
+              </a:cxn>
+              <a:cxn ang="0">
+                <a:pos x="csX14" y="csY14"/>
+              </a:cxn>
+              <a:cxn ang="0">
+                <a:pos x="csX15" y="csY15"/>
+              </a:cxn>
+              <a:cxn ang="0">
+                <a:pos x="csX16" y="csY16"/>
+              </a:cxn>
+              <a:cxn ang="0">
+                <a:pos x="csX17" y="csY17"/>
+              </a:cxn>
+              <a:cxn ang="0">
+                <a:pos x="csX18" y="csY18"/>
+              </a:cxn>
+              <a:cxn ang="0">
+                <a:pos x="csX19" y="csY19"/>
+              </a:cxn>
+              <a:cxn ang="0">
+                <a:pos x="csX20" y="csY20"/>
+              </a:cxn>
+              <a:cxn ang="0">
+                <a:pos x="csX21" y="csY21"/>
+              </a:cxn>
+              <a:cxn ang="0">
+                <a:pos x="csX22" y="csY22"/>
+              </a:cxn>
+              <a:cxn ang="0">
+                <a:pos x="csX23" y="csY23"/>
+              </a:cxn>
+              <a:cxn ang="0">
+                <a:pos x="csX24" y="csY24"/>
+              </a:cxn>
+              <a:cxn ang="0">
+                <a:pos x="csX25" y="csY25"/>
+              </a:cxn>
+              <a:cxn ang="0">
+                <a:pos x="csX26" y="csY26"/>
+              </a:cxn>
+              <a:cxn ang="0">
+                <a:pos x="csX27" y="csY27"/>
+              </a:cxn>
+              <a:cxn ang="0">
+                <a:pos x="csX28" y="csY28"/>
+              </a:cxn>
+              <a:cxn ang="0">
+                <a:pos x="csX29" y="csY29"/>
+              </a:cxn>
+              <a:cxn ang="0">
+                <a:pos x="csX30" y="csY30"/>
+              </a:cxn>
+              <a:cxn ang="0">
+                <a:pos x="csX31" y="csY31"/>
+              </a:cxn>
+              <a:cxn ang="0">
+                <a:pos x="csX32" y="csY32"/>
+              </a:cxn>
+              <a:cxn ang="0">
+                <a:pos x="csX33" y="csY33"/>
+              </a:cxn>
+              <a:cxn ang="0">
+                <a:pos x="csX34" y="csY34"/>
+              </a:cxn>
+              <a:cxn ang="0">
+                <a:pos x="csX35" y="csY35"/>
+              </a:cxn>
+            </a:cxnLst>
+            <a:rect l="l" t="t" r="r" b="b"/>
+            <a:pathLst>
+              <a:path w="10853928" h="18288" fill="none" extrusionOk="0">
+                <a:moveTo>
+                  <a:pt x="0" y="0"/>
+                </a:moveTo>
+                <a:cubicBezTo>
+                  <a:pt x="146993" y="-19076"/>
+                  <a:pt x="347684" y="-4790"/>
+                  <a:pt x="461292" y="0"/>
+                </a:cubicBezTo>
+                <a:cubicBezTo>
+                  <a:pt x="574900" y="4790"/>
+                  <a:pt x="808367" y="19821"/>
+                  <a:pt x="1139662" y="0"/>
+                </a:cubicBezTo>
+                <a:cubicBezTo>
+                  <a:pt x="1470957" y="-19821"/>
+                  <a:pt x="1627405" y="5721"/>
+                  <a:pt x="1926572" y="0"/>
+                </a:cubicBezTo>
+                <a:cubicBezTo>
+                  <a:pt x="2225739" y="-5721"/>
+                  <a:pt x="2137730" y="-3235"/>
+                  <a:pt x="2279325" y="0"/>
+                </a:cubicBezTo>
+                <a:cubicBezTo>
+                  <a:pt x="2420920" y="3235"/>
+                  <a:pt x="2456518" y="9685"/>
+                  <a:pt x="2632078" y="0"/>
+                </a:cubicBezTo>
+                <a:cubicBezTo>
+                  <a:pt x="2807638" y="-9685"/>
+                  <a:pt x="3211516" y="-43007"/>
+                  <a:pt x="3527527" y="0"/>
+                </a:cubicBezTo>
+                <a:cubicBezTo>
+                  <a:pt x="3843538" y="43007"/>
+                  <a:pt x="4058833" y="22042"/>
+                  <a:pt x="4205897" y="0"/>
+                </a:cubicBezTo>
+                <a:cubicBezTo>
+                  <a:pt x="4352961" y="-22042"/>
+                  <a:pt x="4474805" y="-11846"/>
+                  <a:pt x="4558650" y="0"/>
+                </a:cubicBezTo>
+                <a:cubicBezTo>
+                  <a:pt x="4642495" y="11846"/>
+                  <a:pt x="5041928" y="-6069"/>
+                  <a:pt x="5237020" y="0"/>
+                </a:cubicBezTo>
+                <a:cubicBezTo>
+                  <a:pt x="5432112" y="6069"/>
+                  <a:pt x="5943266" y="-17479"/>
+                  <a:pt x="6132469" y="0"/>
+                </a:cubicBezTo>
+                <a:cubicBezTo>
+                  <a:pt x="6321672" y="17479"/>
+                  <a:pt x="6483872" y="26234"/>
+                  <a:pt x="6702301" y="0"/>
+                </a:cubicBezTo>
+                <a:cubicBezTo>
+                  <a:pt x="6920730" y="-26234"/>
+                  <a:pt x="6991194" y="-15156"/>
+                  <a:pt x="7272132" y="0"/>
+                </a:cubicBezTo>
+                <a:cubicBezTo>
+                  <a:pt x="7553070" y="15156"/>
+                  <a:pt x="7684444" y="-32961"/>
+                  <a:pt x="7950502" y="0"/>
+                </a:cubicBezTo>
+                <a:cubicBezTo>
+                  <a:pt x="8216560" y="32961"/>
+                  <a:pt x="8493290" y="-10491"/>
+                  <a:pt x="8737412" y="0"/>
+                </a:cubicBezTo>
+                <a:cubicBezTo>
+                  <a:pt x="8981534" y="10491"/>
+                  <a:pt x="9191586" y="-13899"/>
+                  <a:pt x="9524322" y="0"/>
+                </a:cubicBezTo>
+                <a:cubicBezTo>
+                  <a:pt x="9857058" y="13899"/>
+                  <a:pt x="10297509" y="7485"/>
+                  <a:pt x="10853928" y="0"/>
+                </a:cubicBezTo>
+                <a:cubicBezTo>
+                  <a:pt x="10854574" y="4451"/>
+                  <a:pt x="10854418" y="9226"/>
+                  <a:pt x="10853928" y="18288"/>
+                </a:cubicBezTo>
+                <a:cubicBezTo>
+                  <a:pt x="10691638" y="28522"/>
+                  <a:pt x="10574319" y="29578"/>
+                  <a:pt x="10392636" y="18288"/>
+                </a:cubicBezTo>
+                <a:cubicBezTo>
+                  <a:pt x="10210953" y="6998"/>
+                  <a:pt x="9836277" y="-16742"/>
+                  <a:pt x="9497187" y="18288"/>
+                </a:cubicBezTo>
+                <a:cubicBezTo>
+                  <a:pt x="9158097" y="53318"/>
+                  <a:pt x="9119479" y="30714"/>
+                  <a:pt x="8818817" y="18288"/>
+                </a:cubicBezTo>
+                <a:cubicBezTo>
+                  <a:pt x="8518155" y="5863"/>
+                  <a:pt x="8640037" y="6483"/>
+                  <a:pt x="8466064" y="18288"/>
+                </a:cubicBezTo>
+                <a:cubicBezTo>
+                  <a:pt x="8292091" y="30093"/>
+                  <a:pt x="7997656" y="18914"/>
+                  <a:pt x="7787693" y="18288"/>
+                </a:cubicBezTo>
+                <a:cubicBezTo>
+                  <a:pt x="7577730" y="17662"/>
+                  <a:pt x="7412468" y="21416"/>
+                  <a:pt x="7217862" y="18288"/>
+                </a:cubicBezTo>
+                <a:cubicBezTo>
+                  <a:pt x="7023256" y="15160"/>
+                  <a:pt x="6898018" y="14824"/>
+                  <a:pt x="6648031" y="18288"/>
+                </a:cubicBezTo>
+                <a:cubicBezTo>
+                  <a:pt x="6398044" y="21752"/>
+                  <a:pt x="6254402" y="38625"/>
+                  <a:pt x="6078200" y="18288"/>
+                </a:cubicBezTo>
+                <a:cubicBezTo>
+                  <a:pt x="5901998" y="-2049"/>
+                  <a:pt x="5622886" y="3213"/>
+                  <a:pt x="5508368" y="18288"/>
+                </a:cubicBezTo>
+                <a:cubicBezTo>
+                  <a:pt x="5393850" y="33363"/>
+                  <a:pt x="5036260" y="26830"/>
+                  <a:pt x="4721459" y="18288"/>
+                </a:cubicBezTo>
+                <a:cubicBezTo>
+                  <a:pt x="4406658" y="9746"/>
+                  <a:pt x="4239221" y="41551"/>
+                  <a:pt x="4043088" y="18288"/>
+                </a:cubicBezTo>
+                <a:cubicBezTo>
+                  <a:pt x="3846955" y="-4975"/>
+                  <a:pt x="3818802" y="34658"/>
+                  <a:pt x="3690336" y="18288"/>
+                </a:cubicBezTo>
+                <a:cubicBezTo>
+                  <a:pt x="3561870" y="1918"/>
+                  <a:pt x="3265491" y="42194"/>
+                  <a:pt x="3120504" y="18288"/>
+                </a:cubicBezTo>
+                <a:cubicBezTo>
+                  <a:pt x="2975517" y="-5618"/>
+                  <a:pt x="2720254" y="36673"/>
+                  <a:pt x="2333595" y="18288"/>
+                </a:cubicBezTo>
+                <a:cubicBezTo>
+                  <a:pt x="1946936" y="-97"/>
+                  <a:pt x="2097241" y="5776"/>
+                  <a:pt x="1872303" y="18288"/>
+                </a:cubicBezTo>
+                <a:cubicBezTo>
+                  <a:pt x="1647365" y="30800"/>
+                  <a:pt x="1282708" y="45380"/>
+                  <a:pt x="976854" y="18288"/>
+                </a:cubicBezTo>
+                <a:cubicBezTo>
+                  <a:pt x="671000" y="-8804"/>
+                  <a:pt x="408401" y="-12775"/>
+                  <a:pt x="0" y="18288"/>
+                </a:cubicBezTo>
+                <a:cubicBezTo>
+                  <a:pt x="-213" y="9468"/>
+                  <a:pt x="187" y="4459"/>
+                  <a:pt x="0" y="0"/>
+                </a:cubicBezTo>
+                <a:close/>
+              </a:path>
+              <a:path w="10853928" h="18288" stroke="0" extrusionOk="0">
+                <a:moveTo>
+                  <a:pt x="0" y="0"/>
+                </a:moveTo>
+                <a:cubicBezTo>
+                  <a:pt x="267322" y="15284"/>
+                  <a:pt x="415388" y="-21048"/>
+                  <a:pt x="569831" y="0"/>
+                </a:cubicBezTo>
+                <a:cubicBezTo>
+                  <a:pt x="724274" y="21048"/>
+                  <a:pt x="769333" y="-2353"/>
+                  <a:pt x="922584" y="0"/>
+                </a:cubicBezTo>
+                <a:cubicBezTo>
+                  <a:pt x="1075835" y="2353"/>
+                  <a:pt x="1399490" y="-145"/>
+                  <a:pt x="1818033" y="0"/>
+                </a:cubicBezTo>
+                <a:cubicBezTo>
+                  <a:pt x="2236576" y="145"/>
+                  <a:pt x="2145330" y="5482"/>
+                  <a:pt x="2387864" y="0"/>
+                </a:cubicBezTo>
+                <a:cubicBezTo>
+                  <a:pt x="2630398" y="-5482"/>
+                  <a:pt x="2793207" y="18487"/>
+                  <a:pt x="2957695" y="0"/>
+                </a:cubicBezTo>
+                <a:cubicBezTo>
+                  <a:pt x="3122183" y="-18487"/>
+                  <a:pt x="3579141" y="19003"/>
+                  <a:pt x="3853144" y="0"/>
+                </a:cubicBezTo>
+                <a:cubicBezTo>
+                  <a:pt x="4127147" y="-19003"/>
+                  <a:pt x="4209857" y="12211"/>
+                  <a:pt x="4314436" y="0"/>
+                </a:cubicBezTo>
+                <a:cubicBezTo>
+                  <a:pt x="4419015" y="-12211"/>
+                  <a:pt x="4762459" y="-17220"/>
+                  <a:pt x="5209885" y="0"/>
+                </a:cubicBezTo>
+                <a:cubicBezTo>
+                  <a:pt x="5657311" y="17220"/>
+                  <a:pt x="5692663" y="-3290"/>
+                  <a:pt x="6105335" y="0"/>
+                </a:cubicBezTo>
+                <a:cubicBezTo>
+                  <a:pt x="6518007" y="3290"/>
+                  <a:pt x="6455516" y="-5124"/>
+                  <a:pt x="6783705" y="0"/>
+                </a:cubicBezTo>
+                <a:cubicBezTo>
+                  <a:pt x="7111894" y="5124"/>
+                  <a:pt x="7441941" y="-17829"/>
+                  <a:pt x="7679154" y="0"/>
+                </a:cubicBezTo>
+                <a:cubicBezTo>
+                  <a:pt x="7916367" y="17829"/>
+                  <a:pt x="8102967" y="-24363"/>
+                  <a:pt x="8248985" y="0"/>
+                </a:cubicBezTo>
+                <a:cubicBezTo>
+                  <a:pt x="8395003" y="24363"/>
+                  <a:pt x="8552393" y="25505"/>
+                  <a:pt x="8818817" y="0"/>
+                </a:cubicBezTo>
+                <a:cubicBezTo>
+                  <a:pt x="9085241" y="-25505"/>
+                  <a:pt x="9411308" y="38000"/>
+                  <a:pt x="9605726" y="0"/>
+                </a:cubicBezTo>
+                <a:cubicBezTo>
+                  <a:pt x="9800144" y="-38000"/>
+                  <a:pt x="10006468" y="-25741"/>
+                  <a:pt x="10175558" y="0"/>
+                </a:cubicBezTo>
+                <a:cubicBezTo>
+                  <a:pt x="10344648" y="25741"/>
+                  <a:pt x="10696282" y="695"/>
+                  <a:pt x="10853928" y="0"/>
+                </a:cubicBezTo>
+                <a:cubicBezTo>
+                  <a:pt x="10853521" y="8690"/>
+                  <a:pt x="10853774" y="14141"/>
+                  <a:pt x="10853928" y="18288"/>
+                </a:cubicBezTo>
+                <a:cubicBezTo>
+                  <a:pt x="10608124" y="24255"/>
+                  <a:pt x="10343415" y="22307"/>
+                  <a:pt x="10067018" y="18288"/>
+                </a:cubicBezTo>
+                <a:cubicBezTo>
+                  <a:pt x="9790621" y="14270"/>
+                  <a:pt x="9843266" y="3564"/>
+                  <a:pt x="9714266" y="18288"/>
+                </a:cubicBezTo>
+                <a:cubicBezTo>
+                  <a:pt x="9585266" y="33012"/>
+                  <a:pt x="9379484" y="1875"/>
+                  <a:pt x="9252974" y="18288"/>
+                </a:cubicBezTo>
+                <a:cubicBezTo>
+                  <a:pt x="9126464" y="34701"/>
+                  <a:pt x="8580678" y="-4904"/>
+                  <a:pt x="8357525" y="18288"/>
+                </a:cubicBezTo>
+                <a:cubicBezTo>
+                  <a:pt x="8134372" y="41480"/>
+                  <a:pt x="7903199" y="26458"/>
+                  <a:pt x="7679154" y="18288"/>
+                </a:cubicBezTo>
+                <a:cubicBezTo>
+                  <a:pt x="7455109" y="10118"/>
+                  <a:pt x="7435944" y="27109"/>
+                  <a:pt x="7217862" y="18288"/>
+                </a:cubicBezTo>
+                <a:cubicBezTo>
+                  <a:pt x="6999780" y="9467"/>
+                  <a:pt x="6680409" y="18985"/>
+                  <a:pt x="6539492" y="18288"/>
+                </a:cubicBezTo>
+                <a:cubicBezTo>
+                  <a:pt x="6398575" y="17592"/>
+                  <a:pt x="6312077" y="33018"/>
+                  <a:pt x="6186739" y="18288"/>
+                </a:cubicBezTo>
+                <a:cubicBezTo>
+                  <a:pt x="6061401" y="3558"/>
+                  <a:pt x="5947033" y="12075"/>
+                  <a:pt x="5833986" y="18288"/>
+                </a:cubicBezTo>
+                <a:cubicBezTo>
+                  <a:pt x="5720939" y="24501"/>
+                  <a:pt x="5482226" y="8586"/>
+                  <a:pt x="5155616" y="18288"/>
+                </a:cubicBezTo>
+                <a:cubicBezTo>
+                  <a:pt x="4829006" y="27991"/>
+                  <a:pt x="4841274" y="29316"/>
+                  <a:pt x="4694324" y="18288"/>
+                </a:cubicBezTo>
+                <a:cubicBezTo>
+                  <a:pt x="4547374" y="7260"/>
+                  <a:pt x="4077675" y="7013"/>
+                  <a:pt x="3907414" y="18288"/>
+                </a:cubicBezTo>
+                <a:cubicBezTo>
+                  <a:pt x="3737153" y="29564"/>
+                  <a:pt x="3538393" y="21630"/>
+                  <a:pt x="3446122" y="18288"/>
+                </a:cubicBezTo>
+                <a:cubicBezTo>
+                  <a:pt x="3353851" y="14946"/>
+                  <a:pt x="2990320" y="-8091"/>
+                  <a:pt x="2659212" y="18288"/>
+                </a:cubicBezTo>
+                <a:cubicBezTo>
+                  <a:pt x="2328104" y="44667"/>
+                  <a:pt x="2427653" y="9607"/>
+                  <a:pt x="2306460" y="18288"/>
+                </a:cubicBezTo>
+                <a:cubicBezTo>
+                  <a:pt x="2185267" y="26969"/>
+                  <a:pt x="1719763" y="3717"/>
+                  <a:pt x="1519550" y="18288"/>
+                </a:cubicBezTo>
+                <a:cubicBezTo>
+                  <a:pt x="1319337" y="32860"/>
+                  <a:pt x="1167371" y="17040"/>
+                  <a:pt x="1058258" y="18288"/>
+                </a:cubicBezTo>
+                <a:cubicBezTo>
+                  <a:pt x="949145" y="19536"/>
+                  <a:pt x="780234" y="31447"/>
+                  <a:pt x="705505" y="18288"/>
+                </a:cubicBezTo>
+                <a:cubicBezTo>
+                  <a:pt x="630776" y="5129"/>
+                  <a:pt x="215796" y="30056"/>
+                  <a:pt x="0" y="18288"/>
+                </a:cubicBezTo>
+                <a:cubicBezTo>
+                  <a:pt x="-53" y="11301"/>
+                  <a:pt x="-649" y="7756"/>
+                  <a:pt x="0" y="0"/>
+                </a:cubicBezTo>
+                <a:close/>
+              </a:path>
+            </a:pathLst>
+          </a:custGeom>
+          <a:solidFill>
+            <a:schemeClr val="accent2"/>
+          </a:solidFill>
+          <a:ln w="41275" cap="rnd">
+            <a:solidFill>
+              <a:schemeClr val="accent2"/>
+            </a:solidFill>
+            <a:round/>
+            <a:extLst>
+              <a:ext uri="{C807C97D-BFC1-408E-A445-0C87EB9F89A2}">
+                <ask:lineSketchStyleProps xmlns:ask="http://schemas.microsoft.com/office/drawing/2018/sketchyshapes" sd="1219033472">
+                  <a:prstGeom prst="rect">
+                    <a:avLst/>
+                  </a:prstGeom>
+                  <ask:type>
+                    <ask:lineSketchFreehand/>
+                  </ask:type>
+                </ask:lineSketchStyleProps>
+              </a:ext>
+            </a:extLst>
+          </a:ln>
+        </p:spPr>
+        <p:style>
+          <a:lnRef idx="2">
+            <a:schemeClr val="accent1">
+              <a:shade val="50000"/>
+            </a:schemeClr>
+          </a:lnRef>
+          <a:fillRef idx="1">
+            <a:schemeClr val="accent1"/>
+          </a:fillRef>
+          <a:effectRef idx="0">
+            <a:schemeClr val="accent1"/>
+          </a:effectRef>
+          <a:fontRef idx="minor">
+            <a:schemeClr val="lt1"/>
+          </a:fontRef>
+        </p:style>
+        <p:txBody>
+          <a:bodyPr rtlCol="0" anchor="ctr"/>
+          <a:lstStyle/>
+          <a:p>
+            <a:pPr algn="ctr"/>
+            <a:endParaRPr lang="en-US"/>
+          </a:p>
+        </p:txBody>
+      </p:sp>
+      <p:sp>
+        <p:nvSpPr>
+          <p:cNvPr id="3" name="TextBox 2">
+            <a:extLst>
+              <a:ext uri="{FF2B5EF4-FFF2-40B4-BE49-F238E27FC236}">
+                <a16:creationId xmlns:a16="http://schemas.microsoft.com/office/drawing/2014/main" id="{74999A81-84FF-C469-07CD-45501A0D06EB}"/>
+              </a:ext>
+            </a:extLst>
+          </p:cNvPr>
+          <p:cNvSpPr txBox="1"/>
+          <p:nvPr/>
+        </p:nvSpPr>
+        <p:spPr>
+          <a:xfrm>
+            <a:off x="844296" y="2501958"/>
+            <a:ext cx="10509504" cy="2905686"/>
+          </a:xfrm>
+          <a:prstGeom prst="rect">
+            <a:avLst/>
+          </a:prstGeom>
+        </p:spPr>
+        <p:txBody>
+          <a:bodyPr vert="horz" lIns="91440" tIns="45720" rIns="91440" bIns="45720" rtlCol="0">
+            <a:normAutofit/>
+          </a:bodyPr>
+          <a:lstStyle/>
+          <a:p>
+            <a:pPr marL="342900" indent="-228600">
+              <a:lnSpc>
+                <a:spcPct val="90000"/>
+              </a:lnSpc>
+              <a:spcAft>
+                <a:spcPts val="600"/>
+              </a:spcAft>
+              <a:buFont typeface="Arial" panose="020B0604020202020204" pitchFamily="34" charset="0"/>
+              <a:buChar char="•"/>
+            </a:pPr>
+            <a:r>
+              <a:rPr lang="en-US" sz="1700" dirty="0"/>
+              <a:t>Build sustainable and cost-efficient applications with scale-to-zero</a:t>
+            </a:r>
+          </a:p>
+          <a:p>
+            <a:pPr marL="342900" indent="-228600">
+              <a:lnSpc>
+                <a:spcPct val="90000"/>
+              </a:lnSpc>
+              <a:spcAft>
+                <a:spcPts val="600"/>
+              </a:spcAft>
+              <a:buFont typeface="Arial" panose="020B0604020202020204" pitchFamily="34" charset="0"/>
+              <a:buChar char="•"/>
+            </a:pPr>
+            <a:r>
+              <a:rPr lang="en-US" sz="1700" dirty="0"/>
+              <a:t>Scale application workloads to meet demand using a rich catalog of Azure KEDA scalers</a:t>
+            </a:r>
+          </a:p>
+          <a:p>
+            <a:pPr marL="342900" indent="-228600">
+              <a:lnSpc>
+                <a:spcPct val="90000"/>
+              </a:lnSpc>
+              <a:spcAft>
+                <a:spcPts val="600"/>
+              </a:spcAft>
+              <a:buFont typeface="Arial" panose="020B0604020202020204" pitchFamily="34" charset="0"/>
+              <a:buChar char="•"/>
+            </a:pPr>
+            <a:r>
+              <a:rPr lang="en-US" sz="1700" dirty="0" err="1"/>
+              <a:t>Autoscale</a:t>
+            </a:r>
+            <a:r>
+              <a:rPr lang="en-US" sz="1700" dirty="0"/>
+              <a:t> applications with </a:t>
+            </a:r>
+            <a:r>
+              <a:rPr lang="en-US" sz="1700" dirty="0" err="1"/>
+              <a:t>ScaledObjects</a:t>
+            </a:r>
+            <a:r>
+              <a:rPr lang="en-US" sz="1700" dirty="0"/>
+              <a:t>, such as Deployments, </a:t>
+            </a:r>
+            <a:r>
+              <a:rPr lang="en-US" sz="1700" dirty="0" err="1"/>
+              <a:t>StatefulSets</a:t>
+            </a:r>
+            <a:r>
+              <a:rPr lang="en-US" sz="1700" dirty="0"/>
+              <a:t>, or any custom resource that defines /scale </a:t>
+            </a:r>
+            <a:r>
+              <a:rPr lang="en-US" sz="1700" dirty="0" err="1"/>
+              <a:t>subresource</a:t>
+            </a:r>
+            <a:endParaRPr lang="en-US" sz="1700" dirty="0"/>
+          </a:p>
+          <a:p>
+            <a:pPr marL="342900" indent="-228600">
+              <a:lnSpc>
+                <a:spcPct val="90000"/>
+              </a:lnSpc>
+              <a:spcAft>
+                <a:spcPts val="600"/>
+              </a:spcAft>
+              <a:buFont typeface="Arial" panose="020B0604020202020204" pitchFamily="34" charset="0"/>
+              <a:buChar char="•"/>
+            </a:pPr>
+            <a:r>
+              <a:rPr lang="en-US" sz="1700" dirty="0" err="1"/>
+              <a:t>Autoscale</a:t>
+            </a:r>
+            <a:r>
+              <a:rPr lang="en-US" sz="1700" dirty="0"/>
+              <a:t> job-like workloads with </a:t>
+            </a:r>
+            <a:r>
+              <a:rPr lang="en-US" sz="1700" dirty="0" err="1"/>
+              <a:t>ScaledJobs</a:t>
+            </a:r>
+            <a:endParaRPr lang="en-US" sz="1700" dirty="0"/>
+          </a:p>
+          <a:p>
+            <a:pPr marL="342900" indent="-228600">
+              <a:lnSpc>
+                <a:spcPct val="90000"/>
+              </a:lnSpc>
+              <a:spcAft>
+                <a:spcPts val="600"/>
+              </a:spcAft>
+              <a:buFont typeface="Arial" panose="020B0604020202020204" pitchFamily="34" charset="0"/>
+              <a:buChar char="•"/>
+            </a:pPr>
+            <a:r>
+              <a:rPr lang="en-US" sz="1700" dirty="0"/>
+              <a:t>Use production-grade security by decoupling autoscaling authentication from workloads</a:t>
+            </a:r>
+          </a:p>
+          <a:p>
+            <a:pPr marL="342900" indent="-228600">
+              <a:lnSpc>
+                <a:spcPct val="90000"/>
+              </a:lnSpc>
+              <a:spcAft>
+                <a:spcPts val="600"/>
+              </a:spcAft>
+              <a:buFont typeface="Arial" panose="020B0604020202020204" pitchFamily="34" charset="0"/>
+              <a:buChar char="•"/>
+            </a:pPr>
+            <a:r>
+              <a:rPr lang="en-US" sz="1700" dirty="0"/>
+              <a:t>Bring-your-own external scaler to use tailor-made autoscaling decisions</a:t>
+            </a:r>
+          </a:p>
+          <a:p>
+            <a:pPr marL="342900" indent="-228600">
+              <a:lnSpc>
+                <a:spcPct val="90000"/>
+              </a:lnSpc>
+              <a:spcAft>
+                <a:spcPts val="600"/>
+              </a:spcAft>
+              <a:buFont typeface="Arial" panose="020B0604020202020204" pitchFamily="34" charset="0"/>
+              <a:buChar char="•"/>
+            </a:pPr>
+            <a:r>
+              <a:rPr lang="en-US" sz="1700"/>
+              <a:t>Integrate with Microsoft Entra Workload ID for authentication</a:t>
+            </a:r>
+            <a:endParaRPr lang="en-US" sz="1700" dirty="0"/>
+          </a:p>
+        </p:txBody>
+      </p:sp>
+    </p:spTree>
+    <p:extLst>
+      <p:ext uri="{BB962C8B-B14F-4D97-AF65-F5344CB8AC3E}">
+        <p14:creationId xmlns:p14="http://schemas.microsoft.com/office/powerpoint/2010/main" val="3543038593"/>
+      </p:ext>
+    </p:extLst>
+  </p:cSld>
+  <p:clrMapOvr>
+    <a:masterClrMapping/>
+  </p:clrMapOvr>
+</p:sld>
+</file>
+
+<file path=ppt/slides/slide46.xml><?xml version="1.0" encoding="utf-8"?>
 <p:sld xmlns:a="http://schemas.openxmlformats.org/drawingml/2006/main" xmlns:r="http://schemas.openxmlformats.org/officeDocument/2006/relationships" xmlns:p="http://schemas.openxmlformats.org/presentationml/2006/main">
   <p:cSld>
     <p:bg>
@@ -40488,7 +47900,7 @@
 </p:sld>
 </file>
 
-<file path=ppt/slides/slide41.xml><?xml version="1.0" encoding="utf-8"?>
+<file path=ppt/slides/slide47.xml><?xml version="1.0" encoding="utf-8"?>
 <p:sld xmlns:a="http://schemas.openxmlformats.org/drawingml/2006/main" xmlns:r="http://schemas.openxmlformats.org/officeDocument/2006/relationships" xmlns:p="http://schemas.openxmlformats.org/presentationml/2006/main">
   <p:cSld>
     <p:bg>
